--- a/short_genetic_variants/docs/short_indels_v02.pptx
+++ b/short_genetic_variants/docs/short_indels_v02.pptx
@@ -5,25 +5,26 @@
     <p:sldMasterId id="2147483648" r:id="rId1"/>
   </p:sldMasterIdLst>
   <p:notesMasterIdLst>
-    <p:notesMasterId r:id="rId18"/>
+    <p:notesMasterId r:id="rId19"/>
   </p:notesMasterIdLst>
   <p:sldIdLst>
     <p:sldId id="256" r:id="rId2"/>
     <p:sldId id="257" r:id="rId3"/>
     <p:sldId id="259" r:id="rId4"/>
-    <p:sldId id="275" r:id="rId5"/>
-    <p:sldId id="286" r:id="rId6"/>
-    <p:sldId id="287" r:id="rId7"/>
-    <p:sldId id="258" r:id="rId8"/>
-    <p:sldId id="273" r:id="rId9"/>
-    <p:sldId id="274" r:id="rId10"/>
-    <p:sldId id="288" r:id="rId11"/>
-    <p:sldId id="289" r:id="rId12"/>
-    <p:sldId id="292" r:id="rId13"/>
-    <p:sldId id="293" r:id="rId14"/>
-    <p:sldId id="294" r:id="rId15"/>
-    <p:sldId id="295" r:id="rId16"/>
-    <p:sldId id="296" r:id="rId17"/>
+    <p:sldId id="297" r:id="rId5"/>
+    <p:sldId id="275" r:id="rId6"/>
+    <p:sldId id="286" r:id="rId7"/>
+    <p:sldId id="287" r:id="rId8"/>
+    <p:sldId id="258" r:id="rId9"/>
+    <p:sldId id="273" r:id="rId10"/>
+    <p:sldId id="274" r:id="rId11"/>
+    <p:sldId id="288" r:id="rId12"/>
+    <p:sldId id="289" r:id="rId13"/>
+    <p:sldId id="292" r:id="rId14"/>
+    <p:sldId id="293" r:id="rId15"/>
+    <p:sldId id="294" r:id="rId16"/>
+    <p:sldId id="295" r:id="rId17"/>
+    <p:sldId id="296" r:id="rId18"/>
   </p:sldIdLst>
   <p:sldSz cx="12192000" cy="6858000"/>
   <p:notesSz cx="6858000" cy="9144000"/>
@@ -212,7 +213,7 @@
           <a:p>
             <a:fld id="{ADC703C6-BB32-1847-9BA4-6A93FF920BED}" type="datetimeFigureOut">
               <a:rPr lang="en-GB" smtClean="0"/>
-              <a:t>14/07/2020</a:t>
+              <a:t>15/07/2020</a:t>
             </a:fld>
             <a:endParaRPr lang="en-GB"/>
           </a:p>
@@ -629,7 +630,7 @@
           <a:p>
             <a:fld id="{5C316670-22DA-CE45-BF19-C0B19D676291}" type="datetimeFigureOut">
               <a:rPr lang="en-GB" smtClean="0"/>
-              <a:t>14/07/2020</a:t>
+              <a:t>15/07/2020</a:t>
             </a:fld>
             <a:endParaRPr lang="en-GB"/>
           </a:p>
@@ -829,7 +830,7 @@
           <a:p>
             <a:fld id="{5C316670-22DA-CE45-BF19-C0B19D676291}" type="datetimeFigureOut">
               <a:rPr lang="en-GB" smtClean="0"/>
-              <a:t>14/07/2020</a:t>
+              <a:t>15/07/2020</a:t>
             </a:fld>
             <a:endParaRPr lang="en-GB"/>
           </a:p>
@@ -1039,7 +1040,7 @@
           <a:p>
             <a:fld id="{5C316670-22DA-CE45-BF19-C0B19D676291}" type="datetimeFigureOut">
               <a:rPr lang="en-GB" smtClean="0"/>
-              <a:t>14/07/2020</a:t>
+              <a:t>15/07/2020</a:t>
             </a:fld>
             <a:endParaRPr lang="en-GB"/>
           </a:p>
@@ -1239,7 +1240,7 @@
           <a:p>
             <a:fld id="{5C316670-22DA-CE45-BF19-C0B19D676291}" type="datetimeFigureOut">
               <a:rPr lang="en-GB" smtClean="0"/>
-              <a:t>14/07/2020</a:t>
+              <a:t>15/07/2020</a:t>
             </a:fld>
             <a:endParaRPr lang="en-GB"/>
           </a:p>
@@ -1515,7 +1516,7 @@
           <a:p>
             <a:fld id="{5C316670-22DA-CE45-BF19-C0B19D676291}" type="datetimeFigureOut">
               <a:rPr lang="en-GB" smtClean="0"/>
-              <a:t>14/07/2020</a:t>
+              <a:t>15/07/2020</a:t>
             </a:fld>
             <a:endParaRPr lang="en-GB"/>
           </a:p>
@@ -1783,7 +1784,7 @@
           <a:p>
             <a:fld id="{5C316670-22DA-CE45-BF19-C0B19D676291}" type="datetimeFigureOut">
               <a:rPr lang="en-GB" smtClean="0"/>
-              <a:t>14/07/2020</a:t>
+              <a:t>15/07/2020</a:t>
             </a:fld>
             <a:endParaRPr lang="en-GB"/>
           </a:p>
@@ -2198,7 +2199,7 @@
           <a:p>
             <a:fld id="{5C316670-22DA-CE45-BF19-C0B19D676291}" type="datetimeFigureOut">
               <a:rPr lang="en-GB" smtClean="0"/>
-              <a:t>14/07/2020</a:t>
+              <a:t>15/07/2020</a:t>
             </a:fld>
             <a:endParaRPr lang="en-GB"/>
           </a:p>
@@ -2340,7 +2341,7 @@
           <a:p>
             <a:fld id="{5C316670-22DA-CE45-BF19-C0B19D676291}" type="datetimeFigureOut">
               <a:rPr lang="en-GB" smtClean="0"/>
-              <a:t>14/07/2020</a:t>
+              <a:t>15/07/2020</a:t>
             </a:fld>
             <a:endParaRPr lang="en-GB"/>
           </a:p>
@@ -2453,7 +2454,7 @@
           <a:p>
             <a:fld id="{5C316670-22DA-CE45-BF19-C0B19D676291}" type="datetimeFigureOut">
               <a:rPr lang="en-GB" smtClean="0"/>
-              <a:t>14/07/2020</a:t>
+              <a:t>15/07/2020</a:t>
             </a:fld>
             <a:endParaRPr lang="en-GB"/>
           </a:p>
@@ -2766,7 +2767,7 @@
           <a:p>
             <a:fld id="{5C316670-22DA-CE45-BF19-C0B19D676291}" type="datetimeFigureOut">
               <a:rPr lang="en-GB" smtClean="0"/>
-              <a:t>14/07/2020</a:t>
+              <a:t>15/07/2020</a:t>
             </a:fld>
             <a:endParaRPr lang="en-GB"/>
           </a:p>
@@ -3055,7 +3056,7 @@
           <a:p>
             <a:fld id="{5C316670-22DA-CE45-BF19-C0B19D676291}" type="datetimeFigureOut">
               <a:rPr lang="en-GB" smtClean="0"/>
-              <a:t>14/07/2020</a:t>
+              <a:t>15/07/2020</a:t>
             </a:fld>
             <a:endParaRPr lang="en-GB"/>
           </a:p>
@@ -3298,7 +3299,7 @@
           <a:p>
             <a:fld id="{5C316670-22DA-CE45-BF19-C0B19D676291}" type="datetimeFigureOut">
               <a:rPr lang="en-GB" smtClean="0"/>
-              <a:t>14/07/2020</a:t>
+              <a:t>15/07/2020</a:t>
             </a:fld>
             <a:endParaRPr lang="en-GB"/>
           </a:p>
@@ -3775,89 +3776,12 @@
           <a:chExt cx="0" cy="0"/>
         </a:xfrm>
       </p:grpSpPr>
-      <p:sp>
-        <p:nvSpPr>
-          <p:cNvPr id="4" name="Rectangle 3">
-            <a:extLst>
-              <a:ext uri="{FF2B5EF4-FFF2-40B4-BE49-F238E27FC236}">
-                <a16:creationId xmlns:a16="http://schemas.microsoft.com/office/drawing/2014/main" id="{8B6E133F-8983-6A46-A224-E9FA2B0D9F3F}"/>
-              </a:ext>
-            </a:extLst>
-          </p:cNvPr>
-          <p:cNvSpPr/>
-          <p:nvPr/>
-        </p:nvSpPr>
-        <p:spPr>
-          <a:xfrm>
-            <a:off x="528115" y="409596"/>
-            <a:ext cx="4087979" cy="369332"/>
-          </a:xfrm>
-          <a:prstGeom prst="rect">
-            <a:avLst/>
-          </a:prstGeom>
-        </p:spPr>
-        <p:txBody>
-          <a:bodyPr wrap="none">
-            <a:spAutoFit/>
-          </a:bodyPr>
-          <a:lstStyle/>
-          <a:p>
-            <a:pPr marL="342900" indent="-342900">
-              <a:buFont typeface="+mj-lt"/>
-              <a:buAutoNum type="arabicPeriod" startAt="3"/>
-            </a:pPr>
-            <a:r>
-              <a:rPr lang="en-GB" b="1" dirty="0"/>
-              <a:t>Derived allele frequencies (GATK call)</a:t>
-            </a:r>
-          </a:p>
-        </p:txBody>
-      </p:sp>
-      <p:sp>
-        <p:nvSpPr>
-          <p:cNvPr id="5" name="TextBox 4">
-            <a:extLst>
-              <a:ext uri="{FF2B5EF4-FFF2-40B4-BE49-F238E27FC236}">
-                <a16:creationId xmlns:a16="http://schemas.microsoft.com/office/drawing/2014/main" id="{049B477E-5E39-F240-86CA-65F077DF0726}"/>
-              </a:ext>
-            </a:extLst>
-          </p:cNvPr>
-          <p:cNvSpPr txBox="1"/>
-          <p:nvPr/>
-        </p:nvSpPr>
-        <p:spPr>
-          <a:xfrm>
-            <a:off x="528115" y="1100078"/>
-            <a:ext cx="8311085" cy="369332"/>
-          </a:xfrm>
-          <a:prstGeom prst="rect">
-            <a:avLst/>
-          </a:prstGeom>
-          <a:noFill/>
-        </p:spPr>
-        <p:txBody>
-          <a:bodyPr wrap="square" rtlCol="0">
-            <a:spAutoFit/>
-          </a:bodyPr>
-          <a:lstStyle/>
-          <a:p>
-            <a:pPr marL="285750" indent="-285750">
-              <a:buFont typeface="Arial" panose="020B0604020202020204" pitchFamily="34" charset="0"/>
-              <a:buChar char="•"/>
-            </a:pPr>
-            <a:r>
-              <a:rPr lang="en-GB" dirty="0"/>
-              <a:t>Relative proportion of INDELs and SNPs after filtering but before cline analysis.</a:t>
-            </a:r>
-          </a:p>
-        </p:txBody>
-      </p:sp>
       <p:pic>
         <p:nvPicPr>
-          <p:cNvPr id="3" name="Picture 2">
-            <a:extLst>
-              <a:ext uri="{FF2B5EF4-FFF2-40B4-BE49-F238E27FC236}">
-                <a16:creationId xmlns:a16="http://schemas.microsoft.com/office/drawing/2014/main" id="{793A0A25-E3DA-834B-9E2D-6A67A73F11D4}"/>
+          <p:cNvPr id="11" name="Picture 10">
+            <a:extLst>
+              <a:ext uri="{FF2B5EF4-FFF2-40B4-BE49-F238E27FC236}">
+                <a16:creationId xmlns:a16="http://schemas.microsoft.com/office/drawing/2014/main" id="{F1D95220-C278-6A47-B5EB-52BF6ADCF15C}"/>
               </a:ext>
             </a:extLst>
           </p:cNvPr>
@@ -3874,8 +3798,115 @@
         </p:blipFill>
         <p:spPr>
           <a:xfrm>
-            <a:off x="528115" y="1545021"/>
-            <a:ext cx="7304974" cy="5040000"/>
+            <a:off x="5930593" y="1902372"/>
+            <a:ext cx="6261407" cy="4320000"/>
+          </a:xfrm>
+          <a:prstGeom prst="rect">
+            <a:avLst/>
+          </a:prstGeom>
+        </p:spPr>
+      </p:pic>
+      <p:sp>
+        <p:nvSpPr>
+          <p:cNvPr id="4" name="Rectangle 3">
+            <a:extLst>
+              <a:ext uri="{FF2B5EF4-FFF2-40B4-BE49-F238E27FC236}">
+                <a16:creationId xmlns:a16="http://schemas.microsoft.com/office/drawing/2014/main" id="{8B6E133F-8983-6A46-A224-E9FA2B0D9F3F}"/>
+              </a:ext>
+            </a:extLst>
+          </p:cNvPr>
+          <p:cNvSpPr/>
+          <p:nvPr/>
+        </p:nvSpPr>
+        <p:spPr>
+          <a:xfrm>
+            <a:off x="528115" y="409596"/>
+            <a:ext cx="4087979" cy="369332"/>
+          </a:xfrm>
+          <a:prstGeom prst="rect">
+            <a:avLst/>
+          </a:prstGeom>
+        </p:spPr>
+        <p:txBody>
+          <a:bodyPr wrap="none">
+            <a:spAutoFit/>
+          </a:bodyPr>
+          <a:lstStyle/>
+          <a:p>
+            <a:pPr marL="342900" indent="-342900">
+              <a:buFont typeface="+mj-lt"/>
+              <a:buAutoNum type="arabicPeriod" startAt="3"/>
+            </a:pPr>
+            <a:r>
+              <a:rPr lang="en-GB" b="1" dirty="0"/>
+              <a:t>Derived allele frequencies (GATK call)</a:t>
+            </a:r>
+          </a:p>
+        </p:txBody>
+      </p:sp>
+      <p:sp>
+        <p:nvSpPr>
+          <p:cNvPr id="5" name="TextBox 4">
+            <a:extLst>
+              <a:ext uri="{FF2B5EF4-FFF2-40B4-BE49-F238E27FC236}">
+                <a16:creationId xmlns:a16="http://schemas.microsoft.com/office/drawing/2014/main" id="{049B477E-5E39-F240-86CA-65F077DF0726}"/>
+              </a:ext>
+            </a:extLst>
+          </p:cNvPr>
+          <p:cNvSpPr txBox="1"/>
+          <p:nvPr/>
+        </p:nvSpPr>
+        <p:spPr>
+          <a:xfrm>
+            <a:off x="528115" y="1100078"/>
+            <a:ext cx="8311085" cy="369332"/>
+          </a:xfrm>
+          <a:prstGeom prst="rect">
+            <a:avLst/>
+          </a:prstGeom>
+          <a:noFill/>
+        </p:spPr>
+        <p:txBody>
+          <a:bodyPr wrap="square" rtlCol="0">
+            <a:spAutoFit/>
+          </a:bodyPr>
+          <a:lstStyle/>
+          <a:p>
+            <a:pPr marL="285750" indent="-285750">
+              <a:buFont typeface="Arial" panose="020B0604020202020204" pitchFamily="34" charset="0"/>
+              <a:buChar char="•"/>
+            </a:pPr>
+            <a:r>
+              <a:rPr lang="en-GB" dirty="0"/>
+              <a:t>Square root of count of INDELs and SNPs after filtering but before cline analysis.</a:t>
+            </a:r>
+          </a:p>
+        </p:txBody>
+      </p:sp>
+      <p:pic>
+        <p:nvPicPr>
+          <p:cNvPr id="8" name="Picture 7">
+            <a:extLst>
+              <a:ext uri="{FF2B5EF4-FFF2-40B4-BE49-F238E27FC236}">
+                <a16:creationId xmlns:a16="http://schemas.microsoft.com/office/drawing/2014/main" id="{951E7946-9613-CF44-BA97-59369E616309}"/>
+              </a:ext>
+            </a:extLst>
+          </p:cNvPr>
+          <p:cNvPicPr>
+            <a:picLocks noChangeAspect="1"/>
+          </p:cNvPicPr>
+          <p:nvPr/>
+        </p:nvPicPr>
+        <p:blipFill>
+          <a:blip r:embed="rId3"/>
+          <a:stretch>
+            <a:fillRect/>
+          </a:stretch>
+        </p:blipFill>
+        <p:spPr>
+          <a:xfrm>
+            <a:off x="28601" y="1902372"/>
+            <a:ext cx="6261407" cy="4320000"/>
           </a:xfrm>
           <a:prstGeom prst="rect">
             <a:avLst/>
@@ -3885,7 +3916,7 @@
     </p:spTree>
     <p:extLst>
       <p:ext uri="{BB962C8B-B14F-4D97-AF65-F5344CB8AC3E}">
-        <p14:creationId xmlns:p14="http://schemas.microsoft.com/office/powerpoint/2010/main" val="2887222785"/>
+        <p14:creationId xmlns:p14="http://schemas.microsoft.com/office/powerpoint/2010/main" val="3942403218"/>
       </p:ext>
     </p:extLst>
   </p:cSld>
@@ -3912,12 +3943,89 @@
           <a:chExt cx="0" cy="0"/>
         </a:xfrm>
       </p:grpSpPr>
+      <p:sp>
+        <p:nvSpPr>
+          <p:cNvPr id="4" name="Rectangle 3">
+            <a:extLst>
+              <a:ext uri="{FF2B5EF4-FFF2-40B4-BE49-F238E27FC236}">
+                <a16:creationId xmlns:a16="http://schemas.microsoft.com/office/drawing/2014/main" id="{8B6E133F-8983-6A46-A224-E9FA2B0D9F3F}"/>
+              </a:ext>
+            </a:extLst>
+          </p:cNvPr>
+          <p:cNvSpPr/>
+          <p:nvPr/>
+        </p:nvSpPr>
+        <p:spPr>
+          <a:xfrm>
+            <a:off x="528115" y="409596"/>
+            <a:ext cx="4087979" cy="369332"/>
+          </a:xfrm>
+          <a:prstGeom prst="rect">
+            <a:avLst/>
+          </a:prstGeom>
+        </p:spPr>
+        <p:txBody>
+          <a:bodyPr wrap="none">
+            <a:spAutoFit/>
+          </a:bodyPr>
+          <a:lstStyle/>
+          <a:p>
+            <a:pPr marL="342900" indent="-342900">
+              <a:buFont typeface="+mj-lt"/>
+              <a:buAutoNum type="arabicPeriod" startAt="3"/>
+            </a:pPr>
+            <a:r>
+              <a:rPr lang="en-GB" b="1" dirty="0"/>
+              <a:t>Derived allele frequencies (GATK call)</a:t>
+            </a:r>
+          </a:p>
+        </p:txBody>
+      </p:sp>
+      <p:sp>
+        <p:nvSpPr>
+          <p:cNvPr id="5" name="TextBox 4">
+            <a:extLst>
+              <a:ext uri="{FF2B5EF4-FFF2-40B4-BE49-F238E27FC236}">
+                <a16:creationId xmlns:a16="http://schemas.microsoft.com/office/drawing/2014/main" id="{049B477E-5E39-F240-86CA-65F077DF0726}"/>
+              </a:ext>
+            </a:extLst>
+          </p:cNvPr>
+          <p:cNvSpPr txBox="1"/>
+          <p:nvPr/>
+        </p:nvSpPr>
+        <p:spPr>
+          <a:xfrm>
+            <a:off x="528115" y="1100078"/>
+            <a:ext cx="8311085" cy="369332"/>
+          </a:xfrm>
+          <a:prstGeom prst="rect">
+            <a:avLst/>
+          </a:prstGeom>
+          <a:noFill/>
+        </p:spPr>
+        <p:txBody>
+          <a:bodyPr wrap="square" rtlCol="0">
+            <a:spAutoFit/>
+          </a:bodyPr>
+          <a:lstStyle/>
+          <a:p>
+            <a:pPr marL="285750" indent="-285750">
+              <a:buFont typeface="Arial" panose="020B0604020202020204" pitchFamily="34" charset="0"/>
+              <a:buChar char="•"/>
+            </a:pPr>
+            <a:r>
+              <a:rPr lang="en-GB" dirty="0"/>
+              <a:t>Relative proportion of INDELs and SNPs after filtering but before cline analysis.</a:t>
+            </a:r>
+          </a:p>
+        </p:txBody>
+      </p:sp>
       <p:pic>
         <p:nvPicPr>
-          <p:cNvPr id="8" name="Picture 7">
-            <a:extLst>
-              <a:ext uri="{FF2B5EF4-FFF2-40B4-BE49-F238E27FC236}">
-                <a16:creationId xmlns:a16="http://schemas.microsoft.com/office/drawing/2014/main" id="{BF6E379E-1F3B-9646-B375-A42C6188BE08}"/>
+          <p:cNvPr id="3" name="Picture 2">
+            <a:extLst>
+              <a:ext uri="{FF2B5EF4-FFF2-40B4-BE49-F238E27FC236}">
+                <a16:creationId xmlns:a16="http://schemas.microsoft.com/office/drawing/2014/main" id="{793A0A25-E3DA-834B-9E2D-6A67A73F11D4}"/>
               </a:ext>
             </a:extLst>
           </p:cNvPr>
@@ -3934,111 +4042,8 @@
         </p:blipFill>
         <p:spPr>
           <a:xfrm>
-            <a:off x="5521767" y="919324"/>
-            <a:ext cx="5760000" cy="5760000"/>
-          </a:xfrm>
-          <a:prstGeom prst="rect">
-            <a:avLst/>
-          </a:prstGeom>
-        </p:spPr>
-      </p:pic>
-      <p:sp>
-        <p:nvSpPr>
-          <p:cNvPr id="4" name="Rectangle 3">
-            <a:extLst>
-              <a:ext uri="{FF2B5EF4-FFF2-40B4-BE49-F238E27FC236}">
-                <a16:creationId xmlns:a16="http://schemas.microsoft.com/office/drawing/2014/main" id="{8B6E133F-8983-6A46-A224-E9FA2B0D9F3F}"/>
-              </a:ext>
-            </a:extLst>
-          </p:cNvPr>
-          <p:cNvSpPr/>
-          <p:nvPr/>
-        </p:nvSpPr>
-        <p:spPr>
-          <a:xfrm>
-            <a:off x="528115" y="409596"/>
-            <a:ext cx="4087979" cy="369332"/>
-          </a:xfrm>
-          <a:prstGeom prst="rect">
-            <a:avLst/>
-          </a:prstGeom>
-        </p:spPr>
-        <p:txBody>
-          <a:bodyPr wrap="none">
-            <a:spAutoFit/>
-          </a:bodyPr>
-          <a:lstStyle/>
-          <a:p>
-            <a:pPr marL="342900" indent="-342900">
-              <a:buFont typeface="+mj-lt"/>
-              <a:buAutoNum type="arabicPeriod" startAt="3"/>
-            </a:pPr>
-            <a:r>
-              <a:rPr lang="en-GB" b="1" dirty="0"/>
-              <a:t>Derived allele frequencies (GATK call)</a:t>
-            </a:r>
-          </a:p>
-        </p:txBody>
-      </p:sp>
-      <p:sp>
-        <p:nvSpPr>
-          <p:cNvPr id="5" name="TextBox 4">
-            <a:extLst>
-              <a:ext uri="{FF2B5EF4-FFF2-40B4-BE49-F238E27FC236}">
-                <a16:creationId xmlns:a16="http://schemas.microsoft.com/office/drawing/2014/main" id="{049B477E-5E39-F240-86CA-65F077DF0726}"/>
-              </a:ext>
-            </a:extLst>
-          </p:cNvPr>
-          <p:cNvSpPr txBox="1"/>
-          <p:nvPr/>
-        </p:nvSpPr>
-        <p:spPr>
-          <a:xfrm>
-            <a:off x="5721465" y="442863"/>
-            <a:ext cx="5950893" cy="338554"/>
-          </a:xfrm>
-          <a:prstGeom prst="rect">
-            <a:avLst/>
-          </a:prstGeom>
-          <a:noFill/>
-        </p:spPr>
-        <p:txBody>
-          <a:bodyPr wrap="square" rtlCol="0">
-            <a:spAutoFit/>
-          </a:bodyPr>
-          <a:lstStyle/>
-          <a:p>
-            <a:r>
-              <a:rPr lang="en-GB" sz="1600" dirty="0"/>
-              <a:t>CZA CRAB-WAVE joint allele frequency spectra: square root count.</a:t>
-            </a:r>
-          </a:p>
-        </p:txBody>
-      </p:sp>
-      <p:pic>
-        <p:nvPicPr>
-          <p:cNvPr id="6" name="Picture 5">
-            <a:extLst>
-              <a:ext uri="{FF2B5EF4-FFF2-40B4-BE49-F238E27FC236}">
-                <a16:creationId xmlns:a16="http://schemas.microsoft.com/office/drawing/2014/main" id="{54D586B7-59B7-D34B-AB1F-7A5F1270E166}"/>
-              </a:ext>
-            </a:extLst>
-          </p:cNvPr>
-          <p:cNvPicPr>
-            <a:picLocks noChangeAspect="1"/>
-          </p:cNvPicPr>
-          <p:nvPr/>
-        </p:nvPicPr>
-        <p:blipFill>
-          <a:blip r:embed="rId3"/>
-          <a:stretch>
-            <a:fillRect/>
-          </a:stretch>
-        </p:blipFill>
-        <p:spPr>
-          <a:xfrm>
-            <a:off x="336000" y="919324"/>
-            <a:ext cx="5760000" cy="5760000"/>
+            <a:off x="528115" y="1545021"/>
+            <a:ext cx="7304974" cy="5040000"/>
           </a:xfrm>
           <a:prstGeom prst="rect">
             <a:avLst/>
@@ -4048,7 +4053,7 @@
     </p:spTree>
     <p:extLst>
       <p:ext uri="{BB962C8B-B14F-4D97-AF65-F5344CB8AC3E}">
-        <p14:creationId xmlns:p14="http://schemas.microsoft.com/office/powerpoint/2010/main" val="3369321309"/>
+        <p14:creationId xmlns:p14="http://schemas.microsoft.com/office/powerpoint/2010/main" val="2887222785"/>
       </p:ext>
     </p:extLst>
   </p:cSld>
@@ -4077,10 +4082,10 @@
       </p:grpSpPr>
       <p:pic>
         <p:nvPicPr>
-          <p:cNvPr id="9" name="Picture 8">
-            <a:extLst>
-              <a:ext uri="{FF2B5EF4-FFF2-40B4-BE49-F238E27FC236}">
-                <a16:creationId xmlns:a16="http://schemas.microsoft.com/office/drawing/2014/main" id="{DA20A884-96A8-8A4D-A268-C6AF03D880A6}"/>
+          <p:cNvPr id="8" name="Picture 7">
+            <a:extLst>
+              <a:ext uri="{FF2B5EF4-FFF2-40B4-BE49-F238E27FC236}">
+                <a16:creationId xmlns:a16="http://schemas.microsoft.com/office/drawing/2014/main" id="{BF6E379E-1F3B-9646-B375-A42C6188BE08}"/>
               </a:ext>
             </a:extLst>
           </p:cNvPr>
@@ -4097,7 +4102,7 @@
         </p:blipFill>
         <p:spPr>
           <a:xfrm>
-            <a:off x="5504790" y="950855"/>
+            <a:off x="5521767" y="919324"/>
             <a:ext cx="5760000" cy="5760000"/>
           </a:xfrm>
           <a:prstGeom prst="rect">
@@ -4173,17 +4178,17 @@
           <a:p>
             <a:r>
               <a:rPr lang="en-GB" sz="1600" dirty="0"/>
-              <a:t>CZB CRAB-WAVE joint allele frequency spectra: square root count.</a:t>
+              <a:t>CZA CRAB-WAVE joint allele frequency spectra: square root count.</a:t>
             </a:r>
           </a:p>
         </p:txBody>
       </p:sp>
       <p:pic>
         <p:nvPicPr>
-          <p:cNvPr id="3" name="Picture 2">
-            <a:extLst>
-              <a:ext uri="{FF2B5EF4-FFF2-40B4-BE49-F238E27FC236}">
-                <a16:creationId xmlns:a16="http://schemas.microsoft.com/office/drawing/2014/main" id="{069B423A-EC8B-D54C-8AB6-703D49C67DED}"/>
+          <p:cNvPr id="6" name="Picture 5">
+            <a:extLst>
+              <a:ext uri="{FF2B5EF4-FFF2-40B4-BE49-F238E27FC236}">
+                <a16:creationId xmlns:a16="http://schemas.microsoft.com/office/drawing/2014/main" id="{54D586B7-59B7-D34B-AB1F-7A5F1270E166}"/>
               </a:ext>
             </a:extLst>
           </p:cNvPr>
@@ -4200,7 +4205,7 @@
         </p:blipFill>
         <p:spPr>
           <a:xfrm>
-            <a:off x="336000" y="950855"/>
+            <a:off x="336000" y="919324"/>
             <a:ext cx="5760000" cy="5760000"/>
           </a:xfrm>
           <a:prstGeom prst="rect">
@@ -4211,7 +4216,7 @@
     </p:spTree>
     <p:extLst>
       <p:ext uri="{BB962C8B-B14F-4D97-AF65-F5344CB8AC3E}">
-        <p14:creationId xmlns:p14="http://schemas.microsoft.com/office/powerpoint/2010/main" val="2205415152"/>
+        <p14:creationId xmlns:p14="http://schemas.microsoft.com/office/powerpoint/2010/main" val="3369321309"/>
       </p:ext>
     </p:extLst>
   </p:cSld>
@@ -4243,7 +4248,7 @@
           <p:cNvPr id="9" name="Picture 8">
             <a:extLst>
               <a:ext uri="{FF2B5EF4-FFF2-40B4-BE49-F238E27FC236}">
-                <a16:creationId xmlns:a16="http://schemas.microsoft.com/office/drawing/2014/main" id="{8D12B82A-CDCC-654F-960C-92295F478866}"/>
+                <a16:creationId xmlns:a16="http://schemas.microsoft.com/office/drawing/2014/main" id="{DA20A884-96A8-8A4D-A268-C6AF03D880A6}"/>
               </a:ext>
             </a:extLst>
           </p:cNvPr>
@@ -4260,7 +4265,7 @@
         </p:blipFill>
         <p:spPr>
           <a:xfrm>
-            <a:off x="5531097" y="1003572"/>
+            <a:off x="5504790" y="950855"/>
             <a:ext cx="5760000" cy="5760000"/>
           </a:xfrm>
           <a:prstGeom prst="rect">
@@ -4336,7 +4341,7 @@
           <a:p>
             <a:r>
               <a:rPr lang="en-GB" sz="1600" dirty="0"/>
-              <a:t>CZD CRAB-WAVE joint allele frequency spectra: square root count.</a:t>
+              <a:t>CZB CRAB-WAVE joint allele frequency spectra: square root count.</a:t>
             </a:r>
           </a:p>
         </p:txBody>
@@ -4346,7 +4351,7 @@
           <p:cNvPr id="3" name="Picture 2">
             <a:extLst>
               <a:ext uri="{FF2B5EF4-FFF2-40B4-BE49-F238E27FC236}">
-                <a16:creationId xmlns:a16="http://schemas.microsoft.com/office/drawing/2014/main" id="{A901B0D9-74AC-144E-BDDC-78B5A1CCB77B}"/>
+                <a16:creationId xmlns:a16="http://schemas.microsoft.com/office/drawing/2014/main" id="{069B423A-EC8B-D54C-8AB6-703D49C67DED}"/>
               </a:ext>
             </a:extLst>
           </p:cNvPr>
@@ -4363,7 +4368,7 @@
         </p:blipFill>
         <p:spPr>
           <a:xfrm>
-            <a:off x="336000" y="1003572"/>
+            <a:off x="336000" y="950855"/>
             <a:ext cx="5760000" cy="5760000"/>
           </a:xfrm>
           <a:prstGeom prst="rect">
@@ -4374,7 +4379,7 @@
     </p:spTree>
     <p:extLst>
       <p:ext uri="{BB962C8B-B14F-4D97-AF65-F5344CB8AC3E}">
-        <p14:creationId xmlns:p14="http://schemas.microsoft.com/office/powerpoint/2010/main" val="2247885119"/>
+        <p14:creationId xmlns:p14="http://schemas.microsoft.com/office/powerpoint/2010/main" val="2205415152"/>
       </p:ext>
     </p:extLst>
   </p:cSld>
@@ -4406,7 +4411,7 @@
           <p:cNvPr id="9" name="Picture 8">
             <a:extLst>
               <a:ext uri="{FF2B5EF4-FFF2-40B4-BE49-F238E27FC236}">
-                <a16:creationId xmlns:a16="http://schemas.microsoft.com/office/drawing/2014/main" id="{4C3955F9-5296-334E-8561-85DF6BF53489}"/>
+                <a16:creationId xmlns:a16="http://schemas.microsoft.com/office/drawing/2014/main" id="{8D12B82A-CDCC-654F-960C-92295F478866}"/>
               </a:ext>
             </a:extLst>
           </p:cNvPr>
@@ -4423,7 +4428,7 @@
         </p:blipFill>
         <p:spPr>
           <a:xfrm>
-            <a:off x="5719381" y="992897"/>
+            <a:off x="5531097" y="1003572"/>
             <a:ext cx="5760000" cy="5760000"/>
           </a:xfrm>
           <a:prstGeom prst="rect">
@@ -4483,8 +4488,8 @@
         </p:nvSpPr>
         <p:spPr>
           <a:xfrm>
-            <a:off x="5090846" y="442863"/>
-            <a:ext cx="6932990" cy="338554"/>
+            <a:off x="5721465" y="442863"/>
+            <a:ext cx="5950893" cy="338554"/>
           </a:xfrm>
           <a:prstGeom prst="rect">
             <a:avLst/>
@@ -4499,7 +4504,7 @@
           <a:p>
             <a:r>
               <a:rPr lang="en-GB" sz="1600" dirty="0"/>
-              <a:t>CZA CRAB-WAVE joint allele frequency spectra: difference in relative proportions.</a:t>
+              <a:t>CZD CRAB-WAVE joint allele frequency spectra: square root count.</a:t>
             </a:r>
           </a:p>
         </p:txBody>
@@ -4509,7 +4514,7 @@
           <p:cNvPr id="3" name="Picture 2">
             <a:extLst>
               <a:ext uri="{FF2B5EF4-FFF2-40B4-BE49-F238E27FC236}">
-                <a16:creationId xmlns:a16="http://schemas.microsoft.com/office/drawing/2014/main" id="{465CC0A5-0831-F64E-BA2F-088E450CD10A}"/>
+                <a16:creationId xmlns:a16="http://schemas.microsoft.com/office/drawing/2014/main" id="{A901B0D9-74AC-144E-BDDC-78B5A1CCB77B}"/>
               </a:ext>
             </a:extLst>
           </p:cNvPr>
@@ -4526,7 +4531,7 @@
         </p:blipFill>
         <p:spPr>
           <a:xfrm>
-            <a:off x="528115" y="992897"/>
+            <a:off x="336000" y="1003572"/>
             <a:ext cx="5760000" cy="5760000"/>
           </a:xfrm>
           <a:prstGeom prst="rect">
@@ -4537,7 +4542,7 @@
     </p:spTree>
     <p:extLst>
       <p:ext uri="{BB962C8B-B14F-4D97-AF65-F5344CB8AC3E}">
-        <p14:creationId xmlns:p14="http://schemas.microsoft.com/office/powerpoint/2010/main" val="700409757"/>
+        <p14:creationId xmlns:p14="http://schemas.microsoft.com/office/powerpoint/2010/main" val="2247885119"/>
       </p:ext>
     </p:extLst>
   </p:cSld>
@@ -4566,6 +4571,169 @@
       </p:grpSpPr>
       <p:pic>
         <p:nvPicPr>
+          <p:cNvPr id="9" name="Picture 8">
+            <a:extLst>
+              <a:ext uri="{FF2B5EF4-FFF2-40B4-BE49-F238E27FC236}">
+                <a16:creationId xmlns:a16="http://schemas.microsoft.com/office/drawing/2014/main" id="{4C3955F9-5296-334E-8561-85DF6BF53489}"/>
+              </a:ext>
+            </a:extLst>
+          </p:cNvPr>
+          <p:cNvPicPr>
+            <a:picLocks noChangeAspect="1"/>
+          </p:cNvPicPr>
+          <p:nvPr/>
+        </p:nvPicPr>
+        <p:blipFill>
+          <a:blip r:embed="rId2"/>
+          <a:stretch>
+            <a:fillRect/>
+          </a:stretch>
+        </p:blipFill>
+        <p:spPr>
+          <a:xfrm>
+            <a:off x="5719381" y="992897"/>
+            <a:ext cx="5760000" cy="5760000"/>
+          </a:xfrm>
+          <a:prstGeom prst="rect">
+            <a:avLst/>
+          </a:prstGeom>
+        </p:spPr>
+      </p:pic>
+      <p:sp>
+        <p:nvSpPr>
+          <p:cNvPr id="4" name="Rectangle 3">
+            <a:extLst>
+              <a:ext uri="{FF2B5EF4-FFF2-40B4-BE49-F238E27FC236}">
+                <a16:creationId xmlns:a16="http://schemas.microsoft.com/office/drawing/2014/main" id="{8B6E133F-8983-6A46-A224-E9FA2B0D9F3F}"/>
+              </a:ext>
+            </a:extLst>
+          </p:cNvPr>
+          <p:cNvSpPr/>
+          <p:nvPr/>
+        </p:nvSpPr>
+        <p:spPr>
+          <a:xfrm>
+            <a:off x="528115" y="409596"/>
+            <a:ext cx="4087979" cy="369332"/>
+          </a:xfrm>
+          <a:prstGeom prst="rect">
+            <a:avLst/>
+          </a:prstGeom>
+        </p:spPr>
+        <p:txBody>
+          <a:bodyPr wrap="none">
+            <a:spAutoFit/>
+          </a:bodyPr>
+          <a:lstStyle/>
+          <a:p>
+            <a:pPr marL="342900" indent="-342900">
+              <a:buFont typeface="+mj-lt"/>
+              <a:buAutoNum type="arabicPeriod" startAt="3"/>
+            </a:pPr>
+            <a:r>
+              <a:rPr lang="en-GB" b="1" dirty="0"/>
+              <a:t>Derived allele frequencies (GATK call)</a:t>
+            </a:r>
+          </a:p>
+        </p:txBody>
+      </p:sp>
+      <p:sp>
+        <p:nvSpPr>
+          <p:cNvPr id="5" name="TextBox 4">
+            <a:extLst>
+              <a:ext uri="{FF2B5EF4-FFF2-40B4-BE49-F238E27FC236}">
+                <a16:creationId xmlns:a16="http://schemas.microsoft.com/office/drawing/2014/main" id="{049B477E-5E39-F240-86CA-65F077DF0726}"/>
+              </a:ext>
+            </a:extLst>
+          </p:cNvPr>
+          <p:cNvSpPr txBox="1"/>
+          <p:nvPr/>
+        </p:nvSpPr>
+        <p:spPr>
+          <a:xfrm>
+            <a:off x="5090846" y="442863"/>
+            <a:ext cx="6932990" cy="338554"/>
+          </a:xfrm>
+          <a:prstGeom prst="rect">
+            <a:avLst/>
+          </a:prstGeom>
+          <a:noFill/>
+        </p:spPr>
+        <p:txBody>
+          <a:bodyPr wrap="square" rtlCol="0">
+            <a:spAutoFit/>
+          </a:bodyPr>
+          <a:lstStyle/>
+          <a:p>
+            <a:r>
+              <a:rPr lang="en-GB" sz="1600" dirty="0"/>
+              <a:t>CZA CRAB-WAVE joint allele frequency spectra: difference in relative proportions.</a:t>
+            </a:r>
+          </a:p>
+        </p:txBody>
+      </p:sp>
+      <p:pic>
+        <p:nvPicPr>
+          <p:cNvPr id="3" name="Picture 2">
+            <a:extLst>
+              <a:ext uri="{FF2B5EF4-FFF2-40B4-BE49-F238E27FC236}">
+                <a16:creationId xmlns:a16="http://schemas.microsoft.com/office/drawing/2014/main" id="{465CC0A5-0831-F64E-BA2F-088E450CD10A}"/>
+              </a:ext>
+            </a:extLst>
+          </p:cNvPr>
+          <p:cNvPicPr>
+            <a:picLocks noChangeAspect="1"/>
+          </p:cNvPicPr>
+          <p:nvPr/>
+        </p:nvPicPr>
+        <p:blipFill>
+          <a:blip r:embed="rId3"/>
+          <a:stretch>
+            <a:fillRect/>
+          </a:stretch>
+        </p:blipFill>
+        <p:spPr>
+          <a:xfrm>
+            <a:off x="528115" y="992897"/>
+            <a:ext cx="5760000" cy="5760000"/>
+          </a:xfrm>
+          <a:prstGeom prst="rect">
+            <a:avLst/>
+          </a:prstGeom>
+        </p:spPr>
+      </p:pic>
+    </p:spTree>
+    <p:extLst>
+      <p:ext uri="{BB962C8B-B14F-4D97-AF65-F5344CB8AC3E}">
+        <p14:creationId xmlns:p14="http://schemas.microsoft.com/office/powerpoint/2010/main" val="700409757"/>
+      </p:ext>
+    </p:extLst>
+  </p:cSld>
+  <p:clrMapOvr>
+    <a:masterClrMapping/>
+  </p:clrMapOvr>
+</p:sld>
+</file>
+
+<file path=ppt/slides/slide16.xml><?xml version="1.0" encoding="utf-8"?>
+<p:sld xmlns:a="http://schemas.openxmlformats.org/drawingml/2006/main" xmlns:r="http://schemas.openxmlformats.org/officeDocument/2006/relationships" xmlns:p="http://schemas.openxmlformats.org/presentationml/2006/main">
+  <p:cSld>
+    <p:spTree>
+      <p:nvGrpSpPr>
+        <p:cNvPr id="1" name=""/>
+        <p:cNvGrpSpPr/>
+        <p:nvPr/>
+      </p:nvGrpSpPr>
+      <p:grpSpPr>
+        <a:xfrm>
+          <a:off x="0" y="0"/>
+          <a:ext cx="0" cy="0"/>
+          <a:chOff x="0" y="0"/>
+          <a:chExt cx="0" cy="0"/>
+        </a:xfrm>
+      </p:grpSpPr>
+      <p:pic>
+        <p:nvPicPr>
           <p:cNvPr id="7" name="Picture 6">
             <a:extLst>
               <a:ext uri="{FF2B5EF4-FFF2-40B4-BE49-F238E27FC236}">
@@ -4710,7 +4878,7 @@
 </p:sld>
 </file>
 
-<file path=ppt/slides/slide16.xml><?xml version="1.0" encoding="utf-8"?>
+<file path=ppt/slides/slide17.xml><?xml version="1.0" encoding="utf-8"?>
 <p:sld xmlns:a="http://schemas.openxmlformats.org/drawingml/2006/main" xmlns:r="http://schemas.openxmlformats.org/officeDocument/2006/relationships" xmlns:p="http://schemas.openxmlformats.org/presentationml/2006/main">
   <p:cSld>
     <p:spTree>
@@ -5810,85 +5978,12 @@
           <a:chExt cx="0" cy="0"/>
         </a:xfrm>
       </p:grpSpPr>
-      <p:sp>
-        <p:nvSpPr>
-          <p:cNvPr id="5" name="TextBox 4">
-            <a:extLst>
-              <a:ext uri="{FF2B5EF4-FFF2-40B4-BE49-F238E27FC236}">
-                <a16:creationId xmlns:a16="http://schemas.microsoft.com/office/drawing/2014/main" id="{049B477E-5E39-F240-86CA-65F077DF0726}"/>
-              </a:ext>
-            </a:extLst>
-          </p:cNvPr>
-          <p:cNvSpPr txBox="1"/>
-          <p:nvPr/>
-        </p:nvSpPr>
-        <p:spPr>
-          <a:xfrm>
-            <a:off x="5875284" y="409596"/>
-            <a:ext cx="5980385" cy="369332"/>
-          </a:xfrm>
-          <a:prstGeom prst="rect">
-            <a:avLst/>
-          </a:prstGeom>
-          <a:noFill/>
-        </p:spPr>
-        <p:txBody>
-          <a:bodyPr wrap="square" rtlCol="0">
-            <a:spAutoFit/>
-          </a:bodyPr>
-          <a:lstStyle/>
-          <a:p>
-            <a:r>
-              <a:rPr lang="en-GB" dirty="0"/>
-              <a:t>CZA: INDELs and SNPs after filtering but before cline analysis.</a:t>
-            </a:r>
-          </a:p>
-        </p:txBody>
-      </p:sp>
-      <p:sp>
-        <p:nvSpPr>
-          <p:cNvPr id="9" name="Rectangle 8">
-            <a:extLst>
-              <a:ext uri="{FF2B5EF4-FFF2-40B4-BE49-F238E27FC236}">
-                <a16:creationId xmlns:a16="http://schemas.microsoft.com/office/drawing/2014/main" id="{900A70BA-388F-4547-862E-740BE8CCAC50}"/>
-              </a:ext>
-            </a:extLst>
-          </p:cNvPr>
-          <p:cNvSpPr/>
-          <p:nvPr/>
-        </p:nvSpPr>
-        <p:spPr>
-          <a:xfrm>
-            <a:off x="528115" y="409596"/>
-            <a:ext cx="4164153" cy="369332"/>
-          </a:xfrm>
-          <a:prstGeom prst="rect">
-            <a:avLst/>
-          </a:prstGeom>
-        </p:spPr>
-        <p:txBody>
-          <a:bodyPr wrap="none">
-            <a:spAutoFit/>
-          </a:bodyPr>
-          <a:lstStyle/>
-          <a:p>
-            <a:pPr marL="342900" indent="-342900">
-              <a:buFont typeface="+mj-lt"/>
-              <a:buAutoNum type="arabicPeriod" startAt="2"/>
-            </a:pPr>
-            <a:r>
-              <a:rPr lang="en-GB" b="1" dirty="0"/>
-              <a:t>Clustering of (different types) markers</a:t>
-            </a:r>
-          </a:p>
-        </p:txBody>
-      </p:sp>
       <p:pic>
         <p:nvPicPr>
-          <p:cNvPr id="4" name="Picture 3">
-            <a:extLst>
-              <a:ext uri="{FF2B5EF4-FFF2-40B4-BE49-F238E27FC236}">
-                <a16:creationId xmlns:a16="http://schemas.microsoft.com/office/drawing/2014/main" id="{5752C08F-A966-7049-905E-6D83192AD411}"/>
+          <p:cNvPr id="3" name="Picture 2">
+            <a:extLst>
+              <a:ext uri="{FF2B5EF4-FFF2-40B4-BE49-F238E27FC236}">
+                <a16:creationId xmlns:a16="http://schemas.microsoft.com/office/drawing/2014/main" id="{FA19F264-C48B-8049-B5A4-C046D88B0B6F}"/>
               </a:ext>
             </a:extLst>
           </p:cNvPr>
@@ -5905,98 +6000,8 @@
         </p:blipFill>
         <p:spPr>
           <a:xfrm>
-            <a:off x="528115" y="952789"/>
-            <a:ext cx="4174271" cy="2880000"/>
-          </a:xfrm>
-          <a:prstGeom prst="rect">
-            <a:avLst/>
-          </a:prstGeom>
-        </p:spPr>
-      </p:pic>
-      <p:pic>
-        <p:nvPicPr>
-          <p:cNvPr id="7" name="Picture 6">
-            <a:extLst>
-              <a:ext uri="{FF2B5EF4-FFF2-40B4-BE49-F238E27FC236}">
-                <a16:creationId xmlns:a16="http://schemas.microsoft.com/office/drawing/2014/main" id="{38DEDCC0-4AF8-7942-A419-8D151B2B7041}"/>
-              </a:ext>
-            </a:extLst>
-          </p:cNvPr>
-          <p:cNvPicPr>
-            <a:picLocks noChangeAspect="1"/>
-          </p:cNvPicPr>
-          <p:nvPr/>
-        </p:nvPicPr>
-        <p:blipFill>
-          <a:blip r:embed="rId3"/>
-          <a:stretch>
-            <a:fillRect/>
-          </a:stretch>
-        </p:blipFill>
-        <p:spPr>
-          <a:xfrm>
-            <a:off x="6096000" y="952789"/>
-            <a:ext cx="4174271" cy="2880000"/>
-          </a:xfrm>
-          <a:prstGeom prst="rect">
-            <a:avLst/>
-          </a:prstGeom>
-        </p:spPr>
-      </p:pic>
-      <p:pic>
-        <p:nvPicPr>
-          <p:cNvPr id="10" name="Picture 9">
-            <a:extLst>
-              <a:ext uri="{FF2B5EF4-FFF2-40B4-BE49-F238E27FC236}">
-                <a16:creationId xmlns:a16="http://schemas.microsoft.com/office/drawing/2014/main" id="{599B85B5-D0D0-9745-B421-8580F542FBE9}"/>
-              </a:ext>
-            </a:extLst>
-          </p:cNvPr>
-          <p:cNvPicPr>
-            <a:picLocks noChangeAspect="1"/>
-          </p:cNvPicPr>
-          <p:nvPr/>
-        </p:nvPicPr>
-        <p:blipFill>
-          <a:blip r:embed="rId4"/>
-          <a:stretch>
-            <a:fillRect/>
-          </a:stretch>
-        </p:blipFill>
-        <p:spPr>
-          <a:xfrm>
-            <a:off x="528115" y="3832789"/>
-            <a:ext cx="4174271" cy="2880000"/>
-          </a:xfrm>
-          <a:prstGeom prst="rect">
-            <a:avLst/>
-          </a:prstGeom>
-        </p:spPr>
-      </p:pic>
-      <p:pic>
-        <p:nvPicPr>
-          <p:cNvPr id="12" name="Picture 11">
-            <a:extLst>
-              <a:ext uri="{FF2B5EF4-FFF2-40B4-BE49-F238E27FC236}">
-                <a16:creationId xmlns:a16="http://schemas.microsoft.com/office/drawing/2014/main" id="{7BF41C71-3188-C740-85C6-E9B19DE7DF96}"/>
-              </a:ext>
-            </a:extLst>
-          </p:cNvPr>
-          <p:cNvPicPr>
-            <a:picLocks noChangeAspect="1"/>
-          </p:cNvPicPr>
-          <p:nvPr/>
-        </p:nvPicPr>
-        <p:blipFill>
-          <a:blip r:embed="rId5"/>
-          <a:stretch>
-            <a:fillRect/>
-          </a:stretch>
-        </p:blipFill>
-        <p:spPr>
-          <a:xfrm>
-            <a:off x="6096000" y="3832789"/>
-            <a:ext cx="4174271" cy="2880000"/>
+            <a:off x="1126008" y="0"/>
+            <a:ext cx="9939983" cy="6858000"/>
           </a:xfrm>
           <a:prstGeom prst="rect">
             <a:avLst/>
@@ -6006,7 +6011,7 @@
     </p:spTree>
     <p:extLst>
       <p:ext uri="{BB962C8B-B14F-4D97-AF65-F5344CB8AC3E}">
-        <p14:creationId xmlns:p14="http://schemas.microsoft.com/office/powerpoint/2010/main" val="944710290"/>
+        <p14:creationId xmlns:p14="http://schemas.microsoft.com/office/powerpoint/2010/main" val="185700607"/>
       </p:ext>
     </p:extLst>
   </p:cSld>
@@ -6063,7 +6068,7 @@
           <a:p>
             <a:r>
               <a:rPr lang="en-GB" dirty="0"/>
-              <a:t>CZB: INDELs and SNPs after filtering but before cline analysis.</a:t>
+              <a:t>CZA: INDELs and SNPs after filtering but before cline analysis.</a:t>
             </a:r>
           </a:p>
         </p:txBody>
@@ -6108,10 +6113,10 @@
       </p:sp>
       <p:pic>
         <p:nvPicPr>
-          <p:cNvPr id="3" name="Picture 2">
-            <a:extLst>
-              <a:ext uri="{FF2B5EF4-FFF2-40B4-BE49-F238E27FC236}">
-                <a16:creationId xmlns:a16="http://schemas.microsoft.com/office/drawing/2014/main" id="{0A5F0428-5C0A-B742-A952-C63646E8B90E}"/>
+          <p:cNvPr id="4" name="Picture 3">
+            <a:extLst>
+              <a:ext uri="{FF2B5EF4-FFF2-40B4-BE49-F238E27FC236}">
+                <a16:creationId xmlns:a16="http://schemas.microsoft.com/office/drawing/2014/main" id="{5752C08F-A966-7049-905E-6D83192AD411}"/>
               </a:ext>
             </a:extLst>
           </p:cNvPr>
@@ -6128,7 +6133,7 @@
         </p:blipFill>
         <p:spPr>
           <a:xfrm>
-            <a:off x="517996" y="3835232"/>
+            <a:off x="528115" y="952789"/>
             <a:ext cx="4174271" cy="2880000"/>
           </a:xfrm>
           <a:prstGeom prst="rect">
@@ -6141,7 +6146,7 @@
           <p:cNvPr id="7" name="Picture 6">
             <a:extLst>
               <a:ext uri="{FF2B5EF4-FFF2-40B4-BE49-F238E27FC236}">
-                <a16:creationId xmlns:a16="http://schemas.microsoft.com/office/drawing/2014/main" id="{317BD051-2FD1-FE42-853A-D21B606D59F7}"/>
+                <a16:creationId xmlns:a16="http://schemas.microsoft.com/office/drawing/2014/main" id="{38DEDCC0-4AF8-7942-A419-8D151B2B7041}"/>
               </a:ext>
             </a:extLst>
           </p:cNvPr>
@@ -6158,7 +6163,7 @@
         </p:blipFill>
         <p:spPr>
           <a:xfrm>
-            <a:off x="6095999" y="867080"/>
+            <a:off x="6096000" y="952789"/>
             <a:ext cx="4174271" cy="2880000"/>
           </a:xfrm>
           <a:prstGeom prst="rect">
@@ -6171,7 +6176,7 @@
           <p:cNvPr id="10" name="Picture 9">
             <a:extLst>
               <a:ext uri="{FF2B5EF4-FFF2-40B4-BE49-F238E27FC236}">
-                <a16:creationId xmlns:a16="http://schemas.microsoft.com/office/drawing/2014/main" id="{E602DCDA-4516-FE43-92B1-0D5CF399634E}"/>
+                <a16:creationId xmlns:a16="http://schemas.microsoft.com/office/drawing/2014/main" id="{599B85B5-D0D0-9745-B421-8580F542FBE9}"/>
               </a:ext>
             </a:extLst>
           </p:cNvPr>
@@ -6188,7 +6193,7 @@
         </p:blipFill>
         <p:spPr>
           <a:xfrm>
-            <a:off x="517996" y="867080"/>
+            <a:off x="528115" y="3832789"/>
             <a:ext cx="4174271" cy="2880000"/>
           </a:xfrm>
           <a:prstGeom prst="rect">
@@ -6201,7 +6206,7 @@
           <p:cNvPr id="12" name="Picture 11">
             <a:extLst>
               <a:ext uri="{FF2B5EF4-FFF2-40B4-BE49-F238E27FC236}">
-                <a16:creationId xmlns:a16="http://schemas.microsoft.com/office/drawing/2014/main" id="{4CF906AF-6531-4540-BF2C-B61CC6735835}"/>
+                <a16:creationId xmlns:a16="http://schemas.microsoft.com/office/drawing/2014/main" id="{7BF41C71-3188-C740-85C6-E9B19DE7DF96}"/>
               </a:ext>
             </a:extLst>
           </p:cNvPr>
@@ -6218,7 +6223,7 @@
         </p:blipFill>
         <p:spPr>
           <a:xfrm>
-            <a:off x="6095999" y="3835232"/>
+            <a:off x="6096000" y="3832789"/>
             <a:ext cx="4174271" cy="2880000"/>
           </a:xfrm>
           <a:prstGeom prst="rect">
@@ -6229,7 +6234,7 @@
     </p:spTree>
     <p:extLst>
       <p:ext uri="{BB962C8B-B14F-4D97-AF65-F5344CB8AC3E}">
-        <p14:creationId xmlns:p14="http://schemas.microsoft.com/office/powerpoint/2010/main" val="2958066926"/>
+        <p14:creationId xmlns:p14="http://schemas.microsoft.com/office/powerpoint/2010/main" val="944710290"/>
       </p:ext>
     </p:extLst>
   </p:cSld>
@@ -6286,6 +6291,229 @@
           <a:p>
             <a:r>
               <a:rPr lang="en-GB" dirty="0"/>
+              <a:t>CZB: INDELs and SNPs after filtering but before cline analysis.</a:t>
+            </a:r>
+          </a:p>
+        </p:txBody>
+      </p:sp>
+      <p:sp>
+        <p:nvSpPr>
+          <p:cNvPr id="9" name="Rectangle 8">
+            <a:extLst>
+              <a:ext uri="{FF2B5EF4-FFF2-40B4-BE49-F238E27FC236}">
+                <a16:creationId xmlns:a16="http://schemas.microsoft.com/office/drawing/2014/main" id="{900A70BA-388F-4547-862E-740BE8CCAC50}"/>
+              </a:ext>
+            </a:extLst>
+          </p:cNvPr>
+          <p:cNvSpPr/>
+          <p:nvPr/>
+        </p:nvSpPr>
+        <p:spPr>
+          <a:xfrm>
+            <a:off x="528115" y="409596"/>
+            <a:ext cx="4164153" cy="369332"/>
+          </a:xfrm>
+          <a:prstGeom prst="rect">
+            <a:avLst/>
+          </a:prstGeom>
+        </p:spPr>
+        <p:txBody>
+          <a:bodyPr wrap="none">
+            <a:spAutoFit/>
+          </a:bodyPr>
+          <a:lstStyle/>
+          <a:p>
+            <a:pPr marL="342900" indent="-342900">
+              <a:buFont typeface="+mj-lt"/>
+              <a:buAutoNum type="arabicPeriod" startAt="2"/>
+            </a:pPr>
+            <a:r>
+              <a:rPr lang="en-GB" b="1" dirty="0"/>
+              <a:t>Clustering of (different types) markers</a:t>
+            </a:r>
+          </a:p>
+        </p:txBody>
+      </p:sp>
+      <p:pic>
+        <p:nvPicPr>
+          <p:cNvPr id="3" name="Picture 2">
+            <a:extLst>
+              <a:ext uri="{FF2B5EF4-FFF2-40B4-BE49-F238E27FC236}">
+                <a16:creationId xmlns:a16="http://schemas.microsoft.com/office/drawing/2014/main" id="{0A5F0428-5C0A-B742-A952-C63646E8B90E}"/>
+              </a:ext>
+            </a:extLst>
+          </p:cNvPr>
+          <p:cNvPicPr>
+            <a:picLocks noChangeAspect="1"/>
+          </p:cNvPicPr>
+          <p:nvPr/>
+        </p:nvPicPr>
+        <p:blipFill>
+          <a:blip r:embed="rId2"/>
+          <a:stretch>
+            <a:fillRect/>
+          </a:stretch>
+        </p:blipFill>
+        <p:spPr>
+          <a:xfrm>
+            <a:off x="517996" y="3835232"/>
+            <a:ext cx="4174271" cy="2880000"/>
+          </a:xfrm>
+          <a:prstGeom prst="rect">
+            <a:avLst/>
+          </a:prstGeom>
+        </p:spPr>
+      </p:pic>
+      <p:pic>
+        <p:nvPicPr>
+          <p:cNvPr id="7" name="Picture 6">
+            <a:extLst>
+              <a:ext uri="{FF2B5EF4-FFF2-40B4-BE49-F238E27FC236}">
+                <a16:creationId xmlns:a16="http://schemas.microsoft.com/office/drawing/2014/main" id="{317BD051-2FD1-FE42-853A-D21B606D59F7}"/>
+              </a:ext>
+            </a:extLst>
+          </p:cNvPr>
+          <p:cNvPicPr>
+            <a:picLocks noChangeAspect="1"/>
+          </p:cNvPicPr>
+          <p:nvPr/>
+        </p:nvPicPr>
+        <p:blipFill>
+          <a:blip r:embed="rId3"/>
+          <a:stretch>
+            <a:fillRect/>
+          </a:stretch>
+        </p:blipFill>
+        <p:spPr>
+          <a:xfrm>
+            <a:off x="6095999" y="867080"/>
+            <a:ext cx="4174271" cy="2880000"/>
+          </a:xfrm>
+          <a:prstGeom prst="rect">
+            <a:avLst/>
+          </a:prstGeom>
+        </p:spPr>
+      </p:pic>
+      <p:pic>
+        <p:nvPicPr>
+          <p:cNvPr id="10" name="Picture 9">
+            <a:extLst>
+              <a:ext uri="{FF2B5EF4-FFF2-40B4-BE49-F238E27FC236}">
+                <a16:creationId xmlns:a16="http://schemas.microsoft.com/office/drawing/2014/main" id="{E602DCDA-4516-FE43-92B1-0D5CF399634E}"/>
+              </a:ext>
+            </a:extLst>
+          </p:cNvPr>
+          <p:cNvPicPr>
+            <a:picLocks noChangeAspect="1"/>
+          </p:cNvPicPr>
+          <p:nvPr/>
+        </p:nvPicPr>
+        <p:blipFill>
+          <a:blip r:embed="rId4"/>
+          <a:stretch>
+            <a:fillRect/>
+          </a:stretch>
+        </p:blipFill>
+        <p:spPr>
+          <a:xfrm>
+            <a:off x="517996" y="867080"/>
+            <a:ext cx="4174271" cy="2880000"/>
+          </a:xfrm>
+          <a:prstGeom prst="rect">
+            <a:avLst/>
+          </a:prstGeom>
+        </p:spPr>
+      </p:pic>
+      <p:pic>
+        <p:nvPicPr>
+          <p:cNvPr id="12" name="Picture 11">
+            <a:extLst>
+              <a:ext uri="{FF2B5EF4-FFF2-40B4-BE49-F238E27FC236}">
+                <a16:creationId xmlns:a16="http://schemas.microsoft.com/office/drawing/2014/main" id="{4CF906AF-6531-4540-BF2C-B61CC6735835}"/>
+              </a:ext>
+            </a:extLst>
+          </p:cNvPr>
+          <p:cNvPicPr>
+            <a:picLocks noChangeAspect="1"/>
+          </p:cNvPicPr>
+          <p:nvPr/>
+        </p:nvPicPr>
+        <p:blipFill>
+          <a:blip r:embed="rId5"/>
+          <a:stretch>
+            <a:fillRect/>
+          </a:stretch>
+        </p:blipFill>
+        <p:spPr>
+          <a:xfrm>
+            <a:off x="6095999" y="3835232"/>
+            <a:ext cx="4174271" cy="2880000"/>
+          </a:xfrm>
+          <a:prstGeom prst="rect">
+            <a:avLst/>
+          </a:prstGeom>
+        </p:spPr>
+      </p:pic>
+    </p:spTree>
+    <p:extLst>
+      <p:ext uri="{BB962C8B-B14F-4D97-AF65-F5344CB8AC3E}">
+        <p14:creationId xmlns:p14="http://schemas.microsoft.com/office/powerpoint/2010/main" val="2958066926"/>
+      </p:ext>
+    </p:extLst>
+  </p:cSld>
+  <p:clrMapOvr>
+    <a:masterClrMapping/>
+  </p:clrMapOvr>
+</p:sld>
+</file>
+
+<file path=ppt/slides/slide7.xml><?xml version="1.0" encoding="utf-8"?>
+<p:sld xmlns:a="http://schemas.openxmlformats.org/drawingml/2006/main" xmlns:r="http://schemas.openxmlformats.org/officeDocument/2006/relationships" xmlns:p="http://schemas.openxmlformats.org/presentationml/2006/main">
+  <p:cSld>
+    <p:spTree>
+      <p:nvGrpSpPr>
+        <p:cNvPr id="1" name=""/>
+        <p:cNvGrpSpPr/>
+        <p:nvPr/>
+      </p:nvGrpSpPr>
+      <p:grpSpPr>
+        <a:xfrm>
+          <a:off x="0" y="0"/>
+          <a:ext cx="0" cy="0"/>
+          <a:chOff x="0" y="0"/>
+          <a:chExt cx="0" cy="0"/>
+        </a:xfrm>
+      </p:grpSpPr>
+      <p:sp>
+        <p:nvSpPr>
+          <p:cNvPr id="5" name="TextBox 4">
+            <a:extLst>
+              <a:ext uri="{FF2B5EF4-FFF2-40B4-BE49-F238E27FC236}">
+                <a16:creationId xmlns:a16="http://schemas.microsoft.com/office/drawing/2014/main" id="{049B477E-5E39-F240-86CA-65F077DF0726}"/>
+              </a:ext>
+            </a:extLst>
+          </p:cNvPr>
+          <p:cNvSpPr txBox="1"/>
+          <p:nvPr/>
+        </p:nvSpPr>
+        <p:spPr>
+          <a:xfrm>
+            <a:off x="5875284" y="409596"/>
+            <a:ext cx="5980385" cy="369332"/>
+          </a:xfrm>
+          <a:prstGeom prst="rect">
+            <a:avLst/>
+          </a:prstGeom>
+          <a:noFill/>
+        </p:spPr>
+        <p:txBody>
+          <a:bodyPr wrap="square" rtlCol="0">
+            <a:spAutoFit/>
+          </a:bodyPr>
+          <a:lstStyle/>
+          <a:p>
+            <a:r>
+              <a:rPr lang="en-GB" dirty="0"/>
               <a:t>CZD: INDELs and SNPs after filtering but before cline analysis.</a:t>
             </a:r>
           </a:p>
@@ -6462,7 +6690,7 @@
 </p:sld>
 </file>
 
-<file path=ppt/slides/slide7.xml><?xml version="1.0" encoding="utf-8"?>
+<file path=ppt/slides/slide8.xml><?xml version="1.0" encoding="utf-8"?>
 <p:sld xmlns:a="http://schemas.openxmlformats.org/drawingml/2006/main" xmlns:r="http://schemas.openxmlformats.org/officeDocument/2006/relationships" xmlns:p="http://schemas.openxmlformats.org/presentationml/2006/main">
   <p:cSld>
     <p:spTree>
@@ -6905,7 +7133,7 @@
 </p:sld>
 </file>
 
-<file path=ppt/slides/slide8.xml><?xml version="1.0" encoding="utf-8"?>
+<file path=ppt/slides/slide9.xml><?xml version="1.0" encoding="utf-8"?>
 <p:sld xmlns:a="http://schemas.openxmlformats.org/drawingml/2006/main" xmlns:r="http://schemas.openxmlformats.org/officeDocument/2006/relationships" xmlns:p="http://schemas.openxmlformats.org/presentationml/2006/main">
   <p:cSld>
     <p:spTree>
@@ -8650,173 +8878,6 @@
 </p:sld>
 </file>
 
-<file path=ppt/slides/slide9.xml><?xml version="1.0" encoding="utf-8"?>
-<p:sld xmlns:a="http://schemas.openxmlformats.org/drawingml/2006/main" xmlns:r="http://schemas.openxmlformats.org/officeDocument/2006/relationships" xmlns:p="http://schemas.openxmlformats.org/presentationml/2006/main">
-  <p:cSld>
-    <p:spTree>
-      <p:nvGrpSpPr>
-        <p:cNvPr id="1" name=""/>
-        <p:cNvGrpSpPr/>
-        <p:nvPr/>
-      </p:nvGrpSpPr>
-      <p:grpSpPr>
-        <a:xfrm>
-          <a:off x="0" y="0"/>
-          <a:ext cx="0" cy="0"/>
-          <a:chOff x="0" y="0"/>
-          <a:chExt cx="0" cy="0"/>
-        </a:xfrm>
-      </p:grpSpPr>
-      <p:pic>
-        <p:nvPicPr>
-          <p:cNvPr id="11" name="Picture 10">
-            <a:extLst>
-              <a:ext uri="{FF2B5EF4-FFF2-40B4-BE49-F238E27FC236}">
-                <a16:creationId xmlns:a16="http://schemas.microsoft.com/office/drawing/2014/main" id="{F1D95220-C278-6A47-B5EB-52BF6ADCF15C}"/>
-              </a:ext>
-            </a:extLst>
-          </p:cNvPr>
-          <p:cNvPicPr>
-            <a:picLocks noChangeAspect="1"/>
-          </p:cNvPicPr>
-          <p:nvPr/>
-        </p:nvPicPr>
-        <p:blipFill>
-          <a:blip r:embed="rId2"/>
-          <a:stretch>
-            <a:fillRect/>
-          </a:stretch>
-        </p:blipFill>
-        <p:spPr>
-          <a:xfrm>
-            <a:off x="5930593" y="1902372"/>
-            <a:ext cx="6261407" cy="4320000"/>
-          </a:xfrm>
-          <a:prstGeom prst="rect">
-            <a:avLst/>
-          </a:prstGeom>
-        </p:spPr>
-      </p:pic>
-      <p:sp>
-        <p:nvSpPr>
-          <p:cNvPr id="4" name="Rectangle 3">
-            <a:extLst>
-              <a:ext uri="{FF2B5EF4-FFF2-40B4-BE49-F238E27FC236}">
-                <a16:creationId xmlns:a16="http://schemas.microsoft.com/office/drawing/2014/main" id="{8B6E133F-8983-6A46-A224-E9FA2B0D9F3F}"/>
-              </a:ext>
-            </a:extLst>
-          </p:cNvPr>
-          <p:cNvSpPr/>
-          <p:nvPr/>
-        </p:nvSpPr>
-        <p:spPr>
-          <a:xfrm>
-            <a:off x="528115" y="409596"/>
-            <a:ext cx="4087979" cy="369332"/>
-          </a:xfrm>
-          <a:prstGeom prst="rect">
-            <a:avLst/>
-          </a:prstGeom>
-        </p:spPr>
-        <p:txBody>
-          <a:bodyPr wrap="none">
-            <a:spAutoFit/>
-          </a:bodyPr>
-          <a:lstStyle/>
-          <a:p>
-            <a:pPr marL="342900" indent="-342900">
-              <a:buFont typeface="+mj-lt"/>
-              <a:buAutoNum type="arabicPeriod" startAt="3"/>
-            </a:pPr>
-            <a:r>
-              <a:rPr lang="en-GB" b="1" dirty="0"/>
-              <a:t>Derived allele frequencies (GATK call)</a:t>
-            </a:r>
-          </a:p>
-        </p:txBody>
-      </p:sp>
-      <p:sp>
-        <p:nvSpPr>
-          <p:cNvPr id="5" name="TextBox 4">
-            <a:extLst>
-              <a:ext uri="{FF2B5EF4-FFF2-40B4-BE49-F238E27FC236}">
-                <a16:creationId xmlns:a16="http://schemas.microsoft.com/office/drawing/2014/main" id="{049B477E-5E39-F240-86CA-65F077DF0726}"/>
-              </a:ext>
-            </a:extLst>
-          </p:cNvPr>
-          <p:cNvSpPr txBox="1"/>
-          <p:nvPr/>
-        </p:nvSpPr>
-        <p:spPr>
-          <a:xfrm>
-            <a:off x="528115" y="1100078"/>
-            <a:ext cx="8311085" cy="369332"/>
-          </a:xfrm>
-          <a:prstGeom prst="rect">
-            <a:avLst/>
-          </a:prstGeom>
-          <a:noFill/>
-        </p:spPr>
-        <p:txBody>
-          <a:bodyPr wrap="square" rtlCol="0">
-            <a:spAutoFit/>
-          </a:bodyPr>
-          <a:lstStyle/>
-          <a:p>
-            <a:pPr marL="285750" indent="-285750">
-              <a:buFont typeface="Arial" panose="020B0604020202020204" pitchFamily="34" charset="0"/>
-              <a:buChar char="•"/>
-            </a:pPr>
-            <a:r>
-              <a:rPr lang="en-GB" dirty="0"/>
-              <a:t>Square root of count of INDELs and SNPs after filtering but before cline analysis.</a:t>
-            </a:r>
-          </a:p>
-        </p:txBody>
-      </p:sp>
-      <p:pic>
-        <p:nvPicPr>
-          <p:cNvPr id="8" name="Picture 7">
-            <a:extLst>
-              <a:ext uri="{FF2B5EF4-FFF2-40B4-BE49-F238E27FC236}">
-                <a16:creationId xmlns:a16="http://schemas.microsoft.com/office/drawing/2014/main" id="{951E7946-9613-CF44-BA97-59369E616309}"/>
-              </a:ext>
-            </a:extLst>
-          </p:cNvPr>
-          <p:cNvPicPr>
-            <a:picLocks noChangeAspect="1"/>
-          </p:cNvPicPr>
-          <p:nvPr/>
-        </p:nvPicPr>
-        <p:blipFill>
-          <a:blip r:embed="rId3"/>
-          <a:stretch>
-            <a:fillRect/>
-          </a:stretch>
-        </p:blipFill>
-        <p:spPr>
-          <a:xfrm>
-            <a:off x="28601" y="1902372"/>
-            <a:ext cx="6261407" cy="4320000"/>
-          </a:xfrm>
-          <a:prstGeom prst="rect">
-            <a:avLst/>
-          </a:prstGeom>
-        </p:spPr>
-      </p:pic>
-    </p:spTree>
-    <p:extLst>
-      <p:ext uri="{BB962C8B-B14F-4D97-AF65-F5344CB8AC3E}">
-        <p14:creationId xmlns:p14="http://schemas.microsoft.com/office/powerpoint/2010/main" val="3942403218"/>
-      </p:ext>
-    </p:extLst>
-  </p:cSld>
-  <p:clrMapOvr>
-    <a:masterClrMapping/>
-  </p:clrMapOvr>
-</p:sld>
-</file>
-
 <file path=ppt/theme/theme1.xml><?xml version="1.0" encoding="utf-8"?>
 <a:theme xmlns:a="http://schemas.openxmlformats.org/drawingml/2006/main" name="Office Theme">
   <a:themeElements>

--- a/short_genetic_variants/docs/short_indels_v02.pptx
+++ b/short_genetic_variants/docs/short_indels_v02.pptx
@@ -5,26 +5,21 @@
     <p:sldMasterId id="2147483648" r:id="rId1"/>
   </p:sldMasterIdLst>
   <p:notesMasterIdLst>
-    <p:notesMasterId r:id="rId19"/>
+    <p:notesMasterId r:id="rId14"/>
   </p:notesMasterIdLst>
   <p:sldIdLst>
     <p:sldId id="256" r:id="rId2"/>
     <p:sldId id="257" r:id="rId3"/>
-    <p:sldId id="259" r:id="rId4"/>
-    <p:sldId id="297" r:id="rId5"/>
-    <p:sldId id="275" r:id="rId6"/>
-    <p:sldId id="286" r:id="rId7"/>
-    <p:sldId id="287" r:id="rId8"/>
-    <p:sldId id="258" r:id="rId9"/>
-    <p:sldId id="273" r:id="rId10"/>
-    <p:sldId id="274" r:id="rId11"/>
-    <p:sldId id="288" r:id="rId12"/>
-    <p:sldId id="289" r:id="rId13"/>
-    <p:sldId id="292" r:id="rId14"/>
-    <p:sldId id="293" r:id="rId15"/>
-    <p:sldId id="294" r:id="rId16"/>
-    <p:sldId id="295" r:id="rId17"/>
-    <p:sldId id="296" r:id="rId18"/>
+    <p:sldId id="275" r:id="rId4"/>
+    <p:sldId id="299" r:id="rId5"/>
+    <p:sldId id="273" r:id="rId6"/>
+    <p:sldId id="288" r:id="rId7"/>
+    <p:sldId id="298" r:id="rId8"/>
+    <p:sldId id="289" r:id="rId9"/>
+    <p:sldId id="292" r:id="rId10"/>
+    <p:sldId id="293" r:id="rId11"/>
+    <p:sldId id="297" r:id="rId12"/>
+    <p:sldId id="300" r:id="rId13"/>
   </p:sldIdLst>
   <p:sldSz cx="12192000" cy="6858000"/>
   <p:notesSz cx="6858000" cy="9144000"/>
@@ -213,7 +208,7 @@
           <a:p>
             <a:fld id="{ADC703C6-BB32-1847-9BA4-6A93FF920BED}" type="datetimeFigureOut">
               <a:rPr lang="en-GB" smtClean="0"/>
-              <a:t>15/07/2020</a:t>
+              <a:t>04/08/2020</a:t>
             </a:fld>
             <a:endParaRPr lang="en-GB"/>
           </a:p>
@@ -481,6 +476,90 @@
 </p:notesMaster>
 </file>
 
+<file path=ppt/notesSlides/notesSlide1.xml><?xml version="1.0" encoding="utf-8"?>
+<p:notes xmlns:a="http://schemas.openxmlformats.org/drawingml/2006/main" xmlns:r="http://schemas.openxmlformats.org/officeDocument/2006/relationships" xmlns:p="http://schemas.openxmlformats.org/presentationml/2006/main">
+  <p:cSld>
+    <p:spTree>
+      <p:nvGrpSpPr>
+        <p:cNvPr id="1" name=""/>
+        <p:cNvGrpSpPr/>
+        <p:nvPr/>
+      </p:nvGrpSpPr>
+      <p:grpSpPr>
+        <a:xfrm>
+          <a:off x="0" y="0"/>
+          <a:ext cx="0" cy="0"/>
+          <a:chOff x="0" y="0"/>
+          <a:chExt cx="0" cy="0"/>
+        </a:xfrm>
+      </p:grpSpPr>
+      <p:sp>
+        <p:nvSpPr>
+          <p:cNvPr id="2" name="Slide Image Placeholder 1"/>
+          <p:cNvSpPr>
+            <a:spLocks noGrp="1" noRot="1" noChangeAspect="1"/>
+          </p:cNvSpPr>
+          <p:nvPr>
+            <p:ph type="sldImg"/>
+          </p:nvPr>
+        </p:nvSpPr>
+        <p:spPr/>
+      </p:sp>
+      <p:sp>
+        <p:nvSpPr>
+          <p:cNvPr id="3" name="Notes Placeholder 2"/>
+          <p:cNvSpPr>
+            <a:spLocks noGrp="1"/>
+          </p:cNvSpPr>
+          <p:nvPr>
+            <p:ph type="body" idx="1"/>
+          </p:nvPr>
+        </p:nvSpPr>
+        <p:spPr/>
+        <p:txBody>
+          <a:bodyPr/>
+          <a:lstStyle/>
+          <a:p>
+            <a:endParaRPr lang="en-GB" dirty="0"/>
+          </a:p>
+        </p:txBody>
+      </p:sp>
+      <p:sp>
+        <p:nvSpPr>
+          <p:cNvPr id="4" name="Slide Number Placeholder 3"/>
+          <p:cNvSpPr>
+            <a:spLocks noGrp="1"/>
+          </p:cNvSpPr>
+          <p:nvPr>
+            <p:ph type="sldNum" sz="quarter" idx="5"/>
+          </p:nvPr>
+        </p:nvSpPr>
+        <p:spPr/>
+        <p:txBody>
+          <a:bodyPr/>
+          <a:lstStyle/>
+          <a:p>
+            <a:fld id="{2ADA2D0F-F41E-7742-88B9-1534E3544B0B}" type="slidenum">
+              <a:rPr lang="en-GB" smtClean="0"/>
+              <a:t>5</a:t>
+            </a:fld>
+            <a:endParaRPr lang="en-GB"/>
+          </a:p>
+        </p:txBody>
+      </p:sp>
+    </p:spTree>
+    <p:extLst>
+      <p:ext uri="{BB962C8B-B14F-4D97-AF65-F5344CB8AC3E}">
+        <p14:creationId xmlns:p14="http://schemas.microsoft.com/office/powerpoint/2010/main" val="172161080"/>
+      </p:ext>
+    </p:extLst>
+  </p:cSld>
+  <p:clrMapOvr>
+    <a:masterClrMapping/>
+  </p:clrMapOvr>
+</p:notes>
+</file>
+
 <file path=ppt/slideLayouts/slideLayout1.xml><?xml version="1.0" encoding="utf-8"?>
 <p:sldLayout xmlns:a="http://schemas.openxmlformats.org/drawingml/2006/main" xmlns:r="http://schemas.openxmlformats.org/officeDocument/2006/relationships" xmlns:p="http://schemas.openxmlformats.org/presentationml/2006/main" type="title" preserve="1">
   <p:cSld name="Title Slide">
@@ -630,7 +709,7 @@
           <a:p>
             <a:fld id="{5C316670-22DA-CE45-BF19-C0B19D676291}" type="datetimeFigureOut">
               <a:rPr lang="en-GB" smtClean="0"/>
-              <a:t>15/07/2020</a:t>
+              <a:t>04/08/2020</a:t>
             </a:fld>
             <a:endParaRPr lang="en-GB"/>
           </a:p>
@@ -830,7 +909,7 @@
           <a:p>
             <a:fld id="{5C316670-22DA-CE45-BF19-C0B19D676291}" type="datetimeFigureOut">
               <a:rPr lang="en-GB" smtClean="0"/>
-              <a:t>15/07/2020</a:t>
+              <a:t>04/08/2020</a:t>
             </a:fld>
             <a:endParaRPr lang="en-GB"/>
           </a:p>
@@ -1040,7 +1119,7 @@
           <a:p>
             <a:fld id="{5C316670-22DA-CE45-BF19-C0B19D676291}" type="datetimeFigureOut">
               <a:rPr lang="en-GB" smtClean="0"/>
-              <a:t>15/07/2020</a:t>
+              <a:t>04/08/2020</a:t>
             </a:fld>
             <a:endParaRPr lang="en-GB"/>
           </a:p>
@@ -1240,7 +1319,7 @@
           <a:p>
             <a:fld id="{5C316670-22DA-CE45-BF19-C0B19D676291}" type="datetimeFigureOut">
               <a:rPr lang="en-GB" smtClean="0"/>
-              <a:t>15/07/2020</a:t>
+              <a:t>04/08/2020</a:t>
             </a:fld>
             <a:endParaRPr lang="en-GB"/>
           </a:p>
@@ -1516,7 +1595,7 @@
           <a:p>
             <a:fld id="{5C316670-22DA-CE45-BF19-C0B19D676291}" type="datetimeFigureOut">
               <a:rPr lang="en-GB" smtClean="0"/>
-              <a:t>15/07/2020</a:t>
+              <a:t>04/08/2020</a:t>
             </a:fld>
             <a:endParaRPr lang="en-GB"/>
           </a:p>
@@ -1784,7 +1863,7 @@
           <a:p>
             <a:fld id="{5C316670-22DA-CE45-BF19-C0B19D676291}" type="datetimeFigureOut">
               <a:rPr lang="en-GB" smtClean="0"/>
-              <a:t>15/07/2020</a:t>
+              <a:t>04/08/2020</a:t>
             </a:fld>
             <a:endParaRPr lang="en-GB"/>
           </a:p>
@@ -2199,7 +2278,7 @@
           <a:p>
             <a:fld id="{5C316670-22DA-CE45-BF19-C0B19D676291}" type="datetimeFigureOut">
               <a:rPr lang="en-GB" smtClean="0"/>
-              <a:t>15/07/2020</a:t>
+              <a:t>04/08/2020</a:t>
             </a:fld>
             <a:endParaRPr lang="en-GB"/>
           </a:p>
@@ -2341,7 +2420,7 @@
           <a:p>
             <a:fld id="{5C316670-22DA-CE45-BF19-C0B19D676291}" type="datetimeFigureOut">
               <a:rPr lang="en-GB" smtClean="0"/>
-              <a:t>15/07/2020</a:t>
+              <a:t>04/08/2020</a:t>
             </a:fld>
             <a:endParaRPr lang="en-GB"/>
           </a:p>
@@ -2454,7 +2533,7 @@
           <a:p>
             <a:fld id="{5C316670-22DA-CE45-BF19-C0B19D676291}" type="datetimeFigureOut">
               <a:rPr lang="en-GB" smtClean="0"/>
-              <a:t>15/07/2020</a:t>
+              <a:t>04/08/2020</a:t>
             </a:fld>
             <a:endParaRPr lang="en-GB"/>
           </a:p>
@@ -2767,7 +2846,7 @@
           <a:p>
             <a:fld id="{5C316670-22DA-CE45-BF19-C0B19D676291}" type="datetimeFigureOut">
               <a:rPr lang="en-GB" smtClean="0"/>
-              <a:t>15/07/2020</a:t>
+              <a:t>04/08/2020</a:t>
             </a:fld>
             <a:endParaRPr lang="en-GB"/>
           </a:p>
@@ -3056,7 +3135,7 @@
           <a:p>
             <a:fld id="{5C316670-22DA-CE45-BF19-C0B19D676291}" type="datetimeFigureOut">
               <a:rPr lang="en-GB" smtClean="0"/>
-              <a:t>15/07/2020</a:t>
+              <a:t>04/08/2020</a:t>
             </a:fld>
             <a:endParaRPr lang="en-GB"/>
           </a:p>
@@ -3299,7 +3378,7 @@
           <a:p>
             <a:fld id="{5C316670-22DA-CE45-BF19-C0B19D676291}" type="datetimeFigureOut">
               <a:rPr lang="en-GB" smtClean="0"/>
-              <a:t>15/07/2020</a:t>
+              <a:t>04/08/2020</a:t>
             </a:fld>
             <a:endParaRPr lang="en-GB"/>
           </a:p>
@@ -3778,10 +3857,10 @@
       </p:grpSpPr>
       <p:pic>
         <p:nvPicPr>
-          <p:cNvPr id="11" name="Picture 10">
-            <a:extLst>
-              <a:ext uri="{FF2B5EF4-FFF2-40B4-BE49-F238E27FC236}">
-                <a16:creationId xmlns:a16="http://schemas.microsoft.com/office/drawing/2014/main" id="{F1D95220-C278-6A47-B5EB-52BF6ADCF15C}"/>
+          <p:cNvPr id="6" name="Picture 5">
+            <a:extLst>
+              <a:ext uri="{FF2B5EF4-FFF2-40B4-BE49-F238E27FC236}">
+                <a16:creationId xmlns:a16="http://schemas.microsoft.com/office/drawing/2014/main" id="{27418603-6370-D546-8218-8D70E777FB2E}"/>
               </a:ext>
             </a:extLst>
           </p:cNvPr>
@@ -3798,741 +3877,8 @@
         </p:blipFill>
         <p:spPr>
           <a:xfrm>
-            <a:off x="5930593" y="1902372"/>
-            <a:ext cx="6261407" cy="4320000"/>
-          </a:xfrm>
-          <a:prstGeom prst="rect">
-            <a:avLst/>
-          </a:prstGeom>
-        </p:spPr>
-      </p:pic>
-      <p:sp>
-        <p:nvSpPr>
-          <p:cNvPr id="4" name="Rectangle 3">
-            <a:extLst>
-              <a:ext uri="{FF2B5EF4-FFF2-40B4-BE49-F238E27FC236}">
-                <a16:creationId xmlns:a16="http://schemas.microsoft.com/office/drawing/2014/main" id="{8B6E133F-8983-6A46-A224-E9FA2B0D9F3F}"/>
-              </a:ext>
-            </a:extLst>
-          </p:cNvPr>
-          <p:cNvSpPr/>
-          <p:nvPr/>
-        </p:nvSpPr>
-        <p:spPr>
-          <a:xfrm>
-            <a:off x="528115" y="409596"/>
-            <a:ext cx="4087979" cy="369332"/>
-          </a:xfrm>
-          <a:prstGeom prst="rect">
-            <a:avLst/>
-          </a:prstGeom>
-        </p:spPr>
-        <p:txBody>
-          <a:bodyPr wrap="none">
-            <a:spAutoFit/>
-          </a:bodyPr>
-          <a:lstStyle/>
-          <a:p>
-            <a:pPr marL="342900" indent="-342900">
-              <a:buFont typeface="+mj-lt"/>
-              <a:buAutoNum type="arabicPeriod" startAt="3"/>
-            </a:pPr>
-            <a:r>
-              <a:rPr lang="en-GB" b="1" dirty="0"/>
-              <a:t>Derived allele frequencies (GATK call)</a:t>
-            </a:r>
-          </a:p>
-        </p:txBody>
-      </p:sp>
-      <p:sp>
-        <p:nvSpPr>
-          <p:cNvPr id="5" name="TextBox 4">
-            <a:extLst>
-              <a:ext uri="{FF2B5EF4-FFF2-40B4-BE49-F238E27FC236}">
-                <a16:creationId xmlns:a16="http://schemas.microsoft.com/office/drawing/2014/main" id="{049B477E-5E39-F240-86CA-65F077DF0726}"/>
-              </a:ext>
-            </a:extLst>
-          </p:cNvPr>
-          <p:cNvSpPr txBox="1"/>
-          <p:nvPr/>
-        </p:nvSpPr>
-        <p:spPr>
-          <a:xfrm>
-            <a:off x="528115" y="1100078"/>
-            <a:ext cx="8311085" cy="369332"/>
-          </a:xfrm>
-          <a:prstGeom prst="rect">
-            <a:avLst/>
-          </a:prstGeom>
-          <a:noFill/>
-        </p:spPr>
-        <p:txBody>
-          <a:bodyPr wrap="square" rtlCol="0">
-            <a:spAutoFit/>
-          </a:bodyPr>
-          <a:lstStyle/>
-          <a:p>
-            <a:pPr marL="285750" indent="-285750">
-              <a:buFont typeface="Arial" panose="020B0604020202020204" pitchFamily="34" charset="0"/>
-              <a:buChar char="•"/>
-            </a:pPr>
-            <a:r>
-              <a:rPr lang="en-GB" dirty="0"/>
-              <a:t>Square root of count of INDELs and SNPs after filtering but before cline analysis.</a:t>
-            </a:r>
-          </a:p>
-        </p:txBody>
-      </p:sp>
-      <p:pic>
-        <p:nvPicPr>
-          <p:cNvPr id="8" name="Picture 7">
-            <a:extLst>
-              <a:ext uri="{FF2B5EF4-FFF2-40B4-BE49-F238E27FC236}">
-                <a16:creationId xmlns:a16="http://schemas.microsoft.com/office/drawing/2014/main" id="{951E7946-9613-CF44-BA97-59369E616309}"/>
-              </a:ext>
-            </a:extLst>
-          </p:cNvPr>
-          <p:cNvPicPr>
-            <a:picLocks noChangeAspect="1"/>
-          </p:cNvPicPr>
-          <p:nvPr/>
-        </p:nvPicPr>
-        <p:blipFill>
-          <a:blip r:embed="rId3"/>
-          <a:stretch>
-            <a:fillRect/>
-          </a:stretch>
-        </p:blipFill>
-        <p:spPr>
-          <a:xfrm>
-            <a:off x="28601" y="1902372"/>
-            <a:ext cx="6261407" cy="4320000"/>
-          </a:xfrm>
-          <a:prstGeom prst="rect">
-            <a:avLst/>
-          </a:prstGeom>
-        </p:spPr>
-      </p:pic>
-    </p:spTree>
-    <p:extLst>
-      <p:ext uri="{BB962C8B-B14F-4D97-AF65-F5344CB8AC3E}">
-        <p14:creationId xmlns:p14="http://schemas.microsoft.com/office/powerpoint/2010/main" val="3942403218"/>
-      </p:ext>
-    </p:extLst>
-  </p:cSld>
-  <p:clrMapOvr>
-    <a:masterClrMapping/>
-  </p:clrMapOvr>
-</p:sld>
-</file>
-
-<file path=ppt/slides/slide11.xml><?xml version="1.0" encoding="utf-8"?>
-<p:sld xmlns:a="http://schemas.openxmlformats.org/drawingml/2006/main" xmlns:r="http://schemas.openxmlformats.org/officeDocument/2006/relationships" xmlns:p="http://schemas.openxmlformats.org/presentationml/2006/main">
-  <p:cSld>
-    <p:spTree>
-      <p:nvGrpSpPr>
-        <p:cNvPr id="1" name=""/>
-        <p:cNvGrpSpPr/>
-        <p:nvPr/>
-      </p:nvGrpSpPr>
-      <p:grpSpPr>
-        <a:xfrm>
-          <a:off x="0" y="0"/>
-          <a:ext cx="0" cy="0"/>
-          <a:chOff x="0" y="0"/>
-          <a:chExt cx="0" cy="0"/>
-        </a:xfrm>
-      </p:grpSpPr>
-      <p:sp>
-        <p:nvSpPr>
-          <p:cNvPr id="4" name="Rectangle 3">
-            <a:extLst>
-              <a:ext uri="{FF2B5EF4-FFF2-40B4-BE49-F238E27FC236}">
-                <a16:creationId xmlns:a16="http://schemas.microsoft.com/office/drawing/2014/main" id="{8B6E133F-8983-6A46-A224-E9FA2B0D9F3F}"/>
-              </a:ext>
-            </a:extLst>
-          </p:cNvPr>
-          <p:cNvSpPr/>
-          <p:nvPr/>
-        </p:nvSpPr>
-        <p:spPr>
-          <a:xfrm>
-            <a:off x="528115" y="409596"/>
-            <a:ext cx="4087979" cy="369332"/>
-          </a:xfrm>
-          <a:prstGeom prst="rect">
-            <a:avLst/>
-          </a:prstGeom>
-        </p:spPr>
-        <p:txBody>
-          <a:bodyPr wrap="none">
-            <a:spAutoFit/>
-          </a:bodyPr>
-          <a:lstStyle/>
-          <a:p>
-            <a:pPr marL="342900" indent="-342900">
-              <a:buFont typeface="+mj-lt"/>
-              <a:buAutoNum type="arabicPeriod" startAt="3"/>
-            </a:pPr>
-            <a:r>
-              <a:rPr lang="en-GB" b="1" dirty="0"/>
-              <a:t>Derived allele frequencies (GATK call)</a:t>
-            </a:r>
-          </a:p>
-        </p:txBody>
-      </p:sp>
-      <p:sp>
-        <p:nvSpPr>
-          <p:cNvPr id="5" name="TextBox 4">
-            <a:extLst>
-              <a:ext uri="{FF2B5EF4-FFF2-40B4-BE49-F238E27FC236}">
-                <a16:creationId xmlns:a16="http://schemas.microsoft.com/office/drawing/2014/main" id="{049B477E-5E39-F240-86CA-65F077DF0726}"/>
-              </a:ext>
-            </a:extLst>
-          </p:cNvPr>
-          <p:cNvSpPr txBox="1"/>
-          <p:nvPr/>
-        </p:nvSpPr>
-        <p:spPr>
-          <a:xfrm>
-            <a:off x="528115" y="1100078"/>
-            <a:ext cx="8311085" cy="369332"/>
-          </a:xfrm>
-          <a:prstGeom prst="rect">
-            <a:avLst/>
-          </a:prstGeom>
-          <a:noFill/>
-        </p:spPr>
-        <p:txBody>
-          <a:bodyPr wrap="square" rtlCol="0">
-            <a:spAutoFit/>
-          </a:bodyPr>
-          <a:lstStyle/>
-          <a:p>
-            <a:pPr marL="285750" indent="-285750">
-              <a:buFont typeface="Arial" panose="020B0604020202020204" pitchFamily="34" charset="0"/>
-              <a:buChar char="•"/>
-            </a:pPr>
-            <a:r>
-              <a:rPr lang="en-GB" dirty="0"/>
-              <a:t>Relative proportion of INDELs and SNPs after filtering but before cline analysis.</a:t>
-            </a:r>
-          </a:p>
-        </p:txBody>
-      </p:sp>
-      <p:pic>
-        <p:nvPicPr>
-          <p:cNvPr id="3" name="Picture 2">
-            <a:extLst>
-              <a:ext uri="{FF2B5EF4-FFF2-40B4-BE49-F238E27FC236}">
-                <a16:creationId xmlns:a16="http://schemas.microsoft.com/office/drawing/2014/main" id="{793A0A25-E3DA-834B-9E2D-6A67A73F11D4}"/>
-              </a:ext>
-            </a:extLst>
-          </p:cNvPr>
-          <p:cNvPicPr>
-            <a:picLocks noChangeAspect="1"/>
-          </p:cNvPicPr>
-          <p:nvPr/>
-        </p:nvPicPr>
-        <p:blipFill>
-          <a:blip r:embed="rId2"/>
-          <a:stretch>
-            <a:fillRect/>
-          </a:stretch>
-        </p:blipFill>
-        <p:spPr>
-          <a:xfrm>
-            <a:off x="528115" y="1545021"/>
-            <a:ext cx="7304974" cy="5040000"/>
-          </a:xfrm>
-          <a:prstGeom prst="rect">
-            <a:avLst/>
-          </a:prstGeom>
-        </p:spPr>
-      </p:pic>
-    </p:spTree>
-    <p:extLst>
-      <p:ext uri="{BB962C8B-B14F-4D97-AF65-F5344CB8AC3E}">
-        <p14:creationId xmlns:p14="http://schemas.microsoft.com/office/powerpoint/2010/main" val="2887222785"/>
-      </p:ext>
-    </p:extLst>
-  </p:cSld>
-  <p:clrMapOvr>
-    <a:masterClrMapping/>
-  </p:clrMapOvr>
-</p:sld>
-</file>
-
-<file path=ppt/slides/slide12.xml><?xml version="1.0" encoding="utf-8"?>
-<p:sld xmlns:a="http://schemas.openxmlformats.org/drawingml/2006/main" xmlns:r="http://schemas.openxmlformats.org/officeDocument/2006/relationships" xmlns:p="http://schemas.openxmlformats.org/presentationml/2006/main">
-  <p:cSld>
-    <p:spTree>
-      <p:nvGrpSpPr>
-        <p:cNvPr id="1" name=""/>
-        <p:cNvGrpSpPr/>
-        <p:nvPr/>
-      </p:nvGrpSpPr>
-      <p:grpSpPr>
-        <a:xfrm>
-          <a:off x="0" y="0"/>
-          <a:ext cx="0" cy="0"/>
-          <a:chOff x="0" y="0"/>
-          <a:chExt cx="0" cy="0"/>
-        </a:xfrm>
-      </p:grpSpPr>
-      <p:pic>
-        <p:nvPicPr>
-          <p:cNvPr id="8" name="Picture 7">
-            <a:extLst>
-              <a:ext uri="{FF2B5EF4-FFF2-40B4-BE49-F238E27FC236}">
-                <a16:creationId xmlns:a16="http://schemas.microsoft.com/office/drawing/2014/main" id="{BF6E379E-1F3B-9646-B375-A42C6188BE08}"/>
-              </a:ext>
-            </a:extLst>
-          </p:cNvPr>
-          <p:cNvPicPr>
-            <a:picLocks noChangeAspect="1"/>
-          </p:cNvPicPr>
-          <p:nvPr/>
-        </p:nvPicPr>
-        <p:blipFill>
-          <a:blip r:embed="rId2"/>
-          <a:stretch>
-            <a:fillRect/>
-          </a:stretch>
-        </p:blipFill>
-        <p:spPr>
-          <a:xfrm>
-            <a:off x="5521767" y="919324"/>
-            <a:ext cx="5760000" cy="5760000"/>
-          </a:xfrm>
-          <a:prstGeom prst="rect">
-            <a:avLst/>
-          </a:prstGeom>
-        </p:spPr>
-      </p:pic>
-      <p:sp>
-        <p:nvSpPr>
-          <p:cNvPr id="4" name="Rectangle 3">
-            <a:extLst>
-              <a:ext uri="{FF2B5EF4-FFF2-40B4-BE49-F238E27FC236}">
-                <a16:creationId xmlns:a16="http://schemas.microsoft.com/office/drawing/2014/main" id="{8B6E133F-8983-6A46-A224-E9FA2B0D9F3F}"/>
-              </a:ext>
-            </a:extLst>
-          </p:cNvPr>
-          <p:cNvSpPr/>
-          <p:nvPr/>
-        </p:nvSpPr>
-        <p:spPr>
-          <a:xfrm>
-            <a:off x="528115" y="409596"/>
-            <a:ext cx="4087979" cy="369332"/>
-          </a:xfrm>
-          <a:prstGeom prst="rect">
-            <a:avLst/>
-          </a:prstGeom>
-        </p:spPr>
-        <p:txBody>
-          <a:bodyPr wrap="none">
-            <a:spAutoFit/>
-          </a:bodyPr>
-          <a:lstStyle/>
-          <a:p>
-            <a:pPr marL="342900" indent="-342900">
-              <a:buFont typeface="+mj-lt"/>
-              <a:buAutoNum type="arabicPeriod" startAt="3"/>
-            </a:pPr>
-            <a:r>
-              <a:rPr lang="en-GB" b="1" dirty="0"/>
-              <a:t>Derived allele frequencies (GATK call)</a:t>
-            </a:r>
-          </a:p>
-        </p:txBody>
-      </p:sp>
-      <p:sp>
-        <p:nvSpPr>
-          <p:cNvPr id="5" name="TextBox 4">
-            <a:extLst>
-              <a:ext uri="{FF2B5EF4-FFF2-40B4-BE49-F238E27FC236}">
-                <a16:creationId xmlns:a16="http://schemas.microsoft.com/office/drawing/2014/main" id="{049B477E-5E39-F240-86CA-65F077DF0726}"/>
-              </a:ext>
-            </a:extLst>
-          </p:cNvPr>
-          <p:cNvSpPr txBox="1"/>
-          <p:nvPr/>
-        </p:nvSpPr>
-        <p:spPr>
-          <a:xfrm>
-            <a:off x="5721465" y="442863"/>
-            <a:ext cx="5950893" cy="338554"/>
-          </a:xfrm>
-          <a:prstGeom prst="rect">
-            <a:avLst/>
-          </a:prstGeom>
-          <a:noFill/>
-        </p:spPr>
-        <p:txBody>
-          <a:bodyPr wrap="square" rtlCol="0">
-            <a:spAutoFit/>
-          </a:bodyPr>
-          <a:lstStyle/>
-          <a:p>
-            <a:r>
-              <a:rPr lang="en-GB" sz="1600" dirty="0"/>
-              <a:t>CZA CRAB-WAVE joint allele frequency spectra: square root count.</a:t>
-            </a:r>
-          </a:p>
-        </p:txBody>
-      </p:sp>
-      <p:pic>
-        <p:nvPicPr>
-          <p:cNvPr id="6" name="Picture 5">
-            <a:extLst>
-              <a:ext uri="{FF2B5EF4-FFF2-40B4-BE49-F238E27FC236}">
-                <a16:creationId xmlns:a16="http://schemas.microsoft.com/office/drawing/2014/main" id="{54D586B7-59B7-D34B-AB1F-7A5F1270E166}"/>
-              </a:ext>
-            </a:extLst>
-          </p:cNvPr>
-          <p:cNvPicPr>
-            <a:picLocks noChangeAspect="1"/>
-          </p:cNvPicPr>
-          <p:nvPr/>
-        </p:nvPicPr>
-        <p:blipFill>
-          <a:blip r:embed="rId3"/>
-          <a:stretch>
-            <a:fillRect/>
-          </a:stretch>
-        </p:blipFill>
-        <p:spPr>
-          <a:xfrm>
-            <a:off x="336000" y="919324"/>
-            <a:ext cx="5760000" cy="5760000"/>
-          </a:xfrm>
-          <a:prstGeom prst="rect">
-            <a:avLst/>
-          </a:prstGeom>
-        </p:spPr>
-      </p:pic>
-    </p:spTree>
-    <p:extLst>
-      <p:ext uri="{BB962C8B-B14F-4D97-AF65-F5344CB8AC3E}">
-        <p14:creationId xmlns:p14="http://schemas.microsoft.com/office/powerpoint/2010/main" val="3369321309"/>
-      </p:ext>
-    </p:extLst>
-  </p:cSld>
-  <p:clrMapOvr>
-    <a:masterClrMapping/>
-  </p:clrMapOvr>
-</p:sld>
-</file>
-
-<file path=ppt/slides/slide13.xml><?xml version="1.0" encoding="utf-8"?>
-<p:sld xmlns:a="http://schemas.openxmlformats.org/drawingml/2006/main" xmlns:r="http://schemas.openxmlformats.org/officeDocument/2006/relationships" xmlns:p="http://schemas.openxmlformats.org/presentationml/2006/main">
-  <p:cSld>
-    <p:spTree>
-      <p:nvGrpSpPr>
-        <p:cNvPr id="1" name=""/>
-        <p:cNvGrpSpPr/>
-        <p:nvPr/>
-      </p:nvGrpSpPr>
-      <p:grpSpPr>
-        <a:xfrm>
-          <a:off x="0" y="0"/>
-          <a:ext cx="0" cy="0"/>
-          <a:chOff x="0" y="0"/>
-          <a:chExt cx="0" cy="0"/>
-        </a:xfrm>
-      </p:grpSpPr>
-      <p:pic>
-        <p:nvPicPr>
-          <p:cNvPr id="9" name="Picture 8">
-            <a:extLst>
-              <a:ext uri="{FF2B5EF4-FFF2-40B4-BE49-F238E27FC236}">
-                <a16:creationId xmlns:a16="http://schemas.microsoft.com/office/drawing/2014/main" id="{DA20A884-96A8-8A4D-A268-C6AF03D880A6}"/>
-              </a:ext>
-            </a:extLst>
-          </p:cNvPr>
-          <p:cNvPicPr>
-            <a:picLocks noChangeAspect="1"/>
-          </p:cNvPicPr>
-          <p:nvPr/>
-        </p:nvPicPr>
-        <p:blipFill>
-          <a:blip r:embed="rId2"/>
-          <a:stretch>
-            <a:fillRect/>
-          </a:stretch>
-        </p:blipFill>
-        <p:spPr>
-          <a:xfrm>
-            <a:off x="5504790" y="950855"/>
-            <a:ext cx="5760000" cy="5760000"/>
-          </a:xfrm>
-          <a:prstGeom prst="rect">
-            <a:avLst/>
-          </a:prstGeom>
-        </p:spPr>
-      </p:pic>
-      <p:sp>
-        <p:nvSpPr>
-          <p:cNvPr id="4" name="Rectangle 3">
-            <a:extLst>
-              <a:ext uri="{FF2B5EF4-FFF2-40B4-BE49-F238E27FC236}">
-                <a16:creationId xmlns:a16="http://schemas.microsoft.com/office/drawing/2014/main" id="{8B6E133F-8983-6A46-A224-E9FA2B0D9F3F}"/>
-              </a:ext>
-            </a:extLst>
-          </p:cNvPr>
-          <p:cNvSpPr/>
-          <p:nvPr/>
-        </p:nvSpPr>
-        <p:spPr>
-          <a:xfrm>
-            <a:off x="528115" y="409596"/>
-            <a:ext cx="4087979" cy="369332"/>
-          </a:xfrm>
-          <a:prstGeom prst="rect">
-            <a:avLst/>
-          </a:prstGeom>
-        </p:spPr>
-        <p:txBody>
-          <a:bodyPr wrap="none">
-            <a:spAutoFit/>
-          </a:bodyPr>
-          <a:lstStyle/>
-          <a:p>
-            <a:pPr marL="342900" indent="-342900">
-              <a:buFont typeface="+mj-lt"/>
-              <a:buAutoNum type="arabicPeriod" startAt="3"/>
-            </a:pPr>
-            <a:r>
-              <a:rPr lang="en-GB" b="1" dirty="0"/>
-              <a:t>Derived allele frequencies (GATK call)</a:t>
-            </a:r>
-          </a:p>
-        </p:txBody>
-      </p:sp>
-      <p:sp>
-        <p:nvSpPr>
-          <p:cNvPr id="5" name="TextBox 4">
-            <a:extLst>
-              <a:ext uri="{FF2B5EF4-FFF2-40B4-BE49-F238E27FC236}">
-                <a16:creationId xmlns:a16="http://schemas.microsoft.com/office/drawing/2014/main" id="{049B477E-5E39-F240-86CA-65F077DF0726}"/>
-              </a:ext>
-            </a:extLst>
-          </p:cNvPr>
-          <p:cNvSpPr txBox="1"/>
-          <p:nvPr/>
-        </p:nvSpPr>
-        <p:spPr>
-          <a:xfrm>
-            <a:off x="5721465" y="442863"/>
-            <a:ext cx="5950893" cy="338554"/>
-          </a:xfrm>
-          <a:prstGeom prst="rect">
-            <a:avLst/>
-          </a:prstGeom>
-          <a:noFill/>
-        </p:spPr>
-        <p:txBody>
-          <a:bodyPr wrap="square" rtlCol="0">
-            <a:spAutoFit/>
-          </a:bodyPr>
-          <a:lstStyle/>
-          <a:p>
-            <a:r>
-              <a:rPr lang="en-GB" sz="1600" dirty="0"/>
-              <a:t>CZB CRAB-WAVE joint allele frequency spectra: square root count.</a:t>
-            </a:r>
-          </a:p>
-        </p:txBody>
-      </p:sp>
-      <p:pic>
-        <p:nvPicPr>
-          <p:cNvPr id="3" name="Picture 2">
-            <a:extLst>
-              <a:ext uri="{FF2B5EF4-FFF2-40B4-BE49-F238E27FC236}">
-                <a16:creationId xmlns:a16="http://schemas.microsoft.com/office/drawing/2014/main" id="{069B423A-EC8B-D54C-8AB6-703D49C67DED}"/>
-              </a:ext>
-            </a:extLst>
-          </p:cNvPr>
-          <p:cNvPicPr>
-            <a:picLocks noChangeAspect="1"/>
-          </p:cNvPicPr>
-          <p:nvPr/>
-        </p:nvPicPr>
-        <p:blipFill>
-          <a:blip r:embed="rId3"/>
-          <a:stretch>
-            <a:fillRect/>
-          </a:stretch>
-        </p:blipFill>
-        <p:spPr>
-          <a:xfrm>
-            <a:off x="336000" y="950855"/>
-            <a:ext cx="5760000" cy="5760000"/>
-          </a:xfrm>
-          <a:prstGeom prst="rect">
-            <a:avLst/>
-          </a:prstGeom>
-        </p:spPr>
-      </p:pic>
-    </p:spTree>
-    <p:extLst>
-      <p:ext uri="{BB962C8B-B14F-4D97-AF65-F5344CB8AC3E}">
-        <p14:creationId xmlns:p14="http://schemas.microsoft.com/office/powerpoint/2010/main" val="2205415152"/>
-      </p:ext>
-    </p:extLst>
-  </p:cSld>
-  <p:clrMapOvr>
-    <a:masterClrMapping/>
-  </p:clrMapOvr>
-</p:sld>
-</file>
-
-<file path=ppt/slides/slide14.xml><?xml version="1.0" encoding="utf-8"?>
-<p:sld xmlns:a="http://schemas.openxmlformats.org/drawingml/2006/main" xmlns:r="http://schemas.openxmlformats.org/officeDocument/2006/relationships" xmlns:p="http://schemas.openxmlformats.org/presentationml/2006/main">
-  <p:cSld>
-    <p:spTree>
-      <p:nvGrpSpPr>
-        <p:cNvPr id="1" name=""/>
-        <p:cNvGrpSpPr/>
-        <p:nvPr/>
-      </p:nvGrpSpPr>
-      <p:grpSpPr>
-        <a:xfrm>
-          <a:off x="0" y="0"/>
-          <a:ext cx="0" cy="0"/>
-          <a:chOff x="0" y="0"/>
-          <a:chExt cx="0" cy="0"/>
-        </a:xfrm>
-      </p:grpSpPr>
-      <p:pic>
-        <p:nvPicPr>
-          <p:cNvPr id="9" name="Picture 8">
-            <a:extLst>
-              <a:ext uri="{FF2B5EF4-FFF2-40B4-BE49-F238E27FC236}">
-                <a16:creationId xmlns:a16="http://schemas.microsoft.com/office/drawing/2014/main" id="{8D12B82A-CDCC-654F-960C-92295F478866}"/>
-              </a:ext>
-            </a:extLst>
-          </p:cNvPr>
-          <p:cNvPicPr>
-            <a:picLocks noChangeAspect="1"/>
-          </p:cNvPicPr>
-          <p:nvPr/>
-        </p:nvPicPr>
-        <p:blipFill>
-          <a:blip r:embed="rId2"/>
-          <a:stretch>
-            <a:fillRect/>
-          </a:stretch>
-        </p:blipFill>
-        <p:spPr>
-          <a:xfrm>
-            <a:off x="5531097" y="1003572"/>
-            <a:ext cx="5760000" cy="5760000"/>
-          </a:xfrm>
-          <a:prstGeom prst="rect">
-            <a:avLst/>
-          </a:prstGeom>
-        </p:spPr>
-      </p:pic>
-      <p:sp>
-        <p:nvSpPr>
-          <p:cNvPr id="4" name="Rectangle 3">
-            <a:extLst>
-              <a:ext uri="{FF2B5EF4-FFF2-40B4-BE49-F238E27FC236}">
-                <a16:creationId xmlns:a16="http://schemas.microsoft.com/office/drawing/2014/main" id="{8B6E133F-8983-6A46-A224-E9FA2B0D9F3F}"/>
-              </a:ext>
-            </a:extLst>
-          </p:cNvPr>
-          <p:cNvSpPr/>
-          <p:nvPr/>
-        </p:nvSpPr>
-        <p:spPr>
-          <a:xfrm>
-            <a:off x="528115" y="409596"/>
-            <a:ext cx="4087979" cy="369332"/>
-          </a:xfrm>
-          <a:prstGeom prst="rect">
-            <a:avLst/>
-          </a:prstGeom>
-        </p:spPr>
-        <p:txBody>
-          <a:bodyPr wrap="none">
-            <a:spAutoFit/>
-          </a:bodyPr>
-          <a:lstStyle/>
-          <a:p>
-            <a:pPr marL="342900" indent="-342900">
-              <a:buFont typeface="+mj-lt"/>
-              <a:buAutoNum type="arabicPeriod" startAt="3"/>
-            </a:pPr>
-            <a:r>
-              <a:rPr lang="en-GB" b="1" dirty="0"/>
-              <a:t>Derived allele frequencies (GATK call)</a:t>
-            </a:r>
-          </a:p>
-        </p:txBody>
-      </p:sp>
-      <p:sp>
-        <p:nvSpPr>
-          <p:cNvPr id="5" name="TextBox 4">
-            <a:extLst>
-              <a:ext uri="{FF2B5EF4-FFF2-40B4-BE49-F238E27FC236}">
-                <a16:creationId xmlns:a16="http://schemas.microsoft.com/office/drawing/2014/main" id="{049B477E-5E39-F240-86CA-65F077DF0726}"/>
-              </a:ext>
-            </a:extLst>
-          </p:cNvPr>
-          <p:cNvSpPr txBox="1"/>
-          <p:nvPr/>
-        </p:nvSpPr>
-        <p:spPr>
-          <a:xfrm>
-            <a:off x="5721465" y="442863"/>
-            <a:ext cx="5950893" cy="338554"/>
-          </a:xfrm>
-          <a:prstGeom prst="rect">
-            <a:avLst/>
-          </a:prstGeom>
-          <a:noFill/>
-        </p:spPr>
-        <p:txBody>
-          <a:bodyPr wrap="square" rtlCol="0">
-            <a:spAutoFit/>
-          </a:bodyPr>
-          <a:lstStyle/>
-          <a:p>
-            <a:r>
-              <a:rPr lang="en-GB" sz="1600" dirty="0"/>
-              <a:t>CZD CRAB-WAVE joint allele frequency spectra: square root count.</a:t>
-            </a:r>
-          </a:p>
-        </p:txBody>
-      </p:sp>
-      <p:pic>
-        <p:nvPicPr>
-          <p:cNvPr id="3" name="Picture 2">
-            <a:extLst>
-              <a:ext uri="{FF2B5EF4-FFF2-40B4-BE49-F238E27FC236}">
-                <a16:creationId xmlns:a16="http://schemas.microsoft.com/office/drawing/2014/main" id="{A901B0D9-74AC-144E-BDDC-78B5A1CCB77B}"/>
-              </a:ext>
-            </a:extLst>
-          </p:cNvPr>
-          <p:cNvPicPr>
-            <a:picLocks noChangeAspect="1"/>
-          </p:cNvPicPr>
-          <p:nvPr/>
-        </p:nvPicPr>
-        <p:blipFill>
-          <a:blip r:embed="rId3"/>
-          <a:stretch>
-            <a:fillRect/>
-          </a:stretch>
-        </p:blipFill>
-        <p:spPr>
-          <a:xfrm>
-            <a:off x="336000" y="1003572"/>
-            <a:ext cx="5760000" cy="5760000"/>
+            <a:off x="1130045" y="0"/>
+            <a:ext cx="9931910" cy="6858000"/>
           </a:xfrm>
           <a:prstGeom prst="rect">
             <a:avLst/>
@@ -4552,9 +3898,17 @@
 </p:sld>
 </file>
 
-<file path=ppt/slides/slide15.xml><?xml version="1.0" encoding="utf-8"?>
+<file path=ppt/slides/slide11.xml><?xml version="1.0" encoding="utf-8"?>
 <p:sld xmlns:a="http://schemas.openxmlformats.org/drawingml/2006/main" xmlns:r="http://schemas.openxmlformats.org/officeDocument/2006/relationships" xmlns:p="http://schemas.openxmlformats.org/presentationml/2006/main">
   <p:cSld>
+    <p:bg>
+      <p:bgPr>
+        <a:solidFill>
+          <a:schemeClr val="bg1"/>
+        </a:solidFill>
+        <a:effectLst/>
+      </p:bgPr>
+    </p:bg>
     <p:spTree>
       <p:nvGrpSpPr>
         <p:cNvPr id="1" name=""/>
@@ -4571,10 +3925,10 @@
       </p:grpSpPr>
       <p:pic>
         <p:nvPicPr>
-          <p:cNvPr id="9" name="Picture 8">
-            <a:extLst>
-              <a:ext uri="{FF2B5EF4-FFF2-40B4-BE49-F238E27FC236}">
-                <a16:creationId xmlns:a16="http://schemas.microsoft.com/office/drawing/2014/main" id="{4C3955F9-5296-334E-8561-85DF6BF53489}"/>
+          <p:cNvPr id="4" name="Picture 3">
+            <a:extLst>
+              <a:ext uri="{FF2B5EF4-FFF2-40B4-BE49-F238E27FC236}">
+                <a16:creationId xmlns:a16="http://schemas.microsoft.com/office/drawing/2014/main" id="{0EDF6520-EDB2-F542-8F0C-5B5C5851C99F}"/>
               </a:ext>
             </a:extLst>
           </p:cNvPr>
@@ -4591,8 +3945,8 @@
         </p:blipFill>
         <p:spPr>
           <a:xfrm>
-            <a:off x="5719381" y="992897"/>
-            <a:ext cx="5760000" cy="5760000"/>
+            <a:off x="3496970" y="0"/>
+            <a:ext cx="8582014" cy="6858000"/>
           </a:xfrm>
           <a:prstGeom prst="rect">
             <a:avLst/>
@@ -4601,10 +3955,10 @@
       </p:pic>
       <p:sp>
         <p:nvSpPr>
-          <p:cNvPr id="4" name="Rectangle 3">
-            <a:extLst>
-              <a:ext uri="{FF2B5EF4-FFF2-40B4-BE49-F238E27FC236}">
-                <a16:creationId xmlns:a16="http://schemas.microsoft.com/office/drawing/2014/main" id="{8B6E133F-8983-6A46-A224-E9FA2B0D9F3F}"/>
+          <p:cNvPr id="5" name="Rectangle 4">
+            <a:extLst>
+              <a:ext uri="{FF2B5EF4-FFF2-40B4-BE49-F238E27FC236}">
+                <a16:creationId xmlns:a16="http://schemas.microsoft.com/office/drawing/2014/main" id="{FD3BB770-E744-054F-B4BB-DA2DB9BB6F96}"/>
               </a:ext>
             </a:extLst>
           </p:cNvPr>
@@ -4613,8 +3967,60 @@
         </p:nvSpPr>
         <p:spPr>
           <a:xfrm>
-            <a:off x="528115" y="409596"/>
-            <a:ext cx="4087979" cy="369332"/>
+            <a:off x="11225827" y="3309257"/>
+            <a:ext cx="853157" cy="1208313"/>
+          </a:xfrm>
+          <a:prstGeom prst="rect">
+            <a:avLst/>
+          </a:prstGeom>
+          <a:solidFill>
+            <a:schemeClr val="bg1"/>
+          </a:solidFill>
+          <a:ln>
+            <a:noFill/>
+          </a:ln>
+        </p:spPr>
+        <p:style>
+          <a:lnRef idx="2">
+            <a:schemeClr val="accent1">
+              <a:shade val="50000"/>
+            </a:schemeClr>
+          </a:lnRef>
+          <a:fillRef idx="1">
+            <a:schemeClr val="accent1"/>
+          </a:fillRef>
+          <a:effectRef idx="0">
+            <a:schemeClr val="accent1"/>
+          </a:effectRef>
+          <a:fontRef idx="minor">
+            <a:schemeClr val="lt1"/>
+          </a:fontRef>
+        </p:style>
+        <p:txBody>
+          <a:bodyPr rtlCol="0" anchor="ctr"/>
+          <a:lstStyle/>
+          <a:p>
+            <a:pPr algn="ctr"/>
+            <a:endParaRPr lang="en-GB"/>
+          </a:p>
+        </p:txBody>
+      </p:sp>
+      <p:sp>
+        <p:nvSpPr>
+          <p:cNvPr id="6" name="Rectangle 5">
+            <a:extLst>
+              <a:ext uri="{FF2B5EF4-FFF2-40B4-BE49-F238E27FC236}">
+                <a16:creationId xmlns:a16="http://schemas.microsoft.com/office/drawing/2014/main" id="{A397FDF5-8A59-2D4C-97F0-4912FF522EAB}"/>
+              </a:ext>
+            </a:extLst>
+          </p:cNvPr>
+          <p:cNvSpPr/>
+          <p:nvPr/>
+        </p:nvSpPr>
+        <p:spPr>
+          <a:xfrm>
+            <a:off x="198147" y="189654"/>
+            <a:ext cx="1951175" cy="369332"/>
           </a:xfrm>
           <a:prstGeom prst="rect">
             <a:avLst/>
@@ -4632,17 +4038,17 @@
             </a:pPr>
             <a:r>
               <a:rPr lang="en-GB" b="1" dirty="0"/>
-              <a:t>Derived allele frequencies (GATK call)</a:t>
-            </a:r>
-          </a:p>
-        </p:txBody>
-      </p:sp>
-      <p:sp>
-        <p:nvSpPr>
-          <p:cNvPr id="5" name="TextBox 4">
-            <a:extLst>
-              <a:ext uri="{FF2B5EF4-FFF2-40B4-BE49-F238E27FC236}">
-                <a16:creationId xmlns:a16="http://schemas.microsoft.com/office/drawing/2014/main" id="{049B477E-5E39-F240-86CA-65F077DF0726}"/>
+              <a:t>Outlier sharing</a:t>
+            </a:r>
+          </a:p>
+        </p:txBody>
+      </p:sp>
+      <p:sp>
+        <p:nvSpPr>
+          <p:cNvPr id="7" name="TextBox 6">
+            <a:extLst>
+              <a:ext uri="{FF2B5EF4-FFF2-40B4-BE49-F238E27FC236}">
+                <a16:creationId xmlns:a16="http://schemas.microsoft.com/office/drawing/2014/main" id="{81F67D3C-CE30-6343-9E15-628ECEA80C1A}"/>
               </a:ext>
             </a:extLst>
           </p:cNvPr>
@@ -4651,8 +4057,8 @@
         </p:nvSpPr>
         <p:spPr>
           <a:xfrm>
-            <a:off x="5090846" y="442863"/>
-            <a:ext cx="6932990" cy="338554"/>
+            <a:off x="198147" y="666814"/>
+            <a:ext cx="3542958" cy="307777"/>
           </a:xfrm>
           <a:prstGeom prst="rect">
             <a:avLst/>
@@ -4660,52 +4066,34 @@
           <a:noFill/>
         </p:spPr>
         <p:txBody>
-          <a:bodyPr wrap="square" rtlCol="0">
+          <a:bodyPr wrap="none" rtlCol="0">
             <a:spAutoFit/>
           </a:bodyPr>
           <a:lstStyle/>
           <a:p>
-            <a:r>
-              <a:rPr lang="en-GB" sz="1600" dirty="0"/>
-              <a:t>CZA CRAB-WAVE joint allele frequency spectra: difference in relative proportions.</a:t>
-            </a:r>
-          </a:p>
-        </p:txBody>
-      </p:sp>
-      <p:pic>
-        <p:nvPicPr>
-          <p:cNvPr id="3" name="Picture 2">
-            <a:extLst>
-              <a:ext uri="{FF2B5EF4-FFF2-40B4-BE49-F238E27FC236}">
-                <a16:creationId xmlns:a16="http://schemas.microsoft.com/office/drawing/2014/main" id="{465CC0A5-0831-F64E-BA2F-088E450CD10A}"/>
-              </a:ext>
-            </a:extLst>
-          </p:cNvPr>
-          <p:cNvPicPr>
-            <a:picLocks noChangeAspect="1"/>
-          </p:cNvPicPr>
-          <p:nvPr/>
-        </p:nvPicPr>
-        <p:blipFill>
-          <a:blip r:embed="rId3"/>
-          <a:stretch>
-            <a:fillRect/>
-          </a:stretch>
-        </p:blipFill>
-        <p:spPr>
-          <a:xfrm>
-            <a:off x="528115" y="992897"/>
-            <a:ext cx="5760000" cy="5760000"/>
-          </a:xfrm>
-          <a:prstGeom prst="rect">
-            <a:avLst/>
-          </a:prstGeom>
-        </p:spPr>
-      </p:pic>
+            <a:pPr marL="285750" indent="-285750">
+              <a:buFont typeface="Arial" panose="020B0604020202020204" pitchFamily="34" charset="0"/>
+              <a:buChar char="•"/>
+            </a:pPr>
+            <a:r>
+              <a:rPr lang="en-GB" sz="1400" dirty="0"/>
+              <a:t>Variants after cline analysis (</a:t>
+            </a:r>
+            <a:r>
+              <a:rPr lang="en-GB" sz="1400" dirty="0" err="1"/>
+              <a:t>maf</a:t>
+            </a:r>
+            <a:r>
+              <a:rPr lang="en-GB" sz="1400" dirty="0"/>
+              <a:t> filter 0.1)</a:t>
+            </a:r>
+          </a:p>
+        </p:txBody>
+      </p:sp>
     </p:spTree>
     <p:extLst>
       <p:ext uri="{BB962C8B-B14F-4D97-AF65-F5344CB8AC3E}">
-        <p14:creationId xmlns:p14="http://schemas.microsoft.com/office/powerpoint/2010/main" val="700409757"/>
+        <p14:creationId xmlns:p14="http://schemas.microsoft.com/office/powerpoint/2010/main" val="185700607"/>
       </p:ext>
     </p:extLst>
   </p:cSld>
@@ -4715,9 +4103,17 @@
 </p:sld>
 </file>
 
-<file path=ppt/slides/slide16.xml><?xml version="1.0" encoding="utf-8"?>
+<file path=ppt/slides/slide12.xml><?xml version="1.0" encoding="utf-8"?>
 <p:sld xmlns:a="http://schemas.openxmlformats.org/drawingml/2006/main" xmlns:r="http://schemas.openxmlformats.org/officeDocument/2006/relationships" xmlns:p="http://schemas.openxmlformats.org/presentationml/2006/main">
   <p:cSld>
+    <p:bg>
+      <p:bgPr>
+        <a:solidFill>
+          <a:schemeClr val="bg1"/>
+        </a:solidFill>
+        <a:effectLst/>
+      </p:bgPr>
+    </p:bg>
     <p:spTree>
       <p:nvGrpSpPr>
         <p:cNvPr id="1" name=""/>
@@ -4734,10 +4130,10 @@
       </p:grpSpPr>
       <p:pic>
         <p:nvPicPr>
-          <p:cNvPr id="7" name="Picture 6">
-            <a:extLst>
-              <a:ext uri="{FF2B5EF4-FFF2-40B4-BE49-F238E27FC236}">
-                <a16:creationId xmlns:a16="http://schemas.microsoft.com/office/drawing/2014/main" id="{B4074715-EBE5-AF45-A41E-4FB22B14B872}"/>
+          <p:cNvPr id="2" name="Picture 1">
+            <a:extLst>
+              <a:ext uri="{FF2B5EF4-FFF2-40B4-BE49-F238E27FC236}">
+                <a16:creationId xmlns:a16="http://schemas.microsoft.com/office/drawing/2014/main" id="{03104746-9502-BF42-B442-FC2DA9E881B8}"/>
               </a:ext>
             </a:extLst>
           </p:cNvPr>
@@ -4754,111 +4150,8 @@
         </p:blipFill>
         <p:spPr>
           <a:xfrm>
-            <a:off x="5715879" y="949693"/>
-            <a:ext cx="5760000" cy="5760000"/>
-          </a:xfrm>
-          <a:prstGeom prst="rect">
-            <a:avLst/>
-          </a:prstGeom>
-        </p:spPr>
-      </p:pic>
-      <p:sp>
-        <p:nvSpPr>
-          <p:cNvPr id="4" name="Rectangle 3">
-            <a:extLst>
-              <a:ext uri="{FF2B5EF4-FFF2-40B4-BE49-F238E27FC236}">
-                <a16:creationId xmlns:a16="http://schemas.microsoft.com/office/drawing/2014/main" id="{8B6E133F-8983-6A46-A224-E9FA2B0D9F3F}"/>
-              </a:ext>
-            </a:extLst>
-          </p:cNvPr>
-          <p:cNvSpPr/>
-          <p:nvPr/>
-        </p:nvSpPr>
-        <p:spPr>
-          <a:xfrm>
-            <a:off x="528115" y="409596"/>
-            <a:ext cx="4087979" cy="369332"/>
-          </a:xfrm>
-          <a:prstGeom prst="rect">
-            <a:avLst/>
-          </a:prstGeom>
-        </p:spPr>
-        <p:txBody>
-          <a:bodyPr wrap="none">
-            <a:spAutoFit/>
-          </a:bodyPr>
-          <a:lstStyle/>
-          <a:p>
-            <a:pPr marL="342900" indent="-342900">
-              <a:buFont typeface="+mj-lt"/>
-              <a:buAutoNum type="arabicPeriod" startAt="3"/>
-            </a:pPr>
-            <a:r>
-              <a:rPr lang="en-GB" b="1" dirty="0"/>
-              <a:t>Derived allele frequencies (GATK call)</a:t>
-            </a:r>
-          </a:p>
-        </p:txBody>
-      </p:sp>
-      <p:sp>
-        <p:nvSpPr>
-          <p:cNvPr id="5" name="TextBox 4">
-            <a:extLst>
-              <a:ext uri="{FF2B5EF4-FFF2-40B4-BE49-F238E27FC236}">
-                <a16:creationId xmlns:a16="http://schemas.microsoft.com/office/drawing/2014/main" id="{049B477E-5E39-F240-86CA-65F077DF0726}"/>
-              </a:ext>
-            </a:extLst>
-          </p:cNvPr>
-          <p:cNvSpPr txBox="1"/>
-          <p:nvPr/>
-        </p:nvSpPr>
-        <p:spPr>
-          <a:xfrm>
-            <a:off x="5090846" y="442863"/>
-            <a:ext cx="6932990" cy="338554"/>
-          </a:xfrm>
-          <a:prstGeom prst="rect">
-            <a:avLst/>
-          </a:prstGeom>
-          <a:noFill/>
-        </p:spPr>
-        <p:txBody>
-          <a:bodyPr wrap="square" rtlCol="0">
-            <a:spAutoFit/>
-          </a:bodyPr>
-          <a:lstStyle/>
-          <a:p>
-            <a:r>
-              <a:rPr lang="en-GB" sz="1600" dirty="0"/>
-              <a:t>CZB CRAB-WAVE joint allele frequency spectra: difference in relative proportions.</a:t>
-            </a:r>
-          </a:p>
-        </p:txBody>
-      </p:sp>
-      <p:pic>
-        <p:nvPicPr>
-          <p:cNvPr id="3" name="Picture 2">
-            <a:extLst>
-              <a:ext uri="{FF2B5EF4-FFF2-40B4-BE49-F238E27FC236}">
-                <a16:creationId xmlns:a16="http://schemas.microsoft.com/office/drawing/2014/main" id="{AAF08518-8502-B54B-A8AD-289028D5F675}"/>
-              </a:ext>
-            </a:extLst>
-          </p:cNvPr>
-          <p:cNvPicPr>
-            <a:picLocks noChangeAspect="1"/>
-          </p:cNvPicPr>
-          <p:nvPr/>
-        </p:nvPicPr>
-        <p:blipFill>
-          <a:blip r:embed="rId3"/>
-          <a:stretch>
-            <a:fillRect/>
-          </a:stretch>
-        </p:blipFill>
-        <p:spPr>
-          <a:xfrm>
-            <a:off x="528115" y="949693"/>
-            <a:ext cx="5760000" cy="5760000"/>
+            <a:off x="2062135" y="643466"/>
+            <a:ext cx="8067730" cy="5571067"/>
           </a:xfrm>
           <a:prstGeom prst="rect">
             <a:avLst/>
@@ -4868,170 +4161,7 @@
     </p:spTree>
     <p:extLst>
       <p:ext uri="{BB962C8B-B14F-4D97-AF65-F5344CB8AC3E}">
-        <p14:creationId xmlns:p14="http://schemas.microsoft.com/office/powerpoint/2010/main" val="2817366001"/>
-      </p:ext>
-    </p:extLst>
-  </p:cSld>
-  <p:clrMapOvr>
-    <a:masterClrMapping/>
-  </p:clrMapOvr>
-</p:sld>
-</file>
-
-<file path=ppt/slides/slide17.xml><?xml version="1.0" encoding="utf-8"?>
-<p:sld xmlns:a="http://schemas.openxmlformats.org/drawingml/2006/main" xmlns:r="http://schemas.openxmlformats.org/officeDocument/2006/relationships" xmlns:p="http://schemas.openxmlformats.org/presentationml/2006/main">
-  <p:cSld>
-    <p:spTree>
-      <p:nvGrpSpPr>
-        <p:cNvPr id="1" name=""/>
-        <p:cNvGrpSpPr/>
-        <p:nvPr/>
-      </p:nvGrpSpPr>
-      <p:grpSpPr>
-        <a:xfrm>
-          <a:off x="0" y="0"/>
-          <a:ext cx="0" cy="0"/>
-          <a:chOff x="0" y="0"/>
-          <a:chExt cx="0" cy="0"/>
-        </a:xfrm>
-      </p:grpSpPr>
-      <p:pic>
-        <p:nvPicPr>
-          <p:cNvPr id="7" name="Picture 6">
-            <a:extLst>
-              <a:ext uri="{FF2B5EF4-FFF2-40B4-BE49-F238E27FC236}">
-                <a16:creationId xmlns:a16="http://schemas.microsoft.com/office/drawing/2014/main" id="{B85CFE11-C64F-CC4B-B51B-566FE95735D2}"/>
-              </a:ext>
-            </a:extLst>
-          </p:cNvPr>
-          <p:cNvPicPr>
-            <a:picLocks noChangeAspect="1"/>
-          </p:cNvPicPr>
-          <p:nvPr/>
-        </p:nvPicPr>
-        <p:blipFill>
-          <a:blip r:embed="rId2"/>
-          <a:stretch>
-            <a:fillRect/>
-          </a:stretch>
-        </p:blipFill>
-        <p:spPr>
-          <a:xfrm>
-            <a:off x="5529423" y="939708"/>
-            <a:ext cx="5760000" cy="5760000"/>
-          </a:xfrm>
-          <a:prstGeom prst="rect">
-            <a:avLst/>
-          </a:prstGeom>
-        </p:spPr>
-      </p:pic>
-      <p:sp>
-        <p:nvSpPr>
-          <p:cNvPr id="4" name="Rectangle 3">
-            <a:extLst>
-              <a:ext uri="{FF2B5EF4-FFF2-40B4-BE49-F238E27FC236}">
-                <a16:creationId xmlns:a16="http://schemas.microsoft.com/office/drawing/2014/main" id="{8B6E133F-8983-6A46-A224-E9FA2B0D9F3F}"/>
-              </a:ext>
-            </a:extLst>
-          </p:cNvPr>
-          <p:cNvSpPr/>
-          <p:nvPr/>
-        </p:nvSpPr>
-        <p:spPr>
-          <a:xfrm>
-            <a:off x="528115" y="409596"/>
-            <a:ext cx="4087979" cy="369332"/>
-          </a:xfrm>
-          <a:prstGeom prst="rect">
-            <a:avLst/>
-          </a:prstGeom>
-        </p:spPr>
-        <p:txBody>
-          <a:bodyPr wrap="none">
-            <a:spAutoFit/>
-          </a:bodyPr>
-          <a:lstStyle/>
-          <a:p>
-            <a:pPr marL="342900" indent="-342900">
-              <a:buFont typeface="+mj-lt"/>
-              <a:buAutoNum type="arabicPeriod" startAt="3"/>
-            </a:pPr>
-            <a:r>
-              <a:rPr lang="en-GB" b="1" dirty="0"/>
-              <a:t>Derived allele frequencies (GATK call)</a:t>
-            </a:r>
-          </a:p>
-        </p:txBody>
-      </p:sp>
-      <p:sp>
-        <p:nvSpPr>
-          <p:cNvPr id="5" name="TextBox 4">
-            <a:extLst>
-              <a:ext uri="{FF2B5EF4-FFF2-40B4-BE49-F238E27FC236}">
-                <a16:creationId xmlns:a16="http://schemas.microsoft.com/office/drawing/2014/main" id="{049B477E-5E39-F240-86CA-65F077DF0726}"/>
-              </a:ext>
-            </a:extLst>
-          </p:cNvPr>
-          <p:cNvSpPr txBox="1"/>
-          <p:nvPr/>
-        </p:nvSpPr>
-        <p:spPr>
-          <a:xfrm>
-            <a:off x="5090846" y="442863"/>
-            <a:ext cx="6932990" cy="338554"/>
-          </a:xfrm>
-          <a:prstGeom prst="rect">
-            <a:avLst/>
-          </a:prstGeom>
-          <a:noFill/>
-        </p:spPr>
-        <p:txBody>
-          <a:bodyPr wrap="square" rtlCol="0">
-            <a:spAutoFit/>
-          </a:bodyPr>
-          <a:lstStyle/>
-          <a:p>
-            <a:r>
-              <a:rPr lang="en-GB" sz="1600" dirty="0"/>
-              <a:t>CZD CRAB-WAVE joint allele frequency spectra: difference in relative proportions.</a:t>
-            </a:r>
-          </a:p>
-        </p:txBody>
-      </p:sp>
-      <p:pic>
-        <p:nvPicPr>
-          <p:cNvPr id="3" name="Picture 2">
-            <a:extLst>
-              <a:ext uri="{FF2B5EF4-FFF2-40B4-BE49-F238E27FC236}">
-                <a16:creationId xmlns:a16="http://schemas.microsoft.com/office/drawing/2014/main" id="{6152FC6B-0B10-FB4E-891D-EB9EB1549527}"/>
-              </a:ext>
-            </a:extLst>
-          </p:cNvPr>
-          <p:cNvPicPr>
-            <a:picLocks noChangeAspect="1"/>
-          </p:cNvPicPr>
-          <p:nvPr/>
-        </p:nvPicPr>
-        <p:blipFill>
-          <a:blip r:embed="rId3"/>
-          <a:stretch>
-            <a:fillRect/>
-          </a:stretch>
-        </p:blipFill>
-        <p:spPr>
-          <a:xfrm>
-            <a:off x="336000" y="939708"/>
-            <a:ext cx="5760000" cy="5760000"/>
-          </a:xfrm>
-          <a:prstGeom prst="rect">
-            <a:avLst/>
-          </a:prstGeom>
-        </p:spPr>
-      </p:pic>
-    </p:spTree>
-    <p:extLst>
-      <p:ext uri="{BB962C8B-B14F-4D97-AF65-F5344CB8AC3E}">
-        <p14:creationId xmlns:p14="http://schemas.microsoft.com/office/powerpoint/2010/main" val="3100843328"/>
+        <p14:creationId xmlns:p14="http://schemas.microsoft.com/office/powerpoint/2010/main" val="2029847764"/>
       </p:ext>
     </p:extLst>
   </p:cSld>
@@ -5132,7 +4262,7 @@
         <p:spPr>
           <a:xfrm>
             <a:off x="1250066" y="3113590"/>
-            <a:ext cx="6651052" cy="1200329"/>
+            <a:ext cx="4348050" cy="1200329"/>
           </a:xfrm>
           <a:prstGeom prst="rect">
             <a:avLst/>
@@ -5151,7 +4281,7 @@
             </a:pPr>
             <a:r>
               <a:rPr lang="en-GB" dirty="0"/>
-              <a:t>Outlier sharing</a:t>
+              <a:t>Clustering of (different types) markers</a:t>
             </a:r>
           </a:p>
           <a:p>
@@ -5161,7 +4291,15 @@
             </a:pPr>
             <a:r>
               <a:rPr lang="en-GB" dirty="0"/>
-              <a:t>Clustering of (different types) markers</a:t>
+              <a:t>Unfolded allele frequency spectra (</a:t>
+            </a:r>
+            <a:r>
+              <a:rPr lang="en-GB" dirty="0" err="1"/>
+              <a:t>uAFS</a:t>
+            </a:r>
+            <a:r>
+              <a:rPr lang="en-GB" dirty="0"/>
+              <a:t>)</a:t>
             </a:r>
           </a:p>
           <a:p>
@@ -5171,7 +4309,7 @@
             </a:pPr>
             <a:r>
               <a:rPr lang="en-GB" dirty="0"/>
-              <a:t>Derived allele frequencies (in progress and for now simply minor)</a:t>
+              <a:t>Outlier sharing</a:t>
             </a:r>
           </a:p>
           <a:p>
@@ -5201,7 +4339,7 @@
         <p:spPr>
           <a:xfrm>
             <a:off x="1076446" y="498769"/>
-            <a:ext cx="4247766" cy="369332"/>
+            <a:ext cx="4195379" cy="369332"/>
           </a:xfrm>
           <a:prstGeom prst="rect">
             <a:avLst/>
@@ -5216,7 +4354,7 @@
           <a:p>
             <a:r>
               <a:rPr lang="en-GB" dirty="0"/>
-              <a:t>Original aspects of the short INDELs project</a:t>
+              <a:t>Original aspects of the short INDELs paper:</a:t>
             </a:r>
           </a:p>
         </p:txBody>
@@ -5236,7 +4374,7 @@
         <p:spPr>
           <a:xfrm>
             <a:off x="1091112" y="2744258"/>
-            <a:ext cx="2431756" cy="369332"/>
+            <a:ext cx="2494273" cy="369332"/>
           </a:xfrm>
           <a:prstGeom prst="rect">
             <a:avLst/>
@@ -5251,7 +4389,7 @@
           <a:p>
             <a:r>
               <a:rPr lang="en-GB" dirty="0"/>
-              <a:t>INDEL-SNP comparisons</a:t>
+              <a:t>INDEL-SNP comparisons:</a:t>
             </a:r>
           </a:p>
         </p:txBody>
@@ -5288,10 +4426,146 @@
       </p:grpSpPr>
       <p:sp>
         <p:nvSpPr>
-          <p:cNvPr id="2" name="Rectangle 1">
-            <a:extLst>
-              <a:ext uri="{FF2B5EF4-FFF2-40B4-BE49-F238E27FC236}">
-                <a16:creationId xmlns:a16="http://schemas.microsoft.com/office/drawing/2014/main" id="{B775E58A-D45E-CB4A-A0C9-0E6A0A43FE06}"/>
+          <p:cNvPr id="5" name="TextBox 4">
+            <a:extLst>
+              <a:ext uri="{FF2B5EF4-FFF2-40B4-BE49-F238E27FC236}">
+                <a16:creationId xmlns:a16="http://schemas.microsoft.com/office/drawing/2014/main" id="{049B477E-5E39-F240-86CA-65F077DF0726}"/>
+              </a:ext>
+            </a:extLst>
+          </p:cNvPr>
+          <p:cNvSpPr txBox="1"/>
+          <p:nvPr/>
+        </p:nvSpPr>
+        <p:spPr>
+          <a:xfrm>
+            <a:off x="6926444" y="409596"/>
+            <a:ext cx="4460012" cy="4247317"/>
+          </a:xfrm>
+          <a:prstGeom prst="rect">
+            <a:avLst/>
+          </a:prstGeom>
+          <a:noFill/>
+        </p:spPr>
+        <p:txBody>
+          <a:bodyPr wrap="square" rtlCol="0">
+            <a:spAutoFit/>
+          </a:bodyPr>
+          <a:lstStyle/>
+          <a:p>
+            <a:pPr marL="285750" indent="-285750">
+              <a:buFont typeface="Arial" panose="020B0604020202020204" pitchFamily="34" charset="0"/>
+              <a:buChar char="•"/>
+            </a:pPr>
+            <a:r>
+              <a:rPr lang="en-GB" dirty="0"/>
+              <a:t>INDELs and SNPs after filtering but before cline analysis</a:t>
+            </a:r>
+            <a:br>
+              <a:rPr lang="en-GB" dirty="0"/>
+            </a:br>
+            <a:endParaRPr lang="en-GB" dirty="0"/>
+          </a:p>
+          <a:p>
+            <a:pPr marL="285750" indent="-285750">
+              <a:buFont typeface="Arial" panose="020B0604020202020204" pitchFamily="34" charset="0"/>
+              <a:buChar char="•"/>
+            </a:pPr>
+            <a:r>
+              <a:rPr lang="en-GB" dirty="0"/>
+              <a:t>Kept variants inside and outside inversions</a:t>
+            </a:r>
+            <a:br>
+              <a:rPr lang="en-GB" dirty="0"/>
+            </a:br>
+            <a:r>
+              <a:rPr lang="en-GB" dirty="0"/>
+              <a:t>Unique INDELs = 20005</a:t>
+            </a:r>
+            <a:br>
+              <a:rPr lang="en-GB" dirty="0"/>
+            </a:br>
+            <a:r>
+              <a:rPr lang="en-GB" dirty="0"/>
+              <a:t>Unique SNPs = 89770</a:t>
+            </a:r>
+          </a:p>
+          <a:p>
+            <a:pPr marL="285750" indent="-285750">
+              <a:buFont typeface="Arial" panose="020B0604020202020204" pitchFamily="34" charset="0"/>
+              <a:buChar char="•"/>
+            </a:pPr>
+            <a:endParaRPr lang="en-GB" dirty="0"/>
+          </a:p>
+          <a:p>
+            <a:pPr marL="285750" indent="-285750">
+              <a:buFont typeface="Arial" panose="020B0604020202020204" pitchFamily="34" charset="0"/>
+              <a:buChar char="•"/>
+            </a:pPr>
+            <a:r>
+              <a:rPr lang="en-GB" dirty="0"/>
+              <a:t>With map position</a:t>
+            </a:r>
+            <a:br>
+              <a:rPr lang="en-GB" dirty="0"/>
+            </a:br>
+            <a:r>
+              <a:rPr lang="en-GB" dirty="0"/>
+              <a:t>Unique INDELs = 7209</a:t>
+            </a:r>
+            <a:br>
+              <a:rPr lang="en-GB" dirty="0"/>
+            </a:br>
+            <a:r>
+              <a:rPr lang="en-GB" dirty="0"/>
+              <a:t>Unique SNPs = 34290</a:t>
+            </a:r>
+          </a:p>
+          <a:p>
+            <a:pPr marL="285750" indent="-285750">
+              <a:buFont typeface="Arial" panose="020B0604020202020204" pitchFamily="34" charset="0"/>
+              <a:buChar char="•"/>
+            </a:pPr>
+            <a:endParaRPr lang="en-GB" dirty="0"/>
+          </a:p>
+          <a:p>
+            <a:pPr marL="285750" indent="-285750">
+              <a:buFont typeface="Arial" panose="020B0604020202020204" pitchFamily="34" charset="0"/>
+              <a:buChar char="•"/>
+            </a:pPr>
+            <a:r>
+              <a:rPr lang="en-GB" dirty="0"/>
+              <a:t>Without map position</a:t>
+            </a:r>
+            <a:br>
+              <a:rPr lang="en-GB" dirty="0"/>
+            </a:br>
+            <a:r>
+              <a:rPr lang="en-GB" dirty="0"/>
+              <a:t>Unique INDELs = 12796</a:t>
+            </a:r>
+            <a:br>
+              <a:rPr lang="en-GB" dirty="0"/>
+            </a:br>
+            <a:r>
+              <a:rPr lang="en-GB" dirty="0"/>
+              <a:t>Unique SNPs = 55480</a:t>
+            </a:r>
+          </a:p>
+          <a:p>
+            <a:pPr marL="285750" indent="-285750">
+              <a:buFont typeface="Arial" panose="020B0604020202020204" pitchFamily="34" charset="0"/>
+              <a:buChar char="•"/>
+            </a:pPr>
+            <a:endParaRPr lang="en-GB" dirty="0"/>
+          </a:p>
+        </p:txBody>
+      </p:sp>
+      <p:sp>
+        <p:nvSpPr>
+          <p:cNvPr id="9" name="Rectangle 8">
+            <a:extLst>
+              <a:ext uri="{FF2B5EF4-FFF2-40B4-BE49-F238E27FC236}">
+                <a16:creationId xmlns:a16="http://schemas.microsoft.com/office/drawing/2014/main" id="{900A70BA-388F-4547-862E-740BE8CCAC50}"/>
               </a:ext>
             </a:extLst>
           </p:cNvPr>
@@ -5300,8 +4574,8 @@
         </p:nvSpPr>
         <p:spPr>
           <a:xfrm>
-            <a:off x="524719" y="189654"/>
-            <a:ext cx="1951175" cy="369332"/>
+            <a:off x="528115" y="409596"/>
+            <a:ext cx="4164153" cy="369332"/>
           </a:xfrm>
           <a:prstGeom prst="rect">
             <a:avLst/>
@@ -5319,639 +4593,528 @@
             </a:pPr>
             <a:r>
               <a:rPr lang="en-GB" b="1" dirty="0"/>
-              <a:t>Outlier sharing</a:t>
-            </a:r>
-          </a:p>
-        </p:txBody>
-      </p:sp>
-      <p:sp>
-        <p:nvSpPr>
-          <p:cNvPr id="3" name="Rectangle 2">
-            <a:extLst>
-              <a:ext uri="{FF2B5EF4-FFF2-40B4-BE49-F238E27FC236}">
-                <a16:creationId xmlns:a16="http://schemas.microsoft.com/office/drawing/2014/main" id="{8DA753BD-2489-674F-902F-7AC3EDCBD20A}"/>
-              </a:ext>
-            </a:extLst>
-          </p:cNvPr>
-          <p:cNvSpPr/>
+              <a:t>Clustering of (different types) markers</a:t>
+            </a:r>
+          </a:p>
+        </p:txBody>
+      </p:sp>
+      <p:pic>
+        <p:nvPicPr>
+          <p:cNvPr id="3" name="Picture 2">
+            <a:extLst>
+              <a:ext uri="{FF2B5EF4-FFF2-40B4-BE49-F238E27FC236}">
+                <a16:creationId xmlns:a16="http://schemas.microsoft.com/office/drawing/2014/main" id="{3E6479BB-6EE6-6F40-B817-A34BC57B5652}"/>
+              </a:ext>
+            </a:extLst>
+          </p:cNvPr>
+          <p:cNvPicPr>
+            <a:picLocks noChangeAspect="1"/>
+          </p:cNvPicPr>
           <p:nvPr/>
-        </p:nvSpPr>
+        </p:nvPicPr>
+        <p:blipFill>
+          <a:blip r:embed="rId2"/>
+          <a:stretch>
+            <a:fillRect/>
+          </a:stretch>
+        </p:blipFill>
         <p:spPr>
           <a:xfrm>
-            <a:off x="4486656" y="543310"/>
-            <a:ext cx="3129485" cy="5816977"/>
+            <a:off x="115615" y="778929"/>
+            <a:ext cx="6079072" cy="6079072"/>
           </a:xfrm>
           <a:prstGeom prst="rect">
             <a:avLst/>
           </a:prstGeom>
         </p:spPr>
-        <p:txBody>
-          <a:bodyPr wrap="square">
-            <a:spAutoFit/>
-          </a:bodyPr>
-          <a:lstStyle/>
-          <a:p>
-            <a:r>
-              <a:rPr lang="en-GB" sz="1200" dirty="0"/>
-              <a:t>Total number of SNP: </a:t>
-            </a:r>
-            <a:r>
-              <a:rPr lang="en-GB" sz="1200" dirty="0">
-                <a:solidFill>
-                  <a:srgbClr val="FF0000"/>
-                </a:solidFill>
-              </a:rPr>
-              <a:t>11225</a:t>
-            </a:r>
-          </a:p>
-          <a:p>
-            <a:endParaRPr lang="en-GB" sz="1200" dirty="0"/>
-          </a:p>
-          <a:p>
-            <a:r>
-              <a:rPr lang="en-GB" sz="1200" dirty="0"/>
-              <a:t>Proportion of SNP  with significant clines.</a:t>
-            </a:r>
-          </a:p>
-          <a:p>
-            <a:r>
-              <a:rPr lang="en-GB" sz="1200" dirty="0"/>
-              <a:t>0.5317595</a:t>
-            </a:r>
-          </a:p>
-          <a:p>
-            <a:r>
-              <a:rPr lang="en-GB" sz="1200" dirty="0"/>
-              <a:t>0.4457016</a:t>
-            </a:r>
-          </a:p>
-          <a:p>
-            <a:r>
-              <a:rPr lang="en-GB" sz="1200" dirty="0"/>
-              <a:t>0.3277506</a:t>
-            </a:r>
-          </a:p>
-          <a:p>
-            <a:r>
-              <a:rPr lang="en-GB" sz="1200" dirty="0"/>
-              <a:t>0.4244989</a:t>
-            </a:r>
-          </a:p>
-          <a:p>
-            <a:r>
-              <a:rPr lang="en-GB" sz="1200" dirty="0"/>
-              <a:t>0.4473942</a:t>
-            </a:r>
-          </a:p>
-          <a:p>
-            <a:r>
-              <a:rPr lang="en-GB" sz="1200" dirty="0"/>
-              <a:t>0.4823163</a:t>
-            </a:r>
-          </a:p>
-          <a:p>
-            <a:endParaRPr lang="en-GB" sz="1200" dirty="0"/>
-          </a:p>
-          <a:p>
-            <a:r>
-              <a:rPr lang="en-GB" sz="1200" dirty="0"/>
-              <a:t>Proportions of SNP  outliers that are shared.</a:t>
-            </a:r>
-          </a:p>
-          <a:p>
-            <a:r>
-              <a:rPr lang="en-GB" sz="1200" dirty="0"/>
-              <a:t>0.6160714</a:t>
-            </a:r>
-          </a:p>
-          <a:p>
-            <a:r>
-              <a:rPr lang="en-GB" sz="1200" dirty="0"/>
-              <a:t>0.5178571</a:t>
-            </a:r>
-          </a:p>
-          <a:p>
-            <a:r>
-              <a:rPr lang="en-GB" sz="1200" dirty="0"/>
-              <a:t>0.6339286</a:t>
-            </a:r>
-          </a:p>
-          <a:p>
-            <a:r>
-              <a:rPr lang="en-GB" sz="1200" dirty="0"/>
-              <a:t>0.359375</a:t>
-            </a:r>
-          </a:p>
-          <a:p>
-            <a:r>
-              <a:rPr lang="en-GB" sz="1200" dirty="0"/>
-              <a:t>0.4107143</a:t>
-            </a:r>
-          </a:p>
-          <a:p>
-            <a:r>
-              <a:rPr lang="en-GB" sz="1200" dirty="0"/>
-              <a:t>0.484375</a:t>
-            </a:r>
-          </a:p>
-          <a:p>
-            <a:endParaRPr lang="en-GB" sz="1200" dirty="0"/>
-          </a:p>
-          <a:p>
-            <a:r>
-              <a:rPr lang="en-GB" sz="1200" dirty="0"/>
-              <a:t>142</a:t>
-            </a:r>
-          </a:p>
-          <a:p>
-            <a:r>
-              <a:rPr lang="en-GB" sz="1200" dirty="0"/>
-              <a:t>66</a:t>
-            </a:r>
-          </a:p>
-          <a:p>
-            <a:r>
-              <a:rPr lang="en-GB" sz="1200" dirty="0"/>
-              <a:t>29</a:t>
-            </a:r>
-          </a:p>
-          <a:p>
-            <a:r>
-              <a:rPr lang="en-GB" sz="1200" dirty="0"/>
-              <a:t>27</a:t>
-            </a:r>
-          </a:p>
-          <a:p>
-            <a:r>
-              <a:rPr lang="en-GB" sz="1200" dirty="0"/>
-              <a:t>25</a:t>
-            </a:r>
-          </a:p>
-          <a:p>
-            <a:r>
-              <a:rPr lang="en-GB" sz="1200" dirty="0"/>
-              <a:t>13</a:t>
-            </a:r>
-          </a:p>
-          <a:p>
-            <a:endParaRPr lang="en-GB" sz="1200" dirty="0"/>
-          </a:p>
-          <a:p>
-            <a:r>
-              <a:rPr lang="en-GB" sz="1200" dirty="0"/>
-              <a:t>0.556</a:t>
-            </a:r>
-          </a:p>
-          <a:p>
-            <a:r>
-              <a:rPr lang="en-GB" sz="1200" dirty="0"/>
-              <a:t>0.636</a:t>
-            </a:r>
-          </a:p>
-          <a:p>
-            <a:r>
-              <a:rPr lang="en-GB" sz="1200" dirty="0"/>
-              <a:t>0.862</a:t>
-            </a:r>
-          </a:p>
-          <a:p>
-            <a:r>
-              <a:rPr lang="en-GB" sz="1200" dirty="0"/>
-              <a:t>0.889</a:t>
-            </a:r>
-          </a:p>
-          <a:p>
-            <a:r>
-              <a:rPr lang="en-GB" sz="1200" dirty="0"/>
-              <a:t>0.92</a:t>
-            </a:r>
-          </a:p>
-          <a:p>
-            <a:r>
-              <a:rPr lang="en-GB" sz="1200" dirty="0"/>
-              <a:t>1</a:t>
-            </a:r>
-          </a:p>
-        </p:txBody>
-      </p:sp>
-      <p:sp>
-        <p:nvSpPr>
-          <p:cNvPr id="5" name="Rectangle 4">
-            <a:extLst>
-              <a:ext uri="{FF2B5EF4-FFF2-40B4-BE49-F238E27FC236}">
-                <a16:creationId xmlns:a16="http://schemas.microsoft.com/office/drawing/2014/main" id="{BAAD3B19-AD82-B040-873E-BAF529487567}"/>
-              </a:ext>
-            </a:extLst>
-          </p:cNvPr>
-          <p:cNvSpPr/>
-          <p:nvPr/>
-        </p:nvSpPr>
-        <p:spPr>
-          <a:xfrm>
-            <a:off x="629824" y="1079338"/>
-            <a:ext cx="3961937" cy="5262979"/>
-          </a:xfrm>
-          <a:prstGeom prst="rect">
-            <a:avLst/>
-          </a:prstGeom>
-        </p:spPr>
-        <p:txBody>
-          <a:bodyPr wrap="square">
-            <a:spAutoFit/>
-          </a:bodyPr>
-          <a:lstStyle/>
-          <a:p>
-            <a:pPr algn="r"/>
-            <a:r>
-              <a:rPr lang="en-GB" sz="1200" dirty="0"/>
-              <a:t>CZA left:</a:t>
-            </a:r>
-          </a:p>
-          <a:p>
-            <a:pPr algn="r"/>
-            <a:r>
-              <a:rPr lang="en-GB" sz="1200" dirty="0"/>
-              <a:t>CZA right:</a:t>
-            </a:r>
-          </a:p>
-          <a:p>
-            <a:pPr algn="r"/>
-            <a:r>
-              <a:rPr lang="en-GB" sz="1200" dirty="0"/>
-              <a:t>CZB left:</a:t>
-            </a:r>
-          </a:p>
-          <a:p>
-            <a:pPr algn="r"/>
-            <a:r>
-              <a:rPr lang="en-GB" sz="1200" dirty="0"/>
-              <a:t>CZB right:</a:t>
-            </a:r>
-          </a:p>
-          <a:p>
-            <a:pPr algn="r"/>
-            <a:r>
-              <a:rPr lang="en-GB" sz="1200" dirty="0"/>
-              <a:t>CZD left:</a:t>
-            </a:r>
-          </a:p>
-          <a:p>
-            <a:pPr algn="r"/>
-            <a:r>
-              <a:rPr lang="en-GB" sz="1200" dirty="0"/>
-              <a:t>CZD right:</a:t>
-            </a:r>
-          </a:p>
-          <a:p>
-            <a:pPr algn="r"/>
-            <a:endParaRPr lang="en-GB" sz="1200" dirty="0"/>
-          </a:p>
-          <a:p>
-            <a:pPr algn="r"/>
-            <a:endParaRPr lang="en-GB" sz="1200" dirty="0"/>
-          </a:p>
-          <a:p>
-            <a:pPr algn="r"/>
-            <a:r>
-              <a:rPr lang="en-GB" sz="1200" dirty="0"/>
-              <a:t>CZA left and right:</a:t>
-            </a:r>
-          </a:p>
-          <a:p>
-            <a:pPr algn="r"/>
-            <a:r>
-              <a:rPr lang="en-GB" sz="1200" dirty="0"/>
-              <a:t>CZB left and right:</a:t>
-            </a:r>
-          </a:p>
-          <a:p>
-            <a:pPr algn="r"/>
-            <a:r>
-              <a:rPr lang="en-GB" sz="1200" dirty="0"/>
-              <a:t>CZD left and right:</a:t>
-            </a:r>
-          </a:p>
-          <a:p>
-            <a:pPr algn="r"/>
-            <a:r>
-              <a:rPr lang="en-GB" sz="1200" dirty="0"/>
-              <a:t>CZA and CZB:</a:t>
-            </a:r>
-          </a:p>
-          <a:p>
-            <a:pPr algn="r"/>
-            <a:r>
-              <a:rPr lang="en-GB" sz="1200" dirty="0"/>
-              <a:t>CZA and CZD:</a:t>
-            </a:r>
-          </a:p>
-          <a:p>
-            <a:pPr algn="r"/>
-            <a:r>
-              <a:rPr lang="en-GB" sz="1200" dirty="0"/>
-              <a:t>CZB and CZD:</a:t>
-            </a:r>
-          </a:p>
-          <a:p>
-            <a:pPr algn="r"/>
-            <a:endParaRPr lang="en-GB" sz="1200" dirty="0"/>
-          </a:p>
-          <a:p>
-            <a:pPr algn="r"/>
-            <a:r>
-              <a:rPr lang="en-GB" sz="1200" dirty="0"/>
-              <a:t>Number of SNP  outliers found in 1 hybrid zone(s):</a:t>
-            </a:r>
-          </a:p>
-          <a:p>
-            <a:pPr algn="r"/>
-            <a:r>
-              <a:rPr lang="en-GB" sz="1200" dirty="0"/>
-              <a:t>Number of SNP  outliers found in 2 hybrid zone(s):</a:t>
-            </a:r>
-          </a:p>
-          <a:p>
-            <a:pPr algn="r"/>
-            <a:r>
-              <a:rPr lang="en-GB" sz="1200" dirty="0"/>
-              <a:t>Number of SNP  outliers found in 3 hybrid zone(s):</a:t>
-            </a:r>
-          </a:p>
-          <a:p>
-            <a:pPr algn="r"/>
-            <a:r>
-              <a:rPr lang="en-GB" sz="1200" dirty="0"/>
-              <a:t>Number of SNP  outliers found in 4 hybrid zone(s):</a:t>
-            </a:r>
-          </a:p>
-          <a:p>
-            <a:pPr algn="r"/>
-            <a:r>
-              <a:rPr lang="en-GB" sz="1200" dirty="0"/>
-              <a:t>Number of SNP  outliers found in 5 hybrid zone(s):</a:t>
-            </a:r>
-          </a:p>
-          <a:p>
-            <a:pPr algn="r"/>
-            <a:r>
-              <a:rPr lang="en-GB" sz="1200" dirty="0"/>
-              <a:t>Number of SNP  outliers found in 6 hybrid zone(s):</a:t>
-            </a:r>
-          </a:p>
-          <a:p>
-            <a:pPr algn="r"/>
-            <a:endParaRPr lang="en-GB" sz="1200" dirty="0"/>
-          </a:p>
-          <a:p>
-            <a:pPr algn="r"/>
-            <a:r>
-              <a:rPr lang="en-GB" sz="1200" dirty="0"/>
-              <a:t>Prop. of SNP  outliers in inversions found in 1 zone(s): </a:t>
-            </a:r>
-          </a:p>
-          <a:p>
-            <a:pPr algn="r"/>
-            <a:r>
-              <a:rPr lang="en-GB" sz="1200" dirty="0"/>
-              <a:t>Prop. of SNP  outliers in inversions found in 2 zone(s):</a:t>
-            </a:r>
-          </a:p>
-          <a:p>
-            <a:pPr algn="r"/>
-            <a:r>
-              <a:rPr lang="en-GB" sz="1200" dirty="0"/>
-              <a:t>Prop. of SNP  outliers in inversions found in 3 zone(s):</a:t>
-            </a:r>
-          </a:p>
-          <a:p>
-            <a:pPr algn="r"/>
-            <a:r>
-              <a:rPr lang="en-GB" sz="1200" dirty="0"/>
-              <a:t>Prop. of SNP  outliers in inversions found in 4 zone(s):</a:t>
-            </a:r>
-          </a:p>
-          <a:p>
-            <a:pPr algn="r"/>
-            <a:r>
-              <a:rPr lang="en-GB" sz="1200" dirty="0"/>
-              <a:t>Prop. of SNP  outliers in inversions found in 5 zone(s):</a:t>
-            </a:r>
-          </a:p>
-          <a:p>
-            <a:pPr algn="r"/>
-            <a:r>
-              <a:rPr lang="en-GB" sz="1200" dirty="0"/>
-              <a:t>Prop. of SNP  outliers in inversions found in 6 zone(s):</a:t>
-            </a:r>
-          </a:p>
-        </p:txBody>
-      </p:sp>
-      <p:sp>
-        <p:nvSpPr>
-          <p:cNvPr id="7" name="Rectangle 6">
-            <a:extLst>
-              <a:ext uri="{FF2B5EF4-FFF2-40B4-BE49-F238E27FC236}">
-                <a16:creationId xmlns:a16="http://schemas.microsoft.com/office/drawing/2014/main" id="{69285B50-6470-1746-BD71-7C6F3486A15B}"/>
-              </a:ext>
-            </a:extLst>
-          </p:cNvPr>
-          <p:cNvSpPr/>
-          <p:nvPr/>
-        </p:nvSpPr>
-        <p:spPr>
-          <a:xfrm>
-            <a:off x="8001964" y="543310"/>
-            <a:ext cx="3306501" cy="5816977"/>
-          </a:xfrm>
-          <a:prstGeom prst="rect">
-            <a:avLst/>
-          </a:prstGeom>
-        </p:spPr>
-        <p:txBody>
-          <a:bodyPr wrap="square">
-            <a:spAutoFit/>
-          </a:bodyPr>
-          <a:lstStyle/>
-          <a:p>
-            <a:r>
-              <a:rPr lang="en-GB" sz="1200" dirty="0"/>
-              <a:t>Total number of INDEL: 1752</a:t>
-            </a:r>
-          </a:p>
-          <a:p>
-            <a:endParaRPr lang="en-GB" sz="1200" dirty="0"/>
-          </a:p>
-          <a:p>
-            <a:r>
-              <a:rPr lang="en-GB" sz="1200" dirty="0"/>
-              <a:t>Proportion of INDEL  with significant clines.</a:t>
-            </a:r>
-          </a:p>
-          <a:p>
-            <a:r>
-              <a:rPr lang="en-GB" sz="1200" dirty="0"/>
-              <a:t>0.5296804</a:t>
-            </a:r>
-          </a:p>
-          <a:p>
-            <a:r>
-              <a:rPr lang="en-GB" sz="1200" dirty="0"/>
-              <a:t>0.4549087</a:t>
-            </a:r>
-          </a:p>
-          <a:p>
-            <a:r>
-              <a:rPr lang="en-GB" sz="1200" dirty="0"/>
-              <a:t>0.3413242</a:t>
-            </a:r>
-          </a:p>
-          <a:p>
-            <a:r>
-              <a:rPr lang="en-GB" sz="1200" dirty="0"/>
-              <a:t>0.4092466</a:t>
-            </a:r>
-          </a:p>
-          <a:p>
-            <a:r>
-              <a:rPr lang="en-GB" sz="1200" dirty="0"/>
-              <a:t>0.4737443</a:t>
-            </a:r>
-          </a:p>
-          <a:p>
-            <a:r>
-              <a:rPr lang="en-GB" sz="1200" dirty="0"/>
-              <a:t>0.4834475</a:t>
-            </a:r>
-          </a:p>
-          <a:p>
-            <a:endParaRPr lang="en-GB" sz="1200" dirty="0"/>
-          </a:p>
-          <a:p>
-            <a:r>
-              <a:rPr lang="en-GB" sz="1200" dirty="0"/>
-              <a:t>Proportions of INDEL  outliers that are shared.</a:t>
-            </a:r>
-          </a:p>
-          <a:p>
-            <a:r>
-              <a:rPr lang="en-GB" sz="1200" dirty="0"/>
-              <a:t>0.7058824</a:t>
-            </a:r>
-          </a:p>
-          <a:p>
-            <a:r>
-              <a:rPr lang="en-GB" sz="1200" dirty="0"/>
-              <a:t>0.4705882</a:t>
-            </a:r>
-          </a:p>
-          <a:p>
-            <a:r>
-              <a:rPr lang="en-GB" sz="1200" dirty="0"/>
-              <a:t>0.6470588</a:t>
-            </a:r>
-          </a:p>
-          <a:p>
-            <a:r>
-              <a:rPr lang="en-GB" sz="1200" dirty="0"/>
-              <a:t>0.3529412</a:t>
-            </a:r>
-          </a:p>
-          <a:p>
-            <a:r>
-              <a:rPr lang="en-GB" sz="1200" dirty="0"/>
-              <a:t>0.4117647</a:t>
-            </a:r>
-          </a:p>
-          <a:p>
-            <a:r>
-              <a:rPr lang="en-GB" sz="1200" dirty="0"/>
-              <a:t>0.4411765</a:t>
-            </a:r>
-          </a:p>
-          <a:p>
-            <a:endParaRPr lang="en-GB" sz="1200" dirty="0"/>
-          </a:p>
-          <a:p>
-            <a:r>
-              <a:rPr lang="en-GB" sz="1200" dirty="0"/>
-              <a:t>24</a:t>
-            </a:r>
-          </a:p>
-          <a:p>
-            <a:r>
-              <a:rPr lang="en-GB" sz="1200" dirty="0"/>
-              <a:t>7</a:t>
-            </a:r>
-          </a:p>
-          <a:p>
-            <a:r>
-              <a:rPr lang="en-GB" sz="1200" dirty="0"/>
-              <a:t>7</a:t>
-            </a:r>
-          </a:p>
-          <a:p>
-            <a:r>
-              <a:rPr lang="en-GB" sz="1200" dirty="0"/>
-              <a:t>5</a:t>
-            </a:r>
-          </a:p>
-          <a:p>
-            <a:r>
-              <a:rPr lang="en-GB" sz="1200" dirty="0"/>
-              <a:t>1</a:t>
-            </a:r>
-          </a:p>
-          <a:p>
-            <a:r>
-              <a:rPr lang="en-GB" sz="1200" dirty="0"/>
-              <a:t>3</a:t>
-            </a:r>
-          </a:p>
-          <a:p>
-            <a:endParaRPr lang="en-GB" sz="1200" dirty="0"/>
-          </a:p>
-          <a:p>
-            <a:r>
-              <a:rPr lang="en-GB" sz="1200" dirty="0"/>
-              <a:t>0.625</a:t>
-            </a:r>
-          </a:p>
-          <a:p>
-            <a:r>
-              <a:rPr lang="en-GB" sz="1200" dirty="0"/>
-              <a:t>0.57</a:t>
-            </a:r>
-          </a:p>
-          <a:p>
-            <a:r>
-              <a:rPr lang="en-GB" sz="1200" dirty="0"/>
-              <a:t>0.86</a:t>
-            </a:r>
-          </a:p>
-          <a:p>
-            <a:r>
-              <a:rPr lang="en-GB" sz="1200" dirty="0"/>
-              <a:t>1</a:t>
-            </a:r>
-          </a:p>
-          <a:p>
-            <a:r>
-              <a:rPr lang="en-GB" sz="1200" dirty="0"/>
-              <a:t>1</a:t>
-            </a:r>
-          </a:p>
-          <a:p>
-            <a:r>
-              <a:rPr lang="en-GB" sz="1200" dirty="0"/>
-              <a:t>1</a:t>
-            </a:r>
-          </a:p>
-        </p:txBody>
-      </p:sp>
+      </p:pic>
+      <p:graphicFrame>
+        <p:nvGraphicFramePr>
+          <p:cNvPr id="8" name="Table 13">
+            <a:extLst>
+              <a:ext uri="{FF2B5EF4-FFF2-40B4-BE49-F238E27FC236}">
+                <a16:creationId xmlns:a16="http://schemas.microsoft.com/office/drawing/2014/main" id="{D4A7650E-E280-1447-93B1-BBDE7568FE9D}"/>
+              </a:ext>
+            </a:extLst>
+          </p:cNvPr>
+          <p:cNvGraphicFramePr>
+            <a:graphicFrameLocks noGrp="1"/>
+          </p:cNvGraphicFramePr>
+          <p:nvPr>
+            <p:extLst>
+              <p:ext uri="{D42A27DB-BD31-4B8C-83A1-F6EECF244321}">
+                <p14:modId xmlns:p14="http://schemas.microsoft.com/office/powerpoint/2010/main" val="4061610662"/>
+              </p:ext>
+            </p:extLst>
+          </p:nvPr>
+        </p:nvGraphicFramePr>
+        <p:xfrm>
+          <a:off x="6926444" y="4673350"/>
+          <a:ext cx="4248000" cy="1872000"/>
+        </p:xfrm>
+        <a:graphic>
+          <a:graphicData uri="http://schemas.openxmlformats.org/drawingml/2006/table">
+            <a:tbl>
+              <a:tblPr firstRow="1" lastCol="1">
+                <a:tableStyleId>{F5AB1C69-6EDB-4FF4-983F-18BD219EF322}</a:tableStyleId>
+              </a:tblPr>
+              <a:tblGrid>
+                <a:gridCol w="1062000">
+                  <a:extLst>
+                    <a:ext uri="{9D8B030D-6E8A-4147-A177-3AD203B41FA5}">
+                      <a16:colId xmlns:a16="http://schemas.microsoft.com/office/drawing/2014/main" val="165484807"/>
+                    </a:ext>
+                  </a:extLst>
+                </a:gridCol>
+                <a:gridCol w="1062000">
+                  <a:extLst>
+                    <a:ext uri="{9D8B030D-6E8A-4147-A177-3AD203B41FA5}">
+                      <a16:colId xmlns:a16="http://schemas.microsoft.com/office/drawing/2014/main" val="2725821749"/>
+                    </a:ext>
+                  </a:extLst>
+                </a:gridCol>
+                <a:gridCol w="1062000">
+                  <a:extLst>
+                    <a:ext uri="{9D8B030D-6E8A-4147-A177-3AD203B41FA5}">
+                      <a16:colId xmlns:a16="http://schemas.microsoft.com/office/drawing/2014/main" val="1984912032"/>
+                    </a:ext>
+                  </a:extLst>
+                </a:gridCol>
+                <a:gridCol w="1062000">
+                  <a:extLst>
+                    <a:ext uri="{9D8B030D-6E8A-4147-A177-3AD203B41FA5}">
+                      <a16:colId xmlns:a16="http://schemas.microsoft.com/office/drawing/2014/main" val="520875440"/>
+                    </a:ext>
+                  </a:extLst>
+                </a:gridCol>
+              </a:tblGrid>
+              <a:tr h="468000">
+                <a:tc>
+                  <a:txBody>
+                    <a:bodyPr/>
+                    <a:lstStyle/>
+                    <a:p>
+                      <a:r>
+                        <a:rPr lang="en-GB" sz="1200" b="0" dirty="0">
+                          <a:solidFill>
+                            <a:schemeClr val="tx1"/>
+                          </a:solidFill>
+                        </a:rPr>
+                        <a:t>WAVE LEFT</a:t>
+                      </a:r>
+                    </a:p>
+                  </a:txBody>
+                  <a:tcPr>
+                    <a:lnT w="12700" cap="flat" cmpd="sng" algn="ctr">
+                      <a:solidFill>
+                        <a:schemeClr val="tx1"/>
+                      </a:solidFill>
+                      <a:prstDash val="solid"/>
+                      <a:round/>
+                      <a:headEnd type="none" w="med" len="med"/>
+                      <a:tailEnd type="none" w="med" len="med"/>
+                    </a:lnT>
+                  </a:tcPr>
+                </a:tc>
+                <a:tc>
+                  <a:txBody>
+                    <a:bodyPr/>
+                    <a:lstStyle/>
+                    <a:p>
+                      <a:r>
+                        <a:rPr lang="en-GB" sz="1200" b="0" dirty="0">
+                          <a:solidFill>
+                            <a:schemeClr val="tx1"/>
+                          </a:solidFill>
+                        </a:rPr>
+                        <a:t>CRAB</a:t>
+                      </a:r>
+                    </a:p>
+                  </a:txBody>
+                  <a:tcPr>
+                    <a:lnT w="12700" cap="flat" cmpd="sng" algn="ctr">
+                      <a:solidFill>
+                        <a:schemeClr val="tx1"/>
+                      </a:solidFill>
+                      <a:prstDash val="solid"/>
+                      <a:round/>
+                      <a:headEnd type="none" w="med" len="med"/>
+                      <a:tailEnd type="none" w="med" len="med"/>
+                    </a:lnT>
+                  </a:tcPr>
+                </a:tc>
+                <a:tc>
+                  <a:txBody>
+                    <a:bodyPr/>
+                    <a:lstStyle/>
+                    <a:p>
+                      <a:r>
+                        <a:rPr lang="en-GB" sz="1200" b="0" dirty="0">
+                          <a:solidFill>
+                            <a:schemeClr val="tx1"/>
+                          </a:solidFill>
+                        </a:rPr>
+                        <a:t>WAVE RIGHT</a:t>
+                      </a:r>
+                    </a:p>
+                  </a:txBody>
+                  <a:tcPr>
+                    <a:lnT w="12700" cap="flat" cmpd="sng" algn="ctr">
+                      <a:solidFill>
+                        <a:schemeClr val="tx1"/>
+                      </a:solidFill>
+                      <a:prstDash val="solid"/>
+                      <a:round/>
+                      <a:headEnd type="none" w="med" len="med"/>
+                      <a:tailEnd type="none" w="med" len="med"/>
+                    </a:lnT>
+                  </a:tcPr>
+                </a:tc>
+                <a:tc>
+                  <a:txBody>
+                    <a:bodyPr/>
+                    <a:lstStyle/>
+                    <a:p>
+                      <a:r>
+                        <a:rPr lang="en-GB" sz="1200" b="0" dirty="0">
+                          <a:solidFill>
+                            <a:schemeClr val="tx1"/>
+                          </a:solidFill>
+                        </a:rPr>
+                        <a:t>INDEL-SNP CORRELATION</a:t>
+                      </a:r>
+                    </a:p>
+                  </a:txBody>
+                  <a:tcPr>
+                    <a:lnR w="12700" cap="flat" cmpd="sng" algn="ctr">
+                      <a:solidFill>
+                        <a:schemeClr val="tx1"/>
+                      </a:solidFill>
+                      <a:prstDash val="solid"/>
+                      <a:round/>
+                      <a:headEnd type="none" w="med" len="med"/>
+                      <a:tailEnd type="none" w="med" len="med"/>
+                    </a:lnR>
+                    <a:lnT w="12700" cap="flat" cmpd="sng" algn="ctr">
+                      <a:solidFill>
+                        <a:schemeClr val="tx1"/>
+                      </a:solidFill>
+                      <a:prstDash val="solid"/>
+                      <a:round/>
+                      <a:headEnd type="none" w="med" len="med"/>
+                      <a:tailEnd type="none" w="med" len="med"/>
+                    </a:lnT>
+                    <a:noFill/>
+                  </a:tcPr>
+                </a:tc>
+                <a:extLst>
+                  <a:ext uri="{0D108BD9-81ED-4DB2-BD59-A6C34878D82A}">
+                    <a16:rowId xmlns:a16="http://schemas.microsoft.com/office/drawing/2014/main" val="149802885"/>
+                  </a:ext>
+                </a:extLst>
+              </a:tr>
+              <a:tr h="468000">
+                <a:tc>
+                  <a:txBody>
+                    <a:bodyPr/>
+                    <a:lstStyle/>
+                    <a:p>
+                      <a:r>
+                        <a:rPr lang="en-GB" sz="1200" b="0" dirty="0">
+                          <a:solidFill>
+                            <a:schemeClr val="tx1"/>
+                          </a:solidFill>
+                        </a:rPr>
+                        <a:t>0.77</a:t>
+                      </a:r>
+                    </a:p>
+                  </a:txBody>
+                  <a:tcPr/>
+                </a:tc>
+                <a:tc>
+                  <a:txBody>
+                    <a:bodyPr/>
+                    <a:lstStyle/>
+                    <a:p>
+                      <a:r>
+                        <a:rPr lang="en-GB" sz="1200" b="0" dirty="0">
+                          <a:solidFill>
+                            <a:schemeClr val="tx1"/>
+                          </a:solidFill>
+                        </a:rPr>
+                        <a:t>0.77</a:t>
+                      </a:r>
+                    </a:p>
+                  </a:txBody>
+                  <a:tcPr/>
+                </a:tc>
+                <a:tc>
+                  <a:txBody>
+                    <a:bodyPr/>
+                    <a:lstStyle/>
+                    <a:p>
+                      <a:r>
+                        <a:rPr lang="en-GB" sz="1200" b="0" dirty="0">
+                          <a:solidFill>
+                            <a:schemeClr val="tx1"/>
+                          </a:solidFill>
+                        </a:rPr>
+                        <a:t>0.77</a:t>
+                      </a:r>
+                    </a:p>
+                  </a:txBody>
+                  <a:tcPr/>
+                </a:tc>
+                <a:tc>
+                  <a:txBody>
+                    <a:bodyPr/>
+                    <a:lstStyle/>
+                    <a:p>
+                      <a:r>
+                        <a:rPr lang="en-GB" sz="1200" b="0" dirty="0">
+                          <a:solidFill>
+                            <a:schemeClr val="tx1"/>
+                          </a:solidFill>
+                        </a:rPr>
+                        <a:t>CZA</a:t>
+                      </a:r>
+                    </a:p>
+                  </a:txBody>
+                  <a:tcPr>
+                    <a:lnR w="12700" cap="flat" cmpd="sng" algn="ctr">
+                      <a:solidFill>
+                        <a:schemeClr val="tx1"/>
+                      </a:solidFill>
+                      <a:prstDash val="solid"/>
+                      <a:round/>
+                      <a:headEnd type="none" w="med" len="med"/>
+                      <a:tailEnd type="none" w="med" len="med"/>
+                    </a:lnR>
+                  </a:tcPr>
+                </a:tc>
+                <a:extLst>
+                  <a:ext uri="{0D108BD9-81ED-4DB2-BD59-A6C34878D82A}">
+                    <a16:rowId xmlns:a16="http://schemas.microsoft.com/office/drawing/2014/main" val="418962288"/>
+                  </a:ext>
+                </a:extLst>
+              </a:tr>
+              <a:tr h="468000">
+                <a:tc>
+                  <a:txBody>
+                    <a:bodyPr/>
+                    <a:lstStyle/>
+                    <a:p>
+                      <a:r>
+                        <a:rPr lang="en-GB" sz="1200" b="0" dirty="0">
+                          <a:solidFill>
+                            <a:schemeClr val="tx1"/>
+                          </a:solidFill>
+                        </a:rPr>
+                        <a:t>0.79</a:t>
+                      </a:r>
+                    </a:p>
+                  </a:txBody>
+                  <a:tcPr/>
+                </a:tc>
+                <a:tc>
+                  <a:txBody>
+                    <a:bodyPr/>
+                    <a:lstStyle/>
+                    <a:p>
+                      <a:r>
+                        <a:rPr lang="en-GB" sz="1200" b="0" dirty="0">
+                          <a:solidFill>
+                            <a:schemeClr val="tx1"/>
+                          </a:solidFill>
+                        </a:rPr>
+                        <a:t>0.79</a:t>
+                      </a:r>
+                    </a:p>
+                  </a:txBody>
+                  <a:tcPr/>
+                </a:tc>
+                <a:tc>
+                  <a:txBody>
+                    <a:bodyPr/>
+                    <a:lstStyle/>
+                    <a:p>
+                      <a:r>
+                        <a:rPr lang="en-GB" sz="1200" b="0" dirty="0">
+                          <a:solidFill>
+                            <a:schemeClr val="tx1"/>
+                          </a:solidFill>
+                        </a:rPr>
+                        <a:t>0.79</a:t>
+                      </a:r>
+                    </a:p>
+                  </a:txBody>
+                  <a:tcPr/>
+                </a:tc>
+                <a:tc>
+                  <a:txBody>
+                    <a:bodyPr/>
+                    <a:lstStyle/>
+                    <a:p>
+                      <a:r>
+                        <a:rPr lang="en-GB" sz="1200" b="0" dirty="0">
+                          <a:solidFill>
+                            <a:schemeClr val="tx1"/>
+                          </a:solidFill>
+                        </a:rPr>
+                        <a:t>CZB</a:t>
+                      </a:r>
+                    </a:p>
+                  </a:txBody>
+                  <a:tcPr>
+                    <a:lnR w="12700" cap="flat" cmpd="sng" algn="ctr">
+                      <a:solidFill>
+                        <a:schemeClr val="tx1"/>
+                      </a:solidFill>
+                      <a:prstDash val="solid"/>
+                      <a:round/>
+                      <a:headEnd type="none" w="med" len="med"/>
+                      <a:tailEnd type="none" w="med" len="med"/>
+                    </a:lnR>
+                  </a:tcPr>
+                </a:tc>
+                <a:extLst>
+                  <a:ext uri="{0D108BD9-81ED-4DB2-BD59-A6C34878D82A}">
+                    <a16:rowId xmlns:a16="http://schemas.microsoft.com/office/drawing/2014/main" val="3722791459"/>
+                  </a:ext>
+                </a:extLst>
+              </a:tr>
+              <a:tr h="468000">
+                <a:tc>
+                  <a:txBody>
+                    <a:bodyPr/>
+                    <a:lstStyle/>
+                    <a:p>
+                      <a:r>
+                        <a:rPr lang="en-GB" sz="1200" b="0" dirty="0">
+                          <a:solidFill>
+                            <a:schemeClr val="tx1"/>
+                          </a:solidFill>
+                        </a:rPr>
+                        <a:t>0.79</a:t>
+                      </a:r>
+                    </a:p>
+                  </a:txBody>
+                  <a:tcPr>
+                    <a:lnB w="12700" cap="flat" cmpd="sng" algn="ctr">
+                      <a:solidFill>
+                        <a:schemeClr val="tx1"/>
+                      </a:solidFill>
+                      <a:prstDash val="solid"/>
+                      <a:round/>
+                      <a:headEnd type="none" w="med" len="med"/>
+                      <a:tailEnd type="none" w="med" len="med"/>
+                    </a:lnB>
+                  </a:tcPr>
+                </a:tc>
+                <a:tc>
+                  <a:txBody>
+                    <a:bodyPr/>
+                    <a:lstStyle/>
+                    <a:p>
+                      <a:r>
+                        <a:rPr lang="en-GB" sz="1200" b="0" dirty="0">
+                          <a:solidFill>
+                            <a:schemeClr val="tx1"/>
+                          </a:solidFill>
+                        </a:rPr>
+                        <a:t>0.79</a:t>
+                      </a:r>
+                    </a:p>
+                  </a:txBody>
+                  <a:tcPr>
+                    <a:lnB w="12700" cap="flat" cmpd="sng" algn="ctr">
+                      <a:solidFill>
+                        <a:schemeClr val="tx1"/>
+                      </a:solidFill>
+                      <a:prstDash val="solid"/>
+                      <a:round/>
+                      <a:headEnd type="none" w="med" len="med"/>
+                      <a:tailEnd type="none" w="med" len="med"/>
+                    </a:lnB>
+                  </a:tcPr>
+                </a:tc>
+                <a:tc>
+                  <a:txBody>
+                    <a:bodyPr/>
+                    <a:lstStyle/>
+                    <a:p>
+                      <a:r>
+                        <a:rPr lang="en-GB" sz="1200" b="0" dirty="0">
+                          <a:solidFill>
+                            <a:schemeClr val="tx1"/>
+                          </a:solidFill>
+                        </a:rPr>
+                        <a:t>0.79</a:t>
+                      </a:r>
+                    </a:p>
+                  </a:txBody>
+                  <a:tcPr>
+                    <a:lnB w="12700" cap="flat" cmpd="sng" algn="ctr">
+                      <a:solidFill>
+                        <a:schemeClr val="tx1"/>
+                      </a:solidFill>
+                      <a:prstDash val="solid"/>
+                      <a:round/>
+                      <a:headEnd type="none" w="med" len="med"/>
+                      <a:tailEnd type="none" w="med" len="med"/>
+                    </a:lnB>
+                  </a:tcPr>
+                </a:tc>
+                <a:tc>
+                  <a:txBody>
+                    <a:bodyPr/>
+                    <a:lstStyle/>
+                    <a:p>
+                      <a:r>
+                        <a:rPr lang="en-GB" sz="1200" b="0" dirty="0">
+                          <a:solidFill>
+                            <a:schemeClr val="tx1"/>
+                          </a:solidFill>
+                        </a:rPr>
+                        <a:t>CZD</a:t>
+                      </a:r>
+                    </a:p>
+                  </a:txBody>
+                  <a:tcPr>
+                    <a:lnR w="12700" cap="flat" cmpd="sng" algn="ctr">
+                      <a:solidFill>
+                        <a:schemeClr val="tx1"/>
+                      </a:solidFill>
+                      <a:prstDash val="solid"/>
+                      <a:round/>
+                      <a:headEnd type="none" w="med" len="med"/>
+                      <a:tailEnd type="none" w="med" len="med"/>
+                    </a:lnR>
+                    <a:lnB w="12700" cap="flat" cmpd="sng" algn="ctr">
+                      <a:solidFill>
+                        <a:schemeClr val="tx1"/>
+                      </a:solidFill>
+                      <a:prstDash val="solid"/>
+                      <a:round/>
+                      <a:headEnd type="none" w="med" len="med"/>
+                      <a:tailEnd type="none" w="med" len="med"/>
+                    </a:lnB>
+                  </a:tcPr>
+                </a:tc>
+                <a:extLst>
+                  <a:ext uri="{0D108BD9-81ED-4DB2-BD59-A6C34878D82A}">
+                    <a16:rowId xmlns:a16="http://schemas.microsoft.com/office/drawing/2014/main" val="3219302360"/>
+                  </a:ext>
+                </a:extLst>
+              </a:tr>
+            </a:tbl>
+          </a:graphicData>
+        </a:graphic>
+      </p:graphicFrame>
     </p:spTree>
     <p:extLst>
       <p:ext uri="{BB962C8B-B14F-4D97-AF65-F5344CB8AC3E}">
-        <p14:creationId xmlns:p14="http://schemas.microsoft.com/office/powerpoint/2010/main" val="2438953206"/>
+        <p14:creationId xmlns:p14="http://schemas.microsoft.com/office/powerpoint/2010/main" val="944710290"/>
       </p:ext>
     </p:extLst>
   </p:cSld>
@@ -5978,12 +5141,662 @@
           <a:chExt cx="0" cy="0"/>
         </a:xfrm>
       </p:grpSpPr>
+      <p:sp>
+        <p:nvSpPr>
+          <p:cNvPr id="5" name="TextBox 4">
+            <a:extLst>
+              <a:ext uri="{FF2B5EF4-FFF2-40B4-BE49-F238E27FC236}">
+                <a16:creationId xmlns:a16="http://schemas.microsoft.com/office/drawing/2014/main" id="{049B477E-5E39-F240-86CA-65F077DF0726}"/>
+              </a:ext>
+            </a:extLst>
+          </p:cNvPr>
+          <p:cNvSpPr txBox="1"/>
+          <p:nvPr/>
+        </p:nvSpPr>
+        <p:spPr>
+          <a:xfrm>
+            <a:off x="6926444" y="409596"/>
+            <a:ext cx="4248000" cy="3970318"/>
+          </a:xfrm>
+          <a:prstGeom prst="rect">
+            <a:avLst/>
+          </a:prstGeom>
+          <a:noFill/>
+        </p:spPr>
+        <p:txBody>
+          <a:bodyPr wrap="square" rtlCol="0">
+            <a:spAutoFit/>
+          </a:bodyPr>
+          <a:lstStyle/>
+          <a:p>
+            <a:pPr marL="285750" indent="-285750">
+              <a:buFont typeface="Arial" panose="020B0604020202020204" pitchFamily="34" charset="0"/>
+              <a:buChar char="•"/>
+            </a:pPr>
+            <a:r>
+              <a:rPr lang="en-GB" dirty="0"/>
+              <a:t>INDELs and SNPs after filtering but before cline analysis</a:t>
+            </a:r>
+            <a:br>
+              <a:rPr lang="en-GB" dirty="0"/>
+            </a:br>
+            <a:endParaRPr lang="en-GB" dirty="0"/>
+          </a:p>
+          <a:p>
+            <a:pPr marL="285750" indent="-285750">
+              <a:buFont typeface="Arial" panose="020B0604020202020204" pitchFamily="34" charset="0"/>
+              <a:buChar char="•"/>
+            </a:pPr>
+            <a:r>
+              <a:rPr lang="en-GB" dirty="0"/>
+              <a:t>Kept only variants outside inversions</a:t>
+            </a:r>
+            <a:br>
+              <a:rPr lang="en-GB" dirty="0"/>
+            </a:br>
+            <a:r>
+              <a:rPr lang="en-GB" dirty="0"/>
+              <a:t>Unique INDELs = 18373</a:t>
+            </a:r>
+            <a:br>
+              <a:rPr lang="en-GB" dirty="0"/>
+            </a:br>
+            <a:r>
+              <a:rPr lang="en-GB" dirty="0"/>
+              <a:t>Unique SNPs = 82087</a:t>
+            </a:r>
+          </a:p>
+          <a:p>
+            <a:pPr marL="285750" indent="-285750">
+              <a:buFont typeface="Arial" panose="020B0604020202020204" pitchFamily="34" charset="0"/>
+              <a:buChar char="•"/>
+            </a:pPr>
+            <a:endParaRPr lang="en-GB" dirty="0"/>
+          </a:p>
+          <a:p>
+            <a:pPr marL="285750" indent="-285750">
+              <a:buFont typeface="Arial" panose="020B0604020202020204" pitchFamily="34" charset="0"/>
+              <a:buChar char="•"/>
+            </a:pPr>
+            <a:r>
+              <a:rPr lang="en-GB" dirty="0"/>
+              <a:t>With map position</a:t>
+            </a:r>
+            <a:br>
+              <a:rPr lang="en-GB" dirty="0"/>
+            </a:br>
+            <a:r>
+              <a:rPr lang="en-GB" dirty="0"/>
+              <a:t>Unique INDELs = 5577</a:t>
+            </a:r>
+            <a:br>
+              <a:rPr lang="en-GB" dirty="0"/>
+            </a:br>
+            <a:r>
+              <a:rPr lang="en-GB" dirty="0"/>
+              <a:t>Unique SNPs = 26607</a:t>
+            </a:r>
+          </a:p>
+          <a:p>
+            <a:pPr marL="285750" indent="-285750">
+              <a:buFont typeface="Arial" panose="020B0604020202020204" pitchFamily="34" charset="0"/>
+              <a:buChar char="•"/>
+            </a:pPr>
+            <a:endParaRPr lang="en-GB" dirty="0"/>
+          </a:p>
+          <a:p>
+            <a:pPr marL="285750" indent="-285750">
+              <a:buFont typeface="Arial" panose="020B0604020202020204" pitchFamily="34" charset="0"/>
+              <a:buChar char="•"/>
+            </a:pPr>
+            <a:r>
+              <a:rPr lang="en-GB" dirty="0"/>
+              <a:t>Without map position</a:t>
+            </a:r>
+            <a:br>
+              <a:rPr lang="en-GB" dirty="0"/>
+            </a:br>
+            <a:r>
+              <a:rPr lang="en-GB" dirty="0"/>
+              <a:t>Unique INDELs = 12796</a:t>
+            </a:r>
+            <a:br>
+              <a:rPr lang="en-GB" dirty="0"/>
+            </a:br>
+            <a:r>
+              <a:rPr lang="en-GB" dirty="0"/>
+              <a:t>Unique SNPs = 55480</a:t>
+            </a:r>
+          </a:p>
+        </p:txBody>
+      </p:sp>
+      <p:sp>
+        <p:nvSpPr>
+          <p:cNvPr id="9" name="Rectangle 8">
+            <a:extLst>
+              <a:ext uri="{FF2B5EF4-FFF2-40B4-BE49-F238E27FC236}">
+                <a16:creationId xmlns:a16="http://schemas.microsoft.com/office/drawing/2014/main" id="{900A70BA-388F-4547-862E-740BE8CCAC50}"/>
+              </a:ext>
+            </a:extLst>
+          </p:cNvPr>
+          <p:cNvSpPr/>
+          <p:nvPr/>
+        </p:nvSpPr>
+        <p:spPr>
+          <a:xfrm>
+            <a:off x="528115" y="409596"/>
+            <a:ext cx="4164153" cy="369332"/>
+          </a:xfrm>
+          <a:prstGeom prst="rect">
+            <a:avLst/>
+          </a:prstGeom>
+        </p:spPr>
+        <p:txBody>
+          <a:bodyPr wrap="none">
+            <a:spAutoFit/>
+          </a:bodyPr>
+          <a:lstStyle/>
+          <a:p>
+            <a:pPr marL="342900" indent="-342900">
+              <a:buFont typeface="+mj-lt"/>
+              <a:buAutoNum type="arabicPeriod"/>
+            </a:pPr>
+            <a:r>
+              <a:rPr lang="en-GB" b="1" dirty="0"/>
+              <a:t>Clustering of (different types) markers</a:t>
+            </a:r>
+          </a:p>
+        </p:txBody>
+      </p:sp>
+      <p:graphicFrame>
+        <p:nvGraphicFramePr>
+          <p:cNvPr id="8" name="Table 13">
+            <a:extLst>
+              <a:ext uri="{FF2B5EF4-FFF2-40B4-BE49-F238E27FC236}">
+                <a16:creationId xmlns:a16="http://schemas.microsoft.com/office/drawing/2014/main" id="{D4A7650E-E280-1447-93B1-BBDE7568FE9D}"/>
+              </a:ext>
+            </a:extLst>
+          </p:cNvPr>
+          <p:cNvGraphicFramePr>
+            <a:graphicFrameLocks noGrp="1"/>
+          </p:cNvGraphicFramePr>
+          <p:nvPr>
+            <p:extLst>
+              <p:ext uri="{D42A27DB-BD31-4B8C-83A1-F6EECF244321}">
+                <p14:modId xmlns:p14="http://schemas.microsoft.com/office/powerpoint/2010/main" val="3756705546"/>
+              </p:ext>
+            </p:extLst>
+          </p:nvPr>
+        </p:nvGraphicFramePr>
+        <p:xfrm>
+          <a:off x="6926444" y="4673350"/>
+          <a:ext cx="4248000" cy="1872000"/>
+        </p:xfrm>
+        <a:graphic>
+          <a:graphicData uri="http://schemas.openxmlformats.org/drawingml/2006/table">
+            <a:tbl>
+              <a:tblPr firstRow="1" lastCol="1">
+                <a:tableStyleId>{F5AB1C69-6EDB-4FF4-983F-18BD219EF322}</a:tableStyleId>
+              </a:tblPr>
+              <a:tblGrid>
+                <a:gridCol w="1062000">
+                  <a:extLst>
+                    <a:ext uri="{9D8B030D-6E8A-4147-A177-3AD203B41FA5}">
+                      <a16:colId xmlns:a16="http://schemas.microsoft.com/office/drawing/2014/main" val="165484807"/>
+                    </a:ext>
+                  </a:extLst>
+                </a:gridCol>
+                <a:gridCol w="1062000">
+                  <a:extLst>
+                    <a:ext uri="{9D8B030D-6E8A-4147-A177-3AD203B41FA5}">
+                      <a16:colId xmlns:a16="http://schemas.microsoft.com/office/drawing/2014/main" val="2725821749"/>
+                    </a:ext>
+                  </a:extLst>
+                </a:gridCol>
+                <a:gridCol w="1062000">
+                  <a:extLst>
+                    <a:ext uri="{9D8B030D-6E8A-4147-A177-3AD203B41FA5}">
+                      <a16:colId xmlns:a16="http://schemas.microsoft.com/office/drawing/2014/main" val="1984912032"/>
+                    </a:ext>
+                  </a:extLst>
+                </a:gridCol>
+                <a:gridCol w="1062000">
+                  <a:extLst>
+                    <a:ext uri="{9D8B030D-6E8A-4147-A177-3AD203B41FA5}">
+                      <a16:colId xmlns:a16="http://schemas.microsoft.com/office/drawing/2014/main" val="520875440"/>
+                    </a:ext>
+                  </a:extLst>
+                </a:gridCol>
+              </a:tblGrid>
+              <a:tr h="468000">
+                <a:tc>
+                  <a:txBody>
+                    <a:bodyPr/>
+                    <a:lstStyle/>
+                    <a:p>
+                      <a:r>
+                        <a:rPr lang="en-GB" sz="1200" b="0" dirty="0">
+                          <a:solidFill>
+                            <a:schemeClr val="tx1"/>
+                          </a:solidFill>
+                        </a:rPr>
+                        <a:t>WAVE LEFT</a:t>
+                      </a:r>
+                    </a:p>
+                  </a:txBody>
+                  <a:tcPr>
+                    <a:lnT w="12700" cap="flat" cmpd="sng" algn="ctr">
+                      <a:solidFill>
+                        <a:schemeClr val="tx1"/>
+                      </a:solidFill>
+                      <a:prstDash val="solid"/>
+                      <a:round/>
+                      <a:headEnd type="none" w="med" len="med"/>
+                      <a:tailEnd type="none" w="med" len="med"/>
+                    </a:lnT>
+                  </a:tcPr>
+                </a:tc>
+                <a:tc>
+                  <a:txBody>
+                    <a:bodyPr/>
+                    <a:lstStyle/>
+                    <a:p>
+                      <a:r>
+                        <a:rPr lang="en-GB" sz="1200" b="0" dirty="0">
+                          <a:solidFill>
+                            <a:schemeClr val="tx1"/>
+                          </a:solidFill>
+                        </a:rPr>
+                        <a:t>CRAB</a:t>
+                      </a:r>
+                    </a:p>
+                  </a:txBody>
+                  <a:tcPr>
+                    <a:lnT w="12700" cap="flat" cmpd="sng" algn="ctr">
+                      <a:solidFill>
+                        <a:schemeClr val="tx1"/>
+                      </a:solidFill>
+                      <a:prstDash val="solid"/>
+                      <a:round/>
+                      <a:headEnd type="none" w="med" len="med"/>
+                      <a:tailEnd type="none" w="med" len="med"/>
+                    </a:lnT>
+                  </a:tcPr>
+                </a:tc>
+                <a:tc>
+                  <a:txBody>
+                    <a:bodyPr/>
+                    <a:lstStyle/>
+                    <a:p>
+                      <a:r>
+                        <a:rPr lang="en-GB" sz="1200" b="0" dirty="0">
+                          <a:solidFill>
+                            <a:schemeClr val="tx1"/>
+                          </a:solidFill>
+                        </a:rPr>
+                        <a:t>WAVE RIGHT</a:t>
+                      </a:r>
+                    </a:p>
+                  </a:txBody>
+                  <a:tcPr>
+                    <a:lnT w="12700" cap="flat" cmpd="sng" algn="ctr">
+                      <a:solidFill>
+                        <a:schemeClr val="tx1"/>
+                      </a:solidFill>
+                      <a:prstDash val="solid"/>
+                      <a:round/>
+                      <a:headEnd type="none" w="med" len="med"/>
+                      <a:tailEnd type="none" w="med" len="med"/>
+                    </a:lnT>
+                  </a:tcPr>
+                </a:tc>
+                <a:tc>
+                  <a:txBody>
+                    <a:bodyPr/>
+                    <a:lstStyle/>
+                    <a:p>
+                      <a:r>
+                        <a:rPr lang="en-GB" sz="1200" b="0" dirty="0">
+                          <a:solidFill>
+                            <a:schemeClr val="tx1"/>
+                          </a:solidFill>
+                        </a:rPr>
+                        <a:t>INDEL-SNP CORRELATION</a:t>
+                      </a:r>
+                    </a:p>
+                  </a:txBody>
+                  <a:tcPr>
+                    <a:lnR w="12700" cap="flat" cmpd="sng" algn="ctr">
+                      <a:solidFill>
+                        <a:schemeClr val="tx1"/>
+                      </a:solidFill>
+                      <a:prstDash val="solid"/>
+                      <a:round/>
+                      <a:headEnd type="none" w="med" len="med"/>
+                      <a:tailEnd type="none" w="med" len="med"/>
+                    </a:lnR>
+                    <a:lnT w="12700" cap="flat" cmpd="sng" algn="ctr">
+                      <a:solidFill>
+                        <a:schemeClr val="tx1"/>
+                      </a:solidFill>
+                      <a:prstDash val="solid"/>
+                      <a:round/>
+                      <a:headEnd type="none" w="med" len="med"/>
+                      <a:tailEnd type="none" w="med" len="med"/>
+                    </a:lnT>
+                    <a:noFill/>
+                  </a:tcPr>
+                </a:tc>
+                <a:extLst>
+                  <a:ext uri="{0D108BD9-81ED-4DB2-BD59-A6C34878D82A}">
+                    <a16:rowId xmlns:a16="http://schemas.microsoft.com/office/drawing/2014/main" val="149802885"/>
+                  </a:ext>
+                </a:extLst>
+              </a:tr>
+              <a:tr h="468000">
+                <a:tc>
+                  <a:txBody>
+                    <a:bodyPr/>
+                    <a:lstStyle/>
+                    <a:p>
+                      <a:r>
+                        <a:rPr lang="en-GB" sz="1200" b="0" dirty="0">
+                          <a:solidFill>
+                            <a:schemeClr val="tx1"/>
+                          </a:solidFill>
+                        </a:rPr>
+                        <a:t>0.78</a:t>
+                      </a:r>
+                    </a:p>
+                  </a:txBody>
+                  <a:tcPr/>
+                </a:tc>
+                <a:tc>
+                  <a:txBody>
+                    <a:bodyPr/>
+                    <a:lstStyle/>
+                    <a:p>
+                      <a:r>
+                        <a:rPr lang="en-GB" sz="1200" b="0" dirty="0">
+                          <a:solidFill>
+                            <a:schemeClr val="tx1"/>
+                          </a:solidFill>
+                        </a:rPr>
+                        <a:t>0.78</a:t>
+                      </a:r>
+                    </a:p>
+                  </a:txBody>
+                  <a:tcPr/>
+                </a:tc>
+                <a:tc>
+                  <a:txBody>
+                    <a:bodyPr/>
+                    <a:lstStyle/>
+                    <a:p>
+                      <a:r>
+                        <a:rPr lang="en-GB" sz="1200" b="0" dirty="0">
+                          <a:solidFill>
+                            <a:schemeClr val="tx1"/>
+                          </a:solidFill>
+                        </a:rPr>
+                        <a:t>0.78</a:t>
+                      </a:r>
+                    </a:p>
+                  </a:txBody>
+                  <a:tcPr/>
+                </a:tc>
+                <a:tc>
+                  <a:txBody>
+                    <a:bodyPr/>
+                    <a:lstStyle/>
+                    <a:p>
+                      <a:r>
+                        <a:rPr lang="en-GB" sz="1200" b="0" dirty="0">
+                          <a:solidFill>
+                            <a:schemeClr val="tx1"/>
+                          </a:solidFill>
+                        </a:rPr>
+                        <a:t>CZA</a:t>
+                      </a:r>
+                    </a:p>
+                  </a:txBody>
+                  <a:tcPr>
+                    <a:lnR w="12700" cap="flat" cmpd="sng" algn="ctr">
+                      <a:solidFill>
+                        <a:schemeClr val="tx1"/>
+                      </a:solidFill>
+                      <a:prstDash val="solid"/>
+                      <a:round/>
+                      <a:headEnd type="none" w="med" len="med"/>
+                      <a:tailEnd type="none" w="med" len="med"/>
+                    </a:lnR>
+                  </a:tcPr>
+                </a:tc>
+                <a:extLst>
+                  <a:ext uri="{0D108BD9-81ED-4DB2-BD59-A6C34878D82A}">
+                    <a16:rowId xmlns:a16="http://schemas.microsoft.com/office/drawing/2014/main" val="418962288"/>
+                  </a:ext>
+                </a:extLst>
+              </a:tr>
+              <a:tr h="468000">
+                <a:tc>
+                  <a:txBody>
+                    <a:bodyPr/>
+                    <a:lstStyle/>
+                    <a:p>
+                      <a:r>
+                        <a:rPr lang="en-GB" sz="1200" b="0" dirty="0">
+                          <a:solidFill>
+                            <a:schemeClr val="tx1"/>
+                          </a:solidFill>
+                        </a:rPr>
+                        <a:t>0.79</a:t>
+                      </a:r>
+                    </a:p>
+                  </a:txBody>
+                  <a:tcPr/>
+                </a:tc>
+                <a:tc>
+                  <a:txBody>
+                    <a:bodyPr/>
+                    <a:lstStyle/>
+                    <a:p>
+                      <a:r>
+                        <a:rPr lang="en-GB" sz="1200" b="0" dirty="0">
+                          <a:solidFill>
+                            <a:schemeClr val="tx1"/>
+                          </a:solidFill>
+                        </a:rPr>
+                        <a:t>0.79</a:t>
+                      </a:r>
+                    </a:p>
+                  </a:txBody>
+                  <a:tcPr/>
+                </a:tc>
+                <a:tc>
+                  <a:txBody>
+                    <a:bodyPr/>
+                    <a:lstStyle/>
+                    <a:p>
+                      <a:r>
+                        <a:rPr lang="en-GB" sz="1200" b="0" dirty="0">
+                          <a:solidFill>
+                            <a:schemeClr val="tx1"/>
+                          </a:solidFill>
+                        </a:rPr>
+                        <a:t>0.79</a:t>
+                      </a:r>
+                    </a:p>
+                  </a:txBody>
+                  <a:tcPr/>
+                </a:tc>
+                <a:tc>
+                  <a:txBody>
+                    <a:bodyPr/>
+                    <a:lstStyle/>
+                    <a:p>
+                      <a:r>
+                        <a:rPr lang="en-GB" sz="1200" b="0" dirty="0">
+                          <a:solidFill>
+                            <a:schemeClr val="tx1"/>
+                          </a:solidFill>
+                        </a:rPr>
+                        <a:t>CZB</a:t>
+                      </a:r>
+                    </a:p>
+                  </a:txBody>
+                  <a:tcPr>
+                    <a:lnR w="12700" cap="flat" cmpd="sng" algn="ctr">
+                      <a:solidFill>
+                        <a:schemeClr val="tx1"/>
+                      </a:solidFill>
+                      <a:prstDash val="solid"/>
+                      <a:round/>
+                      <a:headEnd type="none" w="med" len="med"/>
+                      <a:tailEnd type="none" w="med" len="med"/>
+                    </a:lnR>
+                  </a:tcPr>
+                </a:tc>
+                <a:extLst>
+                  <a:ext uri="{0D108BD9-81ED-4DB2-BD59-A6C34878D82A}">
+                    <a16:rowId xmlns:a16="http://schemas.microsoft.com/office/drawing/2014/main" val="3722791459"/>
+                  </a:ext>
+                </a:extLst>
+              </a:tr>
+              <a:tr h="468000">
+                <a:tc>
+                  <a:txBody>
+                    <a:bodyPr/>
+                    <a:lstStyle/>
+                    <a:p>
+                      <a:r>
+                        <a:rPr lang="en-GB" sz="1200" b="0" dirty="0">
+                          <a:solidFill>
+                            <a:schemeClr val="tx1"/>
+                          </a:solidFill>
+                        </a:rPr>
+                        <a:t>0.79</a:t>
+                      </a:r>
+                    </a:p>
+                  </a:txBody>
+                  <a:tcPr>
+                    <a:lnB w="12700" cap="flat" cmpd="sng" algn="ctr">
+                      <a:solidFill>
+                        <a:schemeClr val="tx1"/>
+                      </a:solidFill>
+                      <a:prstDash val="solid"/>
+                      <a:round/>
+                      <a:headEnd type="none" w="med" len="med"/>
+                      <a:tailEnd type="none" w="med" len="med"/>
+                    </a:lnB>
+                  </a:tcPr>
+                </a:tc>
+                <a:tc>
+                  <a:txBody>
+                    <a:bodyPr/>
+                    <a:lstStyle/>
+                    <a:p>
+                      <a:r>
+                        <a:rPr lang="en-GB" sz="1200" b="0" dirty="0">
+                          <a:solidFill>
+                            <a:schemeClr val="tx1"/>
+                          </a:solidFill>
+                        </a:rPr>
+                        <a:t>0.79</a:t>
+                      </a:r>
+                    </a:p>
+                  </a:txBody>
+                  <a:tcPr>
+                    <a:lnB w="12700" cap="flat" cmpd="sng" algn="ctr">
+                      <a:solidFill>
+                        <a:schemeClr val="tx1"/>
+                      </a:solidFill>
+                      <a:prstDash val="solid"/>
+                      <a:round/>
+                      <a:headEnd type="none" w="med" len="med"/>
+                      <a:tailEnd type="none" w="med" len="med"/>
+                    </a:lnB>
+                  </a:tcPr>
+                </a:tc>
+                <a:tc>
+                  <a:txBody>
+                    <a:bodyPr/>
+                    <a:lstStyle/>
+                    <a:p>
+                      <a:r>
+                        <a:rPr lang="en-GB" sz="1200" b="0" dirty="0">
+                          <a:solidFill>
+                            <a:schemeClr val="tx1"/>
+                          </a:solidFill>
+                        </a:rPr>
+                        <a:t>0.79</a:t>
+                      </a:r>
+                    </a:p>
+                  </a:txBody>
+                  <a:tcPr>
+                    <a:lnB w="12700" cap="flat" cmpd="sng" algn="ctr">
+                      <a:solidFill>
+                        <a:schemeClr val="tx1"/>
+                      </a:solidFill>
+                      <a:prstDash val="solid"/>
+                      <a:round/>
+                      <a:headEnd type="none" w="med" len="med"/>
+                      <a:tailEnd type="none" w="med" len="med"/>
+                    </a:lnB>
+                  </a:tcPr>
+                </a:tc>
+                <a:tc>
+                  <a:txBody>
+                    <a:bodyPr/>
+                    <a:lstStyle/>
+                    <a:p>
+                      <a:r>
+                        <a:rPr lang="en-GB" sz="1200" b="0" dirty="0">
+                          <a:solidFill>
+                            <a:schemeClr val="tx1"/>
+                          </a:solidFill>
+                        </a:rPr>
+                        <a:t>CZD</a:t>
+                      </a:r>
+                    </a:p>
+                  </a:txBody>
+                  <a:tcPr>
+                    <a:lnR w="12700" cap="flat" cmpd="sng" algn="ctr">
+                      <a:solidFill>
+                        <a:schemeClr val="tx1"/>
+                      </a:solidFill>
+                      <a:prstDash val="solid"/>
+                      <a:round/>
+                      <a:headEnd type="none" w="med" len="med"/>
+                      <a:tailEnd type="none" w="med" len="med"/>
+                    </a:lnR>
+                    <a:lnB w="12700" cap="flat" cmpd="sng" algn="ctr">
+                      <a:solidFill>
+                        <a:schemeClr val="tx1"/>
+                      </a:solidFill>
+                      <a:prstDash val="solid"/>
+                      <a:round/>
+                      <a:headEnd type="none" w="med" len="med"/>
+                      <a:tailEnd type="none" w="med" len="med"/>
+                    </a:lnB>
+                  </a:tcPr>
+                </a:tc>
+                <a:extLst>
+                  <a:ext uri="{0D108BD9-81ED-4DB2-BD59-A6C34878D82A}">
+                    <a16:rowId xmlns:a16="http://schemas.microsoft.com/office/drawing/2014/main" val="3219302360"/>
+                  </a:ext>
+                </a:extLst>
+              </a:tr>
+            </a:tbl>
+          </a:graphicData>
+        </a:graphic>
+      </p:graphicFrame>
       <p:pic>
         <p:nvPicPr>
-          <p:cNvPr id="3" name="Picture 2">
-            <a:extLst>
-              <a:ext uri="{FF2B5EF4-FFF2-40B4-BE49-F238E27FC236}">
-                <a16:creationId xmlns:a16="http://schemas.microsoft.com/office/drawing/2014/main" id="{FA19F264-C48B-8049-B5A4-C046D88B0B6F}"/>
+          <p:cNvPr id="4" name="Picture 3">
+            <a:extLst>
+              <a:ext uri="{FF2B5EF4-FFF2-40B4-BE49-F238E27FC236}">
+                <a16:creationId xmlns:a16="http://schemas.microsoft.com/office/drawing/2014/main" id="{AA34348C-9B8E-E244-ABC0-E5850888A62A}"/>
               </a:ext>
             </a:extLst>
           </p:cNvPr>
@@ -6000,8 +5813,8 @@
         </p:blipFill>
         <p:spPr>
           <a:xfrm>
-            <a:off x="1126008" y="0"/>
-            <a:ext cx="9939983" cy="6858000"/>
+            <a:off x="68444" y="778928"/>
+            <a:ext cx="6079072" cy="6079072"/>
           </a:xfrm>
           <a:prstGeom prst="rect">
             <a:avLst/>
@@ -6011,7 +5824,7 @@
     </p:spTree>
     <p:extLst>
       <p:ext uri="{BB962C8B-B14F-4D97-AF65-F5344CB8AC3E}">
-        <p14:creationId xmlns:p14="http://schemas.microsoft.com/office/powerpoint/2010/main" val="185700607"/>
+        <p14:creationId xmlns:p14="http://schemas.microsoft.com/office/powerpoint/2010/main" val="3118575266"/>
       </p:ext>
     </p:extLst>
   </p:cSld>
@@ -6040,45 +5853,10 @@
       </p:grpSpPr>
       <p:sp>
         <p:nvSpPr>
-          <p:cNvPr id="5" name="TextBox 4">
-            <a:extLst>
-              <a:ext uri="{FF2B5EF4-FFF2-40B4-BE49-F238E27FC236}">
-                <a16:creationId xmlns:a16="http://schemas.microsoft.com/office/drawing/2014/main" id="{049B477E-5E39-F240-86CA-65F077DF0726}"/>
-              </a:ext>
-            </a:extLst>
-          </p:cNvPr>
-          <p:cNvSpPr txBox="1"/>
-          <p:nvPr/>
-        </p:nvSpPr>
-        <p:spPr>
-          <a:xfrm>
-            <a:off x="5875284" y="409596"/>
-            <a:ext cx="5980385" cy="369332"/>
-          </a:xfrm>
-          <a:prstGeom prst="rect">
-            <a:avLst/>
-          </a:prstGeom>
-          <a:noFill/>
-        </p:spPr>
-        <p:txBody>
-          <a:bodyPr wrap="square" rtlCol="0">
-            <a:spAutoFit/>
-          </a:bodyPr>
-          <a:lstStyle/>
-          <a:p>
-            <a:r>
-              <a:rPr lang="en-GB" dirty="0"/>
-              <a:t>CZA: INDELs and SNPs after filtering but before cline analysis.</a:t>
-            </a:r>
-          </a:p>
-        </p:txBody>
-      </p:sp>
-      <p:sp>
-        <p:nvSpPr>
-          <p:cNvPr id="9" name="Rectangle 8">
-            <a:extLst>
-              <a:ext uri="{FF2B5EF4-FFF2-40B4-BE49-F238E27FC236}">
-                <a16:creationId xmlns:a16="http://schemas.microsoft.com/office/drawing/2014/main" id="{900A70BA-388F-4547-862E-740BE8CCAC50}"/>
+          <p:cNvPr id="2" name="Rectangle 1">
+            <a:extLst>
+              <a:ext uri="{FF2B5EF4-FFF2-40B4-BE49-F238E27FC236}">
+                <a16:creationId xmlns:a16="http://schemas.microsoft.com/office/drawing/2014/main" id="{28EB9195-3465-C644-B592-B32C34D4FFCF}"/>
               </a:ext>
             </a:extLst>
           </p:cNvPr>
@@ -6088,7 +5866,7 @@
         <p:spPr>
           <a:xfrm>
             <a:off x="528115" y="409596"/>
-            <a:ext cx="4164153" cy="369332"/>
+            <a:ext cx="4415696" cy="369332"/>
           </a:xfrm>
           <a:prstGeom prst="rect">
             <a:avLst/>
@@ -6106,1084 +5884,15 @@
             </a:pPr>
             <a:r>
               <a:rPr lang="en-GB" b="1" dirty="0"/>
-              <a:t>Clustering of (different types) markers</a:t>
-            </a:r>
-          </a:p>
-        </p:txBody>
-      </p:sp>
-      <p:pic>
-        <p:nvPicPr>
-          <p:cNvPr id="4" name="Picture 3">
-            <a:extLst>
-              <a:ext uri="{FF2B5EF4-FFF2-40B4-BE49-F238E27FC236}">
-                <a16:creationId xmlns:a16="http://schemas.microsoft.com/office/drawing/2014/main" id="{5752C08F-A966-7049-905E-6D83192AD411}"/>
-              </a:ext>
-            </a:extLst>
-          </p:cNvPr>
-          <p:cNvPicPr>
-            <a:picLocks noChangeAspect="1"/>
-          </p:cNvPicPr>
-          <p:nvPr/>
-        </p:nvPicPr>
-        <p:blipFill>
-          <a:blip r:embed="rId2"/>
-          <a:stretch>
-            <a:fillRect/>
-          </a:stretch>
-        </p:blipFill>
-        <p:spPr>
-          <a:xfrm>
-            <a:off x="528115" y="952789"/>
-            <a:ext cx="4174271" cy="2880000"/>
-          </a:xfrm>
-          <a:prstGeom prst="rect">
-            <a:avLst/>
-          </a:prstGeom>
-        </p:spPr>
-      </p:pic>
-      <p:pic>
-        <p:nvPicPr>
-          <p:cNvPr id="7" name="Picture 6">
-            <a:extLst>
-              <a:ext uri="{FF2B5EF4-FFF2-40B4-BE49-F238E27FC236}">
-                <a16:creationId xmlns:a16="http://schemas.microsoft.com/office/drawing/2014/main" id="{38DEDCC0-4AF8-7942-A419-8D151B2B7041}"/>
-              </a:ext>
-            </a:extLst>
-          </p:cNvPr>
-          <p:cNvPicPr>
-            <a:picLocks noChangeAspect="1"/>
-          </p:cNvPicPr>
-          <p:nvPr/>
-        </p:nvPicPr>
-        <p:blipFill>
-          <a:blip r:embed="rId3"/>
-          <a:stretch>
-            <a:fillRect/>
-          </a:stretch>
-        </p:blipFill>
-        <p:spPr>
-          <a:xfrm>
-            <a:off x="6096000" y="952789"/>
-            <a:ext cx="4174271" cy="2880000"/>
-          </a:xfrm>
-          <a:prstGeom prst="rect">
-            <a:avLst/>
-          </a:prstGeom>
-        </p:spPr>
-      </p:pic>
-      <p:pic>
-        <p:nvPicPr>
-          <p:cNvPr id="10" name="Picture 9">
-            <a:extLst>
-              <a:ext uri="{FF2B5EF4-FFF2-40B4-BE49-F238E27FC236}">
-                <a16:creationId xmlns:a16="http://schemas.microsoft.com/office/drawing/2014/main" id="{599B85B5-D0D0-9745-B421-8580F542FBE9}"/>
-              </a:ext>
-            </a:extLst>
-          </p:cNvPr>
-          <p:cNvPicPr>
-            <a:picLocks noChangeAspect="1"/>
-          </p:cNvPicPr>
-          <p:nvPr/>
-        </p:nvPicPr>
-        <p:blipFill>
-          <a:blip r:embed="rId4"/>
-          <a:stretch>
-            <a:fillRect/>
-          </a:stretch>
-        </p:blipFill>
-        <p:spPr>
-          <a:xfrm>
-            <a:off x="528115" y="3832789"/>
-            <a:ext cx="4174271" cy="2880000"/>
-          </a:xfrm>
-          <a:prstGeom prst="rect">
-            <a:avLst/>
-          </a:prstGeom>
-        </p:spPr>
-      </p:pic>
-      <p:pic>
-        <p:nvPicPr>
-          <p:cNvPr id="12" name="Picture 11">
-            <a:extLst>
-              <a:ext uri="{FF2B5EF4-FFF2-40B4-BE49-F238E27FC236}">
-                <a16:creationId xmlns:a16="http://schemas.microsoft.com/office/drawing/2014/main" id="{7BF41C71-3188-C740-85C6-E9B19DE7DF96}"/>
-              </a:ext>
-            </a:extLst>
-          </p:cNvPr>
-          <p:cNvPicPr>
-            <a:picLocks noChangeAspect="1"/>
-          </p:cNvPicPr>
-          <p:nvPr/>
-        </p:nvPicPr>
-        <p:blipFill>
-          <a:blip r:embed="rId5"/>
-          <a:stretch>
-            <a:fillRect/>
-          </a:stretch>
-        </p:blipFill>
-        <p:spPr>
-          <a:xfrm>
-            <a:off x="6096000" y="3832789"/>
-            <a:ext cx="4174271" cy="2880000"/>
-          </a:xfrm>
-          <a:prstGeom prst="rect">
-            <a:avLst/>
-          </a:prstGeom>
-        </p:spPr>
-      </p:pic>
-    </p:spTree>
-    <p:extLst>
-      <p:ext uri="{BB962C8B-B14F-4D97-AF65-F5344CB8AC3E}">
-        <p14:creationId xmlns:p14="http://schemas.microsoft.com/office/powerpoint/2010/main" val="944710290"/>
-      </p:ext>
-    </p:extLst>
-  </p:cSld>
-  <p:clrMapOvr>
-    <a:masterClrMapping/>
-  </p:clrMapOvr>
-</p:sld>
-</file>
-
-<file path=ppt/slides/slide6.xml><?xml version="1.0" encoding="utf-8"?>
-<p:sld xmlns:a="http://schemas.openxmlformats.org/drawingml/2006/main" xmlns:r="http://schemas.openxmlformats.org/officeDocument/2006/relationships" xmlns:p="http://schemas.openxmlformats.org/presentationml/2006/main">
-  <p:cSld>
-    <p:spTree>
-      <p:nvGrpSpPr>
-        <p:cNvPr id="1" name=""/>
-        <p:cNvGrpSpPr/>
-        <p:nvPr/>
-      </p:nvGrpSpPr>
-      <p:grpSpPr>
-        <a:xfrm>
-          <a:off x="0" y="0"/>
-          <a:ext cx="0" cy="0"/>
-          <a:chOff x="0" y="0"/>
-          <a:chExt cx="0" cy="0"/>
-        </a:xfrm>
-      </p:grpSpPr>
-      <p:sp>
-        <p:nvSpPr>
-          <p:cNvPr id="5" name="TextBox 4">
-            <a:extLst>
-              <a:ext uri="{FF2B5EF4-FFF2-40B4-BE49-F238E27FC236}">
-                <a16:creationId xmlns:a16="http://schemas.microsoft.com/office/drawing/2014/main" id="{049B477E-5E39-F240-86CA-65F077DF0726}"/>
-              </a:ext>
-            </a:extLst>
-          </p:cNvPr>
-          <p:cNvSpPr txBox="1"/>
-          <p:nvPr/>
-        </p:nvSpPr>
-        <p:spPr>
-          <a:xfrm>
-            <a:off x="5875284" y="409596"/>
-            <a:ext cx="5980385" cy="369332"/>
-          </a:xfrm>
-          <a:prstGeom prst="rect">
-            <a:avLst/>
-          </a:prstGeom>
-          <a:noFill/>
-        </p:spPr>
-        <p:txBody>
-          <a:bodyPr wrap="square" rtlCol="0">
-            <a:spAutoFit/>
-          </a:bodyPr>
-          <a:lstStyle/>
-          <a:p>
-            <a:r>
-              <a:rPr lang="en-GB" dirty="0"/>
-              <a:t>CZB: INDELs and SNPs after filtering but before cline analysis.</a:t>
-            </a:r>
-          </a:p>
-        </p:txBody>
-      </p:sp>
-      <p:sp>
-        <p:nvSpPr>
-          <p:cNvPr id="9" name="Rectangle 8">
-            <a:extLst>
-              <a:ext uri="{FF2B5EF4-FFF2-40B4-BE49-F238E27FC236}">
-                <a16:creationId xmlns:a16="http://schemas.microsoft.com/office/drawing/2014/main" id="{900A70BA-388F-4547-862E-740BE8CCAC50}"/>
-              </a:ext>
-            </a:extLst>
-          </p:cNvPr>
-          <p:cNvSpPr/>
-          <p:nvPr/>
-        </p:nvSpPr>
-        <p:spPr>
-          <a:xfrm>
-            <a:off x="528115" y="409596"/>
-            <a:ext cx="4164153" cy="369332"/>
-          </a:xfrm>
-          <a:prstGeom prst="rect">
-            <a:avLst/>
-          </a:prstGeom>
-        </p:spPr>
-        <p:txBody>
-          <a:bodyPr wrap="none">
-            <a:spAutoFit/>
-          </a:bodyPr>
-          <a:lstStyle/>
-          <a:p>
-            <a:pPr marL="342900" indent="-342900">
-              <a:buFont typeface="+mj-lt"/>
-              <a:buAutoNum type="arabicPeriod" startAt="2"/>
-            </a:pPr>
+              <a:t>Unfolded allele frequency spectra (</a:t>
+            </a:r>
+            <a:r>
+              <a:rPr lang="en-GB" b="1" dirty="0" err="1"/>
+              <a:t>uAFS</a:t>
+            </a:r>
             <a:r>
               <a:rPr lang="en-GB" b="1" dirty="0"/>
-              <a:t>Clustering of (different types) markers</a:t>
-            </a:r>
-          </a:p>
-        </p:txBody>
-      </p:sp>
-      <p:pic>
-        <p:nvPicPr>
-          <p:cNvPr id="3" name="Picture 2">
-            <a:extLst>
-              <a:ext uri="{FF2B5EF4-FFF2-40B4-BE49-F238E27FC236}">
-                <a16:creationId xmlns:a16="http://schemas.microsoft.com/office/drawing/2014/main" id="{0A5F0428-5C0A-B742-A952-C63646E8B90E}"/>
-              </a:ext>
-            </a:extLst>
-          </p:cNvPr>
-          <p:cNvPicPr>
-            <a:picLocks noChangeAspect="1"/>
-          </p:cNvPicPr>
-          <p:nvPr/>
-        </p:nvPicPr>
-        <p:blipFill>
-          <a:blip r:embed="rId2"/>
-          <a:stretch>
-            <a:fillRect/>
-          </a:stretch>
-        </p:blipFill>
-        <p:spPr>
-          <a:xfrm>
-            <a:off x="517996" y="3835232"/>
-            <a:ext cx="4174271" cy="2880000"/>
-          </a:xfrm>
-          <a:prstGeom prst="rect">
-            <a:avLst/>
-          </a:prstGeom>
-        </p:spPr>
-      </p:pic>
-      <p:pic>
-        <p:nvPicPr>
-          <p:cNvPr id="7" name="Picture 6">
-            <a:extLst>
-              <a:ext uri="{FF2B5EF4-FFF2-40B4-BE49-F238E27FC236}">
-                <a16:creationId xmlns:a16="http://schemas.microsoft.com/office/drawing/2014/main" id="{317BD051-2FD1-FE42-853A-D21B606D59F7}"/>
-              </a:ext>
-            </a:extLst>
-          </p:cNvPr>
-          <p:cNvPicPr>
-            <a:picLocks noChangeAspect="1"/>
-          </p:cNvPicPr>
-          <p:nvPr/>
-        </p:nvPicPr>
-        <p:blipFill>
-          <a:blip r:embed="rId3"/>
-          <a:stretch>
-            <a:fillRect/>
-          </a:stretch>
-        </p:blipFill>
-        <p:spPr>
-          <a:xfrm>
-            <a:off x="6095999" y="867080"/>
-            <a:ext cx="4174271" cy="2880000"/>
-          </a:xfrm>
-          <a:prstGeom prst="rect">
-            <a:avLst/>
-          </a:prstGeom>
-        </p:spPr>
-      </p:pic>
-      <p:pic>
-        <p:nvPicPr>
-          <p:cNvPr id="10" name="Picture 9">
-            <a:extLst>
-              <a:ext uri="{FF2B5EF4-FFF2-40B4-BE49-F238E27FC236}">
-                <a16:creationId xmlns:a16="http://schemas.microsoft.com/office/drawing/2014/main" id="{E602DCDA-4516-FE43-92B1-0D5CF399634E}"/>
-              </a:ext>
-            </a:extLst>
-          </p:cNvPr>
-          <p:cNvPicPr>
-            <a:picLocks noChangeAspect="1"/>
-          </p:cNvPicPr>
-          <p:nvPr/>
-        </p:nvPicPr>
-        <p:blipFill>
-          <a:blip r:embed="rId4"/>
-          <a:stretch>
-            <a:fillRect/>
-          </a:stretch>
-        </p:blipFill>
-        <p:spPr>
-          <a:xfrm>
-            <a:off x="517996" y="867080"/>
-            <a:ext cx="4174271" cy="2880000"/>
-          </a:xfrm>
-          <a:prstGeom prst="rect">
-            <a:avLst/>
-          </a:prstGeom>
-        </p:spPr>
-      </p:pic>
-      <p:pic>
-        <p:nvPicPr>
-          <p:cNvPr id="12" name="Picture 11">
-            <a:extLst>
-              <a:ext uri="{FF2B5EF4-FFF2-40B4-BE49-F238E27FC236}">
-                <a16:creationId xmlns:a16="http://schemas.microsoft.com/office/drawing/2014/main" id="{4CF906AF-6531-4540-BF2C-B61CC6735835}"/>
-              </a:ext>
-            </a:extLst>
-          </p:cNvPr>
-          <p:cNvPicPr>
-            <a:picLocks noChangeAspect="1"/>
-          </p:cNvPicPr>
-          <p:nvPr/>
-        </p:nvPicPr>
-        <p:blipFill>
-          <a:blip r:embed="rId5"/>
-          <a:stretch>
-            <a:fillRect/>
-          </a:stretch>
-        </p:blipFill>
-        <p:spPr>
-          <a:xfrm>
-            <a:off x="6095999" y="3835232"/>
-            <a:ext cx="4174271" cy="2880000"/>
-          </a:xfrm>
-          <a:prstGeom prst="rect">
-            <a:avLst/>
-          </a:prstGeom>
-        </p:spPr>
-      </p:pic>
-    </p:spTree>
-    <p:extLst>
-      <p:ext uri="{BB962C8B-B14F-4D97-AF65-F5344CB8AC3E}">
-        <p14:creationId xmlns:p14="http://schemas.microsoft.com/office/powerpoint/2010/main" val="2958066926"/>
-      </p:ext>
-    </p:extLst>
-  </p:cSld>
-  <p:clrMapOvr>
-    <a:masterClrMapping/>
-  </p:clrMapOvr>
-</p:sld>
-</file>
-
-<file path=ppt/slides/slide7.xml><?xml version="1.0" encoding="utf-8"?>
-<p:sld xmlns:a="http://schemas.openxmlformats.org/drawingml/2006/main" xmlns:r="http://schemas.openxmlformats.org/officeDocument/2006/relationships" xmlns:p="http://schemas.openxmlformats.org/presentationml/2006/main">
-  <p:cSld>
-    <p:spTree>
-      <p:nvGrpSpPr>
-        <p:cNvPr id="1" name=""/>
-        <p:cNvGrpSpPr/>
-        <p:nvPr/>
-      </p:nvGrpSpPr>
-      <p:grpSpPr>
-        <a:xfrm>
-          <a:off x="0" y="0"/>
-          <a:ext cx="0" cy="0"/>
-          <a:chOff x="0" y="0"/>
-          <a:chExt cx="0" cy="0"/>
-        </a:xfrm>
-      </p:grpSpPr>
-      <p:sp>
-        <p:nvSpPr>
-          <p:cNvPr id="5" name="TextBox 4">
-            <a:extLst>
-              <a:ext uri="{FF2B5EF4-FFF2-40B4-BE49-F238E27FC236}">
-                <a16:creationId xmlns:a16="http://schemas.microsoft.com/office/drawing/2014/main" id="{049B477E-5E39-F240-86CA-65F077DF0726}"/>
-              </a:ext>
-            </a:extLst>
-          </p:cNvPr>
-          <p:cNvSpPr txBox="1"/>
-          <p:nvPr/>
-        </p:nvSpPr>
-        <p:spPr>
-          <a:xfrm>
-            <a:off x="5875284" y="409596"/>
-            <a:ext cx="5980385" cy="369332"/>
-          </a:xfrm>
-          <a:prstGeom prst="rect">
-            <a:avLst/>
-          </a:prstGeom>
-          <a:noFill/>
-        </p:spPr>
-        <p:txBody>
-          <a:bodyPr wrap="square" rtlCol="0">
-            <a:spAutoFit/>
-          </a:bodyPr>
-          <a:lstStyle/>
-          <a:p>
-            <a:r>
-              <a:rPr lang="en-GB" dirty="0"/>
-              <a:t>CZD: INDELs and SNPs after filtering but before cline analysis.</a:t>
-            </a:r>
-          </a:p>
-        </p:txBody>
-      </p:sp>
-      <p:sp>
-        <p:nvSpPr>
-          <p:cNvPr id="9" name="Rectangle 8">
-            <a:extLst>
-              <a:ext uri="{FF2B5EF4-FFF2-40B4-BE49-F238E27FC236}">
-                <a16:creationId xmlns:a16="http://schemas.microsoft.com/office/drawing/2014/main" id="{900A70BA-388F-4547-862E-740BE8CCAC50}"/>
-              </a:ext>
-            </a:extLst>
-          </p:cNvPr>
-          <p:cNvSpPr/>
-          <p:nvPr/>
-        </p:nvSpPr>
-        <p:spPr>
-          <a:xfrm>
-            <a:off x="528115" y="409596"/>
-            <a:ext cx="4164153" cy="369332"/>
-          </a:xfrm>
-          <a:prstGeom prst="rect">
-            <a:avLst/>
-          </a:prstGeom>
-        </p:spPr>
-        <p:txBody>
-          <a:bodyPr wrap="none">
-            <a:spAutoFit/>
-          </a:bodyPr>
-          <a:lstStyle/>
-          <a:p>
-            <a:pPr marL="342900" indent="-342900">
-              <a:buFont typeface="+mj-lt"/>
-              <a:buAutoNum type="arabicPeriod" startAt="2"/>
-            </a:pPr>
-            <a:r>
-              <a:rPr lang="en-GB" b="1" dirty="0"/>
-              <a:t>Clustering of (different types) markers</a:t>
-            </a:r>
-          </a:p>
-        </p:txBody>
-      </p:sp>
-      <p:pic>
-        <p:nvPicPr>
-          <p:cNvPr id="3" name="Picture 2">
-            <a:extLst>
-              <a:ext uri="{FF2B5EF4-FFF2-40B4-BE49-F238E27FC236}">
-                <a16:creationId xmlns:a16="http://schemas.microsoft.com/office/drawing/2014/main" id="{CED9B713-CBD3-4B42-A5D6-3BF341660B5E}"/>
-              </a:ext>
-            </a:extLst>
-          </p:cNvPr>
-          <p:cNvPicPr>
-            <a:picLocks noChangeAspect="1"/>
-          </p:cNvPicPr>
-          <p:nvPr/>
-        </p:nvPicPr>
-        <p:blipFill>
-          <a:blip r:embed="rId2"/>
-          <a:stretch>
-            <a:fillRect/>
-          </a:stretch>
-        </p:blipFill>
-        <p:spPr>
-          <a:xfrm>
-            <a:off x="378941" y="882869"/>
-            <a:ext cx="4174271" cy="2880000"/>
-          </a:xfrm>
-          <a:prstGeom prst="rect">
-            <a:avLst/>
-          </a:prstGeom>
-        </p:spPr>
-      </p:pic>
-      <p:pic>
-        <p:nvPicPr>
-          <p:cNvPr id="7" name="Picture 6">
-            <a:extLst>
-              <a:ext uri="{FF2B5EF4-FFF2-40B4-BE49-F238E27FC236}">
-                <a16:creationId xmlns:a16="http://schemas.microsoft.com/office/drawing/2014/main" id="{22DB6673-36BA-004A-B206-3A364E1A5EFB}"/>
-              </a:ext>
-            </a:extLst>
-          </p:cNvPr>
-          <p:cNvPicPr>
-            <a:picLocks noChangeAspect="1"/>
-          </p:cNvPicPr>
-          <p:nvPr/>
-        </p:nvPicPr>
-        <p:blipFill>
-          <a:blip r:embed="rId3"/>
-          <a:stretch>
-            <a:fillRect/>
-          </a:stretch>
-        </p:blipFill>
-        <p:spPr>
-          <a:xfrm>
-            <a:off x="6096000" y="878112"/>
-            <a:ext cx="4174271" cy="2880000"/>
-          </a:xfrm>
-          <a:prstGeom prst="rect">
-            <a:avLst/>
-          </a:prstGeom>
-        </p:spPr>
-      </p:pic>
-      <p:pic>
-        <p:nvPicPr>
-          <p:cNvPr id="10" name="Picture 9">
-            <a:extLst>
-              <a:ext uri="{FF2B5EF4-FFF2-40B4-BE49-F238E27FC236}">
-                <a16:creationId xmlns:a16="http://schemas.microsoft.com/office/drawing/2014/main" id="{400275BA-9D79-D84A-901E-C0F780EC6927}"/>
-              </a:ext>
-            </a:extLst>
-          </p:cNvPr>
-          <p:cNvPicPr>
-            <a:picLocks noChangeAspect="1"/>
-          </p:cNvPicPr>
-          <p:nvPr/>
-        </p:nvPicPr>
-        <p:blipFill>
-          <a:blip r:embed="rId4"/>
-          <a:stretch>
-            <a:fillRect/>
-          </a:stretch>
-        </p:blipFill>
-        <p:spPr>
-          <a:xfrm>
-            <a:off x="378941" y="3866810"/>
-            <a:ext cx="4174271" cy="2880000"/>
-          </a:xfrm>
-          <a:prstGeom prst="rect">
-            <a:avLst/>
-          </a:prstGeom>
-        </p:spPr>
-      </p:pic>
-      <p:pic>
-        <p:nvPicPr>
-          <p:cNvPr id="12" name="Picture 11">
-            <a:extLst>
-              <a:ext uri="{FF2B5EF4-FFF2-40B4-BE49-F238E27FC236}">
-                <a16:creationId xmlns:a16="http://schemas.microsoft.com/office/drawing/2014/main" id="{43EE71D6-4ADD-C14F-9B1B-F9B0B189D52B}"/>
-              </a:ext>
-            </a:extLst>
-          </p:cNvPr>
-          <p:cNvPicPr>
-            <a:picLocks noChangeAspect="1"/>
-          </p:cNvPicPr>
-          <p:nvPr/>
-        </p:nvPicPr>
-        <p:blipFill>
-          <a:blip r:embed="rId5"/>
-          <a:stretch>
-            <a:fillRect/>
-          </a:stretch>
-        </p:blipFill>
-        <p:spPr>
-          <a:xfrm>
-            <a:off x="6095999" y="3857296"/>
-            <a:ext cx="4174271" cy="2880000"/>
-          </a:xfrm>
-          <a:prstGeom prst="rect">
-            <a:avLst/>
-          </a:prstGeom>
-        </p:spPr>
-      </p:pic>
-    </p:spTree>
-    <p:extLst>
-      <p:ext uri="{BB962C8B-B14F-4D97-AF65-F5344CB8AC3E}">
-        <p14:creationId xmlns:p14="http://schemas.microsoft.com/office/powerpoint/2010/main" val="4127903087"/>
-      </p:ext>
-    </p:extLst>
-  </p:cSld>
-  <p:clrMapOvr>
-    <a:masterClrMapping/>
-  </p:clrMapOvr>
-</p:sld>
-</file>
-
-<file path=ppt/slides/slide8.xml><?xml version="1.0" encoding="utf-8"?>
-<p:sld xmlns:a="http://schemas.openxmlformats.org/drawingml/2006/main" xmlns:r="http://schemas.openxmlformats.org/officeDocument/2006/relationships" xmlns:p="http://schemas.openxmlformats.org/presentationml/2006/main">
-  <p:cSld>
-    <p:spTree>
-      <p:nvGrpSpPr>
-        <p:cNvPr id="1" name=""/>
-        <p:cNvGrpSpPr/>
-        <p:nvPr/>
-      </p:nvGrpSpPr>
-      <p:grpSpPr>
-        <a:xfrm>
-          <a:off x="0" y="0"/>
-          <a:ext cx="0" cy="0"/>
-          <a:chOff x="0" y="0"/>
-          <a:chExt cx="0" cy="0"/>
-        </a:xfrm>
-      </p:grpSpPr>
-      <p:sp>
-        <p:nvSpPr>
-          <p:cNvPr id="2" name="Rectangle 1">
-            <a:extLst>
-              <a:ext uri="{FF2B5EF4-FFF2-40B4-BE49-F238E27FC236}">
-                <a16:creationId xmlns:a16="http://schemas.microsoft.com/office/drawing/2014/main" id="{28EB9195-3465-C644-B592-B32C34D4FFCF}"/>
-              </a:ext>
-            </a:extLst>
-          </p:cNvPr>
-          <p:cNvSpPr/>
-          <p:nvPr/>
-        </p:nvSpPr>
-        <p:spPr>
-          <a:xfrm>
-            <a:off x="528115" y="409596"/>
-            <a:ext cx="4164153" cy="369332"/>
-          </a:xfrm>
-          <a:prstGeom prst="rect">
-            <a:avLst/>
-          </a:prstGeom>
-        </p:spPr>
-        <p:txBody>
-          <a:bodyPr wrap="none">
-            <a:spAutoFit/>
-          </a:bodyPr>
-          <a:lstStyle/>
-          <a:p>
-            <a:pPr marL="342900" indent="-342900">
-              <a:buFont typeface="+mj-lt"/>
-              <a:buAutoNum type="arabicPeriod" startAt="2"/>
-            </a:pPr>
-            <a:r>
-              <a:rPr lang="en-GB" b="1" dirty="0"/>
-              <a:t>Clustering of (different types) markers</a:t>
-            </a:r>
-          </a:p>
-        </p:txBody>
-      </p:sp>
-      <p:sp>
-        <p:nvSpPr>
-          <p:cNvPr id="12" name="TextBox 11">
-            <a:extLst>
-              <a:ext uri="{FF2B5EF4-FFF2-40B4-BE49-F238E27FC236}">
-                <a16:creationId xmlns:a16="http://schemas.microsoft.com/office/drawing/2014/main" id="{EE2B360A-DD67-7142-A309-F624C4AD0FFE}"/>
-              </a:ext>
-            </a:extLst>
-          </p:cNvPr>
-          <p:cNvSpPr txBox="1"/>
-          <p:nvPr/>
-        </p:nvSpPr>
-        <p:spPr>
-          <a:xfrm>
-            <a:off x="528115" y="811350"/>
-            <a:ext cx="5069786" cy="369332"/>
-          </a:xfrm>
-          <a:prstGeom prst="rect">
-            <a:avLst/>
-          </a:prstGeom>
-          <a:noFill/>
-        </p:spPr>
-        <p:txBody>
-          <a:bodyPr wrap="none" rtlCol="0">
-            <a:spAutoFit/>
-          </a:bodyPr>
-          <a:lstStyle/>
-          <a:p>
-            <a:pPr marL="285750" indent="-285750">
-              <a:buFont typeface="Arial" panose="020B0604020202020204" pitchFamily="34" charset="0"/>
-              <a:buChar char="•"/>
-            </a:pPr>
-            <a:r>
-              <a:rPr lang="en-GB" dirty="0"/>
-              <a:t>INDELs and SNPs after filtering and cline analysis.</a:t>
-            </a:r>
-          </a:p>
-        </p:txBody>
-      </p:sp>
-      <mc:AlternateContent xmlns:mc="http://schemas.openxmlformats.org/markup-compatibility/2006" xmlns:a14="http://schemas.microsoft.com/office/drawing/2010/main">
-        <mc:Choice Requires="a14">
-          <p:sp>
-            <p:nvSpPr>
-              <p:cNvPr id="21" name="TextBox 20">
-                <a:extLst>
-                  <a:ext uri="{FF2B5EF4-FFF2-40B4-BE49-F238E27FC236}">
-                    <a16:creationId xmlns:a16="http://schemas.microsoft.com/office/drawing/2014/main" id="{EB528DF0-ED52-C643-A25D-EE710F3E6CF2}"/>
-                  </a:ext>
-                </a:extLst>
-              </p:cNvPr>
-              <p:cNvSpPr txBox="1"/>
-              <p:nvPr/>
-            </p:nvSpPr>
-            <p:spPr>
-              <a:xfrm>
-                <a:off x="528115" y="6002654"/>
-                <a:ext cx="10806121" cy="830997"/>
-              </a:xfrm>
-              <a:prstGeom prst="rect">
-                <a:avLst/>
-              </a:prstGeom>
-              <a:noFill/>
-            </p:spPr>
-            <p:txBody>
-              <a:bodyPr wrap="square" rtlCol="0">
-                <a:spAutoFit/>
-              </a:bodyPr>
-              <a:lstStyle/>
-              <a:p>
-                <a:r>
-                  <a:rPr lang="en-GB" sz="1600" i="1" dirty="0"/>
-                  <a:t>Figure 3a. Marker proportions over contig length. </a:t>
-                </a:r>
-                <a14:m>
-                  <m:oMath xmlns:m="http://schemas.openxmlformats.org/officeDocument/2006/math">
-                    <m:r>
-                      <a:rPr lang="sv-SE" sz="1600" b="0" i="1" smtClean="0">
-                        <a:latin typeface="Cambria Math" panose="02040503050406030204" pitchFamily="18" charset="0"/>
-                      </a:rPr>
-                      <m:t>𝑃𝑟𝑜𝑝𝑜𝑟𝑡𝑖𝑜𝑛</m:t>
-                    </m:r>
-                    <m:r>
-                      <a:rPr lang="sv-SE" sz="1600" b="0" i="1" smtClean="0">
-                        <a:latin typeface="Cambria Math" panose="02040503050406030204" pitchFamily="18" charset="0"/>
-                      </a:rPr>
-                      <m:t>=</m:t>
-                    </m:r>
-                    <m:f>
-                      <m:fPr>
-                        <m:type m:val="lin"/>
-                        <m:ctrlPr>
-                          <a:rPr lang="sv-SE" sz="1600" b="0" i="1" smtClean="0">
-                            <a:latin typeface="Cambria Math" panose="02040503050406030204" pitchFamily="18" charset="0"/>
-                          </a:rPr>
-                        </m:ctrlPr>
-                      </m:fPr>
-                      <m:num>
-                        <m:r>
-                          <a:rPr lang="sv-SE" sz="1600" b="0" i="1" smtClean="0">
-                            <a:latin typeface="Cambria Math" panose="02040503050406030204" pitchFamily="18" charset="0"/>
-                          </a:rPr>
-                          <m:t>𝑐𝑜𝑢𝑛𝑡</m:t>
-                        </m:r>
-                      </m:num>
-                      <m:den>
-                        <m:r>
-                          <m:rPr>
-                            <m:sty m:val="p"/>
-                          </m:rPr>
-                          <a:rPr lang="el-GR" sz="1600" b="0" i="1" smtClean="0">
-                            <a:latin typeface="Cambria Math" panose="02040503050406030204" pitchFamily="18" charset="0"/>
-                            <a:ea typeface="Cambria Math" panose="02040503050406030204" pitchFamily="18" charset="0"/>
-                          </a:rPr>
-                          <m:t>Σ</m:t>
-                        </m:r>
-                        <m:r>
-                          <a:rPr lang="sv-SE" sz="1600" b="0" i="1" smtClean="0">
-                            <a:latin typeface="Cambria Math" panose="02040503050406030204" pitchFamily="18" charset="0"/>
-                            <a:ea typeface="Cambria Math" panose="02040503050406030204" pitchFamily="18" charset="0"/>
-                          </a:rPr>
-                          <m:t> </m:t>
-                        </m:r>
-                        <m:r>
-                          <a:rPr lang="sv-SE" sz="1600" b="0" i="1" smtClean="0">
-                            <a:latin typeface="Cambria Math" panose="02040503050406030204" pitchFamily="18" charset="0"/>
-                            <a:ea typeface="Cambria Math" panose="02040503050406030204" pitchFamily="18" charset="0"/>
-                          </a:rPr>
-                          <m:t>𝑐𝑜𝑢𝑛𝑡</m:t>
-                        </m:r>
-                      </m:den>
-                    </m:f>
-                  </m:oMath>
-                </a14:m>
-                <a:r>
-                  <a:rPr lang="en-GB" sz="1600" i="1" dirty="0"/>
-                  <a:t> per marker type and bin width = 15000 base pairs. Clinal variants are dark coloured and non-clinal variants are light coloured. Left: SNP call using SAMtools and INDEL call using GATK. Right: both INDELs and SNPs were called with GATK.</a:t>
-                </a:r>
-              </a:p>
-            </p:txBody>
-          </p:sp>
-        </mc:Choice>
-        <mc:Fallback xmlns="">
-          <p:sp>
-            <p:nvSpPr>
-              <p:cNvPr id="21" name="TextBox 20">
-                <a:extLst>
-                  <a:ext uri="{FF2B5EF4-FFF2-40B4-BE49-F238E27FC236}">
-                    <a16:creationId xmlns:a16="http://schemas.microsoft.com/office/drawing/2014/main" id="{EB528DF0-ED52-C643-A25D-EE710F3E6CF2}"/>
-                  </a:ext>
-                </a:extLst>
-              </p:cNvPr>
-              <p:cNvSpPr txBox="1">
-                <a:spLocks noRot="1" noChangeAspect="1" noMove="1" noResize="1" noEditPoints="1" noAdjustHandles="1" noChangeArrowheads="1" noChangeShapeType="1" noTextEdit="1"/>
-              </p:cNvSpPr>
-              <p:nvPr/>
-            </p:nvSpPr>
-            <p:spPr>
-              <a:xfrm>
-                <a:off x="528115" y="6002654"/>
-                <a:ext cx="10806121" cy="830997"/>
-              </a:xfrm>
-              <a:prstGeom prst="rect">
-                <a:avLst/>
-              </a:prstGeom>
-              <a:blipFill>
-                <a:blip r:embed="rId2"/>
-                <a:stretch>
-                  <a:fillRect l="-353" t="-45455" b="-13636"/>
-                </a:stretch>
-              </a:blipFill>
-            </p:spPr>
-            <p:txBody>
-              <a:bodyPr/>
-              <a:lstStyle/>
-              <a:p>
-                <a:r>
-                  <a:rPr lang="en-GB">
-                    <a:noFill/>
-                  </a:rPr>
-                  <a:t> </a:t>
-                </a:r>
-              </a:p>
-            </p:txBody>
-          </p:sp>
-        </mc:Fallback>
-      </mc:AlternateContent>
-      <p:pic>
-        <p:nvPicPr>
-          <p:cNvPr id="13" name="Picture 12">
-            <a:extLst>
-              <a:ext uri="{FF2B5EF4-FFF2-40B4-BE49-F238E27FC236}">
-                <a16:creationId xmlns:a16="http://schemas.microsoft.com/office/drawing/2014/main" id="{5C5BD71F-7247-0F4C-ACCE-522A0428BB58}"/>
-              </a:ext>
-            </a:extLst>
-          </p:cNvPr>
-          <p:cNvPicPr>
-            <a:picLocks noChangeAspect="1"/>
-          </p:cNvPicPr>
-          <p:nvPr/>
-        </p:nvPicPr>
-        <p:blipFill>
-          <a:blip r:embed="rId3"/>
-          <a:stretch>
-            <a:fillRect/>
-          </a:stretch>
-        </p:blipFill>
-        <p:spPr>
-          <a:xfrm>
-            <a:off x="934578" y="0"/>
-            <a:ext cx="0" cy="0"/>
-          </a:xfrm>
-          <a:prstGeom prst="rect">
-            <a:avLst/>
-          </a:prstGeom>
-        </p:spPr>
-      </p:pic>
-      <p:pic>
-        <p:nvPicPr>
-          <p:cNvPr id="15" name="Picture 14">
-            <a:extLst>
-              <a:ext uri="{FF2B5EF4-FFF2-40B4-BE49-F238E27FC236}">
-                <a16:creationId xmlns:a16="http://schemas.microsoft.com/office/drawing/2014/main" id="{EBE394C9-8E25-2746-A78F-121C8A879BD2}"/>
-              </a:ext>
-            </a:extLst>
-          </p:cNvPr>
-          <p:cNvPicPr>
-            <a:picLocks noChangeAspect="1"/>
-          </p:cNvPicPr>
-          <p:nvPr/>
-        </p:nvPicPr>
-        <p:blipFill>
-          <a:blip r:embed="rId4"/>
-          <a:stretch>
-            <a:fillRect/>
-          </a:stretch>
-        </p:blipFill>
-        <p:spPr>
-          <a:xfrm>
-            <a:off x="528115" y="1207500"/>
-            <a:ext cx="5040000" cy="2520000"/>
-          </a:xfrm>
-          <a:prstGeom prst="rect">
-            <a:avLst/>
-          </a:prstGeom>
-        </p:spPr>
-      </p:pic>
-      <p:pic>
-        <p:nvPicPr>
-          <p:cNvPr id="17" name="Picture 16">
-            <a:extLst>
-              <a:ext uri="{FF2B5EF4-FFF2-40B4-BE49-F238E27FC236}">
-                <a16:creationId xmlns:a16="http://schemas.microsoft.com/office/drawing/2014/main" id="{03EE4186-B3B4-F142-86E5-5DC225B6B5AC}"/>
-              </a:ext>
-            </a:extLst>
-          </p:cNvPr>
-          <p:cNvPicPr>
-            <a:picLocks noChangeAspect="1"/>
-          </p:cNvPicPr>
-          <p:nvPr/>
-        </p:nvPicPr>
-        <p:blipFill>
-          <a:blip r:embed="rId5"/>
-          <a:stretch>
-            <a:fillRect/>
-          </a:stretch>
-        </p:blipFill>
-        <p:spPr>
-          <a:xfrm>
-            <a:off x="528115" y="3482654"/>
-            <a:ext cx="5040000" cy="2520000"/>
-          </a:xfrm>
-          <a:prstGeom prst="rect">
-            <a:avLst/>
-          </a:prstGeom>
-        </p:spPr>
-      </p:pic>
-      <p:pic>
-        <p:nvPicPr>
-          <p:cNvPr id="19" name="Picture 18">
-            <a:extLst>
-              <a:ext uri="{FF2B5EF4-FFF2-40B4-BE49-F238E27FC236}">
-                <a16:creationId xmlns:a16="http://schemas.microsoft.com/office/drawing/2014/main" id="{160F0608-A0B7-0545-BE6D-F8EC0CA4795F}"/>
-              </a:ext>
-            </a:extLst>
-          </p:cNvPr>
-          <p:cNvPicPr>
-            <a:picLocks noChangeAspect="1"/>
-          </p:cNvPicPr>
-          <p:nvPr/>
-        </p:nvPicPr>
-        <p:blipFill>
-          <a:blip r:embed="rId4"/>
-          <a:stretch>
-            <a:fillRect/>
-          </a:stretch>
-        </p:blipFill>
-        <p:spPr>
-          <a:xfrm>
-            <a:off x="6294236" y="1207500"/>
-            <a:ext cx="5040000" cy="2520000"/>
-          </a:xfrm>
-          <a:prstGeom prst="rect">
-            <a:avLst/>
-          </a:prstGeom>
-        </p:spPr>
-      </p:pic>
-      <p:pic>
-        <p:nvPicPr>
-          <p:cNvPr id="20" name="Picture 19">
-            <a:extLst>
-              <a:ext uri="{FF2B5EF4-FFF2-40B4-BE49-F238E27FC236}">
-                <a16:creationId xmlns:a16="http://schemas.microsoft.com/office/drawing/2014/main" id="{3CC15D35-D657-8D45-A477-3C9BEBCEF428}"/>
-              </a:ext>
-            </a:extLst>
-          </p:cNvPr>
-          <p:cNvPicPr>
-            <a:picLocks noChangeAspect="1"/>
-          </p:cNvPicPr>
-          <p:nvPr/>
-        </p:nvPicPr>
-        <p:blipFill>
-          <a:blip r:embed="rId6"/>
-          <a:stretch>
-            <a:fillRect/>
-          </a:stretch>
-        </p:blipFill>
-        <p:spPr>
-          <a:xfrm>
-            <a:off x="6294236" y="3482654"/>
-            <a:ext cx="5040000" cy="2520000"/>
-          </a:xfrm>
-          <a:prstGeom prst="rect">
-            <a:avLst/>
-          </a:prstGeom>
-        </p:spPr>
-      </p:pic>
-      <p:sp>
-        <p:nvSpPr>
-          <p:cNvPr id="10" name="TextBox 9">
-            <a:extLst>
-              <a:ext uri="{FF2B5EF4-FFF2-40B4-BE49-F238E27FC236}">
-                <a16:creationId xmlns:a16="http://schemas.microsoft.com/office/drawing/2014/main" id="{FAAE64C4-0597-BE4E-AA0C-C2E80A8CCFF1}"/>
-              </a:ext>
-            </a:extLst>
-          </p:cNvPr>
-          <p:cNvSpPr txBox="1"/>
-          <p:nvPr/>
-        </p:nvSpPr>
-        <p:spPr>
-          <a:xfrm>
-            <a:off x="5657629" y="811350"/>
-            <a:ext cx="3292824" cy="369332"/>
-          </a:xfrm>
-          <a:prstGeom prst="rect">
-            <a:avLst/>
-          </a:prstGeom>
-          <a:noFill/>
-        </p:spPr>
-        <p:txBody>
-          <a:bodyPr wrap="none" rtlCol="0">
-            <a:spAutoFit/>
-          </a:bodyPr>
-          <a:lstStyle/>
-          <a:p>
-            <a:pPr marL="285750" indent="-285750">
-              <a:buFont typeface="Arial" panose="020B0604020202020204" pitchFamily="34" charset="0"/>
-              <a:buChar char="•"/>
-            </a:pPr>
-            <a:r>
-              <a:rPr lang="en-GB" dirty="0"/>
-              <a:t>All six hybrid zones combined.</a:t>
-            </a:r>
-          </a:p>
-        </p:txBody>
-      </p:sp>
-    </p:spTree>
-    <p:extLst>
-      <p:ext uri="{BB962C8B-B14F-4D97-AF65-F5344CB8AC3E}">
-        <p14:creationId xmlns:p14="http://schemas.microsoft.com/office/powerpoint/2010/main" val="2585403068"/>
-      </p:ext>
-    </p:extLst>
-  </p:cSld>
-  <p:clrMapOvr>
-    <a:masterClrMapping/>
-  </p:clrMapOvr>
-</p:sld>
-</file>
-
-<file path=ppt/slides/slide9.xml><?xml version="1.0" encoding="utf-8"?>
-<p:sld xmlns:a="http://schemas.openxmlformats.org/drawingml/2006/main" xmlns:r="http://schemas.openxmlformats.org/officeDocument/2006/relationships" xmlns:p="http://schemas.openxmlformats.org/presentationml/2006/main">
-  <p:cSld>
-    <p:spTree>
-      <p:nvGrpSpPr>
-        <p:cNvPr id="1" name=""/>
-        <p:cNvGrpSpPr/>
-        <p:nvPr/>
-      </p:nvGrpSpPr>
-      <p:grpSpPr>
-        <a:xfrm>
-          <a:off x="0" y="0"/>
-          <a:ext cx="0" cy="0"/>
-          <a:chOff x="0" y="0"/>
-          <a:chExt cx="0" cy="0"/>
-        </a:xfrm>
-      </p:grpSpPr>
-      <p:sp>
-        <p:nvSpPr>
-          <p:cNvPr id="2" name="Rectangle 1">
-            <a:extLst>
-              <a:ext uri="{FF2B5EF4-FFF2-40B4-BE49-F238E27FC236}">
-                <a16:creationId xmlns:a16="http://schemas.microsoft.com/office/drawing/2014/main" id="{28EB9195-3465-C644-B592-B32C34D4FFCF}"/>
-              </a:ext>
-            </a:extLst>
-          </p:cNvPr>
-          <p:cNvSpPr/>
-          <p:nvPr/>
-        </p:nvSpPr>
-        <p:spPr>
-          <a:xfrm>
-            <a:off x="528115" y="409596"/>
-            <a:ext cx="3844450" cy="369332"/>
-          </a:xfrm>
-          <a:prstGeom prst="rect">
-            <a:avLst/>
-          </a:prstGeom>
-        </p:spPr>
-        <p:txBody>
-          <a:bodyPr wrap="none">
-            <a:spAutoFit/>
-          </a:bodyPr>
-          <a:lstStyle/>
-          <a:p>
-            <a:pPr marL="342900" indent="-342900">
-              <a:buFont typeface="+mj-lt"/>
-              <a:buAutoNum type="arabicPeriod" startAt="3"/>
-            </a:pPr>
-            <a:r>
-              <a:rPr lang="en-GB" b="1" dirty="0"/>
-              <a:t>Derived allele frequencies - INDELs</a:t>
+              <a:t>)</a:t>
             </a:r>
           </a:p>
         </p:txBody>
@@ -7361,13 +6070,13 @@
           <p:nvPr>
             <p:extLst>
               <p:ext uri="{D42A27DB-BD31-4B8C-83A1-F6EECF244321}">
-                <p14:modId xmlns:p14="http://schemas.microsoft.com/office/powerpoint/2010/main" val="2153132980"/>
+                <p14:modId xmlns:p14="http://schemas.microsoft.com/office/powerpoint/2010/main" val="3002538025"/>
               </p:ext>
             </p:extLst>
           </p:nvPr>
         </p:nvGraphicFramePr>
         <p:xfrm>
-          <a:off x="5204178" y="1826743"/>
+          <a:off x="5291266" y="1826743"/>
           <a:ext cx="4549424" cy="4813120"/>
         </p:xfrm>
         <a:graphic>
@@ -8844,8 +7553,8 @@
         </p:nvSpPr>
         <p:spPr>
           <a:xfrm>
-            <a:off x="609600" y="4876800"/>
-            <a:ext cx="3762965" cy="707886"/>
+            <a:off x="528115" y="5475514"/>
+            <a:ext cx="3762965" cy="1015663"/>
           </a:xfrm>
           <a:prstGeom prst="rect">
             <a:avLst/>
@@ -8859,8 +7568,106 @@
           <a:lstStyle/>
           <a:p>
             <a:r>
-              <a:rPr lang="en-SE" sz="2000" b="1" dirty="0"/>
-              <a:t>For the rest of the results, kept only variants highlighted in green.</a:t>
+              <a:rPr lang="en-GB" sz="2000" b="1"/>
+              <a:t>For the rest of the results, kept only variants highlighted in green that were polymorphic.</a:t>
+            </a:r>
+          </a:p>
+        </p:txBody>
+      </p:sp>
+      <p:sp>
+        <p:nvSpPr>
+          <p:cNvPr id="7" name="TextBox 6">
+            <a:extLst>
+              <a:ext uri="{FF2B5EF4-FFF2-40B4-BE49-F238E27FC236}">
+                <a16:creationId xmlns:a16="http://schemas.microsoft.com/office/drawing/2014/main" id="{86951483-1209-4D4F-A115-5A943914344F}"/>
+              </a:ext>
+            </a:extLst>
+          </p:cNvPr>
+          <p:cNvSpPr txBox="1"/>
+          <p:nvPr/>
+        </p:nvSpPr>
+        <p:spPr>
+          <a:xfrm>
+            <a:off x="528115" y="3018046"/>
+            <a:ext cx="3976152" cy="830997"/>
+          </a:xfrm>
+          <a:prstGeom prst="rect">
+            <a:avLst/>
+          </a:prstGeom>
+          <a:noFill/>
+        </p:spPr>
+        <p:txBody>
+          <a:bodyPr wrap="square" rtlCol="0">
+            <a:spAutoFit/>
+          </a:bodyPr>
+          <a:lstStyle/>
+          <a:p>
+            <a:pPr marL="285750" indent="-285750">
+              <a:buFont typeface="Arial" panose="020B0604020202020204" pitchFamily="34" charset="0"/>
+              <a:buChar char="•"/>
+            </a:pPr>
+            <a:r>
+              <a:rPr lang="en-GB" sz="1600" dirty="0"/>
+              <a:t>Fixed differences removed:</a:t>
+            </a:r>
+            <a:br>
+              <a:rPr lang="en-GB" sz="1600" dirty="0"/>
+            </a:br>
+            <a:br>
+              <a:rPr lang="en-GB" sz="1600" dirty="0"/>
+            </a:br>
+            <a:r>
+              <a:rPr lang="en-GB" sz="1600" dirty="0"/>
+              <a:t>SNPs = 148; INDELs = 42; ratio = 3.5</a:t>
+            </a:r>
+          </a:p>
+        </p:txBody>
+      </p:sp>
+      <p:sp>
+        <p:nvSpPr>
+          <p:cNvPr id="8" name="TextBox 7">
+            <a:extLst>
+              <a:ext uri="{FF2B5EF4-FFF2-40B4-BE49-F238E27FC236}">
+                <a16:creationId xmlns:a16="http://schemas.microsoft.com/office/drawing/2014/main" id="{5E15A81C-47F8-304C-A119-419BB111BD10}"/>
+              </a:ext>
+            </a:extLst>
+          </p:cNvPr>
+          <p:cNvSpPr txBox="1"/>
+          <p:nvPr/>
+        </p:nvSpPr>
+        <p:spPr>
+          <a:xfrm>
+            <a:off x="528115" y="4146898"/>
+            <a:ext cx="3976152" cy="1077218"/>
+          </a:xfrm>
+          <a:prstGeom prst="rect">
+            <a:avLst/>
+          </a:prstGeom>
+          <a:noFill/>
+        </p:spPr>
+        <p:txBody>
+          <a:bodyPr wrap="square" rtlCol="0">
+            <a:spAutoFit/>
+          </a:bodyPr>
+          <a:lstStyle/>
+          <a:p>
+            <a:pPr marL="285750" indent="-285750">
+              <a:buFont typeface="Arial" panose="020B0604020202020204" pitchFamily="34" charset="0"/>
+              <a:buChar char="•"/>
+            </a:pPr>
+            <a:r>
+              <a:rPr lang="en-GB" sz="1600" dirty="0"/>
+              <a:t>Total number of polymorphic unique variants before cline analysis:</a:t>
+            </a:r>
+            <a:br>
+              <a:rPr lang="en-GB" sz="1600" dirty="0"/>
+            </a:br>
+            <a:br>
+              <a:rPr lang="en-GB" sz="1600" dirty="0"/>
+            </a:br>
+            <a:r>
+              <a:rPr lang="en-GB" sz="1600" dirty="0"/>
+              <a:t>SNPs = 89770; INDELs = 20005; ratio = 4.5</a:t>
             </a:r>
           </a:p>
         </p:txBody>
@@ -8869,6 +7676,650 @@
     <p:extLst>
       <p:ext uri="{BB962C8B-B14F-4D97-AF65-F5344CB8AC3E}">
         <p14:creationId xmlns:p14="http://schemas.microsoft.com/office/powerpoint/2010/main" val="1557500512"/>
+      </p:ext>
+    </p:extLst>
+  </p:cSld>
+  <p:clrMapOvr>
+    <a:masterClrMapping/>
+  </p:clrMapOvr>
+</p:sld>
+</file>
+
+<file path=ppt/slides/slide6.xml><?xml version="1.0" encoding="utf-8"?>
+<p:sld xmlns:a="http://schemas.openxmlformats.org/drawingml/2006/main" xmlns:r="http://schemas.openxmlformats.org/officeDocument/2006/relationships" xmlns:p="http://schemas.openxmlformats.org/presentationml/2006/main">
+  <p:cSld>
+    <p:spTree>
+      <p:nvGrpSpPr>
+        <p:cNvPr id="1" name=""/>
+        <p:cNvGrpSpPr/>
+        <p:nvPr/>
+      </p:nvGrpSpPr>
+      <p:grpSpPr>
+        <a:xfrm>
+          <a:off x="0" y="0"/>
+          <a:ext cx="0" cy="0"/>
+          <a:chOff x="0" y="0"/>
+          <a:chExt cx="0" cy="0"/>
+        </a:xfrm>
+      </p:grpSpPr>
+      <p:sp>
+        <p:nvSpPr>
+          <p:cNvPr id="5" name="TextBox 4">
+            <a:extLst>
+              <a:ext uri="{FF2B5EF4-FFF2-40B4-BE49-F238E27FC236}">
+                <a16:creationId xmlns:a16="http://schemas.microsoft.com/office/drawing/2014/main" id="{049B477E-5E39-F240-86CA-65F077DF0726}"/>
+              </a:ext>
+            </a:extLst>
+          </p:cNvPr>
+          <p:cNvSpPr txBox="1"/>
+          <p:nvPr/>
+        </p:nvSpPr>
+        <p:spPr>
+          <a:xfrm>
+            <a:off x="528115" y="1100078"/>
+            <a:ext cx="4043885" cy="923330"/>
+          </a:xfrm>
+          <a:prstGeom prst="rect">
+            <a:avLst/>
+          </a:prstGeom>
+          <a:noFill/>
+        </p:spPr>
+        <p:txBody>
+          <a:bodyPr wrap="square" rtlCol="0">
+            <a:spAutoFit/>
+          </a:bodyPr>
+          <a:lstStyle/>
+          <a:p>
+            <a:pPr marL="285750" indent="-285750">
+              <a:buFont typeface="Arial" panose="020B0604020202020204" pitchFamily="34" charset="0"/>
+              <a:buChar char="•"/>
+            </a:pPr>
+            <a:r>
+              <a:rPr lang="en-GB" dirty="0"/>
+              <a:t>Relative proportion of INDELs and SNPs after filtering but before cline analysis</a:t>
+            </a:r>
+          </a:p>
+        </p:txBody>
+      </p:sp>
+      <p:pic>
+        <p:nvPicPr>
+          <p:cNvPr id="6" name="Picture 5">
+            <a:extLst>
+              <a:ext uri="{FF2B5EF4-FFF2-40B4-BE49-F238E27FC236}">
+                <a16:creationId xmlns:a16="http://schemas.microsoft.com/office/drawing/2014/main" id="{D2406132-7F29-DE47-9F1D-99E2F356F2B5}"/>
+              </a:ext>
+            </a:extLst>
+          </p:cNvPr>
+          <p:cNvPicPr>
+            <a:picLocks noChangeAspect="1"/>
+          </p:cNvPicPr>
+          <p:nvPr/>
+        </p:nvPicPr>
+        <p:blipFill>
+          <a:blip r:embed="rId2"/>
+          <a:stretch>
+            <a:fillRect/>
+          </a:stretch>
+        </p:blipFill>
+        <p:spPr>
+          <a:xfrm>
+            <a:off x="4572000" y="0"/>
+            <a:ext cx="7620000" cy="6858000"/>
+          </a:xfrm>
+          <a:prstGeom prst="rect">
+            <a:avLst/>
+          </a:prstGeom>
+        </p:spPr>
+      </p:pic>
+      <p:sp>
+        <p:nvSpPr>
+          <p:cNvPr id="8" name="Rectangle 7">
+            <a:extLst>
+              <a:ext uri="{FF2B5EF4-FFF2-40B4-BE49-F238E27FC236}">
+                <a16:creationId xmlns:a16="http://schemas.microsoft.com/office/drawing/2014/main" id="{D5BBA663-3347-E442-9873-012E62E37C07}"/>
+              </a:ext>
+            </a:extLst>
+          </p:cNvPr>
+          <p:cNvSpPr/>
+          <p:nvPr/>
+        </p:nvSpPr>
+        <p:spPr>
+          <a:xfrm>
+            <a:off x="397486" y="409596"/>
+            <a:ext cx="4415696" cy="369332"/>
+          </a:xfrm>
+          <a:prstGeom prst="rect">
+            <a:avLst/>
+          </a:prstGeom>
+        </p:spPr>
+        <p:txBody>
+          <a:bodyPr wrap="none">
+            <a:spAutoFit/>
+          </a:bodyPr>
+          <a:lstStyle/>
+          <a:p>
+            <a:pPr marL="342900" indent="-342900">
+              <a:buFont typeface="+mj-lt"/>
+              <a:buAutoNum type="arabicPeriod" startAt="2"/>
+            </a:pPr>
+            <a:r>
+              <a:rPr lang="en-GB" b="1" dirty="0"/>
+              <a:t>Unfolded allele frequency spectra (</a:t>
+            </a:r>
+            <a:r>
+              <a:rPr lang="en-GB" b="1" dirty="0" err="1"/>
+              <a:t>uAFS</a:t>
+            </a:r>
+            <a:r>
+              <a:rPr lang="en-GB" b="1" dirty="0"/>
+              <a:t>)</a:t>
+            </a:r>
+          </a:p>
+        </p:txBody>
+      </p:sp>
+      <p:sp>
+        <p:nvSpPr>
+          <p:cNvPr id="9" name="TextBox 8">
+            <a:extLst>
+              <a:ext uri="{FF2B5EF4-FFF2-40B4-BE49-F238E27FC236}">
+                <a16:creationId xmlns:a16="http://schemas.microsoft.com/office/drawing/2014/main" id="{5FBC7557-72FC-A44A-909B-8CF5D04F3729}"/>
+              </a:ext>
+            </a:extLst>
+          </p:cNvPr>
+          <p:cNvSpPr txBox="1"/>
+          <p:nvPr/>
+        </p:nvSpPr>
+        <p:spPr>
+          <a:xfrm>
+            <a:off x="462801" y="2188649"/>
+            <a:ext cx="4043885" cy="646331"/>
+          </a:xfrm>
+          <a:prstGeom prst="rect">
+            <a:avLst/>
+          </a:prstGeom>
+          <a:noFill/>
+        </p:spPr>
+        <p:txBody>
+          <a:bodyPr wrap="square" rtlCol="0">
+            <a:spAutoFit/>
+          </a:bodyPr>
+          <a:lstStyle/>
+          <a:p>
+            <a:pPr marL="285750" indent="-285750">
+              <a:buFont typeface="Arial" panose="020B0604020202020204" pitchFamily="34" charset="0"/>
+              <a:buChar char="•"/>
+            </a:pPr>
+            <a:r>
+              <a:rPr lang="en-GB" dirty="0"/>
+              <a:t>Kept variants inside and outside inversions</a:t>
+            </a:r>
+          </a:p>
+        </p:txBody>
+      </p:sp>
+      <p:sp>
+        <p:nvSpPr>
+          <p:cNvPr id="10" name="TextBox 9">
+            <a:extLst>
+              <a:ext uri="{FF2B5EF4-FFF2-40B4-BE49-F238E27FC236}">
+                <a16:creationId xmlns:a16="http://schemas.microsoft.com/office/drawing/2014/main" id="{E53CA946-899C-FB48-983D-C9AE10CE10FB}"/>
+              </a:ext>
+            </a:extLst>
+          </p:cNvPr>
+          <p:cNvSpPr txBox="1"/>
+          <p:nvPr/>
+        </p:nvSpPr>
+        <p:spPr>
+          <a:xfrm>
+            <a:off x="528114" y="3000221"/>
+            <a:ext cx="4043885" cy="2308324"/>
+          </a:xfrm>
+          <a:prstGeom prst="rect">
+            <a:avLst/>
+          </a:prstGeom>
+          <a:noFill/>
+        </p:spPr>
+        <p:txBody>
+          <a:bodyPr wrap="square" rtlCol="0">
+            <a:spAutoFit/>
+          </a:bodyPr>
+          <a:lstStyle/>
+          <a:p>
+            <a:pPr marL="285750" indent="-285750">
+              <a:buFont typeface="Arial" panose="020B0604020202020204" pitchFamily="34" charset="0"/>
+              <a:buChar char="•"/>
+            </a:pPr>
+            <a:r>
+              <a:rPr lang="en-GB" dirty="0"/>
+              <a:t>Two-sample Kolmogorov-Smirnov test</a:t>
+            </a:r>
+            <a:br>
+              <a:rPr lang="en-GB" dirty="0"/>
+            </a:br>
+            <a:r>
+              <a:rPr lang="en-GB" dirty="0"/>
+              <a:t>Null hypothesis:</a:t>
+            </a:r>
+            <a:br>
+              <a:rPr lang="en-GB" dirty="0"/>
+            </a:br>
+            <a:r>
+              <a:rPr lang="en-GB" dirty="0"/>
+              <a:t>INDELs and SNPs </a:t>
+            </a:r>
+            <a:r>
+              <a:rPr lang="en-US" dirty="0"/>
+              <a:t>are drawn from the same continuous distribution</a:t>
+            </a:r>
+            <a:endParaRPr lang="en-GB" dirty="0"/>
+          </a:p>
+          <a:p>
+            <a:pPr marL="742950" lvl="1" indent="-285750">
+              <a:buFont typeface="Arial" panose="020B0604020202020204" pitchFamily="34" charset="0"/>
+              <a:buChar char="•"/>
+            </a:pPr>
+            <a:r>
+              <a:rPr lang="en-GB" dirty="0"/>
+              <a:t>Using relative proportions, the null cannot be rejected</a:t>
+            </a:r>
+          </a:p>
+          <a:p>
+            <a:pPr marL="742950" lvl="1" indent="-285750">
+              <a:buFont typeface="Arial" panose="020B0604020202020204" pitchFamily="34" charset="0"/>
+              <a:buChar char="•"/>
+            </a:pPr>
+            <a:r>
+              <a:rPr lang="en-GB" dirty="0"/>
+              <a:t>Using square root counts, the null can be rejected</a:t>
+            </a:r>
+          </a:p>
+        </p:txBody>
+      </p:sp>
+    </p:spTree>
+    <p:extLst>
+      <p:ext uri="{BB962C8B-B14F-4D97-AF65-F5344CB8AC3E}">
+        <p14:creationId xmlns:p14="http://schemas.microsoft.com/office/powerpoint/2010/main" val="2887222785"/>
+      </p:ext>
+    </p:extLst>
+  </p:cSld>
+  <p:clrMapOvr>
+    <a:masterClrMapping/>
+  </p:clrMapOvr>
+</p:sld>
+</file>
+
+<file path=ppt/slides/slide7.xml><?xml version="1.0" encoding="utf-8"?>
+<p:sld xmlns:a="http://schemas.openxmlformats.org/drawingml/2006/main" xmlns:r="http://schemas.openxmlformats.org/officeDocument/2006/relationships" xmlns:p="http://schemas.openxmlformats.org/presentationml/2006/main">
+  <p:cSld>
+    <p:spTree>
+      <p:nvGrpSpPr>
+        <p:cNvPr id="1" name=""/>
+        <p:cNvGrpSpPr/>
+        <p:nvPr/>
+      </p:nvGrpSpPr>
+      <p:grpSpPr>
+        <a:xfrm>
+          <a:off x="0" y="0"/>
+          <a:ext cx="0" cy="0"/>
+          <a:chOff x="0" y="0"/>
+          <a:chExt cx="0" cy="0"/>
+        </a:xfrm>
+      </p:grpSpPr>
+      <p:sp>
+        <p:nvSpPr>
+          <p:cNvPr id="5" name="TextBox 4">
+            <a:extLst>
+              <a:ext uri="{FF2B5EF4-FFF2-40B4-BE49-F238E27FC236}">
+                <a16:creationId xmlns:a16="http://schemas.microsoft.com/office/drawing/2014/main" id="{049B477E-5E39-F240-86CA-65F077DF0726}"/>
+              </a:ext>
+            </a:extLst>
+          </p:cNvPr>
+          <p:cNvSpPr txBox="1"/>
+          <p:nvPr/>
+        </p:nvSpPr>
+        <p:spPr>
+          <a:xfrm>
+            <a:off x="528115" y="1100078"/>
+            <a:ext cx="4043885" cy="923330"/>
+          </a:xfrm>
+          <a:prstGeom prst="rect">
+            <a:avLst/>
+          </a:prstGeom>
+          <a:noFill/>
+        </p:spPr>
+        <p:txBody>
+          <a:bodyPr wrap="square" rtlCol="0">
+            <a:spAutoFit/>
+          </a:bodyPr>
+          <a:lstStyle/>
+          <a:p>
+            <a:pPr marL="285750" indent="-285750">
+              <a:buFont typeface="Arial" panose="020B0604020202020204" pitchFamily="34" charset="0"/>
+              <a:buChar char="•"/>
+            </a:pPr>
+            <a:r>
+              <a:rPr lang="en-GB" dirty="0"/>
+              <a:t>Relative proportion of INDELs and SNPs after filtering but before cline analysis</a:t>
+            </a:r>
+          </a:p>
+        </p:txBody>
+      </p:sp>
+      <p:sp>
+        <p:nvSpPr>
+          <p:cNvPr id="8" name="Rectangle 7">
+            <a:extLst>
+              <a:ext uri="{FF2B5EF4-FFF2-40B4-BE49-F238E27FC236}">
+                <a16:creationId xmlns:a16="http://schemas.microsoft.com/office/drawing/2014/main" id="{D5BBA663-3347-E442-9873-012E62E37C07}"/>
+              </a:ext>
+            </a:extLst>
+          </p:cNvPr>
+          <p:cNvSpPr/>
+          <p:nvPr/>
+        </p:nvSpPr>
+        <p:spPr>
+          <a:xfrm>
+            <a:off x="397486" y="409596"/>
+            <a:ext cx="4415696" cy="369332"/>
+          </a:xfrm>
+          <a:prstGeom prst="rect">
+            <a:avLst/>
+          </a:prstGeom>
+        </p:spPr>
+        <p:txBody>
+          <a:bodyPr wrap="none">
+            <a:spAutoFit/>
+          </a:bodyPr>
+          <a:lstStyle/>
+          <a:p>
+            <a:pPr marL="342900" indent="-342900">
+              <a:buFont typeface="+mj-lt"/>
+              <a:buAutoNum type="arabicPeriod" startAt="2"/>
+            </a:pPr>
+            <a:r>
+              <a:rPr lang="en-GB" b="1" dirty="0"/>
+              <a:t>Unfolded allele frequency spectra (</a:t>
+            </a:r>
+            <a:r>
+              <a:rPr lang="en-GB" b="1" dirty="0" err="1"/>
+              <a:t>uAFS</a:t>
+            </a:r>
+            <a:r>
+              <a:rPr lang="en-GB" b="1" dirty="0"/>
+              <a:t>)</a:t>
+            </a:r>
+          </a:p>
+        </p:txBody>
+      </p:sp>
+      <p:sp>
+        <p:nvSpPr>
+          <p:cNvPr id="9" name="TextBox 8">
+            <a:extLst>
+              <a:ext uri="{FF2B5EF4-FFF2-40B4-BE49-F238E27FC236}">
+                <a16:creationId xmlns:a16="http://schemas.microsoft.com/office/drawing/2014/main" id="{5FBC7557-72FC-A44A-909B-8CF5D04F3729}"/>
+              </a:ext>
+            </a:extLst>
+          </p:cNvPr>
+          <p:cNvSpPr txBox="1"/>
+          <p:nvPr/>
+        </p:nvSpPr>
+        <p:spPr>
+          <a:xfrm>
+            <a:off x="462801" y="2188649"/>
+            <a:ext cx="4043885" cy="369332"/>
+          </a:xfrm>
+          <a:prstGeom prst="rect">
+            <a:avLst/>
+          </a:prstGeom>
+          <a:noFill/>
+        </p:spPr>
+        <p:txBody>
+          <a:bodyPr wrap="square" rtlCol="0">
+            <a:spAutoFit/>
+          </a:bodyPr>
+          <a:lstStyle/>
+          <a:p>
+            <a:pPr marL="285750" indent="-285750">
+              <a:buFont typeface="Arial" panose="020B0604020202020204" pitchFamily="34" charset="0"/>
+              <a:buChar char="•"/>
+            </a:pPr>
+            <a:r>
+              <a:rPr lang="en-GB" dirty="0"/>
+              <a:t>Kept only variants outside inversions</a:t>
+            </a:r>
+          </a:p>
+        </p:txBody>
+      </p:sp>
+      <p:pic>
+        <p:nvPicPr>
+          <p:cNvPr id="3" name="Picture 2">
+            <a:extLst>
+              <a:ext uri="{FF2B5EF4-FFF2-40B4-BE49-F238E27FC236}">
+                <a16:creationId xmlns:a16="http://schemas.microsoft.com/office/drawing/2014/main" id="{2972DBAF-E2C0-CD49-B069-67B39BB30C77}"/>
+              </a:ext>
+            </a:extLst>
+          </p:cNvPr>
+          <p:cNvPicPr>
+            <a:picLocks noChangeAspect="1"/>
+          </p:cNvPicPr>
+          <p:nvPr/>
+        </p:nvPicPr>
+        <p:blipFill>
+          <a:blip r:embed="rId2"/>
+          <a:stretch>
+            <a:fillRect/>
+          </a:stretch>
+        </p:blipFill>
+        <p:spPr>
+          <a:xfrm>
+            <a:off x="4713514" y="0"/>
+            <a:ext cx="7478486" cy="6858000"/>
+          </a:xfrm>
+          <a:prstGeom prst="rect">
+            <a:avLst/>
+          </a:prstGeom>
+        </p:spPr>
+      </p:pic>
+      <p:sp>
+        <p:nvSpPr>
+          <p:cNvPr id="7" name="TextBox 6">
+            <a:extLst>
+              <a:ext uri="{FF2B5EF4-FFF2-40B4-BE49-F238E27FC236}">
+                <a16:creationId xmlns:a16="http://schemas.microsoft.com/office/drawing/2014/main" id="{F20C078E-D3A6-6B43-99C0-8F4EE667D440}"/>
+              </a:ext>
+            </a:extLst>
+          </p:cNvPr>
+          <p:cNvSpPr txBox="1"/>
+          <p:nvPr/>
+        </p:nvSpPr>
+        <p:spPr>
+          <a:xfrm>
+            <a:off x="528114" y="3000221"/>
+            <a:ext cx="4043885" cy="2308324"/>
+          </a:xfrm>
+          <a:prstGeom prst="rect">
+            <a:avLst/>
+          </a:prstGeom>
+          <a:noFill/>
+        </p:spPr>
+        <p:txBody>
+          <a:bodyPr wrap="square" rtlCol="0">
+            <a:spAutoFit/>
+          </a:bodyPr>
+          <a:lstStyle/>
+          <a:p>
+            <a:pPr marL="285750" indent="-285750">
+              <a:buFont typeface="Arial" panose="020B0604020202020204" pitchFamily="34" charset="0"/>
+              <a:buChar char="•"/>
+            </a:pPr>
+            <a:r>
+              <a:rPr lang="en-GB" dirty="0"/>
+              <a:t>Two-sample Kolmogorov-Smirnov test</a:t>
+            </a:r>
+            <a:br>
+              <a:rPr lang="en-GB" dirty="0"/>
+            </a:br>
+            <a:r>
+              <a:rPr lang="en-GB" dirty="0"/>
+              <a:t>Null hypothesis:</a:t>
+            </a:r>
+            <a:br>
+              <a:rPr lang="en-GB" dirty="0"/>
+            </a:br>
+            <a:r>
+              <a:rPr lang="en-GB" dirty="0"/>
+              <a:t>INDELs and SNPs </a:t>
+            </a:r>
+            <a:r>
+              <a:rPr lang="en-US" dirty="0"/>
+              <a:t>are drawn from the same continuous distribution</a:t>
+            </a:r>
+            <a:endParaRPr lang="en-GB" dirty="0"/>
+          </a:p>
+          <a:p>
+            <a:pPr marL="742950" lvl="1" indent="-285750">
+              <a:buFont typeface="Arial" panose="020B0604020202020204" pitchFamily="34" charset="0"/>
+              <a:buChar char="•"/>
+            </a:pPr>
+            <a:r>
+              <a:rPr lang="en-GB" dirty="0"/>
+              <a:t>Using relative proportions, the null cannot be rejected</a:t>
+            </a:r>
+          </a:p>
+          <a:p>
+            <a:pPr marL="742950" lvl="1" indent="-285750">
+              <a:buFont typeface="Arial" panose="020B0604020202020204" pitchFamily="34" charset="0"/>
+              <a:buChar char="•"/>
+            </a:pPr>
+            <a:r>
+              <a:rPr lang="en-GB" dirty="0"/>
+              <a:t>Using square root counts, the null can be rejected</a:t>
+            </a:r>
+          </a:p>
+        </p:txBody>
+      </p:sp>
+    </p:spTree>
+    <p:extLst>
+      <p:ext uri="{BB962C8B-B14F-4D97-AF65-F5344CB8AC3E}">
+        <p14:creationId xmlns:p14="http://schemas.microsoft.com/office/powerpoint/2010/main" val="3180028549"/>
+      </p:ext>
+    </p:extLst>
+  </p:cSld>
+  <p:clrMapOvr>
+    <a:masterClrMapping/>
+  </p:clrMapOvr>
+</p:sld>
+</file>
+
+<file path=ppt/slides/slide8.xml><?xml version="1.0" encoding="utf-8"?>
+<p:sld xmlns:a="http://schemas.openxmlformats.org/drawingml/2006/main" xmlns:r="http://schemas.openxmlformats.org/officeDocument/2006/relationships" xmlns:p="http://schemas.openxmlformats.org/presentationml/2006/main">
+  <p:cSld>
+    <p:spTree>
+      <p:nvGrpSpPr>
+        <p:cNvPr id="1" name=""/>
+        <p:cNvGrpSpPr/>
+        <p:nvPr/>
+      </p:nvGrpSpPr>
+      <p:grpSpPr>
+        <a:xfrm>
+          <a:off x="0" y="0"/>
+          <a:ext cx="0" cy="0"/>
+          <a:chOff x="0" y="0"/>
+          <a:chExt cx="0" cy="0"/>
+        </a:xfrm>
+      </p:grpSpPr>
+      <p:pic>
+        <p:nvPicPr>
+          <p:cNvPr id="9" name="Picture 8">
+            <a:extLst>
+              <a:ext uri="{FF2B5EF4-FFF2-40B4-BE49-F238E27FC236}">
+                <a16:creationId xmlns:a16="http://schemas.microsoft.com/office/drawing/2014/main" id="{813F0727-7F5F-E947-AB1A-33BFBA8C725F}"/>
+              </a:ext>
+            </a:extLst>
+          </p:cNvPr>
+          <p:cNvPicPr>
+            <a:picLocks noChangeAspect="1"/>
+          </p:cNvPicPr>
+          <p:nvPr/>
+        </p:nvPicPr>
+        <p:blipFill>
+          <a:blip r:embed="rId2"/>
+          <a:stretch>
+            <a:fillRect/>
+          </a:stretch>
+        </p:blipFill>
+        <p:spPr>
+          <a:xfrm>
+            <a:off x="1130045" y="0"/>
+            <a:ext cx="9931910" cy="6858000"/>
+          </a:xfrm>
+          <a:prstGeom prst="rect">
+            <a:avLst/>
+          </a:prstGeom>
+        </p:spPr>
+      </p:pic>
+    </p:spTree>
+    <p:extLst>
+      <p:ext uri="{BB962C8B-B14F-4D97-AF65-F5344CB8AC3E}">
+        <p14:creationId xmlns:p14="http://schemas.microsoft.com/office/powerpoint/2010/main" val="3369321309"/>
+      </p:ext>
+    </p:extLst>
+  </p:cSld>
+  <p:clrMapOvr>
+    <a:masterClrMapping/>
+  </p:clrMapOvr>
+</p:sld>
+</file>
+
+<file path=ppt/slides/slide9.xml><?xml version="1.0" encoding="utf-8"?>
+<p:sld xmlns:a="http://schemas.openxmlformats.org/drawingml/2006/main" xmlns:r="http://schemas.openxmlformats.org/officeDocument/2006/relationships" xmlns:p="http://schemas.openxmlformats.org/presentationml/2006/main">
+  <p:cSld>
+    <p:spTree>
+      <p:nvGrpSpPr>
+        <p:cNvPr id="1" name=""/>
+        <p:cNvGrpSpPr/>
+        <p:nvPr/>
+      </p:nvGrpSpPr>
+      <p:grpSpPr>
+        <a:xfrm>
+          <a:off x="0" y="0"/>
+          <a:ext cx="0" cy="0"/>
+          <a:chOff x="0" y="0"/>
+          <a:chExt cx="0" cy="0"/>
+        </a:xfrm>
+      </p:grpSpPr>
+      <p:pic>
+        <p:nvPicPr>
+          <p:cNvPr id="8" name="Picture 7">
+            <a:extLst>
+              <a:ext uri="{FF2B5EF4-FFF2-40B4-BE49-F238E27FC236}">
+                <a16:creationId xmlns:a16="http://schemas.microsoft.com/office/drawing/2014/main" id="{42B4020A-CDB6-5243-ACC8-3BBF9A1D305B}"/>
+              </a:ext>
+            </a:extLst>
+          </p:cNvPr>
+          <p:cNvPicPr>
+            <a:picLocks noChangeAspect="1"/>
+          </p:cNvPicPr>
+          <p:nvPr/>
+        </p:nvPicPr>
+        <p:blipFill>
+          <a:blip r:embed="rId2"/>
+          <a:stretch>
+            <a:fillRect/>
+          </a:stretch>
+        </p:blipFill>
+        <p:spPr>
+          <a:xfrm>
+            <a:off x="1130045" y="0"/>
+            <a:ext cx="9931910" cy="6858000"/>
+          </a:xfrm>
+          <a:prstGeom prst="rect">
+            <a:avLst/>
+          </a:prstGeom>
+        </p:spPr>
+      </p:pic>
+    </p:spTree>
+    <p:extLst>
+      <p:ext uri="{BB962C8B-B14F-4D97-AF65-F5344CB8AC3E}">
+        <p14:creationId xmlns:p14="http://schemas.microsoft.com/office/powerpoint/2010/main" val="2205415152"/>
       </p:ext>
     </p:extLst>
   </p:cSld>

--- a/short_genetic_variants/docs/short_indels_v02.pptx
+++ b/short_genetic_variants/docs/short_indels_v02.pptx
@@ -5,21 +5,23 @@
     <p:sldMasterId id="2147483648" r:id="rId1"/>
   </p:sldMasterIdLst>
   <p:notesMasterIdLst>
-    <p:notesMasterId r:id="rId14"/>
+    <p:notesMasterId r:id="rId16"/>
   </p:notesMasterIdLst>
   <p:sldIdLst>
     <p:sldId id="256" r:id="rId2"/>
     <p:sldId id="257" r:id="rId3"/>
-    <p:sldId id="275" r:id="rId4"/>
-    <p:sldId id="299" r:id="rId5"/>
-    <p:sldId id="273" r:id="rId6"/>
-    <p:sldId id="288" r:id="rId7"/>
-    <p:sldId id="298" r:id="rId8"/>
-    <p:sldId id="289" r:id="rId9"/>
-    <p:sldId id="292" r:id="rId10"/>
-    <p:sldId id="293" r:id="rId11"/>
-    <p:sldId id="297" r:id="rId12"/>
-    <p:sldId id="300" r:id="rId13"/>
+    <p:sldId id="301" r:id="rId4"/>
+    <p:sldId id="302" r:id="rId5"/>
+    <p:sldId id="275" r:id="rId6"/>
+    <p:sldId id="299" r:id="rId7"/>
+    <p:sldId id="273" r:id="rId8"/>
+    <p:sldId id="288" r:id="rId9"/>
+    <p:sldId id="298" r:id="rId10"/>
+    <p:sldId id="289" r:id="rId11"/>
+    <p:sldId id="292" r:id="rId12"/>
+    <p:sldId id="293" r:id="rId13"/>
+    <p:sldId id="297" r:id="rId14"/>
+    <p:sldId id="300" r:id="rId15"/>
   </p:sldIdLst>
   <p:sldSz cx="12192000" cy="6858000"/>
   <p:notesSz cx="6858000" cy="9144000"/>
@@ -208,7 +210,7 @@
           <a:p>
             <a:fld id="{ADC703C6-BB32-1847-9BA4-6A93FF920BED}" type="datetimeFigureOut">
               <a:rPr lang="en-GB" smtClean="0"/>
-              <a:t>04/08/2020</a:t>
+              <a:t>24/08/2020</a:t>
             </a:fld>
             <a:endParaRPr lang="en-GB"/>
           </a:p>
@@ -541,7 +543,7 @@
           <a:p>
             <a:fld id="{2ADA2D0F-F41E-7742-88B9-1534E3544B0B}" type="slidenum">
               <a:rPr lang="en-GB" smtClean="0"/>
-              <a:t>5</a:t>
+              <a:t>7</a:t>
             </a:fld>
             <a:endParaRPr lang="en-GB"/>
           </a:p>
@@ -709,7 +711,7 @@
           <a:p>
             <a:fld id="{5C316670-22DA-CE45-BF19-C0B19D676291}" type="datetimeFigureOut">
               <a:rPr lang="en-GB" smtClean="0"/>
-              <a:t>04/08/2020</a:t>
+              <a:t>24/08/2020</a:t>
             </a:fld>
             <a:endParaRPr lang="en-GB"/>
           </a:p>
@@ -909,7 +911,7 @@
           <a:p>
             <a:fld id="{5C316670-22DA-CE45-BF19-C0B19D676291}" type="datetimeFigureOut">
               <a:rPr lang="en-GB" smtClean="0"/>
-              <a:t>04/08/2020</a:t>
+              <a:t>24/08/2020</a:t>
             </a:fld>
             <a:endParaRPr lang="en-GB"/>
           </a:p>
@@ -1119,7 +1121,7 @@
           <a:p>
             <a:fld id="{5C316670-22DA-CE45-BF19-C0B19D676291}" type="datetimeFigureOut">
               <a:rPr lang="en-GB" smtClean="0"/>
-              <a:t>04/08/2020</a:t>
+              <a:t>24/08/2020</a:t>
             </a:fld>
             <a:endParaRPr lang="en-GB"/>
           </a:p>
@@ -1319,7 +1321,7 @@
           <a:p>
             <a:fld id="{5C316670-22DA-CE45-BF19-C0B19D676291}" type="datetimeFigureOut">
               <a:rPr lang="en-GB" smtClean="0"/>
-              <a:t>04/08/2020</a:t>
+              <a:t>24/08/2020</a:t>
             </a:fld>
             <a:endParaRPr lang="en-GB"/>
           </a:p>
@@ -1595,7 +1597,7 @@
           <a:p>
             <a:fld id="{5C316670-22DA-CE45-BF19-C0B19D676291}" type="datetimeFigureOut">
               <a:rPr lang="en-GB" smtClean="0"/>
-              <a:t>04/08/2020</a:t>
+              <a:t>24/08/2020</a:t>
             </a:fld>
             <a:endParaRPr lang="en-GB"/>
           </a:p>
@@ -1863,7 +1865,7 @@
           <a:p>
             <a:fld id="{5C316670-22DA-CE45-BF19-C0B19D676291}" type="datetimeFigureOut">
               <a:rPr lang="en-GB" smtClean="0"/>
-              <a:t>04/08/2020</a:t>
+              <a:t>24/08/2020</a:t>
             </a:fld>
             <a:endParaRPr lang="en-GB"/>
           </a:p>
@@ -2278,7 +2280,7 @@
           <a:p>
             <a:fld id="{5C316670-22DA-CE45-BF19-C0B19D676291}" type="datetimeFigureOut">
               <a:rPr lang="en-GB" smtClean="0"/>
-              <a:t>04/08/2020</a:t>
+              <a:t>24/08/2020</a:t>
             </a:fld>
             <a:endParaRPr lang="en-GB"/>
           </a:p>
@@ -2420,7 +2422,7 @@
           <a:p>
             <a:fld id="{5C316670-22DA-CE45-BF19-C0B19D676291}" type="datetimeFigureOut">
               <a:rPr lang="en-GB" smtClean="0"/>
-              <a:t>04/08/2020</a:t>
+              <a:t>24/08/2020</a:t>
             </a:fld>
             <a:endParaRPr lang="en-GB"/>
           </a:p>
@@ -2533,7 +2535,7 @@
           <a:p>
             <a:fld id="{5C316670-22DA-CE45-BF19-C0B19D676291}" type="datetimeFigureOut">
               <a:rPr lang="en-GB" smtClean="0"/>
-              <a:t>04/08/2020</a:t>
+              <a:t>24/08/2020</a:t>
             </a:fld>
             <a:endParaRPr lang="en-GB"/>
           </a:p>
@@ -2846,7 +2848,7 @@
           <a:p>
             <a:fld id="{5C316670-22DA-CE45-BF19-C0B19D676291}" type="datetimeFigureOut">
               <a:rPr lang="en-GB" smtClean="0"/>
-              <a:t>04/08/2020</a:t>
+              <a:t>24/08/2020</a:t>
             </a:fld>
             <a:endParaRPr lang="en-GB"/>
           </a:p>
@@ -3135,7 +3137,7 @@
           <a:p>
             <a:fld id="{5C316670-22DA-CE45-BF19-C0B19D676291}" type="datetimeFigureOut">
               <a:rPr lang="en-GB" smtClean="0"/>
-              <a:t>04/08/2020</a:t>
+              <a:t>24/08/2020</a:t>
             </a:fld>
             <a:endParaRPr lang="en-GB"/>
           </a:p>
@@ -3378,7 +3380,7 @@
           <a:p>
             <a:fld id="{5C316670-22DA-CE45-BF19-C0B19D676291}" type="datetimeFigureOut">
               <a:rPr lang="en-GB" smtClean="0"/>
-              <a:t>04/08/2020</a:t>
+              <a:t>24/08/2020</a:t>
             </a:fld>
             <a:endParaRPr lang="en-GB"/>
           </a:p>
@@ -3857,6 +3859,126 @@
       </p:grpSpPr>
       <p:pic>
         <p:nvPicPr>
+          <p:cNvPr id="9" name="Picture 8">
+            <a:extLst>
+              <a:ext uri="{FF2B5EF4-FFF2-40B4-BE49-F238E27FC236}">
+                <a16:creationId xmlns:a16="http://schemas.microsoft.com/office/drawing/2014/main" id="{813F0727-7F5F-E947-AB1A-33BFBA8C725F}"/>
+              </a:ext>
+            </a:extLst>
+          </p:cNvPr>
+          <p:cNvPicPr>
+            <a:picLocks noChangeAspect="1"/>
+          </p:cNvPicPr>
+          <p:nvPr/>
+        </p:nvPicPr>
+        <p:blipFill>
+          <a:blip r:embed="rId2"/>
+          <a:stretch>
+            <a:fillRect/>
+          </a:stretch>
+        </p:blipFill>
+        <p:spPr>
+          <a:xfrm>
+            <a:off x="1130045" y="0"/>
+            <a:ext cx="9931910" cy="6858000"/>
+          </a:xfrm>
+          <a:prstGeom prst="rect">
+            <a:avLst/>
+          </a:prstGeom>
+        </p:spPr>
+      </p:pic>
+    </p:spTree>
+    <p:extLst>
+      <p:ext uri="{BB962C8B-B14F-4D97-AF65-F5344CB8AC3E}">
+        <p14:creationId xmlns:p14="http://schemas.microsoft.com/office/powerpoint/2010/main" val="3369321309"/>
+      </p:ext>
+    </p:extLst>
+  </p:cSld>
+  <p:clrMapOvr>
+    <a:masterClrMapping/>
+  </p:clrMapOvr>
+</p:sld>
+</file>
+
+<file path=ppt/slides/slide11.xml><?xml version="1.0" encoding="utf-8"?>
+<p:sld xmlns:a="http://schemas.openxmlformats.org/drawingml/2006/main" xmlns:r="http://schemas.openxmlformats.org/officeDocument/2006/relationships" xmlns:p="http://schemas.openxmlformats.org/presentationml/2006/main">
+  <p:cSld>
+    <p:spTree>
+      <p:nvGrpSpPr>
+        <p:cNvPr id="1" name=""/>
+        <p:cNvGrpSpPr/>
+        <p:nvPr/>
+      </p:nvGrpSpPr>
+      <p:grpSpPr>
+        <a:xfrm>
+          <a:off x="0" y="0"/>
+          <a:ext cx="0" cy="0"/>
+          <a:chOff x="0" y="0"/>
+          <a:chExt cx="0" cy="0"/>
+        </a:xfrm>
+      </p:grpSpPr>
+      <p:pic>
+        <p:nvPicPr>
+          <p:cNvPr id="8" name="Picture 7">
+            <a:extLst>
+              <a:ext uri="{FF2B5EF4-FFF2-40B4-BE49-F238E27FC236}">
+                <a16:creationId xmlns:a16="http://schemas.microsoft.com/office/drawing/2014/main" id="{42B4020A-CDB6-5243-ACC8-3BBF9A1D305B}"/>
+              </a:ext>
+            </a:extLst>
+          </p:cNvPr>
+          <p:cNvPicPr>
+            <a:picLocks noChangeAspect="1"/>
+          </p:cNvPicPr>
+          <p:nvPr/>
+        </p:nvPicPr>
+        <p:blipFill>
+          <a:blip r:embed="rId2"/>
+          <a:stretch>
+            <a:fillRect/>
+          </a:stretch>
+        </p:blipFill>
+        <p:spPr>
+          <a:xfrm>
+            <a:off x="1130045" y="0"/>
+            <a:ext cx="9931910" cy="6858000"/>
+          </a:xfrm>
+          <a:prstGeom prst="rect">
+            <a:avLst/>
+          </a:prstGeom>
+        </p:spPr>
+      </p:pic>
+    </p:spTree>
+    <p:extLst>
+      <p:ext uri="{BB962C8B-B14F-4D97-AF65-F5344CB8AC3E}">
+        <p14:creationId xmlns:p14="http://schemas.microsoft.com/office/powerpoint/2010/main" val="2205415152"/>
+      </p:ext>
+    </p:extLst>
+  </p:cSld>
+  <p:clrMapOvr>
+    <a:masterClrMapping/>
+  </p:clrMapOvr>
+</p:sld>
+</file>
+
+<file path=ppt/slides/slide12.xml><?xml version="1.0" encoding="utf-8"?>
+<p:sld xmlns:a="http://schemas.openxmlformats.org/drawingml/2006/main" xmlns:r="http://schemas.openxmlformats.org/officeDocument/2006/relationships" xmlns:p="http://schemas.openxmlformats.org/presentationml/2006/main">
+  <p:cSld>
+    <p:spTree>
+      <p:nvGrpSpPr>
+        <p:cNvPr id="1" name=""/>
+        <p:cNvGrpSpPr/>
+        <p:nvPr/>
+      </p:nvGrpSpPr>
+      <p:grpSpPr>
+        <a:xfrm>
+          <a:off x="0" y="0"/>
+          <a:ext cx="0" cy="0"/>
+          <a:chOff x="0" y="0"/>
+          <a:chExt cx="0" cy="0"/>
+        </a:xfrm>
+      </p:grpSpPr>
+      <p:pic>
+        <p:nvPicPr>
           <p:cNvPr id="6" name="Picture 5">
             <a:extLst>
               <a:ext uri="{FF2B5EF4-FFF2-40B4-BE49-F238E27FC236}">
@@ -3898,7 +4020,7 @@
 </p:sld>
 </file>
 
-<file path=ppt/slides/slide11.xml><?xml version="1.0" encoding="utf-8"?>
+<file path=ppt/slides/slide13.xml><?xml version="1.0" encoding="utf-8"?>
 <p:sld xmlns:a="http://schemas.openxmlformats.org/drawingml/2006/main" xmlns:r="http://schemas.openxmlformats.org/officeDocument/2006/relationships" xmlns:p="http://schemas.openxmlformats.org/presentationml/2006/main">
   <p:cSld>
     <p:bg>
@@ -4103,7 +4225,7 @@
 </p:sld>
 </file>
 
-<file path=ppt/slides/slide12.xml><?xml version="1.0" encoding="utf-8"?>
+<file path=ppt/slides/slide14.xml><?xml version="1.0" encoding="utf-8"?>
 <p:sld xmlns:a="http://schemas.openxmlformats.org/drawingml/2006/main" xmlns:r="http://schemas.openxmlformats.org/officeDocument/2006/relationships" xmlns:p="http://schemas.openxmlformats.org/presentationml/2006/main">
   <p:cSld>
     <p:bg>
@@ -4408,6 +4530,403 @@
 </file>
 
 <file path=ppt/slides/slide3.xml><?xml version="1.0" encoding="utf-8"?>
+<p:sld xmlns:a="http://schemas.openxmlformats.org/drawingml/2006/main" xmlns:r="http://schemas.openxmlformats.org/officeDocument/2006/relationships" xmlns:p="http://schemas.openxmlformats.org/presentationml/2006/main">
+  <p:cSld>
+    <p:spTree>
+      <p:nvGrpSpPr>
+        <p:cNvPr id="1" name=""/>
+        <p:cNvGrpSpPr/>
+        <p:nvPr/>
+      </p:nvGrpSpPr>
+      <p:grpSpPr>
+        <a:xfrm>
+          <a:off x="0" y="0"/>
+          <a:ext cx="0" cy="0"/>
+          <a:chOff x="0" y="0"/>
+          <a:chExt cx="0" cy="0"/>
+        </a:xfrm>
+      </p:grpSpPr>
+      <p:pic>
+        <p:nvPicPr>
+          <p:cNvPr id="6" name="Picture 5">
+            <a:extLst>
+              <a:ext uri="{FF2B5EF4-FFF2-40B4-BE49-F238E27FC236}">
+                <a16:creationId xmlns:a16="http://schemas.microsoft.com/office/drawing/2014/main" id="{55C94907-3C55-8F4F-AFAD-76D22D98602A}"/>
+              </a:ext>
+            </a:extLst>
+          </p:cNvPr>
+          <p:cNvPicPr>
+            <a:picLocks noChangeAspect="1"/>
+          </p:cNvPicPr>
+          <p:nvPr/>
+        </p:nvPicPr>
+        <p:blipFill>
+          <a:blip r:embed="rId2"/>
+          <a:stretch>
+            <a:fillRect/>
+          </a:stretch>
+        </p:blipFill>
+        <p:spPr>
+          <a:xfrm>
+            <a:off x="1631950" y="342900"/>
+            <a:ext cx="8928100" cy="6172200"/>
+          </a:xfrm>
+          <a:prstGeom prst="rect">
+            <a:avLst/>
+          </a:prstGeom>
+        </p:spPr>
+      </p:pic>
+      <p:sp>
+        <p:nvSpPr>
+          <p:cNvPr id="7" name="Rectangle 6">
+            <a:extLst>
+              <a:ext uri="{FF2B5EF4-FFF2-40B4-BE49-F238E27FC236}">
+                <a16:creationId xmlns:a16="http://schemas.microsoft.com/office/drawing/2014/main" id="{A8D2AC74-9C08-904B-A6DF-4BE10C6CF2CD}"/>
+              </a:ext>
+            </a:extLst>
+          </p:cNvPr>
+          <p:cNvSpPr/>
+          <p:nvPr/>
+        </p:nvSpPr>
+        <p:spPr>
+          <a:xfrm>
+            <a:off x="2166257" y="1338943"/>
+            <a:ext cx="8098972" cy="396000"/>
+          </a:xfrm>
+          <a:prstGeom prst="rect">
+            <a:avLst/>
+          </a:prstGeom>
+          <a:noFill/>
+          <a:ln w="38100">
+            <a:solidFill>
+              <a:srgbClr val="FF0000"/>
+            </a:solidFill>
+          </a:ln>
+        </p:spPr>
+        <p:style>
+          <a:lnRef idx="2">
+            <a:schemeClr val="accent1">
+              <a:shade val="50000"/>
+            </a:schemeClr>
+          </a:lnRef>
+          <a:fillRef idx="1">
+            <a:schemeClr val="accent1"/>
+          </a:fillRef>
+          <a:effectRef idx="0">
+            <a:schemeClr val="accent1"/>
+          </a:effectRef>
+          <a:fontRef idx="minor">
+            <a:schemeClr val="lt1"/>
+          </a:fontRef>
+        </p:style>
+        <p:txBody>
+          <a:bodyPr rtlCol="0" anchor="ctr"/>
+          <a:lstStyle/>
+          <a:p>
+            <a:pPr algn="ctr"/>
+            <a:endParaRPr lang="en-GB"/>
+          </a:p>
+        </p:txBody>
+      </p:sp>
+      <p:sp>
+        <p:nvSpPr>
+          <p:cNvPr id="8" name="Rectangle 7">
+            <a:extLst>
+              <a:ext uri="{FF2B5EF4-FFF2-40B4-BE49-F238E27FC236}">
+                <a16:creationId xmlns:a16="http://schemas.microsoft.com/office/drawing/2014/main" id="{C4737C90-FDBF-A54A-8528-1D17F933391D}"/>
+              </a:ext>
+            </a:extLst>
+          </p:cNvPr>
+          <p:cNvSpPr/>
+          <p:nvPr/>
+        </p:nvSpPr>
+        <p:spPr>
+          <a:xfrm>
+            <a:off x="2166257" y="3271159"/>
+            <a:ext cx="8098972" cy="396000"/>
+          </a:xfrm>
+          <a:prstGeom prst="rect">
+            <a:avLst/>
+          </a:prstGeom>
+          <a:noFill/>
+          <a:ln w="38100">
+            <a:solidFill>
+              <a:srgbClr val="FF0000"/>
+            </a:solidFill>
+          </a:ln>
+        </p:spPr>
+        <p:style>
+          <a:lnRef idx="2">
+            <a:schemeClr val="accent1">
+              <a:shade val="50000"/>
+            </a:schemeClr>
+          </a:lnRef>
+          <a:fillRef idx="1">
+            <a:schemeClr val="accent1"/>
+          </a:fillRef>
+          <a:effectRef idx="0">
+            <a:schemeClr val="accent1"/>
+          </a:effectRef>
+          <a:fontRef idx="minor">
+            <a:schemeClr val="lt1"/>
+          </a:fontRef>
+        </p:style>
+        <p:txBody>
+          <a:bodyPr rtlCol="0" anchor="ctr"/>
+          <a:lstStyle/>
+          <a:p>
+            <a:pPr algn="ctr"/>
+            <a:endParaRPr lang="en-GB"/>
+          </a:p>
+        </p:txBody>
+      </p:sp>
+      <p:sp>
+        <p:nvSpPr>
+          <p:cNvPr id="9" name="Rectangle 8">
+            <a:extLst>
+              <a:ext uri="{FF2B5EF4-FFF2-40B4-BE49-F238E27FC236}">
+                <a16:creationId xmlns:a16="http://schemas.microsoft.com/office/drawing/2014/main" id="{D47DB824-3D7C-0C43-9AD1-E17F69EF721F}"/>
+              </a:ext>
+            </a:extLst>
+          </p:cNvPr>
+          <p:cNvSpPr/>
+          <p:nvPr/>
+        </p:nvSpPr>
+        <p:spPr>
+          <a:xfrm>
+            <a:off x="2166257" y="5203374"/>
+            <a:ext cx="8098972" cy="396000"/>
+          </a:xfrm>
+          <a:prstGeom prst="rect">
+            <a:avLst/>
+          </a:prstGeom>
+          <a:noFill/>
+          <a:ln w="38100">
+            <a:solidFill>
+              <a:srgbClr val="FF0000"/>
+            </a:solidFill>
+          </a:ln>
+        </p:spPr>
+        <p:style>
+          <a:lnRef idx="2">
+            <a:schemeClr val="accent1">
+              <a:shade val="50000"/>
+            </a:schemeClr>
+          </a:lnRef>
+          <a:fillRef idx="1">
+            <a:schemeClr val="accent1"/>
+          </a:fillRef>
+          <a:effectRef idx="0">
+            <a:schemeClr val="accent1"/>
+          </a:effectRef>
+          <a:fontRef idx="minor">
+            <a:schemeClr val="lt1"/>
+          </a:fontRef>
+        </p:style>
+        <p:txBody>
+          <a:bodyPr rtlCol="0" anchor="ctr"/>
+          <a:lstStyle/>
+          <a:p>
+            <a:pPr algn="ctr"/>
+            <a:endParaRPr lang="en-GB"/>
+          </a:p>
+        </p:txBody>
+      </p:sp>
+    </p:spTree>
+    <p:extLst>
+      <p:ext uri="{BB962C8B-B14F-4D97-AF65-F5344CB8AC3E}">
+        <p14:creationId xmlns:p14="http://schemas.microsoft.com/office/powerpoint/2010/main" val="3385532744"/>
+      </p:ext>
+    </p:extLst>
+  </p:cSld>
+  <p:clrMapOvr>
+    <a:masterClrMapping/>
+  </p:clrMapOvr>
+</p:sld>
+</file>
+
+<file path=ppt/slides/slide4.xml><?xml version="1.0" encoding="utf-8"?>
+<p:sld xmlns:a="http://schemas.openxmlformats.org/drawingml/2006/main" xmlns:r="http://schemas.openxmlformats.org/officeDocument/2006/relationships" xmlns:p="http://schemas.openxmlformats.org/presentationml/2006/main">
+  <p:cSld>
+    <p:spTree>
+      <p:nvGrpSpPr>
+        <p:cNvPr id="1" name=""/>
+        <p:cNvGrpSpPr/>
+        <p:nvPr/>
+      </p:nvGrpSpPr>
+      <p:grpSpPr>
+        <a:xfrm>
+          <a:off x="0" y="0"/>
+          <a:ext cx="0" cy="0"/>
+          <a:chOff x="0" y="0"/>
+          <a:chExt cx="0" cy="0"/>
+        </a:xfrm>
+      </p:grpSpPr>
+      <p:pic>
+        <p:nvPicPr>
+          <p:cNvPr id="3" name="Picture 2">
+            <a:extLst>
+              <a:ext uri="{FF2B5EF4-FFF2-40B4-BE49-F238E27FC236}">
+                <a16:creationId xmlns:a16="http://schemas.microsoft.com/office/drawing/2014/main" id="{473488A9-9024-294F-BC6D-2BE50DD98EB6}"/>
+              </a:ext>
+            </a:extLst>
+          </p:cNvPr>
+          <p:cNvPicPr>
+            <a:picLocks noChangeAspect="1"/>
+          </p:cNvPicPr>
+          <p:nvPr/>
+        </p:nvPicPr>
+        <p:blipFill rotWithShape="1">
+          <a:blip r:embed="rId2"/>
+          <a:srcRect r="14641"/>
+          <a:stretch/>
+        </p:blipFill>
+        <p:spPr>
+          <a:xfrm>
+            <a:off x="1631950" y="342900"/>
+            <a:ext cx="7620907" cy="6172200"/>
+          </a:xfrm>
+          <a:prstGeom prst="rect">
+            <a:avLst/>
+          </a:prstGeom>
+        </p:spPr>
+      </p:pic>
+      <p:sp>
+        <p:nvSpPr>
+          <p:cNvPr id="4" name="Oval 3">
+            <a:extLst>
+              <a:ext uri="{FF2B5EF4-FFF2-40B4-BE49-F238E27FC236}">
+                <a16:creationId xmlns:a16="http://schemas.microsoft.com/office/drawing/2014/main" id="{316832BC-C9C0-1643-BC0B-331B62B57C18}"/>
+              </a:ext>
+            </a:extLst>
+          </p:cNvPr>
+          <p:cNvSpPr/>
+          <p:nvPr/>
+        </p:nvSpPr>
+        <p:spPr>
+          <a:xfrm>
+            <a:off x="7043059" y="342900"/>
+            <a:ext cx="1861457" cy="1050471"/>
+          </a:xfrm>
+          <a:prstGeom prst="ellipse">
+            <a:avLst/>
+          </a:prstGeom>
+          <a:noFill/>
+          <a:ln w="38100">
+            <a:solidFill>
+              <a:srgbClr val="619CFF"/>
+            </a:solidFill>
+          </a:ln>
+        </p:spPr>
+        <p:style>
+          <a:lnRef idx="2">
+            <a:schemeClr val="accent1">
+              <a:shade val="50000"/>
+            </a:schemeClr>
+          </a:lnRef>
+          <a:fillRef idx="1">
+            <a:schemeClr val="accent1"/>
+          </a:fillRef>
+          <a:effectRef idx="0">
+            <a:schemeClr val="accent1"/>
+          </a:effectRef>
+          <a:fontRef idx="minor">
+            <a:schemeClr val="lt1"/>
+          </a:fontRef>
+        </p:style>
+        <p:txBody>
+          <a:bodyPr rtlCol="0" anchor="ctr"/>
+          <a:lstStyle/>
+          <a:p>
+            <a:pPr algn="ctr"/>
+            <a:endParaRPr lang="en-GB"/>
+          </a:p>
+        </p:txBody>
+      </p:sp>
+      <p:sp>
+        <p:nvSpPr>
+          <p:cNvPr id="5" name="TextBox 4">
+            <a:extLst>
+              <a:ext uri="{FF2B5EF4-FFF2-40B4-BE49-F238E27FC236}">
+                <a16:creationId xmlns:a16="http://schemas.microsoft.com/office/drawing/2014/main" id="{2B72C4DF-E662-E244-9975-B9154081A09E}"/>
+              </a:ext>
+            </a:extLst>
+          </p:cNvPr>
+          <p:cNvSpPr txBox="1"/>
+          <p:nvPr/>
+        </p:nvSpPr>
+        <p:spPr>
+          <a:xfrm>
+            <a:off x="9252857" y="342900"/>
+            <a:ext cx="2286000" cy="4524315"/>
+          </a:xfrm>
+          <a:prstGeom prst="rect">
+            <a:avLst/>
+          </a:prstGeom>
+          <a:noFill/>
+        </p:spPr>
+        <p:txBody>
+          <a:bodyPr wrap="square" rtlCol="0">
+            <a:spAutoFit/>
+          </a:bodyPr>
+          <a:lstStyle/>
+          <a:p>
+            <a:r>
+              <a:rPr lang="en-GB" dirty="0"/>
+              <a:t>In CZA WAVE RIGHT there are 23 individuals.</a:t>
+            </a:r>
+          </a:p>
+          <a:p>
+            <a:endParaRPr lang="en-GB" dirty="0"/>
+          </a:p>
+          <a:p>
+            <a:r>
+              <a:rPr lang="en-GB" dirty="0"/>
+              <a:t>Using a filter of 20 individuals per variants, the numbers of polymorphic variants are:</a:t>
+            </a:r>
+          </a:p>
+          <a:p>
+            <a:r>
+              <a:rPr lang="en-GB" dirty="0"/>
+              <a:t>20000 INDELs.</a:t>
+            </a:r>
+          </a:p>
+          <a:p>
+            <a:r>
+              <a:rPr lang="en-GB" dirty="0"/>
+              <a:t>89745 SNPs.</a:t>
+            </a:r>
+          </a:p>
+          <a:p>
+            <a:endParaRPr lang="en-GB" dirty="0"/>
+          </a:p>
+          <a:p>
+            <a:r>
+              <a:rPr lang="en-GB" dirty="0"/>
+              <a:t>These numbers have changed very little. INDELs are five less and </a:t>
+            </a:r>
+            <a:r>
+              <a:rPr lang="en-GB"/>
+              <a:t>SNPs are 25 less.</a:t>
+            </a:r>
+            <a:endParaRPr lang="en-GB" dirty="0"/>
+          </a:p>
+        </p:txBody>
+      </p:sp>
+    </p:spTree>
+    <p:extLst>
+      <p:ext uri="{BB962C8B-B14F-4D97-AF65-F5344CB8AC3E}">
+        <p14:creationId xmlns:p14="http://schemas.microsoft.com/office/powerpoint/2010/main" val="2478824910"/>
+      </p:ext>
+    </p:extLst>
+  </p:cSld>
+  <p:clrMapOvr>
+    <a:masterClrMapping/>
+  </p:clrMapOvr>
+</p:sld>
+</file>
+
+<file path=ppt/slides/slide5.xml><?xml version="1.0" encoding="utf-8"?>
 <p:sld xmlns:a="http://schemas.openxmlformats.org/drawingml/2006/main" xmlns:r="http://schemas.openxmlformats.org/officeDocument/2006/relationships" xmlns:p="http://schemas.openxmlformats.org/presentationml/2006/main">
   <p:cSld>
     <p:spTree>
@@ -5124,7 +5643,7 @@
 </p:sld>
 </file>
 
-<file path=ppt/slides/slide4.xml><?xml version="1.0" encoding="utf-8"?>
+<file path=ppt/slides/slide6.xml><?xml version="1.0" encoding="utf-8"?>
 <p:sld xmlns:a="http://schemas.openxmlformats.org/drawingml/2006/main" xmlns:r="http://schemas.openxmlformats.org/officeDocument/2006/relationships" xmlns:p="http://schemas.openxmlformats.org/presentationml/2006/main">
   <p:cSld>
     <p:spTree>
@@ -5834,7 +6353,7 @@
 </p:sld>
 </file>
 
-<file path=ppt/slides/slide5.xml><?xml version="1.0" encoding="utf-8"?>
+<file path=ppt/slides/slide7.xml><?xml version="1.0" encoding="utf-8"?>
 <p:sld xmlns:a="http://schemas.openxmlformats.org/drawingml/2006/main" xmlns:r="http://schemas.openxmlformats.org/officeDocument/2006/relationships" xmlns:p="http://schemas.openxmlformats.org/presentationml/2006/main">
   <p:cSld>
     <p:spTree>
@@ -7685,7 +8204,7 @@
 </p:sld>
 </file>
 
-<file path=ppt/slides/slide6.xml><?xml version="1.0" encoding="utf-8"?>
+<file path=ppt/slides/slide8.xml><?xml version="1.0" encoding="utf-8"?>
 <p:sld xmlns:a="http://schemas.openxmlformats.org/drawingml/2006/main" xmlns:r="http://schemas.openxmlformats.org/officeDocument/2006/relationships" xmlns:p="http://schemas.openxmlformats.org/presentationml/2006/main">
   <p:cSld>
     <p:spTree>
@@ -7938,328 +8457,6 @@
     <p:extLst>
       <p:ext uri="{BB962C8B-B14F-4D97-AF65-F5344CB8AC3E}">
         <p14:creationId xmlns:p14="http://schemas.microsoft.com/office/powerpoint/2010/main" val="2887222785"/>
-      </p:ext>
-    </p:extLst>
-  </p:cSld>
-  <p:clrMapOvr>
-    <a:masterClrMapping/>
-  </p:clrMapOvr>
-</p:sld>
-</file>
-
-<file path=ppt/slides/slide7.xml><?xml version="1.0" encoding="utf-8"?>
-<p:sld xmlns:a="http://schemas.openxmlformats.org/drawingml/2006/main" xmlns:r="http://schemas.openxmlformats.org/officeDocument/2006/relationships" xmlns:p="http://schemas.openxmlformats.org/presentationml/2006/main">
-  <p:cSld>
-    <p:spTree>
-      <p:nvGrpSpPr>
-        <p:cNvPr id="1" name=""/>
-        <p:cNvGrpSpPr/>
-        <p:nvPr/>
-      </p:nvGrpSpPr>
-      <p:grpSpPr>
-        <a:xfrm>
-          <a:off x="0" y="0"/>
-          <a:ext cx="0" cy="0"/>
-          <a:chOff x="0" y="0"/>
-          <a:chExt cx="0" cy="0"/>
-        </a:xfrm>
-      </p:grpSpPr>
-      <p:sp>
-        <p:nvSpPr>
-          <p:cNvPr id="5" name="TextBox 4">
-            <a:extLst>
-              <a:ext uri="{FF2B5EF4-FFF2-40B4-BE49-F238E27FC236}">
-                <a16:creationId xmlns:a16="http://schemas.microsoft.com/office/drawing/2014/main" id="{049B477E-5E39-F240-86CA-65F077DF0726}"/>
-              </a:ext>
-            </a:extLst>
-          </p:cNvPr>
-          <p:cNvSpPr txBox="1"/>
-          <p:nvPr/>
-        </p:nvSpPr>
-        <p:spPr>
-          <a:xfrm>
-            <a:off x="528115" y="1100078"/>
-            <a:ext cx="4043885" cy="923330"/>
-          </a:xfrm>
-          <a:prstGeom prst="rect">
-            <a:avLst/>
-          </a:prstGeom>
-          <a:noFill/>
-        </p:spPr>
-        <p:txBody>
-          <a:bodyPr wrap="square" rtlCol="0">
-            <a:spAutoFit/>
-          </a:bodyPr>
-          <a:lstStyle/>
-          <a:p>
-            <a:pPr marL="285750" indent="-285750">
-              <a:buFont typeface="Arial" panose="020B0604020202020204" pitchFamily="34" charset="0"/>
-              <a:buChar char="•"/>
-            </a:pPr>
-            <a:r>
-              <a:rPr lang="en-GB" dirty="0"/>
-              <a:t>Relative proportion of INDELs and SNPs after filtering but before cline analysis</a:t>
-            </a:r>
-          </a:p>
-        </p:txBody>
-      </p:sp>
-      <p:sp>
-        <p:nvSpPr>
-          <p:cNvPr id="8" name="Rectangle 7">
-            <a:extLst>
-              <a:ext uri="{FF2B5EF4-FFF2-40B4-BE49-F238E27FC236}">
-                <a16:creationId xmlns:a16="http://schemas.microsoft.com/office/drawing/2014/main" id="{D5BBA663-3347-E442-9873-012E62E37C07}"/>
-              </a:ext>
-            </a:extLst>
-          </p:cNvPr>
-          <p:cNvSpPr/>
-          <p:nvPr/>
-        </p:nvSpPr>
-        <p:spPr>
-          <a:xfrm>
-            <a:off x="397486" y="409596"/>
-            <a:ext cx="4415696" cy="369332"/>
-          </a:xfrm>
-          <a:prstGeom prst="rect">
-            <a:avLst/>
-          </a:prstGeom>
-        </p:spPr>
-        <p:txBody>
-          <a:bodyPr wrap="none">
-            <a:spAutoFit/>
-          </a:bodyPr>
-          <a:lstStyle/>
-          <a:p>
-            <a:pPr marL="342900" indent="-342900">
-              <a:buFont typeface="+mj-lt"/>
-              <a:buAutoNum type="arabicPeriod" startAt="2"/>
-            </a:pPr>
-            <a:r>
-              <a:rPr lang="en-GB" b="1" dirty="0"/>
-              <a:t>Unfolded allele frequency spectra (</a:t>
-            </a:r>
-            <a:r>
-              <a:rPr lang="en-GB" b="1" dirty="0" err="1"/>
-              <a:t>uAFS</a:t>
-            </a:r>
-            <a:r>
-              <a:rPr lang="en-GB" b="1" dirty="0"/>
-              <a:t>)</a:t>
-            </a:r>
-          </a:p>
-        </p:txBody>
-      </p:sp>
-      <p:sp>
-        <p:nvSpPr>
-          <p:cNvPr id="9" name="TextBox 8">
-            <a:extLst>
-              <a:ext uri="{FF2B5EF4-FFF2-40B4-BE49-F238E27FC236}">
-                <a16:creationId xmlns:a16="http://schemas.microsoft.com/office/drawing/2014/main" id="{5FBC7557-72FC-A44A-909B-8CF5D04F3729}"/>
-              </a:ext>
-            </a:extLst>
-          </p:cNvPr>
-          <p:cNvSpPr txBox="1"/>
-          <p:nvPr/>
-        </p:nvSpPr>
-        <p:spPr>
-          <a:xfrm>
-            <a:off x="462801" y="2188649"/>
-            <a:ext cx="4043885" cy="369332"/>
-          </a:xfrm>
-          <a:prstGeom prst="rect">
-            <a:avLst/>
-          </a:prstGeom>
-          <a:noFill/>
-        </p:spPr>
-        <p:txBody>
-          <a:bodyPr wrap="square" rtlCol="0">
-            <a:spAutoFit/>
-          </a:bodyPr>
-          <a:lstStyle/>
-          <a:p>
-            <a:pPr marL="285750" indent="-285750">
-              <a:buFont typeface="Arial" panose="020B0604020202020204" pitchFamily="34" charset="0"/>
-              <a:buChar char="•"/>
-            </a:pPr>
-            <a:r>
-              <a:rPr lang="en-GB" dirty="0"/>
-              <a:t>Kept only variants outside inversions</a:t>
-            </a:r>
-          </a:p>
-        </p:txBody>
-      </p:sp>
-      <p:pic>
-        <p:nvPicPr>
-          <p:cNvPr id="3" name="Picture 2">
-            <a:extLst>
-              <a:ext uri="{FF2B5EF4-FFF2-40B4-BE49-F238E27FC236}">
-                <a16:creationId xmlns:a16="http://schemas.microsoft.com/office/drawing/2014/main" id="{2972DBAF-E2C0-CD49-B069-67B39BB30C77}"/>
-              </a:ext>
-            </a:extLst>
-          </p:cNvPr>
-          <p:cNvPicPr>
-            <a:picLocks noChangeAspect="1"/>
-          </p:cNvPicPr>
-          <p:nvPr/>
-        </p:nvPicPr>
-        <p:blipFill>
-          <a:blip r:embed="rId2"/>
-          <a:stretch>
-            <a:fillRect/>
-          </a:stretch>
-        </p:blipFill>
-        <p:spPr>
-          <a:xfrm>
-            <a:off x="4713514" y="0"/>
-            <a:ext cx="7478486" cy="6858000"/>
-          </a:xfrm>
-          <a:prstGeom prst="rect">
-            <a:avLst/>
-          </a:prstGeom>
-        </p:spPr>
-      </p:pic>
-      <p:sp>
-        <p:nvSpPr>
-          <p:cNvPr id="7" name="TextBox 6">
-            <a:extLst>
-              <a:ext uri="{FF2B5EF4-FFF2-40B4-BE49-F238E27FC236}">
-                <a16:creationId xmlns:a16="http://schemas.microsoft.com/office/drawing/2014/main" id="{F20C078E-D3A6-6B43-99C0-8F4EE667D440}"/>
-              </a:ext>
-            </a:extLst>
-          </p:cNvPr>
-          <p:cNvSpPr txBox="1"/>
-          <p:nvPr/>
-        </p:nvSpPr>
-        <p:spPr>
-          <a:xfrm>
-            <a:off x="528114" y="3000221"/>
-            <a:ext cx="4043885" cy="2308324"/>
-          </a:xfrm>
-          <a:prstGeom prst="rect">
-            <a:avLst/>
-          </a:prstGeom>
-          <a:noFill/>
-        </p:spPr>
-        <p:txBody>
-          <a:bodyPr wrap="square" rtlCol="0">
-            <a:spAutoFit/>
-          </a:bodyPr>
-          <a:lstStyle/>
-          <a:p>
-            <a:pPr marL="285750" indent="-285750">
-              <a:buFont typeface="Arial" panose="020B0604020202020204" pitchFamily="34" charset="0"/>
-              <a:buChar char="•"/>
-            </a:pPr>
-            <a:r>
-              <a:rPr lang="en-GB" dirty="0"/>
-              <a:t>Two-sample Kolmogorov-Smirnov test</a:t>
-            </a:r>
-            <a:br>
-              <a:rPr lang="en-GB" dirty="0"/>
-            </a:br>
-            <a:r>
-              <a:rPr lang="en-GB" dirty="0"/>
-              <a:t>Null hypothesis:</a:t>
-            </a:r>
-            <a:br>
-              <a:rPr lang="en-GB" dirty="0"/>
-            </a:br>
-            <a:r>
-              <a:rPr lang="en-GB" dirty="0"/>
-              <a:t>INDELs and SNPs </a:t>
-            </a:r>
-            <a:r>
-              <a:rPr lang="en-US" dirty="0"/>
-              <a:t>are drawn from the same continuous distribution</a:t>
-            </a:r>
-            <a:endParaRPr lang="en-GB" dirty="0"/>
-          </a:p>
-          <a:p>
-            <a:pPr marL="742950" lvl="1" indent="-285750">
-              <a:buFont typeface="Arial" panose="020B0604020202020204" pitchFamily="34" charset="0"/>
-              <a:buChar char="•"/>
-            </a:pPr>
-            <a:r>
-              <a:rPr lang="en-GB" dirty="0"/>
-              <a:t>Using relative proportions, the null cannot be rejected</a:t>
-            </a:r>
-          </a:p>
-          <a:p>
-            <a:pPr marL="742950" lvl="1" indent="-285750">
-              <a:buFont typeface="Arial" panose="020B0604020202020204" pitchFamily="34" charset="0"/>
-              <a:buChar char="•"/>
-            </a:pPr>
-            <a:r>
-              <a:rPr lang="en-GB" dirty="0"/>
-              <a:t>Using square root counts, the null can be rejected</a:t>
-            </a:r>
-          </a:p>
-        </p:txBody>
-      </p:sp>
-    </p:spTree>
-    <p:extLst>
-      <p:ext uri="{BB962C8B-B14F-4D97-AF65-F5344CB8AC3E}">
-        <p14:creationId xmlns:p14="http://schemas.microsoft.com/office/powerpoint/2010/main" val="3180028549"/>
-      </p:ext>
-    </p:extLst>
-  </p:cSld>
-  <p:clrMapOvr>
-    <a:masterClrMapping/>
-  </p:clrMapOvr>
-</p:sld>
-</file>
-
-<file path=ppt/slides/slide8.xml><?xml version="1.0" encoding="utf-8"?>
-<p:sld xmlns:a="http://schemas.openxmlformats.org/drawingml/2006/main" xmlns:r="http://schemas.openxmlformats.org/officeDocument/2006/relationships" xmlns:p="http://schemas.openxmlformats.org/presentationml/2006/main">
-  <p:cSld>
-    <p:spTree>
-      <p:nvGrpSpPr>
-        <p:cNvPr id="1" name=""/>
-        <p:cNvGrpSpPr/>
-        <p:nvPr/>
-      </p:nvGrpSpPr>
-      <p:grpSpPr>
-        <a:xfrm>
-          <a:off x="0" y="0"/>
-          <a:ext cx="0" cy="0"/>
-          <a:chOff x="0" y="0"/>
-          <a:chExt cx="0" cy="0"/>
-        </a:xfrm>
-      </p:grpSpPr>
-      <p:pic>
-        <p:nvPicPr>
-          <p:cNvPr id="9" name="Picture 8">
-            <a:extLst>
-              <a:ext uri="{FF2B5EF4-FFF2-40B4-BE49-F238E27FC236}">
-                <a16:creationId xmlns:a16="http://schemas.microsoft.com/office/drawing/2014/main" id="{813F0727-7F5F-E947-AB1A-33BFBA8C725F}"/>
-              </a:ext>
-            </a:extLst>
-          </p:cNvPr>
-          <p:cNvPicPr>
-            <a:picLocks noChangeAspect="1"/>
-          </p:cNvPicPr>
-          <p:nvPr/>
-        </p:nvPicPr>
-        <p:blipFill>
-          <a:blip r:embed="rId2"/>
-          <a:stretch>
-            <a:fillRect/>
-          </a:stretch>
-        </p:blipFill>
-        <p:spPr>
-          <a:xfrm>
-            <a:off x="1130045" y="0"/>
-            <a:ext cx="9931910" cy="6858000"/>
-          </a:xfrm>
-          <a:prstGeom prst="rect">
-            <a:avLst/>
-          </a:prstGeom>
-        </p:spPr>
-      </p:pic>
-    </p:spTree>
-    <p:extLst>
-      <p:ext uri="{BB962C8B-B14F-4D97-AF65-F5344CB8AC3E}">
-        <p14:creationId xmlns:p14="http://schemas.microsoft.com/office/powerpoint/2010/main" val="3369321309"/>
       </p:ext>
     </p:extLst>
   </p:cSld>
@@ -8286,12 +8483,136 @@
           <a:chExt cx="0" cy="0"/>
         </a:xfrm>
       </p:grpSpPr>
+      <p:sp>
+        <p:nvSpPr>
+          <p:cNvPr id="5" name="TextBox 4">
+            <a:extLst>
+              <a:ext uri="{FF2B5EF4-FFF2-40B4-BE49-F238E27FC236}">
+                <a16:creationId xmlns:a16="http://schemas.microsoft.com/office/drawing/2014/main" id="{049B477E-5E39-F240-86CA-65F077DF0726}"/>
+              </a:ext>
+            </a:extLst>
+          </p:cNvPr>
+          <p:cNvSpPr txBox="1"/>
+          <p:nvPr/>
+        </p:nvSpPr>
+        <p:spPr>
+          <a:xfrm>
+            <a:off x="528115" y="1100078"/>
+            <a:ext cx="4043885" cy="923330"/>
+          </a:xfrm>
+          <a:prstGeom prst="rect">
+            <a:avLst/>
+          </a:prstGeom>
+          <a:noFill/>
+        </p:spPr>
+        <p:txBody>
+          <a:bodyPr wrap="square" rtlCol="0">
+            <a:spAutoFit/>
+          </a:bodyPr>
+          <a:lstStyle/>
+          <a:p>
+            <a:pPr marL="285750" indent="-285750">
+              <a:buFont typeface="Arial" panose="020B0604020202020204" pitchFamily="34" charset="0"/>
+              <a:buChar char="•"/>
+            </a:pPr>
+            <a:r>
+              <a:rPr lang="en-GB" dirty="0"/>
+              <a:t>Relative proportion of INDELs and SNPs after filtering but before cline analysis</a:t>
+            </a:r>
+          </a:p>
+        </p:txBody>
+      </p:sp>
+      <p:sp>
+        <p:nvSpPr>
+          <p:cNvPr id="8" name="Rectangle 7">
+            <a:extLst>
+              <a:ext uri="{FF2B5EF4-FFF2-40B4-BE49-F238E27FC236}">
+                <a16:creationId xmlns:a16="http://schemas.microsoft.com/office/drawing/2014/main" id="{D5BBA663-3347-E442-9873-012E62E37C07}"/>
+              </a:ext>
+            </a:extLst>
+          </p:cNvPr>
+          <p:cNvSpPr/>
+          <p:nvPr/>
+        </p:nvSpPr>
+        <p:spPr>
+          <a:xfrm>
+            <a:off x="397486" y="409596"/>
+            <a:ext cx="4415696" cy="369332"/>
+          </a:xfrm>
+          <a:prstGeom prst="rect">
+            <a:avLst/>
+          </a:prstGeom>
+        </p:spPr>
+        <p:txBody>
+          <a:bodyPr wrap="none">
+            <a:spAutoFit/>
+          </a:bodyPr>
+          <a:lstStyle/>
+          <a:p>
+            <a:pPr marL="342900" indent="-342900">
+              <a:buFont typeface="+mj-lt"/>
+              <a:buAutoNum type="arabicPeriod" startAt="2"/>
+            </a:pPr>
+            <a:r>
+              <a:rPr lang="en-GB" b="1" dirty="0"/>
+              <a:t>Unfolded allele frequency spectra (</a:t>
+            </a:r>
+            <a:r>
+              <a:rPr lang="en-GB" b="1" dirty="0" err="1"/>
+              <a:t>uAFS</a:t>
+            </a:r>
+            <a:r>
+              <a:rPr lang="en-GB" b="1" dirty="0"/>
+              <a:t>)</a:t>
+            </a:r>
+          </a:p>
+        </p:txBody>
+      </p:sp>
+      <p:sp>
+        <p:nvSpPr>
+          <p:cNvPr id="9" name="TextBox 8">
+            <a:extLst>
+              <a:ext uri="{FF2B5EF4-FFF2-40B4-BE49-F238E27FC236}">
+                <a16:creationId xmlns:a16="http://schemas.microsoft.com/office/drawing/2014/main" id="{5FBC7557-72FC-A44A-909B-8CF5D04F3729}"/>
+              </a:ext>
+            </a:extLst>
+          </p:cNvPr>
+          <p:cNvSpPr txBox="1"/>
+          <p:nvPr/>
+        </p:nvSpPr>
+        <p:spPr>
+          <a:xfrm>
+            <a:off x="462801" y="2188649"/>
+            <a:ext cx="4043885" cy="369332"/>
+          </a:xfrm>
+          <a:prstGeom prst="rect">
+            <a:avLst/>
+          </a:prstGeom>
+          <a:noFill/>
+        </p:spPr>
+        <p:txBody>
+          <a:bodyPr wrap="square" rtlCol="0">
+            <a:spAutoFit/>
+          </a:bodyPr>
+          <a:lstStyle/>
+          <a:p>
+            <a:pPr marL="285750" indent="-285750">
+              <a:buFont typeface="Arial" panose="020B0604020202020204" pitchFamily="34" charset="0"/>
+              <a:buChar char="•"/>
+            </a:pPr>
+            <a:r>
+              <a:rPr lang="en-GB" dirty="0"/>
+              <a:t>Kept only variants outside inversions</a:t>
+            </a:r>
+          </a:p>
+        </p:txBody>
+      </p:sp>
       <p:pic>
         <p:nvPicPr>
-          <p:cNvPr id="8" name="Picture 7">
-            <a:extLst>
-              <a:ext uri="{FF2B5EF4-FFF2-40B4-BE49-F238E27FC236}">
-                <a16:creationId xmlns:a16="http://schemas.microsoft.com/office/drawing/2014/main" id="{42B4020A-CDB6-5243-ACC8-3BBF9A1D305B}"/>
+          <p:cNvPr id="3" name="Picture 2">
+            <a:extLst>
+              <a:ext uri="{FF2B5EF4-FFF2-40B4-BE49-F238E27FC236}">
+                <a16:creationId xmlns:a16="http://schemas.microsoft.com/office/drawing/2014/main" id="{2972DBAF-E2C0-CD49-B069-67B39BB30C77}"/>
               </a:ext>
             </a:extLst>
           </p:cNvPr>
@@ -8308,18 +8629,96 @@
         </p:blipFill>
         <p:spPr>
           <a:xfrm>
-            <a:off x="1130045" y="0"/>
-            <a:ext cx="9931910" cy="6858000"/>
+            <a:off x="4713514" y="0"/>
+            <a:ext cx="7478486" cy="6858000"/>
           </a:xfrm>
           <a:prstGeom prst="rect">
             <a:avLst/>
           </a:prstGeom>
         </p:spPr>
       </p:pic>
+      <p:sp>
+        <p:nvSpPr>
+          <p:cNvPr id="7" name="TextBox 6">
+            <a:extLst>
+              <a:ext uri="{FF2B5EF4-FFF2-40B4-BE49-F238E27FC236}">
+                <a16:creationId xmlns:a16="http://schemas.microsoft.com/office/drawing/2014/main" id="{F20C078E-D3A6-6B43-99C0-8F4EE667D440}"/>
+              </a:ext>
+            </a:extLst>
+          </p:cNvPr>
+          <p:cNvSpPr txBox="1"/>
+          <p:nvPr/>
+        </p:nvSpPr>
+        <p:spPr>
+          <a:xfrm>
+            <a:off x="528114" y="3000221"/>
+            <a:ext cx="4043885" cy="2308324"/>
+          </a:xfrm>
+          <a:prstGeom prst="rect">
+            <a:avLst/>
+          </a:prstGeom>
+          <a:noFill/>
+        </p:spPr>
+        <p:txBody>
+          <a:bodyPr wrap="square" rtlCol="0">
+            <a:spAutoFit/>
+          </a:bodyPr>
+          <a:lstStyle/>
+          <a:p>
+            <a:pPr marL="285750" indent="-285750">
+              <a:buFont typeface="Arial" panose="020B0604020202020204" pitchFamily="34" charset="0"/>
+              <a:buChar char="•"/>
+            </a:pPr>
+            <a:r>
+              <a:rPr lang="en-GB" dirty="0"/>
+              <a:t>Two-sample Kolmogorov-Smirnov test</a:t>
+            </a:r>
+            <a:br>
+              <a:rPr lang="en-GB" dirty="0"/>
+            </a:br>
+            <a:r>
+              <a:rPr lang="en-GB" dirty="0"/>
+              <a:t>Null hypothesis:</a:t>
+            </a:r>
+            <a:br>
+              <a:rPr lang="en-GB" dirty="0"/>
+            </a:br>
+            <a:r>
+              <a:rPr lang="en-GB" dirty="0"/>
+              <a:t>INDELs and SNPs </a:t>
+            </a:r>
+            <a:r>
+              <a:rPr lang="en-US" dirty="0"/>
+              <a:t>are drawn from the same continuous distribution</a:t>
+            </a:r>
+            <a:endParaRPr lang="en-GB" dirty="0"/>
+          </a:p>
+          <a:p>
+            <a:pPr marL="742950" lvl="1" indent="-285750">
+              <a:buFont typeface="Arial" panose="020B0604020202020204" pitchFamily="34" charset="0"/>
+              <a:buChar char="•"/>
+            </a:pPr>
+            <a:r>
+              <a:rPr lang="en-GB" dirty="0"/>
+              <a:t>Using relative proportions, the null cannot be rejected</a:t>
+            </a:r>
+          </a:p>
+          <a:p>
+            <a:pPr marL="742950" lvl="1" indent="-285750">
+              <a:buFont typeface="Arial" panose="020B0604020202020204" pitchFamily="34" charset="0"/>
+              <a:buChar char="•"/>
+            </a:pPr>
+            <a:r>
+              <a:rPr lang="en-GB" dirty="0"/>
+              <a:t>Using square root counts, the null can be rejected</a:t>
+            </a:r>
+          </a:p>
+        </p:txBody>
+      </p:sp>
     </p:spTree>
     <p:extLst>
       <p:ext uri="{BB962C8B-B14F-4D97-AF65-F5344CB8AC3E}">
-        <p14:creationId xmlns:p14="http://schemas.microsoft.com/office/powerpoint/2010/main" val="2205415152"/>
+        <p14:creationId xmlns:p14="http://schemas.microsoft.com/office/powerpoint/2010/main" val="3180028549"/>
       </p:ext>
     </p:extLst>
   </p:cSld>

--- a/short_genetic_variants/docs/short_indels_v02.pptx
+++ b/short_genetic_variants/docs/short_indels_v02.pptx
@@ -4990,21 +4990,51 @@
               <a:buChar char="•"/>
             </a:pPr>
             <a:r>
-              <a:rPr lang="en-GB" dirty="0"/>
+              <a:rPr lang="en-GB" dirty="0">
+                <a:solidFill>
+                  <a:schemeClr val="bg2">
+                    <a:lumMod val="90000"/>
+                  </a:schemeClr>
+                </a:solidFill>
+              </a:rPr>
               <a:t>Kept variants inside and outside inversions</a:t>
             </a:r>
             <a:br>
-              <a:rPr lang="en-GB" dirty="0"/>
+              <a:rPr lang="en-GB" dirty="0">
+                <a:solidFill>
+                  <a:schemeClr val="bg2">
+                    <a:lumMod val="90000"/>
+                  </a:schemeClr>
+                </a:solidFill>
+              </a:rPr>
             </a:br>
             <a:r>
-              <a:rPr lang="en-GB" dirty="0"/>
+              <a:rPr lang="en-GB" dirty="0">
+                <a:solidFill>
+                  <a:schemeClr val="bg2">
+                    <a:lumMod val="90000"/>
+                  </a:schemeClr>
+                </a:solidFill>
+              </a:rPr>
               <a:t>Unique INDELs = 20005</a:t>
             </a:r>
             <a:br>
-              <a:rPr lang="en-GB" dirty="0"/>
+              <a:rPr lang="en-GB" dirty="0">
+                <a:solidFill>
+                  <a:schemeClr val="bg2">
+                    <a:lumMod val="90000"/>
+                  </a:schemeClr>
+                </a:solidFill>
+              </a:rPr>
             </a:br>
             <a:r>
-              <a:rPr lang="en-GB" dirty="0"/>
+              <a:rPr lang="en-GB" dirty="0">
+                <a:solidFill>
+                  <a:schemeClr val="bg2">
+                    <a:lumMod val="90000"/>
+                  </a:schemeClr>
+                </a:solidFill>
+              </a:rPr>
               <a:t>Unique SNPs = 89770</a:t>
             </a:r>
           </a:p>
@@ -5022,21 +5052,25 @@
             </a:pPr>
             <a:r>
               <a:rPr lang="en-GB" dirty="0"/>
-              <a:t>With map position</a:t>
+              <a:t>With map position and </a:t>
+            </a:r>
+            <a:r>
+              <a:rPr lang="en-GB" u="sng" dirty="0"/>
+              <a:t>inversions</a:t>
             </a:r>
             <a:br>
               <a:rPr lang="en-GB" dirty="0"/>
             </a:br>
             <a:r>
               <a:rPr lang="en-GB" dirty="0"/>
-              <a:t>Unique INDELs = 7209</a:t>
+              <a:t>Unique INDELs = 7206</a:t>
             </a:r>
             <a:br>
               <a:rPr lang="en-GB" dirty="0"/>
             </a:br>
             <a:r>
               <a:rPr lang="en-GB" dirty="0"/>
-              <a:t>Unique SNPs = 34290</a:t>
+              <a:t>Unique SNPs = 34287</a:t>
             </a:r>
           </a:p>
           <a:p>
@@ -5052,21 +5086,51 @@
               <a:buChar char="•"/>
             </a:pPr>
             <a:r>
-              <a:rPr lang="en-GB" dirty="0"/>
+              <a:rPr lang="en-GB" dirty="0">
+                <a:solidFill>
+                  <a:schemeClr val="bg2">
+                    <a:lumMod val="90000"/>
+                  </a:schemeClr>
+                </a:solidFill>
+              </a:rPr>
               <a:t>Without map position</a:t>
             </a:r>
             <a:br>
-              <a:rPr lang="en-GB" dirty="0"/>
+              <a:rPr lang="en-GB" dirty="0">
+                <a:solidFill>
+                  <a:schemeClr val="bg2">
+                    <a:lumMod val="90000"/>
+                  </a:schemeClr>
+                </a:solidFill>
+              </a:rPr>
             </a:br>
             <a:r>
-              <a:rPr lang="en-GB" dirty="0"/>
+              <a:rPr lang="en-GB" dirty="0">
+                <a:solidFill>
+                  <a:schemeClr val="bg2">
+                    <a:lumMod val="90000"/>
+                  </a:schemeClr>
+                </a:solidFill>
+              </a:rPr>
               <a:t>Unique INDELs = 12796</a:t>
             </a:r>
             <a:br>
-              <a:rPr lang="en-GB" dirty="0"/>
+              <a:rPr lang="en-GB" dirty="0">
+                <a:solidFill>
+                  <a:schemeClr val="bg2">
+                    <a:lumMod val="90000"/>
+                  </a:schemeClr>
+                </a:solidFill>
+              </a:rPr>
             </a:br>
             <a:r>
-              <a:rPr lang="en-GB" dirty="0"/>
+              <a:rPr lang="en-GB" dirty="0">
+                <a:solidFill>
+                  <a:schemeClr val="bg2">
+                    <a:lumMod val="90000"/>
+                  </a:schemeClr>
+                </a:solidFill>
+              </a:rPr>
               <a:t>Unique SNPs = 55480</a:t>
             </a:r>
           </a:p>
@@ -5117,36 +5181,6 @@
           </a:p>
         </p:txBody>
       </p:sp>
-      <p:pic>
-        <p:nvPicPr>
-          <p:cNvPr id="3" name="Picture 2">
-            <a:extLst>
-              <a:ext uri="{FF2B5EF4-FFF2-40B4-BE49-F238E27FC236}">
-                <a16:creationId xmlns:a16="http://schemas.microsoft.com/office/drawing/2014/main" id="{3E6479BB-6EE6-6F40-B817-A34BC57B5652}"/>
-              </a:ext>
-            </a:extLst>
-          </p:cNvPr>
-          <p:cNvPicPr>
-            <a:picLocks noChangeAspect="1"/>
-          </p:cNvPicPr>
-          <p:nvPr/>
-        </p:nvPicPr>
-        <p:blipFill>
-          <a:blip r:embed="rId2"/>
-          <a:stretch>
-            <a:fillRect/>
-          </a:stretch>
-        </p:blipFill>
-        <p:spPr>
-          <a:xfrm>
-            <a:off x="115615" y="778929"/>
-            <a:ext cx="6079072" cy="6079072"/>
-          </a:xfrm>
-          <a:prstGeom prst="rect">
-            <a:avLst/>
-          </a:prstGeom>
-        </p:spPr>
-      </p:pic>
       <p:graphicFrame>
         <p:nvGraphicFramePr>
           <p:cNvPr id="8" name="Table 13">
@@ -5162,7 +5196,7 @@
           <p:nvPr>
             <p:extLst>
               <p:ext uri="{D42A27DB-BD31-4B8C-83A1-F6EECF244321}">
-                <p14:modId xmlns:p14="http://schemas.microsoft.com/office/powerpoint/2010/main" val="4061610662"/>
+                <p14:modId xmlns:p14="http://schemas.microsoft.com/office/powerpoint/2010/main" val="2724688889"/>
               </p:ext>
             </p:extLst>
           </p:nvPr>
@@ -5344,7 +5378,7 @@
                             <a:schemeClr val="tx1"/>
                           </a:solidFill>
                         </a:rPr>
-                        <a:t>0.77</a:t>
+                        <a:t>0.56</a:t>
                       </a:r>
                     </a:p>
                   </a:txBody>
@@ -5361,7 +5395,7 @@
                             <a:schemeClr val="tx1"/>
                           </a:solidFill>
                         </a:rPr>
-                        <a:t>0.77</a:t>
+                        <a:t>0.53</a:t>
                       </a:r>
                     </a:p>
                   </a:txBody>
@@ -5378,7 +5412,7 @@
                             <a:schemeClr val="tx1"/>
                           </a:solidFill>
                         </a:rPr>
-                        <a:t>0.77</a:t>
+                        <a:t>0.55</a:t>
                       </a:r>
                     </a:p>
                   </a:txBody>
@@ -5429,7 +5463,7 @@
                             <a:schemeClr val="tx1"/>
                           </a:solidFill>
                         </a:rPr>
-                        <a:t>0.79</a:t>
+                        <a:t>0.59</a:t>
                       </a:r>
                     </a:p>
                   </a:txBody>
@@ -5446,7 +5480,7 @@
                             <a:schemeClr val="tx1"/>
                           </a:solidFill>
                         </a:rPr>
-                        <a:t>0.79</a:t>
+                        <a:t>0.59</a:t>
                       </a:r>
                     </a:p>
                   </a:txBody>
@@ -5463,7 +5497,7 @@
                             <a:schemeClr val="tx1"/>
                           </a:solidFill>
                         </a:rPr>
-                        <a:t>0.79</a:t>
+                        <a:t>0.59</a:t>
                       </a:r>
                     </a:p>
                   </a:txBody>
@@ -5514,7 +5548,7 @@
                             <a:schemeClr val="tx1"/>
                           </a:solidFill>
                         </a:rPr>
-                        <a:t>0.79</a:t>
+                        <a:t>0.57</a:t>
                       </a:r>
                     </a:p>
                   </a:txBody>
@@ -5541,7 +5575,7 @@
                             <a:schemeClr val="tx1"/>
                           </a:solidFill>
                         </a:rPr>
-                        <a:t>0.79</a:t>
+                        <a:t>0.57</a:t>
                       </a:r>
                     </a:p>
                   </a:txBody>
@@ -5568,7 +5602,7 @@
                             <a:schemeClr val="tx1"/>
                           </a:solidFill>
                         </a:rPr>
-                        <a:t>0.79</a:t>
+                        <a:t>0.58</a:t>
                       </a:r>
                     </a:p>
                   </a:txBody>
@@ -5630,6 +5664,36 @@
           </a:graphicData>
         </a:graphic>
       </p:graphicFrame>
+      <p:pic>
+        <p:nvPicPr>
+          <p:cNvPr id="7" name="Picture 6">
+            <a:extLst>
+              <a:ext uri="{FF2B5EF4-FFF2-40B4-BE49-F238E27FC236}">
+                <a16:creationId xmlns:a16="http://schemas.microsoft.com/office/drawing/2014/main" id="{12AEE58D-CB15-6B43-9852-2176587C7C6F}"/>
+              </a:ext>
+            </a:extLst>
+          </p:cNvPr>
+          <p:cNvPicPr>
+            <a:picLocks noChangeAspect="1"/>
+          </p:cNvPicPr>
+          <p:nvPr/>
+        </p:nvPicPr>
+        <p:blipFill>
+          <a:blip r:embed="rId2"/>
+          <a:stretch>
+            <a:fillRect/>
+          </a:stretch>
+        </p:blipFill>
+        <p:spPr>
+          <a:xfrm>
+            <a:off x="0" y="778928"/>
+            <a:ext cx="6079072" cy="6079072"/>
+          </a:xfrm>
+          <a:prstGeom prst="rect">
+            <a:avLst/>
+          </a:prstGeom>
+        </p:spPr>
+      </p:pic>
     </p:spTree>
     <p:extLst>
       <p:ext uri="{BB962C8B-B14F-4D97-AF65-F5344CB8AC3E}">
@@ -5707,21 +5771,51 @@
               <a:buChar char="•"/>
             </a:pPr>
             <a:r>
-              <a:rPr lang="en-GB" dirty="0"/>
+              <a:rPr lang="en-GB" dirty="0">
+                <a:solidFill>
+                  <a:schemeClr val="bg2">
+                    <a:lumMod val="90000"/>
+                  </a:schemeClr>
+                </a:solidFill>
+              </a:rPr>
               <a:t>Kept only variants outside inversions</a:t>
             </a:r>
             <a:br>
-              <a:rPr lang="en-GB" dirty="0"/>
+              <a:rPr lang="en-GB" dirty="0">
+                <a:solidFill>
+                  <a:schemeClr val="bg2">
+                    <a:lumMod val="90000"/>
+                  </a:schemeClr>
+                </a:solidFill>
+              </a:rPr>
             </a:br>
             <a:r>
-              <a:rPr lang="en-GB" dirty="0"/>
+              <a:rPr lang="en-GB" dirty="0">
+                <a:solidFill>
+                  <a:schemeClr val="bg2">
+                    <a:lumMod val="90000"/>
+                  </a:schemeClr>
+                </a:solidFill>
+              </a:rPr>
               <a:t>Unique INDELs = 18373</a:t>
             </a:r>
             <a:br>
-              <a:rPr lang="en-GB" dirty="0"/>
+              <a:rPr lang="en-GB" dirty="0">
+                <a:solidFill>
+                  <a:schemeClr val="bg2">
+                    <a:lumMod val="90000"/>
+                  </a:schemeClr>
+                </a:solidFill>
+              </a:rPr>
             </a:br>
             <a:r>
-              <a:rPr lang="en-GB" dirty="0"/>
+              <a:rPr lang="en-GB" dirty="0">
+                <a:solidFill>
+                  <a:schemeClr val="bg2">
+                    <a:lumMod val="90000"/>
+                  </a:schemeClr>
+                </a:solidFill>
+              </a:rPr>
               <a:t>Unique SNPs = 82087</a:t>
             </a:r>
           </a:p>
@@ -5739,21 +5833,25 @@
             </a:pPr>
             <a:r>
               <a:rPr lang="en-GB" dirty="0"/>
-              <a:t>With map position</a:t>
+              <a:t>With map position and </a:t>
+            </a:r>
+            <a:r>
+              <a:rPr lang="en-GB" u="sng" dirty="0"/>
+              <a:t>no inversions</a:t>
             </a:r>
             <a:br>
               <a:rPr lang="en-GB" dirty="0"/>
             </a:br>
             <a:r>
               <a:rPr lang="en-GB" dirty="0"/>
-              <a:t>Unique INDELs = 5577</a:t>
+              <a:t>Unique INDELs = 5576</a:t>
             </a:r>
             <a:br>
               <a:rPr lang="en-GB" dirty="0"/>
             </a:br>
             <a:r>
               <a:rPr lang="en-GB" dirty="0"/>
-              <a:t>Unique SNPs = 26607</a:t>
+              <a:t>Unique SNPs = 26604</a:t>
             </a:r>
           </a:p>
           <a:p>
@@ -5769,21 +5867,51 @@
               <a:buChar char="•"/>
             </a:pPr>
             <a:r>
-              <a:rPr lang="en-GB" dirty="0"/>
+              <a:rPr lang="en-GB" dirty="0">
+                <a:solidFill>
+                  <a:schemeClr val="bg2">
+                    <a:lumMod val="90000"/>
+                  </a:schemeClr>
+                </a:solidFill>
+              </a:rPr>
               <a:t>Without map position</a:t>
             </a:r>
             <a:br>
-              <a:rPr lang="en-GB" dirty="0"/>
+              <a:rPr lang="en-GB" dirty="0">
+                <a:solidFill>
+                  <a:schemeClr val="bg2">
+                    <a:lumMod val="90000"/>
+                  </a:schemeClr>
+                </a:solidFill>
+              </a:rPr>
             </a:br>
             <a:r>
-              <a:rPr lang="en-GB" dirty="0"/>
+              <a:rPr lang="en-GB" dirty="0">
+                <a:solidFill>
+                  <a:schemeClr val="bg2">
+                    <a:lumMod val="90000"/>
+                  </a:schemeClr>
+                </a:solidFill>
+              </a:rPr>
               <a:t>Unique INDELs = 12796</a:t>
             </a:r>
             <a:br>
-              <a:rPr lang="en-GB" dirty="0"/>
+              <a:rPr lang="en-GB" dirty="0">
+                <a:solidFill>
+                  <a:schemeClr val="bg2">
+                    <a:lumMod val="90000"/>
+                  </a:schemeClr>
+                </a:solidFill>
+              </a:rPr>
             </a:br>
             <a:r>
-              <a:rPr lang="en-GB" dirty="0"/>
+              <a:rPr lang="en-GB" dirty="0">
+                <a:solidFill>
+                  <a:schemeClr val="bg2">
+                    <a:lumMod val="90000"/>
+                  </a:schemeClr>
+                </a:solidFill>
+              </a:rPr>
               <a:t>Unique SNPs = 55480</a:t>
             </a:r>
           </a:p>
@@ -5842,7 +5970,7 @@
           <p:nvPr>
             <p:extLst>
               <p:ext uri="{D42A27DB-BD31-4B8C-83A1-F6EECF244321}">
-                <p14:modId xmlns:p14="http://schemas.microsoft.com/office/powerpoint/2010/main" val="3756705546"/>
+                <p14:modId xmlns:p14="http://schemas.microsoft.com/office/powerpoint/2010/main" val="4195240577"/>
               </p:ext>
             </p:extLst>
           </p:nvPr>
@@ -6024,7 +6152,7 @@
                             <a:schemeClr val="tx1"/>
                           </a:solidFill>
                         </a:rPr>
-                        <a:t>0.78</a:t>
+                        <a:t>0.55</a:t>
                       </a:r>
                     </a:p>
                   </a:txBody>
@@ -6041,7 +6169,7 @@
                             <a:schemeClr val="tx1"/>
                           </a:solidFill>
                         </a:rPr>
-                        <a:t>0.78</a:t>
+                        <a:t>0.53</a:t>
                       </a:r>
                     </a:p>
                   </a:txBody>
@@ -6058,7 +6186,7 @@
                             <a:schemeClr val="tx1"/>
                           </a:solidFill>
                         </a:rPr>
-                        <a:t>0.78</a:t>
+                        <a:t>0.54</a:t>
                       </a:r>
                     </a:p>
                   </a:txBody>
@@ -6109,7 +6237,7 @@
                             <a:schemeClr val="tx1"/>
                           </a:solidFill>
                         </a:rPr>
-                        <a:t>0.79</a:t>
+                        <a:t>0.59</a:t>
                       </a:r>
                     </a:p>
                   </a:txBody>
@@ -6126,7 +6254,7 @@
                             <a:schemeClr val="tx1"/>
                           </a:solidFill>
                         </a:rPr>
-                        <a:t>0.79</a:t>
+                        <a:t>0.59</a:t>
                       </a:r>
                     </a:p>
                   </a:txBody>
@@ -6143,7 +6271,7 @@
                             <a:schemeClr val="tx1"/>
                           </a:solidFill>
                         </a:rPr>
-                        <a:t>0.79</a:t>
+                        <a:t>0.59</a:t>
                       </a:r>
                     </a:p>
                   </a:txBody>
@@ -6194,7 +6322,7 @@
                             <a:schemeClr val="tx1"/>
                           </a:solidFill>
                         </a:rPr>
-                        <a:t>0.79</a:t>
+                        <a:t>0.57</a:t>
                       </a:r>
                     </a:p>
                   </a:txBody>
@@ -6221,7 +6349,7 @@
                             <a:schemeClr val="tx1"/>
                           </a:solidFill>
                         </a:rPr>
-                        <a:t>0.79</a:t>
+                        <a:t>0.58</a:t>
                       </a:r>
                     </a:p>
                   </a:txBody>
@@ -6248,7 +6376,7 @@
                             <a:schemeClr val="tx1"/>
                           </a:solidFill>
                         </a:rPr>
-                        <a:t>0.79</a:t>
+                        <a:t>0.58</a:t>
                       </a:r>
                     </a:p>
                   </a:txBody>
@@ -6312,10 +6440,10 @@
       </p:graphicFrame>
       <p:pic>
         <p:nvPicPr>
-          <p:cNvPr id="4" name="Picture 3">
-            <a:extLst>
-              <a:ext uri="{FF2B5EF4-FFF2-40B4-BE49-F238E27FC236}">
-                <a16:creationId xmlns:a16="http://schemas.microsoft.com/office/drawing/2014/main" id="{AA34348C-9B8E-E244-ABC0-E5850888A62A}"/>
+          <p:cNvPr id="3" name="Picture 2">
+            <a:extLst>
+              <a:ext uri="{FF2B5EF4-FFF2-40B4-BE49-F238E27FC236}">
+                <a16:creationId xmlns:a16="http://schemas.microsoft.com/office/drawing/2014/main" id="{4EFDAD11-8B08-F543-BD34-E305D9DC2C99}"/>
               </a:ext>
             </a:extLst>
           </p:cNvPr>
@@ -6332,7 +6460,7 @@
         </p:blipFill>
         <p:spPr>
           <a:xfrm>
-            <a:off x="68444" y="778928"/>
+            <a:off x="0" y="778928"/>
             <a:ext cx="6079072" cy="6079072"/>
           </a:xfrm>
           <a:prstGeom prst="rect">
@@ -8058,139 +8186,282 @@
           </a:graphicData>
         </a:graphic>
       </p:graphicFrame>
-      <p:sp>
-        <p:nvSpPr>
-          <p:cNvPr id="3" name="TextBox 2">
-            <a:extLst>
-              <a:ext uri="{FF2B5EF4-FFF2-40B4-BE49-F238E27FC236}">
-                <a16:creationId xmlns:a16="http://schemas.microsoft.com/office/drawing/2014/main" id="{DDFA6007-978B-FA4E-B629-4D17DEE1E1AB}"/>
-              </a:ext>
-            </a:extLst>
-          </p:cNvPr>
-          <p:cNvSpPr txBox="1"/>
-          <p:nvPr/>
-        </p:nvSpPr>
-        <p:spPr>
-          <a:xfrm>
-            <a:off x="528115" y="5475514"/>
-            <a:ext cx="3762965" cy="1015663"/>
-          </a:xfrm>
-          <a:prstGeom prst="rect">
-            <a:avLst/>
-          </a:prstGeom>
-          <a:noFill/>
-        </p:spPr>
-        <p:txBody>
-          <a:bodyPr wrap="square" rtlCol="0">
-            <a:spAutoFit/>
-          </a:bodyPr>
-          <a:lstStyle/>
-          <a:p>
-            <a:r>
-              <a:rPr lang="en-GB" sz="2000" b="1"/>
-              <a:t>For the rest of the results, kept only variants highlighted in green that were polymorphic.</a:t>
-            </a:r>
-          </a:p>
-        </p:txBody>
-      </p:sp>
-      <p:sp>
-        <p:nvSpPr>
-          <p:cNvPr id="7" name="TextBox 6">
-            <a:extLst>
-              <a:ext uri="{FF2B5EF4-FFF2-40B4-BE49-F238E27FC236}">
-                <a16:creationId xmlns:a16="http://schemas.microsoft.com/office/drawing/2014/main" id="{86951483-1209-4D4F-A115-5A943914344F}"/>
-              </a:ext>
-            </a:extLst>
-          </p:cNvPr>
-          <p:cNvSpPr txBox="1"/>
-          <p:nvPr/>
-        </p:nvSpPr>
-        <p:spPr>
-          <a:xfrm>
-            <a:off x="528115" y="3018046"/>
-            <a:ext cx="3976152" cy="830997"/>
-          </a:xfrm>
-          <a:prstGeom prst="rect">
-            <a:avLst/>
-          </a:prstGeom>
-          <a:noFill/>
-        </p:spPr>
-        <p:txBody>
-          <a:bodyPr wrap="square" rtlCol="0">
-            <a:spAutoFit/>
-          </a:bodyPr>
-          <a:lstStyle/>
-          <a:p>
-            <a:pPr marL="285750" indent="-285750">
-              <a:buFont typeface="Arial" panose="020B0604020202020204" pitchFamily="34" charset="0"/>
-              <a:buChar char="•"/>
-            </a:pPr>
-            <a:r>
-              <a:rPr lang="en-GB" sz="1600" dirty="0"/>
-              <a:t>Fixed differences removed:</a:t>
-            </a:r>
-            <a:br>
-              <a:rPr lang="en-GB" sz="1600" dirty="0"/>
-            </a:br>
-            <a:br>
-              <a:rPr lang="en-GB" sz="1600" dirty="0"/>
-            </a:br>
-            <a:r>
-              <a:rPr lang="en-GB" sz="1600" dirty="0"/>
-              <a:t>SNPs = 148; INDELs = 42; ratio = 3.5</a:t>
-            </a:r>
-          </a:p>
-        </p:txBody>
-      </p:sp>
-      <p:sp>
-        <p:nvSpPr>
-          <p:cNvPr id="8" name="TextBox 7">
-            <a:extLst>
-              <a:ext uri="{FF2B5EF4-FFF2-40B4-BE49-F238E27FC236}">
-                <a16:creationId xmlns:a16="http://schemas.microsoft.com/office/drawing/2014/main" id="{5E15A81C-47F8-304C-A119-419BB111BD10}"/>
-              </a:ext>
-            </a:extLst>
-          </p:cNvPr>
-          <p:cNvSpPr txBox="1"/>
-          <p:nvPr/>
-        </p:nvSpPr>
-        <p:spPr>
-          <a:xfrm>
-            <a:off x="528115" y="4146898"/>
-            <a:ext cx="3976152" cy="1077218"/>
-          </a:xfrm>
-          <a:prstGeom prst="rect">
-            <a:avLst/>
-          </a:prstGeom>
-          <a:noFill/>
-        </p:spPr>
-        <p:txBody>
-          <a:bodyPr wrap="square" rtlCol="0">
-            <a:spAutoFit/>
-          </a:bodyPr>
-          <a:lstStyle/>
-          <a:p>
-            <a:pPr marL="285750" indent="-285750">
-              <a:buFont typeface="Arial" panose="020B0604020202020204" pitchFamily="34" charset="0"/>
-              <a:buChar char="•"/>
-            </a:pPr>
-            <a:r>
-              <a:rPr lang="en-GB" sz="1600" dirty="0"/>
-              <a:t>Total number of polymorphic unique variants before cline analysis:</a:t>
-            </a:r>
-            <a:br>
-              <a:rPr lang="en-GB" sz="1600" dirty="0"/>
-            </a:br>
-            <a:br>
-              <a:rPr lang="en-GB" sz="1600" dirty="0"/>
-            </a:br>
-            <a:r>
-              <a:rPr lang="en-GB" sz="1600" dirty="0"/>
-              <a:t>SNPs = 89770; INDELs = 20005; ratio = 4.5</a:t>
-            </a:r>
-          </a:p>
-        </p:txBody>
-      </p:sp>
+      <p:graphicFrame>
+        <p:nvGraphicFramePr>
+          <p:cNvPr id="5" name="Table 5">
+            <a:extLst>
+              <a:ext uri="{FF2B5EF4-FFF2-40B4-BE49-F238E27FC236}">
+                <a16:creationId xmlns:a16="http://schemas.microsoft.com/office/drawing/2014/main" id="{2F45DF47-5452-2B49-B3D9-35915068DF35}"/>
+              </a:ext>
+            </a:extLst>
+          </p:cNvPr>
+          <p:cNvGraphicFramePr>
+            <a:graphicFrameLocks noGrp="1"/>
+          </p:cNvGraphicFramePr>
+          <p:nvPr>
+            <p:extLst>
+              <p:ext uri="{D42A27DB-BD31-4B8C-83A1-F6EECF244321}">
+                <p14:modId xmlns:p14="http://schemas.microsoft.com/office/powerpoint/2010/main" val="1146172740"/>
+              </p:ext>
+            </p:extLst>
+          </p:nvPr>
+        </p:nvGraphicFramePr>
+        <p:xfrm>
+          <a:off x="528116" y="3429000"/>
+          <a:ext cx="3390741" cy="1545771"/>
+        </p:xfrm>
+        <a:graphic>
+          <a:graphicData uri="http://schemas.openxmlformats.org/drawingml/2006/table">
+            <a:tbl>
+              <a:tblPr>
+                <a:tableStyleId>{5940675A-B579-460E-94D1-54222C63F5DA}</a:tableStyleId>
+              </a:tblPr>
+              <a:tblGrid>
+                <a:gridCol w="767284">
+                  <a:extLst>
+                    <a:ext uri="{9D8B030D-6E8A-4147-A177-3AD203B41FA5}">
+                      <a16:colId xmlns:a16="http://schemas.microsoft.com/office/drawing/2014/main" val="298993595"/>
+                    </a:ext>
+                  </a:extLst>
+                </a:gridCol>
+                <a:gridCol w="740229">
+                  <a:extLst>
+                    <a:ext uri="{9D8B030D-6E8A-4147-A177-3AD203B41FA5}">
+                      <a16:colId xmlns:a16="http://schemas.microsoft.com/office/drawing/2014/main" val="3856636425"/>
+                    </a:ext>
+                  </a:extLst>
+                </a:gridCol>
+                <a:gridCol w="1164771">
+                  <a:extLst>
+                    <a:ext uri="{9D8B030D-6E8A-4147-A177-3AD203B41FA5}">
+                      <a16:colId xmlns:a16="http://schemas.microsoft.com/office/drawing/2014/main" val="1194037803"/>
+                    </a:ext>
+                  </a:extLst>
+                </a:gridCol>
+                <a:gridCol w="718457">
+                  <a:extLst>
+                    <a:ext uri="{9D8B030D-6E8A-4147-A177-3AD203B41FA5}">
+                      <a16:colId xmlns:a16="http://schemas.microsoft.com/office/drawing/2014/main" val="3198074171"/>
+                    </a:ext>
+                  </a:extLst>
+                </a:gridCol>
+              </a:tblGrid>
+              <a:tr h="515257">
+                <a:tc>
+                  <a:txBody>
+                    <a:bodyPr/>
+                    <a:lstStyle/>
+                    <a:p>
+                      <a:endParaRPr lang="en-GB" sz="1400" dirty="0"/>
+                    </a:p>
+                  </a:txBody>
+                  <a:tcPr>
+                    <a:noFill/>
+                  </a:tcPr>
+                </a:tc>
+                <a:tc>
+                  <a:txBody>
+                    <a:bodyPr/>
+                    <a:lstStyle/>
+                    <a:p>
+                      <a:r>
+                        <a:rPr lang="en-GB" sz="1400" dirty="0"/>
+                        <a:t>Fixed</a:t>
+                      </a:r>
+                    </a:p>
+                  </a:txBody>
+                  <a:tcPr>
+                    <a:solidFill>
+                      <a:schemeClr val="bg1">
+                        <a:lumMod val="85000"/>
+                      </a:schemeClr>
+                    </a:solidFill>
+                  </a:tcPr>
+                </a:tc>
+                <a:tc>
+                  <a:txBody>
+                    <a:bodyPr/>
+                    <a:lstStyle/>
+                    <a:p>
+                      <a:r>
+                        <a:rPr lang="en-GB" sz="1400" dirty="0"/>
+                        <a:t>Polymorphic</a:t>
+                      </a:r>
+                    </a:p>
+                  </a:txBody>
+                  <a:tcPr>
+                    <a:solidFill>
+                      <a:srgbClr val="91CE4F"/>
+                    </a:solidFill>
+                  </a:tcPr>
+                </a:tc>
+                <a:tc>
+                  <a:txBody>
+                    <a:bodyPr/>
+                    <a:lstStyle/>
+                    <a:p>
+                      <a:r>
+                        <a:rPr lang="en-GB" sz="1400" dirty="0"/>
+                        <a:t>Ratio</a:t>
+                      </a:r>
+                    </a:p>
+                  </a:txBody>
+                  <a:tcPr>
+                    <a:solidFill>
+                      <a:schemeClr val="bg1">
+                        <a:lumMod val="85000"/>
+                      </a:schemeClr>
+                    </a:solidFill>
+                  </a:tcPr>
+                </a:tc>
+                <a:extLst>
+                  <a:ext uri="{0D108BD9-81ED-4DB2-BD59-A6C34878D82A}">
+                    <a16:rowId xmlns:a16="http://schemas.microsoft.com/office/drawing/2014/main" val="2156922573"/>
+                  </a:ext>
+                </a:extLst>
+              </a:tr>
+              <a:tr h="515257">
+                <a:tc>
+                  <a:txBody>
+                    <a:bodyPr/>
+                    <a:lstStyle/>
+                    <a:p>
+                      <a:r>
+                        <a:rPr lang="en-GB" sz="1400" dirty="0"/>
+                        <a:t>INDELs</a:t>
+                      </a:r>
+                    </a:p>
+                  </a:txBody>
+                  <a:tcPr>
+                    <a:solidFill>
+                      <a:schemeClr val="bg1">
+                        <a:lumMod val="85000"/>
+                      </a:schemeClr>
+                    </a:solidFill>
+                  </a:tcPr>
+                </a:tc>
+                <a:tc>
+                  <a:txBody>
+                    <a:bodyPr/>
+                    <a:lstStyle/>
+                    <a:p>
+                      <a:r>
+                        <a:rPr lang="en-GB" sz="1400" dirty="0"/>
+                        <a:t>10511</a:t>
+                      </a:r>
+                    </a:p>
+                  </a:txBody>
+                  <a:tcPr/>
+                </a:tc>
+                <a:tc>
+                  <a:txBody>
+                    <a:bodyPr/>
+                    <a:lstStyle/>
+                    <a:p>
+                      <a:r>
+                        <a:rPr lang="en-GB" sz="1400" dirty="0"/>
+                        <a:t>20000</a:t>
+                      </a:r>
+                    </a:p>
+                  </a:txBody>
+                  <a:tcPr>
+                    <a:solidFill>
+                      <a:srgbClr val="91CE4F"/>
+                    </a:solidFill>
+                  </a:tcPr>
+                </a:tc>
+                <a:tc>
+                  <a:txBody>
+                    <a:bodyPr/>
+                    <a:lstStyle/>
+                    <a:p>
+                      <a:r>
+                        <a:rPr lang="en-GB" sz="1400" dirty="0"/>
+                        <a:t>1.9</a:t>
+                      </a:r>
+                    </a:p>
+                  </a:txBody>
+                  <a:tcPr/>
+                </a:tc>
+                <a:extLst>
+                  <a:ext uri="{0D108BD9-81ED-4DB2-BD59-A6C34878D82A}">
+                    <a16:rowId xmlns:a16="http://schemas.microsoft.com/office/drawing/2014/main" val="2484650901"/>
+                  </a:ext>
+                </a:extLst>
+              </a:tr>
+              <a:tr h="515257">
+                <a:tc>
+                  <a:txBody>
+                    <a:bodyPr/>
+                    <a:lstStyle/>
+                    <a:p>
+                      <a:r>
+                        <a:rPr lang="en-GB" sz="1400" dirty="0"/>
+                        <a:t>SNPs</a:t>
+                      </a:r>
+                    </a:p>
+                  </a:txBody>
+                  <a:tcPr>
+                    <a:solidFill>
+                      <a:schemeClr val="bg1">
+                        <a:lumMod val="85000"/>
+                      </a:schemeClr>
+                    </a:solidFill>
+                  </a:tcPr>
+                </a:tc>
+                <a:tc>
+                  <a:txBody>
+                    <a:bodyPr/>
+                    <a:lstStyle/>
+                    <a:p>
+                      <a:r>
+                        <a:rPr lang="en-GB" sz="1400" dirty="0"/>
+                        <a:t>43355</a:t>
+                      </a:r>
+                    </a:p>
+                  </a:txBody>
+                  <a:tcPr/>
+                </a:tc>
+                <a:tc>
+                  <a:txBody>
+                    <a:bodyPr/>
+                    <a:lstStyle/>
+                    <a:p>
+                      <a:r>
+                        <a:rPr lang="en-GB" sz="1400" dirty="0"/>
+                        <a:t>89745</a:t>
+                      </a:r>
+                    </a:p>
+                  </a:txBody>
+                  <a:tcPr>
+                    <a:solidFill>
+                      <a:srgbClr val="91CE4F"/>
+                    </a:solidFill>
+                  </a:tcPr>
+                </a:tc>
+                <a:tc>
+                  <a:txBody>
+                    <a:bodyPr/>
+                    <a:lstStyle/>
+                    <a:p>
+                      <a:r>
+                        <a:rPr lang="en-GB" sz="1400" dirty="0"/>
+                        <a:t>2.1</a:t>
+                      </a:r>
+                    </a:p>
+                  </a:txBody>
+                  <a:tcPr/>
+                </a:tc>
+                <a:extLst>
+                  <a:ext uri="{0D108BD9-81ED-4DB2-BD59-A6C34878D82A}">
+                    <a16:rowId xmlns:a16="http://schemas.microsoft.com/office/drawing/2014/main" val="825248952"/>
+                  </a:ext>
+                </a:extLst>
+              </a:tr>
+            </a:tbl>
+          </a:graphicData>
+        </a:graphic>
+      </p:graphicFrame>
     </p:spTree>
     <p:extLst>
       <p:ext uri="{BB962C8B-B14F-4D97-AF65-F5344CB8AC3E}">

--- a/short_genetic_variants/docs/short_indels_v02.pptx
+++ b/short_genetic_variants/docs/short_indels_v02.pptx
@@ -15,8 +15,8 @@
     <p:sldId id="275" r:id="rId6"/>
     <p:sldId id="299" r:id="rId7"/>
     <p:sldId id="273" r:id="rId8"/>
-    <p:sldId id="288" r:id="rId9"/>
-    <p:sldId id="298" r:id="rId10"/>
+    <p:sldId id="303" r:id="rId9"/>
+    <p:sldId id="288" r:id="rId10"/>
     <p:sldId id="289" r:id="rId11"/>
     <p:sldId id="292" r:id="rId12"/>
     <p:sldId id="293" r:id="rId13"/>
@@ -210,7 +210,7 @@
           <a:p>
             <a:fld id="{ADC703C6-BB32-1847-9BA4-6A93FF920BED}" type="datetimeFigureOut">
               <a:rPr lang="en-GB" smtClean="0"/>
-              <a:t>24/08/2020</a:t>
+              <a:t>27/08/2020</a:t>
             </a:fld>
             <a:endParaRPr lang="en-GB"/>
           </a:p>
@@ -711,7 +711,7 @@
           <a:p>
             <a:fld id="{5C316670-22DA-CE45-BF19-C0B19D676291}" type="datetimeFigureOut">
               <a:rPr lang="en-GB" smtClean="0"/>
-              <a:t>24/08/2020</a:t>
+              <a:t>27/08/2020</a:t>
             </a:fld>
             <a:endParaRPr lang="en-GB"/>
           </a:p>
@@ -911,7 +911,7 @@
           <a:p>
             <a:fld id="{5C316670-22DA-CE45-BF19-C0B19D676291}" type="datetimeFigureOut">
               <a:rPr lang="en-GB" smtClean="0"/>
-              <a:t>24/08/2020</a:t>
+              <a:t>27/08/2020</a:t>
             </a:fld>
             <a:endParaRPr lang="en-GB"/>
           </a:p>
@@ -1121,7 +1121,7 @@
           <a:p>
             <a:fld id="{5C316670-22DA-CE45-BF19-C0B19D676291}" type="datetimeFigureOut">
               <a:rPr lang="en-GB" smtClean="0"/>
-              <a:t>24/08/2020</a:t>
+              <a:t>27/08/2020</a:t>
             </a:fld>
             <a:endParaRPr lang="en-GB"/>
           </a:p>
@@ -1321,7 +1321,7 @@
           <a:p>
             <a:fld id="{5C316670-22DA-CE45-BF19-C0B19D676291}" type="datetimeFigureOut">
               <a:rPr lang="en-GB" smtClean="0"/>
-              <a:t>24/08/2020</a:t>
+              <a:t>27/08/2020</a:t>
             </a:fld>
             <a:endParaRPr lang="en-GB"/>
           </a:p>
@@ -1597,7 +1597,7 @@
           <a:p>
             <a:fld id="{5C316670-22DA-CE45-BF19-C0B19D676291}" type="datetimeFigureOut">
               <a:rPr lang="en-GB" smtClean="0"/>
-              <a:t>24/08/2020</a:t>
+              <a:t>27/08/2020</a:t>
             </a:fld>
             <a:endParaRPr lang="en-GB"/>
           </a:p>
@@ -1865,7 +1865,7 @@
           <a:p>
             <a:fld id="{5C316670-22DA-CE45-BF19-C0B19D676291}" type="datetimeFigureOut">
               <a:rPr lang="en-GB" smtClean="0"/>
-              <a:t>24/08/2020</a:t>
+              <a:t>27/08/2020</a:t>
             </a:fld>
             <a:endParaRPr lang="en-GB"/>
           </a:p>
@@ -2280,7 +2280,7 @@
           <a:p>
             <a:fld id="{5C316670-22DA-CE45-BF19-C0B19D676291}" type="datetimeFigureOut">
               <a:rPr lang="en-GB" smtClean="0"/>
-              <a:t>24/08/2020</a:t>
+              <a:t>27/08/2020</a:t>
             </a:fld>
             <a:endParaRPr lang="en-GB"/>
           </a:p>
@@ -2422,7 +2422,7 @@
           <a:p>
             <a:fld id="{5C316670-22DA-CE45-BF19-C0B19D676291}" type="datetimeFigureOut">
               <a:rPr lang="en-GB" smtClean="0"/>
-              <a:t>24/08/2020</a:t>
+              <a:t>27/08/2020</a:t>
             </a:fld>
             <a:endParaRPr lang="en-GB"/>
           </a:p>
@@ -2535,7 +2535,7 @@
           <a:p>
             <a:fld id="{5C316670-22DA-CE45-BF19-C0B19D676291}" type="datetimeFigureOut">
               <a:rPr lang="en-GB" smtClean="0"/>
-              <a:t>24/08/2020</a:t>
+              <a:t>27/08/2020</a:t>
             </a:fld>
             <a:endParaRPr lang="en-GB"/>
           </a:p>
@@ -2848,7 +2848,7 @@
           <a:p>
             <a:fld id="{5C316670-22DA-CE45-BF19-C0B19D676291}" type="datetimeFigureOut">
               <a:rPr lang="en-GB" smtClean="0"/>
-              <a:t>24/08/2020</a:t>
+              <a:t>27/08/2020</a:t>
             </a:fld>
             <a:endParaRPr lang="en-GB"/>
           </a:p>
@@ -3137,7 +3137,7 @@
           <a:p>
             <a:fld id="{5C316670-22DA-CE45-BF19-C0B19D676291}" type="datetimeFigureOut">
               <a:rPr lang="en-GB" smtClean="0"/>
-              <a:t>24/08/2020</a:t>
+              <a:t>27/08/2020</a:t>
             </a:fld>
             <a:endParaRPr lang="en-GB"/>
           </a:p>
@@ -3380,7 +3380,7 @@
           <a:p>
             <a:fld id="{5C316670-22DA-CE45-BF19-C0B19D676291}" type="datetimeFigureOut">
               <a:rPr lang="en-GB" smtClean="0"/>
-              <a:t>24/08/2020</a:t>
+              <a:t>27/08/2020</a:t>
             </a:fld>
             <a:endParaRPr lang="en-GB"/>
           </a:p>
@@ -4793,62 +4793,10 @@
       </p:pic>
       <p:sp>
         <p:nvSpPr>
-          <p:cNvPr id="4" name="Oval 3">
+          <p:cNvPr id="2" name="TextBox 1">
             <a:extLst>
               <a:ext uri="{FF2B5EF4-FFF2-40B4-BE49-F238E27FC236}">
-                <a16:creationId xmlns:a16="http://schemas.microsoft.com/office/drawing/2014/main" id="{316832BC-C9C0-1643-BC0B-331B62B57C18}"/>
-              </a:ext>
-            </a:extLst>
-          </p:cNvPr>
-          <p:cNvSpPr/>
-          <p:nvPr/>
-        </p:nvSpPr>
-        <p:spPr>
-          <a:xfrm>
-            <a:off x="7043059" y="342900"/>
-            <a:ext cx="1861457" cy="1050471"/>
-          </a:xfrm>
-          <a:prstGeom prst="ellipse">
-            <a:avLst/>
-          </a:prstGeom>
-          <a:noFill/>
-          <a:ln w="38100">
-            <a:solidFill>
-              <a:srgbClr val="619CFF"/>
-            </a:solidFill>
-          </a:ln>
-        </p:spPr>
-        <p:style>
-          <a:lnRef idx="2">
-            <a:schemeClr val="accent1">
-              <a:shade val="50000"/>
-            </a:schemeClr>
-          </a:lnRef>
-          <a:fillRef idx="1">
-            <a:schemeClr val="accent1"/>
-          </a:fillRef>
-          <a:effectRef idx="0">
-            <a:schemeClr val="accent1"/>
-          </a:effectRef>
-          <a:fontRef idx="minor">
-            <a:schemeClr val="lt1"/>
-          </a:fontRef>
-        </p:style>
-        <p:txBody>
-          <a:bodyPr rtlCol="0" anchor="ctr"/>
-          <a:lstStyle/>
-          <a:p>
-            <a:pPr algn="ctr"/>
-            <a:endParaRPr lang="en-GB"/>
-          </a:p>
-        </p:txBody>
-      </p:sp>
-      <p:sp>
-        <p:nvSpPr>
-          <p:cNvPr id="5" name="TextBox 4">
-            <a:extLst>
-              <a:ext uri="{FF2B5EF4-FFF2-40B4-BE49-F238E27FC236}">
-                <a16:creationId xmlns:a16="http://schemas.microsoft.com/office/drawing/2014/main" id="{2B72C4DF-E662-E244-9975-B9154081A09E}"/>
+                <a16:creationId xmlns:a16="http://schemas.microsoft.com/office/drawing/2014/main" id="{2358ACF7-0E4D-F540-8FB4-A7D50A9353B3}"/>
               </a:ext>
             </a:extLst>
           </p:cNvPr>
@@ -4857,8 +4805,8 @@
         </p:nvSpPr>
         <p:spPr>
           <a:xfrm>
-            <a:off x="9252857" y="342900"/>
-            <a:ext cx="2286000" cy="4524315"/>
+            <a:off x="3183225" y="1817531"/>
+            <a:ext cx="418704" cy="369332"/>
           </a:xfrm>
           <a:prstGeom prst="rect">
             <a:avLst/>
@@ -4866,50 +4814,344 @@
           <a:noFill/>
         </p:spPr>
         <p:txBody>
-          <a:bodyPr wrap="square" rtlCol="0">
+          <a:bodyPr wrap="none" rtlCol="0">
             <a:spAutoFit/>
           </a:bodyPr>
           <a:lstStyle/>
           <a:p>
             <a:r>
-              <a:rPr lang="en-GB" dirty="0"/>
-              <a:t>In CZA WAVE RIGHT there are 23 individuals.</a:t>
-            </a:r>
-          </a:p>
-          <a:p>
-            <a:endParaRPr lang="en-GB" dirty="0"/>
-          </a:p>
-          <a:p>
-            <a:r>
-              <a:rPr lang="en-GB" dirty="0"/>
-              <a:t>Using a filter of 20 individuals per variants, the numbers of polymorphic variants are:</a:t>
-            </a:r>
-          </a:p>
-          <a:p>
-            <a:r>
-              <a:rPr lang="en-GB" dirty="0"/>
-              <a:t>20000 INDELs.</a:t>
-            </a:r>
-          </a:p>
-          <a:p>
-            <a:r>
-              <a:rPr lang="en-GB" dirty="0"/>
-              <a:t>89745 SNPs.</a:t>
-            </a:r>
-          </a:p>
-          <a:p>
-            <a:endParaRPr lang="en-GB" dirty="0"/>
-          </a:p>
-          <a:p>
-            <a:r>
-              <a:rPr lang="en-GB" dirty="0"/>
-              <a:t>These numbers have changed very little. INDELs are five less and </a:t>
-            </a:r>
-            <a:r>
-              <a:rPr lang="en-GB"/>
-              <a:t>SNPs are 25 less.</a:t>
-            </a:r>
-            <a:endParaRPr lang="en-GB" dirty="0"/>
+              <a:rPr lang="en-GB" dirty="0">
+                <a:solidFill>
+                  <a:srgbClr val="F8766C"/>
+                </a:solidFill>
+              </a:rPr>
+              <a:t>69</a:t>
+            </a:r>
+          </a:p>
+        </p:txBody>
+      </p:sp>
+      <p:sp>
+        <p:nvSpPr>
+          <p:cNvPr id="6" name="TextBox 5">
+            <a:extLst>
+              <a:ext uri="{FF2B5EF4-FFF2-40B4-BE49-F238E27FC236}">
+                <a16:creationId xmlns:a16="http://schemas.microsoft.com/office/drawing/2014/main" id="{CE99F707-4686-124C-897D-ABCF4DE3D19A}"/>
+              </a:ext>
+            </a:extLst>
+          </p:cNvPr>
+          <p:cNvSpPr txBox="1"/>
+          <p:nvPr/>
+        </p:nvSpPr>
+        <p:spPr>
+          <a:xfrm>
+            <a:off x="2604550" y="683469"/>
+            <a:ext cx="418704" cy="369332"/>
+          </a:xfrm>
+          <a:prstGeom prst="rect">
+            <a:avLst/>
+          </a:prstGeom>
+          <a:noFill/>
+        </p:spPr>
+        <p:txBody>
+          <a:bodyPr wrap="none" rtlCol="0">
+            <a:spAutoFit/>
+          </a:bodyPr>
+          <a:lstStyle/>
+          <a:p>
+            <a:r>
+              <a:rPr lang="en-GB" dirty="0">
+                <a:solidFill>
+                  <a:srgbClr val="0EBA38"/>
+                </a:solidFill>
+              </a:rPr>
+              <a:t>62</a:t>
+            </a:r>
+          </a:p>
+        </p:txBody>
+      </p:sp>
+      <p:sp>
+        <p:nvSpPr>
+          <p:cNvPr id="7" name="TextBox 6">
+            <a:extLst>
+              <a:ext uri="{FF2B5EF4-FFF2-40B4-BE49-F238E27FC236}">
+                <a16:creationId xmlns:a16="http://schemas.microsoft.com/office/drawing/2014/main" id="{66FC0E91-028C-8249-B594-C251CFF04171}"/>
+              </a:ext>
+            </a:extLst>
+          </p:cNvPr>
+          <p:cNvSpPr txBox="1"/>
+          <p:nvPr/>
+        </p:nvSpPr>
+        <p:spPr>
+          <a:xfrm>
+            <a:off x="3183225" y="3682483"/>
+            <a:ext cx="418704" cy="369332"/>
+          </a:xfrm>
+          <a:prstGeom prst="rect">
+            <a:avLst/>
+          </a:prstGeom>
+          <a:noFill/>
+        </p:spPr>
+        <p:txBody>
+          <a:bodyPr wrap="none" rtlCol="0">
+            <a:spAutoFit/>
+          </a:bodyPr>
+          <a:lstStyle/>
+          <a:p>
+            <a:r>
+              <a:rPr lang="en-GB" dirty="0">
+                <a:solidFill>
+                  <a:srgbClr val="F8766C"/>
+                </a:solidFill>
+              </a:rPr>
+              <a:t>64</a:t>
+            </a:r>
+          </a:p>
+        </p:txBody>
+      </p:sp>
+      <p:sp>
+        <p:nvSpPr>
+          <p:cNvPr id="8" name="TextBox 7">
+            <a:extLst>
+              <a:ext uri="{FF2B5EF4-FFF2-40B4-BE49-F238E27FC236}">
+                <a16:creationId xmlns:a16="http://schemas.microsoft.com/office/drawing/2014/main" id="{BDFB3F2F-79B4-1A44-8BA7-338BBEF294AA}"/>
+              </a:ext>
+            </a:extLst>
+          </p:cNvPr>
+          <p:cNvSpPr txBox="1"/>
+          <p:nvPr/>
+        </p:nvSpPr>
+        <p:spPr>
+          <a:xfrm>
+            <a:off x="3183225" y="5547435"/>
+            <a:ext cx="418704" cy="369332"/>
+          </a:xfrm>
+          <a:prstGeom prst="rect">
+            <a:avLst/>
+          </a:prstGeom>
+          <a:noFill/>
+        </p:spPr>
+        <p:txBody>
+          <a:bodyPr wrap="none" rtlCol="0">
+            <a:spAutoFit/>
+          </a:bodyPr>
+          <a:lstStyle/>
+          <a:p>
+            <a:r>
+              <a:rPr lang="en-GB" dirty="0">
+                <a:solidFill>
+                  <a:srgbClr val="F8766C"/>
+                </a:solidFill>
+              </a:rPr>
+              <a:t>67</a:t>
+            </a:r>
+          </a:p>
+        </p:txBody>
+      </p:sp>
+      <p:sp>
+        <p:nvSpPr>
+          <p:cNvPr id="9" name="TextBox 8">
+            <a:extLst>
+              <a:ext uri="{FF2B5EF4-FFF2-40B4-BE49-F238E27FC236}">
+                <a16:creationId xmlns:a16="http://schemas.microsoft.com/office/drawing/2014/main" id="{CA938858-1A6F-E642-B6D7-7958211856D3}"/>
+              </a:ext>
+            </a:extLst>
+          </p:cNvPr>
+          <p:cNvSpPr txBox="1"/>
+          <p:nvPr/>
+        </p:nvSpPr>
+        <p:spPr>
+          <a:xfrm>
+            <a:off x="2604550" y="3229952"/>
+            <a:ext cx="418704" cy="369332"/>
+          </a:xfrm>
+          <a:prstGeom prst="rect">
+            <a:avLst/>
+          </a:prstGeom>
+          <a:noFill/>
+        </p:spPr>
+        <p:txBody>
+          <a:bodyPr wrap="none" rtlCol="0">
+            <a:spAutoFit/>
+          </a:bodyPr>
+          <a:lstStyle/>
+          <a:p>
+            <a:r>
+              <a:rPr lang="en-GB" dirty="0">
+                <a:solidFill>
+                  <a:srgbClr val="0EBA38"/>
+                </a:solidFill>
+              </a:rPr>
+              <a:t>59</a:t>
+            </a:r>
+          </a:p>
+        </p:txBody>
+      </p:sp>
+      <p:sp>
+        <p:nvSpPr>
+          <p:cNvPr id="10" name="TextBox 9">
+            <a:extLst>
+              <a:ext uri="{FF2B5EF4-FFF2-40B4-BE49-F238E27FC236}">
+                <a16:creationId xmlns:a16="http://schemas.microsoft.com/office/drawing/2014/main" id="{0A0858AB-6AA3-5243-A117-773CE0061DB8}"/>
+              </a:ext>
+            </a:extLst>
+          </p:cNvPr>
+          <p:cNvSpPr txBox="1"/>
+          <p:nvPr/>
+        </p:nvSpPr>
+        <p:spPr>
+          <a:xfrm>
+            <a:off x="2604550" y="4867215"/>
+            <a:ext cx="418704" cy="369332"/>
+          </a:xfrm>
+          <a:prstGeom prst="rect">
+            <a:avLst/>
+          </a:prstGeom>
+          <a:noFill/>
+        </p:spPr>
+        <p:txBody>
+          <a:bodyPr wrap="none" rtlCol="0">
+            <a:spAutoFit/>
+          </a:bodyPr>
+          <a:lstStyle/>
+          <a:p>
+            <a:r>
+              <a:rPr lang="en-GB" dirty="0">
+                <a:solidFill>
+                  <a:srgbClr val="0EBA38"/>
+                </a:solidFill>
+              </a:rPr>
+              <a:t>31</a:t>
+            </a:r>
+          </a:p>
+        </p:txBody>
+      </p:sp>
+      <p:sp>
+        <p:nvSpPr>
+          <p:cNvPr id="11" name="TextBox 10">
+            <a:extLst>
+              <a:ext uri="{FF2B5EF4-FFF2-40B4-BE49-F238E27FC236}">
+                <a16:creationId xmlns:a16="http://schemas.microsoft.com/office/drawing/2014/main" id="{5FC228BA-BC77-6441-8F6D-C5572323BB6E}"/>
+              </a:ext>
+            </a:extLst>
+          </p:cNvPr>
+          <p:cNvSpPr txBox="1"/>
+          <p:nvPr/>
+        </p:nvSpPr>
+        <p:spPr>
+          <a:xfrm>
+            <a:off x="7318064" y="2605057"/>
+            <a:ext cx="418704" cy="369332"/>
+          </a:xfrm>
+          <a:prstGeom prst="rect">
+            <a:avLst/>
+          </a:prstGeom>
+          <a:noFill/>
+        </p:spPr>
+        <p:txBody>
+          <a:bodyPr wrap="none" rtlCol="0">
+            <a:spAutoFit/>
+          </a:bodyPr>
+          <a:lstStyle/>
+          <a:p>
+            <a:r>
+              <a:rPr lang="en-GB" dirty="0">
+                <a:solidFill>
+                  <a:srgbClr val="619CFF"/>
+                </a:solidFill>
+              </a:rPr>
+              <a:t>45</a:t>
+            </a:r>
+          </a:p>
+        </p:txBody>
+      </p:sp>
+      <p:sp>
+        <p:nvSpPr>
+          <p:cNvPr id="12" name="TextBox 11">
+            <a:extLst>
+              <a:ext uri="{FF2B5EF4-FFF2-40B4-BE49-F238E27FC236}">
+                <a16:creationId xmlns:a16="http://schemas.microsoft.com/office/drawing/2014/main" id="{211AEF15-E4E2-5748-BB99-05887933DB15}"/>
+              </a:ext>
+            </a:extLst>
+          </p:cNvPr>
+          <p:cNvSpPr txBox="1"/>
+          <p:nvPr/>
+        </p:nvSpPr>
+        <p:spPr>
+          <a:xfrm>
+            <a:off x="7318064" y="4867215"/>
+            <a:ext cx="418704" cy="369332"/>
+          </a:xfrm>
+          <a:prstGeom prst="rect">
+            <a:avLst/>
+          </a:prstGeom>
+          <a:noFill/>
+        </p:spPr>
+        <p:txBody>
+          <a:bodyPr wrap="none" rtlCol="0">
+            <a:spAutoFit/>
+          </a:bodyPr>
+          <a:lstStyle/>
+          <a:p>
+            <a:r>
+              <a:rPr lang="en-GB" dirty="0">
+                <a:solidFill>
+                  <a:srgbClr val="619CFF"/>
+                </a:solidFill>
+              </a:rPr>
+              <a:t>73</a:t>
+            </a:r>
+          </a:p>
+        </p:txBody>
+      </p:sp>
+      <p:sp>
+        <p:nvSpPr>
+          <p:cNvPr id="13" name="TextBox 12">
+            <a:extLst>
+              <a:ext uri="{FF2B5EF4-FFF2-40B4-BE49-F238E27FC236}">
+                <a16:creationId xmlns:a16="http://schemas.microsoft.com/office/drawing/2014/main" id="{A2ADDBC3-EDB0-2143-9633-0F152DB07C99}"/>
+              </a:ext>
+            </a:extLst>
+          </p:cNvPr>
+          <p:cNvSpPr txBox="1"/>
+          <p:nvPr/>
+        </p:nvSpPr>
+        <p:spPr>
+          <a:xfrm>
+            <a:off x="7318064" y="1326504"/>
+            <a:ext cx="418704" cy="369332"/>
+          </a:xfrm>
+          <a:prstGeom prst="rect">
+            <a:avLst/>
+          </a:prstGeom>
+          <a:noFill/>
+        </p:spPr>
+        <p:txBody>
+          <a:bodyPr wrap="none" rtlCol="0">
+            <a:spAutoFit/>
+          </a:bodyPr>
+          <a:lstStyle/>
+          <a:p>
+            <a:r>
+              <a:rPr lang="en-GB" dirty="0">
+                <a:solidFill>
+                  <a:srgbClr val="619CFF"/>
+                </a:solidFill>
+              </a:rPr>
+              <a:t>2</a:t>
+            </a:r>
+            <a:r>
+              <a:rPr lang="en-GB">
+                <a:solidFill>
+                  <a:srgbClr val="619CFF"/>
+                </a:solidFill>
+              </a:rPr>
+              <a:t>3</a:t>
+            </a:r>
+            <a:endParaRPr lang="en-GB" dirty="0">
+              <a:solidFill>
+                <a:srgbClr val="619CFF"/>
+              </a:solidFill>
+            </a:endParaRPr>
           </a:p>
         </p:txBody>
       </p:sp>
@@ -8492,12 +8734,940 @@
           <a:chExt cx="0" cy="0"/>
         </a:xfrm>
       </p:grpSpPr>
+      <p:graphicFrame>
+        <p:nvGraphicFramePr>
+          <p:cNvPr id="2" name="Table 2">
+            <a:extLst>
+              <a:ext uri="{FF2B5EF4-FFF2-40B4-BE49-F238E27FC236}">
+                <a16:creationId xmlns:a16="http://schemas.microsoft.com/office/drawing/2014/main" id="{4E8E011B-3B23-CF40-BCD3-C4CB7FD8EBE8}"/>
+              </a:ext>
+            </a:extLst>
+          </p:cNvPr>
+          <p:cNvGraphicFramePr>
+            <a:graphicFrameLocks noGrp="1"/>
+          </p:cNvGraphicFramePr>
+          <p:nvPr>
+            <p:extLst>
+              <p:ext uri="{D42A27DB-BD31-4B8C-83A1-F6EECF244321}">
+                <p14:modId xmlns:p14="http://schemas.microsoft.com/office/powerpoint/2010/main" val="1686893740"/>
+              </p:ext>
+            </p:extLst>
+          </p:nvPr>
+        </p:nvGraphicFramePr>
+        <p:xfrm>
+          <a:off x="83458" y="1769535"/>
+          <a:ext cx="5968998" cy="3318930"/>
+        </p:xfrm>
+        <a:graphic>
+          <a:graphicData uri="http://schemas.openxmlformats.org/drawingml/2006/table">
+            <a:tbl>
+              <a:tblPr bandRow="1">
+                <a:tableStyleId>{5C22544A-7EE6-4342-B048-85BDC9FD1C3A}</a:tableStyleId>
+              </a:tblPr>
+              <a:tblGrid>
+                <a:gridCol w="994833">
+                  <a:extLst>
+                    <a:ext uri="{9D8B030D-6E8A-4147-A177-3AD203B41FA5}">
+                      <a16:colId xmlns:a16="http://schemas.microsoft.com/office/drawing/2014/main" val="1122499975"/>
+                    </a:ext>
+                  </a:extLst>
+                </a:gridCol>
+                <a:gridCol w="994833">
+                  <a:extLst>
+                    <a:ext uri="{9D8B030D-6E8A-4147-A177-3AD203B41FA5}">
+                      <a16:colId xmlns:a16="http://schemas.microsoft.com/office/drawing/2014/main" val="3672245095"/>
+                    </a:ext>
+                  </a:extLst>
+                </a:gridCol>
+                <a:gridCol w="994833">
+                  <a:extLst>
+                    <a:ext uri="{9D8B030D-6E8A-4147-A177-3AD203B41FA5}">
+                      <a16:colId xmlns:a16="http://schemas.microsoft.com/office/drawing/2014/main" val="3744831420"/>
+                    </a:ext>
+                  </a:extLst>
+                </a:gridCol>
+                <a:gridCol w="994833">
+                  <a:extLst>
+                    <a:ext uri="{9D8B030D-6E8A-4147-A177-3AD203B41FA5}">
+                      <a16:colId xmlns:a16="http://schemas.microsoft.com/office/drawing/2014/main" val="1670834702"/>
+                    </a:ext>
+                  </a:extLst>
+                </a:gridCol>
+                <a:gridCol w="994833">
+                  <a:extLst>
+                    <a:ext uri="{9D8B030D-6E8A-4147-A177-3AD203B41FA5}">
+                      <a16:colId xmlns:a16="http://schemas.microsoft.com/office/drawing/2014/main" val="337628753"/>
+                    </a:ext>
+                  </a:extLst>
+                </a:gridCol>
+                <a:gridCol w="994833">
+                  <a:extLst>
+                    <a:ext uri="{9D8B030D-6E8A-4147-A177-3AD203B41FA5}">
+                      <a16:colId xmlns:a16="http://schemas.microsoft.com/office/drawing/2014/main" val="3415385851"/>
+                    </a:ext>
+                  </a:extLst>
+                </a:gridCol>
+              </a:tblGrid>
+              <a:tr h="331893">
+                <a:tc>
+                  <a:txBody>
+                    <a:bodyPr/>
+                    <a:lstStyle/>
+                    <a:p>
+                      <a:r>
+                        <a:rPr lang="en-GB" sz="1400" dirty="0"/>
+                        <a:t>Island</a:t>
+                      </a:r>
+                    </a:p>
+                  </a:txBody>
+                  <a:tcPr/>
+                </a:tc>
+                <a:tc>
+                  <a:txBody>
+                    <a:bodyPr/>
+                    <a:lstStyle/>
+                    <a:p>
+                      <a:r>
+                        <a:rPr lang="en-GB" sz="1400" dirty="0"/>
+                        <a:t>Ecotype</a:t>
+                      </a:r>
+                    </a:p>
+                  </a:txBody>
+                  <a:tcPr/>
+                </a:tc>
+                <a:tc>
+                  <a:txBody>
+                    <a:bodyPr/>
+                    <a:lstStyle/>
+                    <a:p>
+                      <a:r>
+                        <a:rPr lang="en-GB" sz="1400" dirty="0"/>
+                        <a:t>N</a:t>
+                      </a:r>
+                    </a:p>
+                  </a:txBody>
+                  <a:tcPr/>
+                </a:tc>
+                <a:tc>
+                  <a:txBody>
+                    <a:bodyPr/>
+                    <a:lstStyle/>
+                    <a:p>
+                      <a:r>
+                        <a:rPr lang="en-GB" sz="1400" dirty="0"/>
+                        <a:t>INDELs</a:t>
+                      </a:r>
+                    </a:p>
+                  </a:txBody>
+                  <a:tcPr/>
+                </a:tc>
+                <a:tc>
+                  <a:txBody>
+                    <a:bodyPr/>
+                    <a:lstStyle/>
+                    <a:p>
+                      <a:r>
+                        <a:rPr lang="en-GB" sz="1400" dirty="0"/>
+                        <a:t>SNPs</a:t>
+                      </a:r>
+                    </a:p>
+                  </a:txBody>
+                  <a:tcPr/>
+                </a:tc>
+                <a:tc>
+                  <a:txBody>
+                    <a:bodyPr/>
+                    <a:lstStyle/>
+                    <a:p>
+                      <a:r>
+                        <a:rPr lang="en-GB" sz="1400" dirty="0"/>
+                        <a:t>TOT</a:t>
+                      </a:r>
+                    </a:p>
+                  </a:txBody>
+                  <a:tcPr/>
+                </a:tc>
+                <a:extLst>
+                  <a:ext uri="{0D108BD9-81ED-4DB2-BD59-A6C34878D82A}">
+                    <a16:rowId xmlns:a16="http://schemas.microsoft.com/office/drawing/2014/main" val="405067872"/>
+                  </a:ext>
+                </a:extLst>
+              </a:tr>
+              <a:tr h="331893">
+                <a:tc>
+                  <a:txBody>
+                    <a:bodyPr/>
+                    <a:lstStyle/>
+                    <a:p>
+                      <a:r>
+                        <a:rPr lang="en-GB" sz="1400" dirty="0"/>
+                        <a:t>CZA</a:t>
+                      </a:r>
+                    </a:p>
+                  </a:txBody>
+                  <a:tcPr/>
+                </a:tc>
+                <a:tc>
+                  <a:txBody>
+                    <a:bodyPr/>
+                    <a:lstStyle/>
+                    <a:p>
+                      <a:r>
+                        <a:rPr lang="en-GB" sz="1400" dirty="0"/>
+                        <a:t>CRAB</a:t>
+                      </a:r>
+                    </a:p>
+                  </a:txBody>
+                  <a:tcPr/>
+                </a:tc>
+                <a:tc>
+                  <a:txBody>
+                    <a:bodyPr/>
+                    <a:lstStyle/>
+                    <a:p>
+                      <a:r>
+                        <a:rPr lang="en-GB" sz="1400" dirty="0"/>
+                        <a:t>69</a:t>
+                      </a:r>
+                    </a:p>
+                  </a:txBody>
+                  <a:tcPr/>
+                </a:tc>
+                <a:tc>
+                  <a:txBody>
+                    <a:bodyPr/>
+                    <a:lstStyle/>
+                    <a:p>
+                      <a:r>
+                        <a:rPr lang="en-GB" sz="1400" dirty="0"/>
+                        <a:t>7977</a:t>
+                      </a:r>
+                    </a:p>
+                  </a:txBody>
+                  <a:tcPr/>
+                </a:tc>
+                <a:tc>
+                  <a:txBody>
+                    <a:bodyPr/>
+                    <a:lstStyle/>
+                    <a:p>
+                      <a:r>
+                        <a:rPr lang="en-GB" sz="1400" dirty="0"/>
+                        <a:t>38304</a:t>
+                      </a:r>
+                    </a:p>
+                  </a:txBody>
+                  <a:tcPr/>
+                </a:tc>
+                <a:tc>
+                  <a:txBody>
+                    <a:bodyPr/>
+                    <a:lstStyle/>
+                    <a:p>
+                      <a:r>
+                        <a:rPr lang="en-GB" sz="1400" dirty="0"/>
+                        <a:t>46281</a:t>
+                      </a:r>
+                    </a:p>
+                  </a:txBody>
+                  <a:tcPr/>
+                </a:tc>
+                <a:extLst>
+                  <a:ext uri="{0D108BD9-81ED-4DB2-BD59-A6C34878D82A}">
+                    <a16:rowId xmlns:a16="http://schemas.microsoft.com/office/drawing/2014/main" val="2580575327"/>
+                  </a:ext>
+                </a:extLst>
+              </a:tr>
+              <a:tr h="331893">
+                <a:tc>
+                  <a:txBody>
+                    <a:bodyPr/>
+                    <a:lstStyle/>
+                    <a:p>
+                      <a:r>
+                        <a:rPr lang="en-GB" sz="1400" dirty="0"/>
+                        <a:t>CZA</a:t>
+                      </a:r>
+                    </a:p>
+                  </a:txBody>
+                  <a:tcPr/>
+                </a:tc>
+                <a:tc>
+                  <a:txBody>
+                    <a:bodyPr/>
+                    <a:lstStyle/>
+                    <a:p>
+                      <a:r>
+                        <a:rPr lang="en-GB" sz="1400" dirty="0"/>
+                        <a:t>WAVE L</a:t>
+                      </a:r>
+                    </a:p>
+                  </a:txBody>
+                  <a:tcPr/>
+                </a:tc>
+                <a:tc>
+                  <a:txBody>
+                    <a:bodyPr/>
+                    <a:lstStyle/>
+                    <a:p>
+                      <a:r>
+                        <a:rPr lang="en-GB" sz="1400" dirty="0"/>
+                        <a:t>62</a:t>
+                      </a:r>
+                    </a:p>
+                  </a:txBody>
+                  <a:tcPr/>
+                </a:tc>
+                <a:tc>
+                  <a:txBody>
+                    <a:bodyPr/>
+                    <a:lstStyle/>
+                    <a:p>
+                      <a:r>
+                        <a:rPr lang="en-GB" sz="1400" dirty="0"/>
+                        <a:t>7836</a:t>
+                      </a:r>
+                    </a:p>
+                  </a:txBody>
+                  <a:tcPr/>
+                </a:tc>
+                <a:tc>
+                  <a:txBody>
+                    <a:bodyPr/>
+                    <a:lstStyle/>
+                    <a:p>
+                      <a:r>
+                        <a:rPr lang="en-GB" sz="1400" dirty="0"/>
+                        <a:t>37843</a:t>
+                      </a:r>
+                    </a:p>
+                  </a:txBody>
+                  <a:tcPr/>
+                </a:tc>
+                <a:tc>
+                  <a:txBody>
+                    <a:bodyPr/>
+                    <a:lstStyle/>
+                    <a:p>
+                      <a:r>
+                        <a:rPr lang="en-GB" sz="1400" dirty="0"/>
+                        <a:t>45679</a:t>
+                      </a:r>
+                    </a:p>
+                  </a:txBody>
+                  <a:tcPr/>
+                </a:tc>
+                <a:extLst>
+                  <a:ext uri="{0D108BD9-81ED-4DB2-BD59-A6C34878D82A}">
+                    <a16:rowId xmlns:a16="http://schemas.microsoft.com/office/drawing/2014/main" val="1193857690"/>
+                  </a:ext>
+                </a:extLst>
+              </a:tr>
+              <a:tr h="331893">
+                <a:tc>
+                  <a:txBody>
+                    <a:bodyPr/>
+                    <a:lstStyle/>
+                    <a:p>
+                      <a:r>
+                        <a:rPr lang="en-GB" sz="1400" dirty="0"/>
+                        <a:t>CZA</a:t>
+                      </a:r>
+                    </a:p>
+                  </a:txBody>
+                  <a:tcPr/>
+                </a:tc>
+                <a:tc>
+                  <a:txBody>
+                    <a:bodyPr/>
+                    <a:lstStyle/>
+                    <a:p>
+                      <a:r>
+                        <a:rPr lang="en-GB" sz="1400" dirty="0"/>
+                        <a:t>WAVE R</a:t>
+                      </a:r>
+                    </a:p>
+                  </a:txBody>
+                  <a:tcPr/>
+                </a:tc>
+                <a:tc>
+                  <a:txBody>
+                    <a:bodyPr/>
+                    <a:lstStyle/>
+                    <a:p>
+                      <a:r>
+                        <a:rPr lang="en-GB" sz="1400" dirty="0"/>
+                        <a:t>23</a:t>
+                      </a:r>
+                    </a:p>
+                  </a:txBody>
+                  <a:tcPr/>
+                </a:tc>
+                <a:tc>
+                  <a:txBody>
+                    <a:bodyPr/>
+                    <a:lstStyle/>
+                    <a:p>
+                      <a:r>
+                        <a:rPr lang="en-GB" sz="1400" dirty="0"/>
+                        <a:t>9352</a:t>
+                      </a:r>
+                    </a:p>
+                  </a:txBody>
+                  <a:tcPr/>
+                </a:tc>
+                <a:tc>
+                  <a:txBody>
+                    <a:bodyPr/>
+                    <a:lstStyle/>
+                    <a:p>
+                      <a:r>
+                        <a:rPr lang="en-GB" sz="1400" dirty="0"/>
+                        <a:t>44548</a:t>
+                      </a:r>
+                    </a:p>
+                  </a:txBody>
+                  <a:tcPr/>
+                </a:tc>
+                <a:tc>
+                  <a:txBody>
+                    <a:bodyPr/>
+                    <a:lstStyle/>
+                    <a:p>
+                      <a:r>
+                        <a:rPr lang="en-GB" sz="1400" dirty="0"/>
+                        <a:t>53900</a:t>
+                      </a:r>
+                    </a:p>
+                  </a:txBody>
+                  <a:tcPr/>
+                </a:tc>
+                <a:extLst>
+                  <a:ext uri="{0D108BD9-81ED-4DB2-BD59-A6C34878D82A}">
+                    <a16:rowId xmlns:a16="http://schemas.microsoft.com/office/drawing/2014/main" val="500052006"/>
+                  </a:ext>
+                </a:extLst>
+              </a:tr>
+              <a:tr h="331893">
+                <a:tc>
+                  <a:txBody>
+                    <a:bodyPr/>
+                    <a:lstStyle/>
+                    <a:p>
+                      <a:r>
+                        <a:rPr lang="en-GB" sz="1400" dirty="0"/>
+                        <a:t>CZB</a:t>
+                      </a:r>
+                    </a:p>
+                  </a:txBody>
+                  <a:tcPr/>
+                </a:tc>
+                <a:tc>
+                  <a:txBody>
+                    <a:bodyPr/>
+                    <a:lstStyle/>
+                    <a:p>
+                      <a:r>
+                        <a:rPr lang="en-GB" sz="1400" dirty="0"/>
+                        <a:t>CRAB</a:t>
+                      </a:r>
+                    </a:p>
+                  </a:txBody>
+                  <a:tcPr/>
+                </a:tc>
+                <a:tc>
+                  <a:txBody>
+                    <a:bodyPr/>
+                    <a:lstStyle/>
+                    <a:p>
+                      <a:r>
+                        <a:rPr lang="en-GB" sz="1400" dirty="0"/>
+                        <a:t>64</a:t>
+                      </a:r>
+                    </a:p>
+                  </a:txBody>
+                  <a:tcPr/>
+                </a:tc>
+                <a:tc>
+                  <a:txBody>
+                    <a:bodyPr/>
+                    <a:lstStyle/>
+                    <a:p>
+                      <a:r>
+                        <a:rPr lang="en-GB" sz="1400" dirty="0"/>
+                        <a:t>9751</a:t>
+                      </a:r>
+                    </a:p>
+                  </a:txBody>
+                  <a:tcPr/>
+                </a:tc>
+                <a:tc>
+                  <a:txBody>
+                    <a:bodyPr/>
+                    <a:lstStyle/>
+                    <a:p>
+                      <a:r>
+                        <a:rPr lang="en-GB" sz="1400" dirty="0"/>
+                        <a:t>46233</a:t>
+                      </a:r>
+                    </a:p>
+                  </a:txBody>
+                  <a:tcPr/>
+                </a:tc>
+                <a:tc>
+                  <a:txBody>
+                    <a:bodyPr/>
+                    <a:lstStyle/>
+                    <a:p>
+                      <a:r>
+                        <a:rPr lang="en-GB" sz="1400" dirty="0"/>
+                        <a:t>55984</a:t>
+                      </a:r>
+                    </a:p>
+                  </a:txBody>
+                  <a:tcPr/>
+                </a:tc>
+                <a:extLst>
+                  <a:ext uri="{0D108BD9-81ED-4DB2-BD59-A6C34878D82A}">
+                    <a16:rowId xmlns:a16="http://schemas.microsoft.com/office/drawing/2014/main" val="980823171"/>
+                  </a:ext>
+                </a:extLst>
+              </a:tr>
+              <a:tr h="331893">
+                <a:tc>
+                  <a:txBody>
+                    <a:bodyPr/>
+                    <a:lstStyle/>
+                    <a:p>
+                      <a:r>
+                        <a:rPr lang="en-GB" sz="1400" dirty="0"/>
+                        <a:t>CZB</a:t>
+                      </a:r>
+                    </a:p>
+                  </a:txBody>
+                  <a:tcPr/>
+                </a:tc>
+                <a:tc>
+                  <a:txBody>
+                    <a:bodyPr/>
+                    <a:lstStyle/>
+                    <a:p>
+                      <a:r>
+                        <a:rPr lang="en-GB" sz="1400" dirty="0"/>
+                        <a:t>WAVE L</a:t>
+                      </a:r>
+                    </a:p>
+                  </a:txBody>
+                  <a:tcPr/>
+                </a:tc>
+                <a:tc>
+                  <a:txBody>
+                    <a:bodyPr/>
+                    <a:lstStyle/>
+                    <a:p>
+                      <a:r>
+                        <a:rPr lang="en-GB" sz="1400" dirty="0"/>
+                        <a:t>59</a:t>
+                      </a:r>
+                    </a:p>
+                  </a:txBody>
+                  <a:tcPr/>
+                </a:tc>
+                <a:tc>
+                  <a:txBody>
+                    <a:bodyPr/>
+                    <a:lstStyle/>
+                    <a:p>
+                      <a:r>
+                        <a:rPr lang="en-GB" sz="1400" dirty="0"/>
+                        <a:t>9394</a:t>
+                      </a:r>
+                    </a:p>
+                  </a:txBody>
+                  <a:tcPr/>
+                </a:tc>
+                <a:tc>
+                  <a:txBody>
+                    <a:bodyPr/>
+                    <a:lstStyle/>
+                    <a:p>
+                      <a:r>
+                        <a:rPr lang="en-GB" sz="1400" dirty="0"/>
+                        <a:t>44480</a:t>
+                      </a:r>
+                    </a:p>
+                  </a:txBody>
+                  <a:tcPr/>
+                </a:tc>
+                <a:tc>
+                  <a:txBody>
+                    <a:bodyPr/>
+                    <a:lstStyle/>
+                    <a:p>
+                      <a:r>
+                        <a:rPr lang="en-GB" sz="1400" dirty="0"/>
+                        <a:t>53874</a:t>
+                      </a:r>
+                    </a:p>
+                  </a:txBody>
+                  <a:tcPr/>
+                </a:tc>
+                <a:extLst>
+                  <a:ext uri="{0D108BD9-81ED-4DB2-BD59-A6C34878D82A}">
+                    <a16:rowId xmlns:a16="http://schemas.microsoft.com/office/drawing/2014/main" val="3233287661"/>
+                  </a:ext>
+                </a:extLst>
+              </a:tr>
+              <a:tr h="331893">
+                <a:tc>
+                  <a:txBody>
+                    <a:bodyPr/>
+                    <a:lstStyle/>
+                    <a:p>
+                      <a:r>
+                        <a:rPr lang="en-GB" sz="1400" dirty="0"/>
+                        <a:t>CZB</a:t>
+                      </a:r>
+                    </a:p>
+                  </a:txBody>
+                  <a:tcPr/>
+                </a:tc>
+                <a:tc>
+                  <a:txBody>
+                    <a:bodyPr/>
+                    <a:lstStyle/>
+                    <a:p>
+                      <a:r>
+                        <a:rPr lang="en-GB" sz="1400" dirty="0"/>
+                        <a:t>WAVE R</a:t>
+                      </a:r>
+                    </a:p>
+                  </a:txBody>
+                  <a:tcPr/>
+                </a:tc>
+                <a:tc>
+                  <a:txBody>
+                    <a:bodyPr/>
+                    <a:lstStyle/>
+                    <a:p>
+                      <a:r>
+                        <a:rPr lang="en-GB" sz="1400" dirty="0"/>
+                        <a:t>45</a:t>
+                      </a:r>
+                    </a:p>
+                  </a:txBody>
+                  <a:tcPr/>
+                </a:tc>
+                <a:tc>
+                  <a:txBody>
+                    <a:bodyPr/>
+                    <a:lstStyle/>
+                    <a:p>
+                      <a:r>
+                        <a:rPr lang="en-GB" sz="1400" dirty="0"/>
+                        <a:t>10311</a:t>
+                      </a:r>
+                    </a:p>
+                  </a:txBody>
+                  <a:tcPr/>
+                </a:tc>
+                <a:tc>
+                  <a:txBody>
+                    <a:bodyPr/>
+                    <a:lstStyle/>
+                    <a:p>
+                      <a:r>
+                        <a:rPr lang="en-GB" sz="1400" dirty="0"/>
+                        <a:t>48558</a:t>
+                      </a:r>
+                    </a:p>
+                  </a:txBody>
+                  <a:tcPr/>
+                </a:tc>
+                <a:tc>
+                  <a:txBody>
+                    <a:bodyPr/>
+                    <a:lstStyle/>
+                    <a:p>
+                      <a:r>
+                        <a:rPr lang="en-GB" sz="1400" dirty="0"/>
+                        <a:t>58869</a:t>
+                      </a:r>
+                    </a:p>
+                  </a:txBody>
+                  <a:tcPr/>
+                </a:tc>
+                <a:extLst>
+                  <a:ext uri="{0D108BD9-81ED-4DB2-BD59-A6C34878D82A}">
+                    <a16:rowId xmlns:a16="http://schemas.microsoft.com/office/drawing/2014/main" val="856716825"/>
+                  </a:ext>
+                </a:extLst>
+              </a:tr>
+              <a:tr h="331893">
+                <a:tc>
+                  <a:txBody>
+                    <a:bodyPr/>
+                    <a:lstStyle/>
+                    <a:p>
+                      <a:r>
+                        <a:rPr lang="en-GB" sz="1400" dirty="0"/>
+                        <a:t>CZD</a:t>
+                      </a:r>
+                    </a:p>
+                  </a:txBody>
+                  <a:tcPr/>
+                </a:tc>
+                <a:tc>
+                  <a:txBody>
+                    <a:bodyPr/>
+                    <a:lstStyle/>
+                    <a:p>
+                      <a:r>
+                        <a:rPr lang="en-GB" sz="1400" dirty="0"/>
+                        <a:t>CRAB</a:t>
+                      </a:r>
+                    </a:p>
+                  </a:txBody>
+                  <a:tcPr/>
+                </a:tc>
+                <a:tc>
+                  <a:txBody>
+                    <a:bodyPr/>
+                    <a:lstStyle/>
+                    <a:p>
+                      <a:r>
+                        <a:rPr lang="en-GB" sz="1400" dirty="0"/>
+                        <a:t>67</a:t>
+                      </a:r>
+                    </a:p>
+                  </a:txBody>
+                  <a:tcPr/>
+                </a:tc>
+                <a:tc>
+                  <a:txBody>
+                    <a:bodyPr/>
+                    <a:lstStyle/>
+                    <a:p>
+                      <a:r>
+                        <a:rPr lang="en-GB" sz="1400" dirty="0"/>
+                        <a:t>9764</a:t>
+                      </a:r>
+                    </a:p>
+                  </a:txBody>
+                  <a:tcPr/>
+                </a:tc>
+                <a:tc>
+                  <a:txBody>
+                    <a:bodyPr/>
+                    <a:lstStyle/>
+                    <a:p>
+                      <a:r>
+                        <a:rPr lang="en-GB" sz="1400" dirty="0"/>
+                        <a:t>46659</a:t>
+                      </a:r>
+                    </a:p>
+                  </a:txBody>
+                  <a:tcPr/>
+                </a:tc>
+                <a:tc>
+                  <a:txBody>
+                    <a:bodyPr/>
+                    <a:lstStyle/>
+                    <a:p>
+                      <a:r>
+                        <a:rPr lang="en-GB" sz="1400" dirty="0"/>
+                        <a:t>56423</a:t>
+                      </a:r>
+                    </a:p>
+                  </a:txBody>
+                  <a:tcPr/>
+                </a:tc>
+                <a:extLst>
+                  <a:ext uri="{0D108BD9-81ED-4DB2-BD59-A6C34878D82A}">
+                    <a16:rowId xmlns:a16="http://schemas.microsoft.com/office/drawing/2014/main" val="3665707619"/>
+                  </a:ext>
+                </a:extLst>
+              </a:tr>
+              <a:tr h="331893">
+                <a:tc>
+                  <a:txBody>
+                    <a:bodyPr/>
+                    <a:lstStyle/>
+                    <a:p>
+                      <a:r>
+                        <a:rPr lang="en-GB" sz="1400" dirty="0"/>
+                        <a:t>CZD</a:t>
+                      </a:r>
+                    </a:p>
+                  </a:txBody>
+                  <a:tcPr/>
+                </a:tc>
+                <a:tc>
+                  <a:txBody>
+                    <a:bodyPr/>
+                    <a:lstStyle/>
+                    <a:p>
+                      <a:r>
+                        <a:rPr lang="en-GB" sz="1400" dirty="0"/>
+                        <a:t>WAVE L</a:t>
+                      </a:r>
+                    </a:p>
+                  </a:txBody>
+                  <a:tcPr/>
+                </a:tc>
+                <a:tc>
+                  <a:txBody>
+                    <a:bodyPr/>
+                    <a:lstStyle/>
+                    <a:p>
+                      <a:r>
+                        <a:rPr lang="en-GB" sz="1400" dirty="0"/>
+                        <a:t>31</a:t>
+                      </a:r>
+                    </a:p>
+                  </a:txBody>
+                  <a:tcPr/>
+                </a:tc>
+                <a:tc>
+                  <a:txBody>
+                    <a:bodyPr/>
+                    <a:lstStyle/>
+                    <a:p>
+                      <a:r>
+                        <a:rPr lang="en-GB" sz="1400" dirty="0"/>
+                        <a:t>10864</a:t>
+                      </a:r>
+                    </a:p>
+                  </a:txBody>
+                  <a:tcPr/>
+                </a:tc>
+                <a:tc>
+                  <a:txBody>
+                    <a:bodyPr/>
+                    <a:lstStyle/>
+                    <a:p>
+                      <a:r>
+                        <a:rPr lang="en-GB" sz="1400" dirty="0"/>
+                        <a:t>51446</a:t>
+                      </a:r>
+                    </a:p>
+                  </a:txBody>
+                  <a:tcPr/>
+                </a:tc>
+                <a:tc>
+                  <a:txBody>
+                    <a:bodyPr/>
+                    <a:lstStyle/>
+                    <a:p>
+                      <a:r>
+                        <a:rPr lang="en-GB" sz="1400" dirty="0"/>
+                        <a:t>62310</a:t>
+                      </a:r>
+                    </a:p>
+                  </a:txBody>
+                  <a:tcPr/>
+                </a:tc>
+                <a:extLst>
+                  <a:ext uri="{0D108BD9-81ED-4DB2-BD59-A6C34878D82A}">
+                    <a16:rowId xmlns:a16="http://schemas.microsoft.com/office/drawing/2014/main" val="4055182826"/>
+                  </a:ext>
+                </a:extLst>
+              </a:tr>
+              <a:tr h="331893">
+                <a:tc>
+                  <a:txBody>
+                    <a:bodyPr/>
+                    <a:lstStyle/>
+                    <a:p>
+                      <a:r>
+                        <a:rPr lang="en-GB" sz="1400" dirty="0"/>
+                        <a:t>CZD</a:t>
+                      </a:r>
+                    </a:p>
+                  </a:txBody>
+                  <a:tcPr/>
+                </a:tc>
+                <a:tc>
+                  <a:txBody>
+                    <a:bodyPr/>
+                    <a:lstStyle/>
+                    <a:p>
+                      <a:r>
+                        <a:rPr lang="en-GB" sz="1400" dirty="0"/>
+                        <a:t>WAVE R</a:t>
+                      </a:r>
+                    </a:p>
+                  </a:txBody>
+                  <a:tcPr/>
+                </a:tc>
+                <a:tc>
+                  <a:txBody>
+                    <a:bodyPr/>
+                    <a:lstStyle/>
+                    <a:p>
+                      <a:r>
+                        <a:rPr lang="en-GB" sz="1400" dirty="0"/>
+                        <a:t>73</a:t>
+                      </a:r>
+                    </a:p>
+                  </a:txBody>
+                  <a:tcPr/>
+                </a:tc>
+                <a:tc>
+                  <a:txBody>
+                    <a:bodyPr/>
+                    <a:lstStyle/>
+                    <a:p>
+                      <a:r>
+                        <a:rPr lang="en-GB" sz="1400" dirty="0"/>
+                        <a:t>9732</a:t>
+                      </a:r>
+                    </a:p>
+                  </a:txBody>
+                  <a:tcPr/>
+                </a:tc>
+                <a:tc>
+                  <a:txBody>
+                    <a:bodyPr/>
+                    <a:lstStyle/>
+                    <a:p>
+                      <a:r>
+                        <a:rPr lang="en-GB" sz="1400" dirty="0"/>
+                        <a:t>46449</a:t>
+                      </a:r>
+                    </a:p>
+                  </a:txBody>
+                  <a:tcPr/>
+                </a:tc>
+                <a:tc>
+                  <a:txBody>
+                    <a:bodyPr/>
+                    <a:lstStyle/>
+                    <a:p>
+                      <a:r>
+                        <a:rPr lang="en-GB" sz="1400" dirty="0"/>
+                        <a:t>56181</a:t>
+                      </a:r>
+                    </a:p>
+                  </a:txBody>
+                  <a:tcPr/>
+                </a:tc>
+                <a:extLst>
+                  <a:ext uri="{0D108BD9-81ED-4DB2-BD59-A6C34878D82A}">
+                    <a16:rowId xmlns:a16="http://schemas.microsoft.com/office/drawing/2014/main" val="2443884119"/>
+                  </a:ext>
+                </a:extLst>
+              </a:tr>
+            </a:tbl>
+          </a:graphicData>
+        </a:graphic>
+      </p:graphicFrame>
       <p:sp>
         <p:nvSpPr>
           <p:cNvPr id="5" name="TextBox 4">
             <a:extLst>
               <a:ext uri="{FF2B5EF4-FFF2-40B4-BE49-F238E27FC236}">
-                <a16:creationId xmlns:a16="http://schemas.microsoft.com/office/drawing/2014/main" id="{049B477E-5E39-F240-86CA-65F077DF0726}"/>
+                <a16:creationId xmlns:a16="http://schemas.microsoft.com/office/drawing/2014/main" id="{43772F90-F9EF-9D47-8D3A-E1BBA6B64DA0}"/>
               </a:ext>
             </a:extLst>
           </p:cNvPr>
@@ -8506,8 +9676,8 @@
         </p:nvSpPr>
         <p:spPr>
           <a:xfrm>
-            <a:off x="528115" y="1100078"/>
-            <a:ext cx="4043885" cy="923330"/>
+            <a:off x="478971" y="424543"/>
+            <a:ext cx="2365071" cy="369332"/>
           </a:xfrm>
           <a:prstGeom prst="rect">
             <a:avLst/>
@@ -8515,7 +9685,7 @@
           <a:noFill/>
         </p:spPr>
         <p:txBody>
-          <a:bodyPr wrap="square" rtlCol="0">
+          <a:bodyPr wrap="none" rtlCol="0">
             <a:spAutoFit/>
           </a:bodyPr>
           <a:lstStyle/>
@@ -8526,208 +9696,943 @@
             </a:pPr>
             <a:r>
               <a:rPr lang="en-GB" dirty="0"/>
-              <a:t>Relative proportion of INDELs and SNPs after filtering but before cline analysis</a:t>
+              <a:t>Fixed + polymorphic</a:t>
             </a:r>
           </a:p>
         </p:txBody>
       </p:sp>
-      <p:pic>
-        <p:nvPicPr>
-          <p:cNvPr id="6" name="Picture 5">
+      <p:graphicFrame>
+        <p:nvGraphicFramePr>
+          <p:cNvPr id="6" name="Table 2">
             <a:extLst>
               <a:ext uri="{FF2B5EF4-FFF2-40B4-BE49-F238E27FC236}">
-                <a16:creationId xmlns:a16="http://schemas.microsoft.com/office/drawing/2014/main" id="{D2406132-7F29-DE47-9F1D-99E2F356F2B5}"/>
+                <a16:creationId xmlns:a16="http://schemas.microsoft.com/office/drawing/2014/main" id="{A0E2C456-F7F4-E743-A8C2-D121D6D0E810}"/>
               </a:ext>
             </a:extLst>
           </p:cNvPr>
-          <p:cNvPicPr>
-            <a:picLocks noChangeAspect="1"/>
-          </p:cNvPicPr>
-          <p:nvPr/>
-        </p:nvPicPr>
-        <p:blipFill>
-          <a:blip r:embed="rId2"/>
-          <a:stretch>
-            <a:fillRect/>
-          </a:stretch>
-        </p:blipFill>
-        <p:spPr>
-          <a:xfrm>
-            <a:off x="4572000" y="0"/>
-            <a:ext cx="7620000" cy="6858000"/>
-          </a:xfrm>
-          <a:prstGeom prst="rect">
-            <a:avLst/>
-          </a:prstGeom>
-        </p:spPr>
-      </p:pic>
-      <p:sp>
-        <p:nvSpPr>
-          <p:cNvPr id="8" name="Rectangle 7">
-            <a:extLst>
-              <a:ext uri="{FF2B5EF4-FFF2-40B4-BE49-F238E27FC236}">
-                <a16:creationId xmlns:a16="http://schemas.microsoft.com/office/drawing/2014/main" id="{D5BBA663-3347-E442-9873-012E62E37C07}"/>
-              </a:ext>
-            </a:extLst>
-          </p:cNvPr>
-          <p:cNvSpPr/>
-          <p:nvPr/>
-        </p:nvSpPr>
-        <p:spPr>
-          <a:xfrm>
-            <a:off x="397486" y="409596"/>
-            <a:ext cx="4415696" cy="369332"/>
-          </a:xfrm>
-          <a:prstGeom prst="rect">
-            <a:avLst/>
-          </a:prstGeom>
-        </p:spPr>
-        <p:txBody>
-          <a:bodyPr wrap="none">
-            <a:spAutoFit/>
-          </a:bodyPr>
-          <a:lstStyle/>
-          <a:p>
-            <a:pPr marL="342900" indent="-342900">
-              <a:buFont typeface="+mj-lt"/>
-              <a:buAutoNum type="arabicPeriod" startAt="2"/>
-            </a:pPr>
-            <a:r>
-              <a:rPr lang="en-GB" b="1" dirty="0"/>
-              <a:t>Unfolded allele frequency spectra (</a:t>
-            </a:r>
-            <a:r>
-              <a:rPr lang="en-GB" b="1" dirty="0" err="1"/>
-              <a:t>uAFS</a:t>
-            </a:r>
-            <a:r>
-              <a:rPr lang="en-GB" b="1" dirty="0"/>
-              <a:t>)</a:t>
-            </a:r>
-          </a:p>
-        </p:txBody>
-      </p:sp>
-      <p:sp>
-        <p:nvSpPr>
-          <p:cNvPr id="9" name="TextBox 8">
-            <a:extLst>
-              <a:ext uri="{FF2B5EF4-FFF2-40B4-BE49-F238E27FC236}">
-                <a16:creationId xmlns:a16="http://schemas.microsoft.com/office/drawing/2014/main" id="{5FBC7557-72FC-A44A-909B-8CF5D04F3729}"/>
-              </a:ext>
-            </a:extLst>
-          </p:cNvPr>
-          <p:cNvSpPr txBox="1"/>
-          <p:nvPr/>
-        </p:nvSpPr>
-        <p:spPr>
-          <a:xfrm>
-            <a:off x="462801" y="2188649"/>
-            <a:ext cx="4043885" cy="646331"/>
-          </a:xfrm>
-          <a:prstGeom prst="rect">
-            <a:avLst/>
-          </a:prstGeom>
-          <a:noFill/>
-        </p:spPr>
-        <p:txBody>
-          <a:bodyPr wrap="square" rtlCol="0">
-            <a:spAutoFit/>
-          </a:bodyPr>
-          <a:lstStyle/>
-          <a:p>
-            <a:pPr marL="285750" indent="-285750">
-              <a:buFont typeface="Arial" panose="020B0604020202020204" pitchFamily="34" charset="0"/>
-              <a:buChar char="•"/>
-            </a:pPr>
-            <a:r>
-              <a:rPr lang="en-GB" dirty="0"/>
-              <a:t>Kept variants inside and outside inversions</a:t>
-            </a:r>
-          </a:p>
-        </p:txBody>
-      </p:sp>
-      <p:sp>
-        <p:nvSpPr>
-          <p:cNvPr id="10" name="TextBox 9">
-            <a:extLst>
-              <a:ext uri="{FF2B5EF4-FFF2-40B4-BE49-F238E27FC236}">
-                <a16:creationId xmlns:a16="http://schemas.microsoft.com/office/drawing/2014/main" id="{E53CA946-899C-FB48-983D-C9AE10CE10FB}"/>
-              </a:ext>
-            </a:extLst>
-          </p:cNvPr>
-          <p:cNvSpPr txBox="1"/>
-          <p:nvPr/>
-        </p:nvSpPr>
-        <p:spPr>
-          <a:xfrm>
-            <a:off x="528114" y="3000221"/>
-            <a:ext cx="4043885" cy="2308324"/>
-          </a:xfrm>
-          <a:prstGeom prst="rect">
-            <a:avLst/>
-          </a:prstGeom>
-          <a:noFill/>
-        </p:spPr>
-        <p:txBody>
-          <a:bodyPr wrap="square" rtlCol="0">
-            <a:spAutoFit/>
-          </a:bodyPr>
-          <a:lstStyle/>
-          <a:p>
-            <a:pPr marL="285750" indent="-285750">
-              <a:buFont typeface="Arial" panose="020B0604020202020204" pitchFamily="34" charset="0"/>
-              <a:buChar char="•"/>
-            </a:pPr>
-            <a:r>
-              <a:rPr lang="en-GB" dirty="0"/>
-              <a:t>Two-sample Kolmogorov-Smirnov test</a:t>
-            </a:r>
-            <a:br>
-              <a:rPr lang="en-GB" dirty="0"/>
-            </a:br>
-            <a:r>
-              <a:rPr lang="en-GB" dirty="0"/>
-              <a:t>Null hypothesis:</a:t>
-            </a:r>
-            <a:br>
-              <a:rPr lang="en-GB" dirty="0"/>
-            </a:br>
-            <a:r>
-              <a:rPr lang="en-GB" dirty="0"/>
-              <a:t>INDELs and SNPs </a:t>
-            </a:r>
-            <a:r>
-              <a:rPr lang="en-US" dirty="0"/>
-              <a:t>are drawn from the same continuous distribution</a:t>
-            </a:r>
-            <a:endParaRPr lang="en-GB" dirty="0"/>
-          </a:p>
-          <a:p>
-            <a:pPr marL="742950" lvl="1" indent="-285750">
-              <a:buFont typeface="Arial" panose="020B0604020202020204" pitchFamily="34" charset="0"/>
-              <a:buChar char="•"/>
-            </a:pPr>
-            <a:r>
-              <a:rPr lang="en-GB" dirty="0"/>
-              <a:t>Using relative proportions, the null cannot be rejected</a:t>
-            </a:r>
-          </a:p>
-          <a:p>
-            <a:pPr marL="742950" lvl="1" indent="-285750">
-              <a:buFont typeface="Arial" panose="020B0604020202020204" pitchFamily="34" charset="0"/>
-              <a:buChar char="•"/>
-            </a:pPr>
-            <a:r>
-              <a:rPr lang="en-GB" dirty="0"/>
-              <a:t>Using square root counts, the null can be rejected</a:t>
-            </a:r>
-          </a:p>
-        </p:txBody>
-      </p:sp>
+          <p:cNvGraphicFramePr>
+            <a:graphicFrameLocks noGrp="1"/>
+          </p:cNvGraphicFramePr>
+          <p:nvPr>
+            <p:extLst>
+              <p:ext uri="{D42A27DB-BD31-4B8C-83A1-F6EECF244321}">
+                <p14:modId xmlns:p14="http://schemas.microsoft.com/office/powerpoint/2010/main" val="1354552893"/>
+              </p:ext>
+            </p:extLst>
+          </p:nvPr>
+        </p:nvGraphicFramePr>
+        <p:xfrm>
+          <a:off x="6168572" y="1769535"/>
+          <a:ext cx="5968998" cy="3318930"/>
+        </p:xfrm>
+        <a:graphic>
+          <a:graphicData uri="http://schemas.openxmlformats.org/drawingml/2006/table">
+            <a:tbl>
+              <a:tblPr bandRow="1">
+                <a:tableStyleId>{5C22544A-7EE6-4342-B048-85BDC9FD1C3A}</a:tableStyleId>
+              </a:tblPr>
+              <a:tblGrid>
+                <a:gridCol w="994833">
+                  <a:extLst>
+                    <a:ext uri="{9D8B030D-6E8A-4147-A177-3AD203B41FA5}">
+                      <a16:colId xmlns:a16="http://schemas.microsoft.com/office/drawing/2014/main" val="1122499975"/>
+                    </a:ext>
+                  </a:extLst>
+                </a:gridCol>
+                <a:gridCol w="994833">
+                  <a:extLst>
+                    <a:ext uri="{9D8B030D-6E8A-4147-A177-3AD203B41FA5}">
+                      <a16:colId xmlns:a16="http://schemas.microsoft.com/office/drawing/2014/main" val="3672245095"/>
+                    </a:ext>
+                  </a:extLst>
+                </a:gridCol>
+                <a:gridCol w="994833">
+                  <a:extLst>
+                    <a:ext uri="{9D8B030D-6E8A-4147-A177-3AD203B41FA5}">
+                      <a16:colId xmlns:a16="http://schemas.microsoft.com/office/drawing/2014/main" val="3744831420"/>
+                    </a:ext>
+                  </a:extLst>
+                </a:gridCol>
+                <a:gridCol w="994833">
+                  <a:extLst>
+                    <a:ext uri="{9D8B030D-6E8A-4147-A177-3AD203B41FA5}">
+                      <a16:colId xmlns:a16="http://schemas.microsoft.com/office/drawing/2014/main" val="1670834702"/>
+                    </a:ext>
+                  </a:extLst>
+                </a:gridCol>
+                <a:gridCol w="994833">
+                  <a:extLst>
+                    <a:ext uri="{9D8B030D-6E8A-4147-A177-3AD203B41FA5}">
+                      <a16:colId xmlns:a16="http://schemas.microsoft.com/office/drawing/2014/main" val="337628753"/>
+                    </a:ext>
+                  </a:extLst>
+                </a:gridCol>
+                <a:gridCol w="994833">
+                  <a:extLst>
+                    <a:ext uri="{9D8B030D-6E8A-4147-A177-3AD203B41FA5}">
+                      <a16:colId xmlns:a16="http://schemas.microsoft.com/office/drawing/2014/main" val="3415385851"/>
+                    </a:ext>
+                  </a:extLst>
+                </a:gridCol>
+              </a:tblGrid>
+              <a:tr h="331893">
+                <a:tc>
+                  <a:txBody>
+                    <a:bodyPr/>
+                    <a:lstStyle/>
+                    <a:p>
+                      <a:r>
+                        <a:rPr lang="en-GB" sz="1400" dirty="0"/>
+                        <a:t>Island</a:t>
+                      </a:r>
+                    </a:p>
+                  </a:txBody>
+                  <a:tcPr/>
+                </a:tc>
+                <a:tc>
+                  <a:txBody>
+                    <a:bodyPr/>
+                    <a:lstStyle/>
+                    <a:p>
+                      <a:r>
+                        <a:rPr lang="en-GB" sz="1400" dirty="0"/>
+                        <a:t>Ecotype</a:t>
+                      </a:r>
+                    </a:p>
+                  </a:txBody>
+                  <a:tcPr/>
+                </a:tc>
+                <a:tc>
+                  <a:txBody>
+                    <a:bodyPr/>
+                    <a:lstStyle/>
+                    <a:p>
+                      <a:r>
+                        <a:rPr lang="en-GB" sz="1400" dirty="0"/>
+                        <a:t>N-1</a:t>
+                      </a:r>
+                    </a:p>
+                  </a:txBody>
+                  <a:tcPr/>
+                </a:tc>
+                <a:tc>
+                  <a:txBody>
+                    <a:bodyPr/>
+                    <a:lstStyle/>
+                    <a:p>
+                      <a:r>
+                        <a:rPr lang="en-GB" sz="1400" dirty="0"/>
+                        <a:t>INDELs</a:t>
+                      </a:r>
+                    </a:p>
+                  </a:txBody>
+                  <a:tcPr/>
+                </a:tc>
+                <a:tc>
+                  <a:txBody>
+                    <a:bodyPr/>
+                    <a:lstStyle/>
+                    <a:p>
+                      <a:r>
+                        <a:rPr lang="en-GB" sz="1400" dirty="0"/>
+                        <a:t>SNPs</a:t>
+                      </a:r>
+                    </a:p>
+                  </a:txBody>
+                  <a:tcPr/>
+                </a:tc>
+                <a:tc>
+                  <a:txBody>
+                    <a:bodyPr/>
+                    <a:lstStyle/>
+                    <a:p>
+                      <a:r>
+                        <a:rPr lang="en-GB" sz="1400" dirty="0"/>
+                        <a:t>TOT</a:t>
+                      </a:r>
+                    </a:p>
+                  </a:txBody>
+                  <a:tcPr/>
+                </a:tc>
+                <a:extLst>
+                  <a:ext uri="{0D108BD9-81ED-4DB2-BD59-A6C34878D82A}">
+                    <a16:rowId xmlns:a16="http://schemas.microsoft.com/office/drawing/2014/main" val="405067872"/>
+                  </a:ext>
+                </a:extLst>
+              </a:tr>
+              <a:tr h="331893">
+                <a:tc>
+                  <a:txBody>
+                    <a:bodyPr/>
+                    <a:lstStyle/>
+                    <a:p>
+                      <a:r>
+                        <a:rPr lang="en-GB" sz="1400" dirty="0"/>
+                        <a:t>CZA</a:t>
+                      </a:r>
+                    </a:p>
+                  </a:txBody>
+                  <a:tcPr/>
+                </a:tc>
+                <a:tc>
+                  <a:txBody>
+                    <a:bodyPr/>
+                    <a:lstStyle/>
+                    <a:p>
+                      <a:r>
+                        <a:rPr lang="en-GB" sz="1400" dirty="0"/>
+                        <a:t>CRAB</a:t>
+                      </a:r>
+                    </a:p>
+                  </a:txBody>
+                  <a:tcPr/>
+                </a:tc>
+                <a:tc>
+                  <a:txBody>
+                    <a:bodyPr/>
+                    <a:lstStyle/>
+                    <a:p>
+                      <a:r>
+                        <a:rPr lang="en-GB" sz="1400" dirty="0"/>
+                        <a:t>68</a:t>
+                      </a:r>
+                    </a:p>
+                  </a:txBody>
+                  <a:tcPr/>
+                </a:tc>
+                <a:tc>
+                  <a:txBody>
+                    <a:bodyPr/>
+                    <a:lstStyle/>
+                    <a:p>
+                      <a:r>
+                        <a:rPr lang="en-GB" sz="1400" dirty="0"/>
+                        <a:t>9180</a:t>
+                      </a:r>
+                    </a:p>
+                  </a:txBody>
+                  <a:tcPr/>
+                </a:tc>
+                <a:tc>
+                  <a:txBody>
+                    <a:bodyPr/>
+                    <a:lstStyle/>
+                    <a:p>
+                      <a:r>
+                        <a:rPr lang="en-GB" sz="1400" dirty="0"/>
+                        <a:t>43755</a:t>
+                      </a:r>
+                    </a:p>
+                  </a:txBody>
+                  <a:tcPr/>
+                </a:tc>
+                <a:tc>
+                  <a:txBody>
+                    <a:bodyPr/>
+                    <a:lstStyle/>
+                    <a:p>
+                      <a:r>
+                        <a:rPr lang="en-GB" sz="1400" dirty="0"/>
+                        <a:t>52935</a:t>
+                      </a:r>
+                    </a:p>
+                  </a:txBody>
+                  <a:tcPr/>
+                </a:tc>
+                <a:extLst>
+                  <a:ext uri="{0D108BD9-81ED-4DB2-BD59-A6C34878D82A}">
+                    <a16:rowId xmlns:a16="http://schemas.microsoft.com/office/drawing/2014/main" val="2580575327"/>
+                  </a:ext>
+                </a:extLst>
+              </a:tr>
+              <a:tr h="331893">
+                <a:tc>
+                  <a:txBody>
+                    <a:bodyPr/>
+                    <a:lstStyle/>
+                    <a:p>
+                      <a:r>
+                        <a:rPr lang="en-GB" sz="1400" dirty="0"/>
+                        <a:t>CZA</a:t>
+                      </a:r>
+                    </a:p>
+                  </a:txBody>
+                  <a:tcPr/>
+                </a:tc>
+                <a:tc>
+                  <a:txBody>
+                    <a:bodyPr/>
+                    <a:lstStyle/>
+                    <a:p>
+                      <a:r>
+                        <a:rPr lang="en-GB" sz="1400" dirty="0"/>
+                        <a:t>WAVE L</a:t>
+                      </a:r>
+                    </a:p>
+                  </a:txBody>
+                  <a:tcPr/>
+                </a:tc>
+                <a:tc>
+                  <a:txBody>
+                    <a:bodyPr/>
+                    <a:lstStyle/>
+                    <a:p>
+                      <a:r>
+                        <a:rPr lang="en-GB" sz="1400" dirty="0"/>
+                        <a:t>61</a:t>
+                      </a:r>
+                    </a:p>
+                  </a:txBody>
+                  <a:tcPr/>
+                </a:tc>
+                <a:tc>
+                  <a:txBody>
+                    <a:bodyPr/>
+                    <a:lstStyle/>
+                    <a:p>
+                      <a:r>
+                        <a:rPr lang="en-GB" sz="1400" dirty="0"/>
+                        <a:t>9114</a:t>
+                      </a:r>
+                    </a:p>
+                  </a:txBody>
+                  <a:tcPr/>
+                </a:tc>
+                <a:tc>
+                  <a:txBody>
+                    <a:bodyPr/>
+                    <a:lstStyle/>
+                    <a:p>
+                      <a:r>
+                        <a:rPr lang="en-GB" sz="1400" dirty="0"/>
+                        <a:t>43474</a:t>
+                      </a:r>
+                    </a:p>
+                  </a:txBody>
+                  <a:tcPr/>
+                </a:tc>
+                <a:tc>
+                  <a:txBody>
+                    <a:bodyPr/>
+                    <a:lstStyle/>
+                    <a:p>
+                      <a:r>
+                        <a:rPr lang="en-GB" sz="1400" dirty="0"/>
+                        <a:t>52588</a:t>
+                      </a:r>
+                    </a:p>
+                  </a:txBody>
+                  <a:tcPr/>
+                </a:tc>
+                <a:extLst>
+                  <a:ext uri="{0D108BD9-81ED-4DB2-BD59-A6C34878D82A}">
+                    <a16:rowId xmlns:a16="http://schemas.microsoft.com/office/drawing/2014/main" val="1193857690"/>
+                  </a:ext>
+                </a:extLst>
+              </a:tr>
+              <a:tr h="331893">
+                <a:tc>
+                  <a:txBody>
+                    <a:bodyPr/>
+                    <a:lstStyle/>
+                    <a:p>
+                      <a:r>
+                        <a:rPr lang="en-GB" sz="1400" dirty="0"/>
+                        <a:t>CZA</a:t>
+                      </a:r>
+                    </a:p>
+                  </a:txBody>
+                  <a:tcPr/>
+                </a:tc>
+                <a:tc>
+                  <a:txBody>
+                    <a:bodyPr/>
+                    <a:lstStyle/>
+                    <a:p>
+                      <a:r>
+                        <a:rPr lang="en-GB" sz="1400" dirty="0"/>
+                        <a:t>WAVE R</a:t>
+                      </a:r>
+                    </a:p>
+                  </a:txBody>
+                  <a:tcPr/>
+                </a:tc>
+                <a:tc>
+                  <a:txBody>
+                    <a:bodyPr/>
+                    <a:lstStyle/>
+                    <a:p>
+                      <a:r>
+                        <a:rPr lang="en-GB" sz="1400" dirty="0"/>
+                        <a:t>22</a:t>
+                      </a:r>
+                    </a:p>
+                  </a:txBody>
+                  <a:tcPr/>
+                </a:tc>
+                <a:tc>
+                  <a:txBody>
+                    <a:bodyPr/>
+                    <a:lstStyle/>
+                    <a:p>
+                      <a:r>
+                        <a:rPr lang="en-GB" sz="1400" dirty="0"/>
+                        <a:t>10859</a:t>
+                      </a:r>
+                    </a:p>
+                  </a:txBody>
+                  <a:tcPr/>
+                </a:tc>
+                <a:tc>
+                  <a:txBody>
+                    <a:bodyPr/>
+                    <a:lstStyle/>
+                    <a:p>
+                      <a:r>
+                        <a:rPr lang="en-GB" sz="1400" dirty="0"/>
+                        <a:t>51438</a:t>
+                      </a:r>
+                    </a:p>
+                  </a:txBody>
+                  <a:tcPr/>
+                </a:tc>
+                <a:tc>
+                  <a:txBody>
+                    <a:bodyPr/>
+                    <a:lstStyle/>
+                    <a:p>
+                      <a:r>
+                        <a:rPr lang="en-GB" sz="1400" dirty="0"/>
+                        <a:t>62297</a:t>
+                      </a:r>
+                    </a:p>
+                  </a:txBody>
+                  <a:tcPr/>
+                </a:tc>
+                <a:extLst>
+                  <a:ext uri="{0D108BD9-81ED-4DB2-BD59-A6C34878D82A}">
+                    <a16:rowId xmlns:a16="http://schemas.microsoft.com/office/drawing/2014/main" val="500052006"/>
+                  </a:ext>
+                </a:extLst>
+              </a:tr>
+              <a:tr h="331893">
+                <a:tc>
+                  <a:txBody>
+                    <a:bodyPr/>
+                    <a:lstStyle/>
+                    <a:p>
+                      <a:r>
+                        <a:rPr lang="en-GB" sz="1400" dirty="0"/>
+                        <a:t>CZB</a:t>
+                      </a:r>
+                    </a:p>
+                  </a:txBody>
+                  <a:tcPr/>
+                </a:tc>
+                <a:tc>
+                  <a:txBody>
+                    <a:bodyPr/>
+                    <a:lstStyle/>
+                    <a:p>
+                      <a:r>
+                        <a:rPr lang="en-GB" sz="1400" dirty="0"/>
+                        <a:t>CRAB</a:t>
+                      </a:r>
+                    </a:p>
+                  </a:txBody>
+                  <a:tcPr/>
+                </a:tc>
+                <a:tc>
+                  <a:txBody>
+                    <a:bodyPr/>
+                    <a:lstStyle/>
+                    <a:p>
+                      <a:r>
+                        <a:rPr lang="en-GB" sz="1400" dirty="0"/>
+                        <a:t>63</a:t>
+                      </a:r>
+                    </a:p>
+                  </a:txBody>
+                  <a:tcPr/>
+                </a:tc>
+                <a:tc>
+                  <a:txBody>
+                    <a:bodyPr/>
+                    <a:lstStyle/>
+                    <a:p>
+                      <a:r>
+                        <a:rPr lang="en-GB" sz="1400" dirty="0"/>
+                        <a:t>11021</a:t>
+                      </a:r>
+                    </a:p>
+                  </a:txBody>
+                  <a:tcPr/>
+                </a:tc>
+                <a:tc>
+                  <a:txBody>
+                    <a:bodyPr/>
+                    <a:lstStyle/>
+                    <a:p>
+                      <a:r>
+                        <a:rPr lang="en-GB" sz="1400" dirty="0"/>
+                        <a:t>52120</a:t>
+                      </a:r>
+                    </a:p>
+                  </a:txBody>
+                  <a:tcPr/>
+                </a:tc>
+                <a:tc>
+                  <a:txBody>
+                    <a:bodyPr/>
+                    <a:lstStyle/>
+                    <a:p>
+                      <a:r>
+                        <a:rPr lang="en-GB" sz="1400" dirty="0"/>
+                        <a:t>63141</a:t>
+                      </a:r>
+                    </a:p>
+                  </a:txBody>
+                  <a:tcPr/>
+                </a:tc>
+                <a:extLst>
+                  <a:ext uri="{0D108BD9-81ED-4DB2-BD59-A6C34878D82A}">
+                    <a16:rowId xmlns:a16="http://schemas.microsoft.com/office/drawing/2014/main" val="980823171"/>
+                  </a:ext>
+                </a:extLst>
+              </a:tr>
+              <a:tr h="331893">
+                <a:tc>
+                  <a:txBody>
+                    <a:bodyPr/>
+                    <a:lstStyle/>
+                    <a:p>
+                      <a:r>
+                        <a:rPr lang="en-GB" sz="1400" dirty="0"/>
+                        <a:t>CZB</a:t>
+                      </a:r>
+                    </a:p>
+                  </a:txBody>
+                  <a:tcPr/>
+                </a:tc>
+                <a:tc>
+                  <a:txBody>
+                    <a:bodyPr/>
+                    <a:lstStyle/>
+                    <a:p>
+                      <a:r>
+                        <a:rPr lang="en-GB" sz="1400" dirty="0"/>
+                        <a:t>WAVE L</a:t>
+                      </a:r>
+                    </a:p>
+                  </a:txBody>
+                  <a:tcPr/>
+                </a:tc>
+                <a:tc>
+                  <a:txBody>
+                    <a:bodyPr/>
+                    <a:lstStyle/>
+                    <a:p>
+                      <a:r>
+                        <a:rPr lang="en-GB" sz="1400" dirty="0"/>
+                        <a:t>58</a:t>
+                      </a:r>
+                    </a:p>
+                  </a:txBody>
+                  <a:tcPr/>
+                </a:tc>
+                <a:tc>
+                  <a:txBody>
+                    <a:bodyPr/>
+                    <a:lstStyle/>
+                    <a:p>
+                      <a:r>
+                        <a:rPr lang="en-GB" sz="1400" dirty="0"/>
+                        <a:t>10969</a:t>
+                      </a:r>
+                    </a:p>
+                  </a:txBody>
+                  <a:tcPr/>
+                </a:tc>
+                <a:tc>
+                  <a:txBody>
+                    <a:bodyPr/>
+                    <a:lstStyle/>
+                    <a:p>
+                      <a:r>
+                        <a:rPr lang="en-GB" sz="1400" dirty="0"/>
+                        <a:t>51690</a:t>
+                      </a:r>
+                    </a:p>
+                  </a:txBody>
+                  <a:tcPr/>
+                </a:tc>
+                <a:tc>
+                  <a:txBody>
+                    <a:bodyPr/>
+                    <a:lstStyle/>
+                    <a:p>
+                      <a:r>
+                        <a:rPr lang="en-GB" sz="1400" dirty="0"/>
+                        <a:t>62659</a:t>
+                      </a:r>
+                    </a:p>
+                  </a:txBody>
+                  <a:tcPr/>
+                </a:tc>
+                <a:extLst>
+                  <a:ext uri="{0D108BD9-81ED-4DB2-BD59-A6C34878D82A}">
+                    <a16:rowId xmlns:a16="http://schemas.microsoft.com/office/drawing/2014/main" val="3233287661"/>
+                  </a:ext>
+                </a:extLst>
+              </a:tr>
+              <a:tr h="331893">
+                <a:tc>
+                  <a:txBody>
+                    <a:bodyPr/>
+                    <a:lstStyle/>
+                    <a:p>
+                      <a:r>
+                        <a:rPr lang="en-GB" sz="1400" dirty="0"/>
+                        <a:t>CZB</a:t>
+                      </a:r>
+                    </a:p>
+                  </a:txBody>
+                  <a:tcPr/>
+                </a:tc>
+                <a:tc>
+                  <a:txBody>
+                    <a:bodyPr/>
+                    <a:lstStyle/>
+                    <a:p>
+                      <a:r>
+                        <a:rPr lang="en-GB" sz="1400" dirty="0"/>
+                        <a:t>WAVE R</a:t>
+                      </a:r>
+                    </a:p>
+                  </a:txBody>
+                  <a:tcPr/>
+                </a:tc>
+                <a:tc>
+                  <a:txBody>
+                    <a:bodyPr/>
+                    <a:lstStyle/>
+                    <a:p>
+                      <a:r>
+                        <a:rPr lang="en-GB" sz="1400" dirty="0"/>
+                        <a:t>44</a:t>
+                      </a:r>
+                    </a:p>
+                  </a:txBody>
+                  <a:tcPr/>
+                </a:tc>
+                <a:tc>
+                  <a:txBody>
+                    <a:bodyPr/>
+                    <a:lstStyle/>
+                    <a:p>
+                      <a:r>
+                        <a:rPr lang="en-GB" sz="1400" dirty="0"/>
+                        <a:t>11611</a:t>
+                      </a:r>
+                    </a:p>
+                  </a:txBody>
+                  <a:tcPr/>
+                </a:tc>
+                <a:tc>
+                  <a:txBody>
+                    <a:bodyPr/>
+                    <a:lstStyle/>
+                    <a:p>
+                      <a:r>
+                        <a:rPr lang="en-GB" sz="1400" dirty="0"/>
+                        <a:t>54820</a:t>
+                      </a:r>
+                    </a:p>
+                  </a:txBody>
+                  <a:tcPr/>
+                </a:tc>
+                <a:tc>
+                  <a:txBody>
+                    <a:bodyPr/>
+                    <a:lstStyle/>
+                    <a:p>
+                      <a:r>
+                        <a:rPr lang="en-GB" sz="1400" dirty="0"/>
+                        <a:t>66431</a:t>
+                      </a:r>
+                    </a:p>
+                  </a:txBody>
+                  <a:tcPr/>
+                </a:tc>
+                <a:extLst>
+                  <a:ext uri="{0D108BD9-81ED-4DB2-BD59-A6C34878D82A}">
+                    <a16:rowId xmlns:a16="http://schemas.microsoft.com/office/drawing/2014/main" val="856716825"/>
+                  </a:ext>
+                </a:extLst>
+              </a:tr>
+              <a:tr h="331893">
+                <a:tc>
+                  <a:txBody>
+                    <a:bodyPr/>
+                    <a:lstStyle/>
+                    <a:p>
+                      <a:r>
+                        <a:rPr lang="en-GB" sz="1400" dirty="0"/>
+                        <a:t>CZD</a:t>
+                      </a:r>
+                    </a:p>
+                  </a:txBody>
+                  <a:tcPr/>
+                </a:tc>
+                <a:tc>
+                  <a:txBody>
+                    <a:bodyPr/>
+                    <a:lstStyle/>
+                    <a:p>
+                      <a:r>
+                        <a:rPr lang="en-GB" sz="1400" dirty="0"/>
+                        <a:t>CRAB</a:t>
+                      </a:r>
+                    </a:p>
+                  </a:txBody>
+                  <a:tcPr/>
+                </a:tc>
+                <a:tc>
+                  <a:txBody>
+                    <a:bodyPr/>
+                    <a:lstStyle/>
+                    <a:p>
+                      <a:r>
+                        <a:rPr lang="en-GB" sz="1400" dirty="0"/>
+                        <a:t>66</a:t>
+                      </a:r>
+                    </a:p>
+                  </a:txBody>
+                  <a:tcPr/>
+                </a:tc>
+                <a:tc>
+                  <a:txBody>
+                    <a:bodyPr/>
+                    <a:lstStyle/>
+                    <a:p>
+                      <a:r>
+                        <a:rPr lang="en-GB" sz="1400" dirty="0"/>
+                        <a:t>11066</a:t>
+                      </a:r>
+                    </a:p>
+                  </a:txBody>
+                  <a:tcPr/>
+                </a:tc>
+                <a:tc>
+                  <a:txBody>
+                    <a:bodyPr/>
+                    <a:lstStyle/>
+                    <a:p>
+                      <a:r>
+                        <a:rPr lang="en-GB" sz="1400" dirty="0"/>
+                        <a:t>52425</a:t>
+                      </a:r>
+                    </a:p>
+                  </a:txBody>
+                  <a:tcPr/>
+                </a:tc>
+                <a:tc>
+                  <a:txBody>
+                    <a:bodyPr/>
+                    <a:lstStyle/>
+                    <a:p>
+                      <a:r>
+                        <a:rPr lang="en-GB" sz="1400" dirty="0"/>
+                        <a:t>63491</a:t>
+                      </a:r>
+                    </a:p>
+                  </a:txBody>
+                  <a:tcPr/>
+                </a:tc>
+                <a:extLst>
+                  <a:ext uri="{0D108BD9-81ED-4DB2-BD59-A6C34878D82A}">
+                    <a16:rowId xmlns:a16="http://schemas.microsoft.com/office/drawing/2014/main" val="3665707619"/>
+                  </a:ext>
+                </a:extLst>
+              </a:tr>
+              <a:tr h="331893">
+                <a:tc>
+                  <a:txBody>
+                    <a:bodyPr/>
+                    <a:lstStyle/>
+                    <a:p>
+                      <a:r>
+                        <a:rPr lang="en-GB" sz="1400" dirty="0"/>
+                        <a:t>CZD</a:t>
+                      </a:r>
+                    </a:p>
+                  </a:txBody>
+                  <a:tcPr/>
+                </a:tc>
+                <a:tc>
+                  <a:txBody>
+                    <a:bodyPr/>
+                    <a:lstStyle/>
+                    <a:p>
+                      <a:r>
+                        <a:rPr lang="en-GB" sz="1400" dirty="0"/>
+                        <a:t>WAVE L</a:t>
+                      </a:r>
+                    </a:p>
+                  </a:txBody>
+                  <a:tcPr/>
+                </a:tc>
+                <a:tc>
+                  <a:txBody>
+                    <a:bodyPr/>
+                    <a:lstStyle/>
+                    <a:p>
+                      <a:r>
+                        <a:rPr lang="en-GB" sz="1400" dirty="0"/>
+                        <a:t>30</a:t>
+                      </a:r>
+                    </a:p>
+                  </a:txBody>
+                  <a:tcPr/>
+                </a:tc>
+                <a:tc>
+                  <a:txBody>
+                    <a:bodyPr/>
+                    <a:lstStyle/>
+                    <a:p>
+                      <a:r>
+                        <a:rPr lang="en-GB" sz="1400" dirty="0"/>
+                        <a:t>12327</a:t>
+                      </a:r>
+                    </a:p>
+                  </a:txBody>
+                  <a:tcPr/>
+                </a:tc>
+                <a:tc>
+                  <a:txBody>
+                    <a:bodyPr/>
+                    <a:lstStyle/>
+                    <a:p>
+                      <a:r>
+                        <a:rPr lang="en-GB" sz="1400" dirty="0"/>
+                        <a:t>58256</a:t>
+                      </a:r>
+                    </a:p>
+                  </a:txBody>
+                  <a:tcPr/>
+                </a:tc>
+                <a:tc>
+                  <a:txBody>
+                    <a:bodyPr/>
+                    <a:lstStyle/>
+                    <a:p>
+                      <a:r>
+                        <a:rPr lang="en-GB" sz="1400" dirty="0"/>
+                        <a:t>70583</a:t>
+                      </a:r>
+                    </a:p>
+                  </a:txBody>
+                  <a:tcPr/>
+                </a:tc>
+                <a:extLst>
+                  <a:ext uri="{0D108BD9-81ED-4DB2-BD59-A6C34878D82A}">
+                    <a16:rowId xmlns:a16="http://schemas.microsoft.com/office/drawing/2014/main" val="4055182826"/>
+                  </a:ext>
+                </a:extLst>
+              </a:tr>
+              <a:tr h="331893">
+                <a:tc>
+                  <a:txBody>
+                    <a:bodyPr/>
+                    <a:lstStyle/>
+                    <a:p>
+                      <a:r>
+                        <a:rPr lang="en-GB" sz="1400" dirty="0"/>
+                        <a:t>CZD</a:t>
+                      </a:r>
+                    </a:p>
+                  </a:txBody>
+                  <a:tcPr/>
+                </a:tc>
+                <a:tc>
+                  <a:txBody>
+                    <a:bodyPr/>
+                    <a:lstStyle/>
+                    <a:p>
+                      <a:r>
+                        <a:rPr lang="en-GB" sz="1400" dirty="0"/>
+                        <a:t>WAVE R</a:t>
+                      </a:r>
+                    </a:p>
+                  </a:txBody>
+                  <a:tcPr/>
+                </a:tc>
+                <a:tc>
+                  <a:txBody>
+                    <a:bodyPr/>
+                    <a:lstStyle/>
+                    <a:p>
+                      <a:r>
+                        <a:rPr lang="en-GB" sz="1400" dirty="0"/>
+                        <a:t>72</a:t>
+                      </a:r>
+                    </a:p>
+                  </a:txBody>
+                  <a:tcPr/>
+                </a:tc>
+                <a:tc>
+                  <a:txBody>
+                    <a:bodyPr/>
+                    <a:lstStyle/>
+                    <a:p>
+                      <a:r>
+                        <a:rPr lang="en-GB" sz="1400" dirty="0"/>
+                        <a:t>10993</a:t>
+                      </a:r>
+                    </a:p>
+                  </a:txBody>
+                  <a:tcPr/>
+                </a:tc>
+                <a:tc>
+                  <a:txBody>
+                    <a:bodyPr/>
+                    <a:lstStyle/>
+                    <a:p>
+                      <a:r>
+                        <a:rPr lang="en-GB" sz="1400" dirty="0"/>
+                        <a:t>52283</a:t>
+                      </a:r>
+                    </a:p>
+                  </a:txBody>
+                  <a:tcPr/>
+                </a:tc>
+                <a:tc>
+                  <a:txBody>
+                    <a:bodyPr/>
+                    <a:lstStyle/>
+                    <a:p>
+                      <a:r>
+                        <a:rPr lang="en-GB" sz="1400" dirty="0"/>
+                        <a:t>63276</a:t>
+                      </a:r>
+                    </a:p>
+                  </a:txBody>
+                  <a:tcPr/>
+                </a:tc>
+                <a:extLst>
+                  <a:ext uri="{0D108BD9-81ED-4DB2-BD59-A6C34878D82A}">
+                    <a16:rowId xmlns:a16="http://schemas.microsoft.com/office/drawing/2014/main" val="2443884119"/>
+                  </a:ext>
+                </a:extLst>
+              </a:tr>
+            </a:tbl>
+          </a:graphicData>
+        </a:graphic>
+      </p:graphicFrame>
     </p:spTree>
     <p:extLst>
       <p:ext uri="{BB962C8B-B14F-4D97-AF65-F5344CB8AC3E}">
-        <p14:creationId xmlns:p14="http://schemas.microsoft.com/office/powerpoint/2010/main" val="2887222785"/>
+        <p14:creationId xmlns:p14="http://schemas.microsoft.com/office/powerpoint/2010/main" val="523456648"/>
       </p:ext>
     </p:extLst>
   </p:cSld>
@@ -8754,6 +10659,36 @@
           <a:chExt cx="0" cy="0"/>
         </a:xfrm>
       </p:grpSpPr>
+      <p:pic>
+        <p:nvPicPr>
+          <p:cNvPr id="3" name="Picture 2">
+            <a:extLst>
+              <a:ext uri="{FF2B5EF4-FFF2-40B4-BE49-F238E27FC236}">
+                <a16:creationId xmlns:a16="http://schemas.microsoft.com/office/drawing/2014/main" id="{26DFFBE7-C31F-ED49-8BC9-06868F077F86}"/>
+              </a:ext>
+            </a:extLst>
+          </p:cNvPr>
+          <p:cNvPicPr>
+            <a:picLocks noChangeAspect="1"/>
+          </p:cNvPicPr>
+          <p:nvPr/>
+        </p:nvPicPr>
+        <p:blipFill>
+          <a:blip r:embed="rId2"/>
+          <a:stretch>
+            <a:fillRect/>
+          </a:stretch>
+        </p:blipFill>
+        <p:spPr>
+          <a:xfrm>
+            <a:off x="4571999" y="0"/>
+            <a:ext cx="7620000" cy="6858000"/>
+          </a:xfrm>
+          <a:prstGeom prst="rect">
+            <a:avLst/>
+          </a:prstGeom>
+        </p:spPr>
+      </p:pic>
       <p:sp>
         <p:nvSpPr>
           <p:cNvPr id="5" name="TextBox 4">
@@ -8854,7 +10789,7 @@
         <p:spPr>
           <a:xfrm>
             <a:off x="462801" y="2188649"/>
-            <a:ext cx="4043885" cy="369332"/>
+            <a:ext cx="4043885" cy="1754326"/>
           </a:xfrm>
           <a:prstGeom prst="rect">
             <a:avLst/>
@@ -8873,123 +10808,20 @@
             </a:pPr>
             <a:r>
               <a:rPr lang="en-GB" dirty="0"/>
-              <a:t>Kept only variants outside inversions</a:t>
-            </a:r>
-          </a:p>
-        </p:txBody>
-      </p:sp>
-      <p:pic>
-        <p:nvPicPr>
-          <p:cNvPr id="3" name="Picture 2">
-            <a:extLst>
-              <a:ext uri="{FF2B5EF4-FFF2-40B4-BE49-F238E27FC236}">
-                <a16:creationId xmlns:a16="http://schemas.microsoft.com/office/drawing/2014/main" id="{2972DBAF-E2C0-CD49-B069-67B39BB30C77}"/>
-              </a:ext>
-            </a:extLst>
-          </p:cNvPr>
-          <p:cNvPicPr>
-            <a:picLocks noChangeAspect="1"/>
-          </p:cNvPicPr>
-          <p:nvPr/>
-        </p:nvPicPr>
-        <p:blipFill>
-          <a:blip r:embed="rId2"/>
-          <a:stretch>
-            <a:fillRect/>
-          </a:stretch>
-        </p:blipFill>
-        <p:spPr>
-          <a:xfrm>
-            <a:off x="4713514" y="0"/>
-            <a:ext cx="7478486" cy="6858000"/>
-          </a:xfrm>
-          <a:prstGeom prst="rect">
-            <a:avLst/>
-          </a:prstGeom>
-        </p:spPr>
-      </p:pic>
-      <p:sp>
-        <p:nvSpPr>
-          <p:cNvPr id="7" name="TextBox 6">
-            <a:extLst>
-              <a:ext uri="{FF2B5EF4-FFF2-40B4-BE49-F238E27FC236}">
-                <a16:creationId xmlns:a16="http://schemas.microsoft.com/office/drawing/2014/main" id="{F20C078E-D3A6-6B43-99C0-8F4EE667D440}"/>
-              </a:ext>
-            </a:extLst>
-          </p:cNvPr>
-          <p:cNvSpPr txBox="1"/>
-          <p:nvPr/>
-        </p:nvSpPr>
-        <p:spPr>
-          <a:xfrm>
-            <a:off x="528114" y="3000221"/>
-            <a:ext cx="4043885" cy="2308324"/>
-          </a:xfrm>
-          <a:prstGeom prst="rect">
-            <a:avLst/>
-          </a:prstGeom>
-          <a:noFill/>
-        </p:spPr>
-        <p:txBody>
-          <a:bodyPr wrap="square" rtlCol="0">
-            <a:spAutoFit/>
-          </a:bodyPr>
-          <a:lstStyle/>
-          <a:p>
-            <a:pPr marL="285750" indent="-285750">
-              <a:buFont typeface="Arial" panose="020B0604020202020204" pitchFamily="34" charset="0"/>
-              <a:buChar char="•"/>
-            </a:pPr>
-            <a:r>
-              <a:rPr lang="en-GB" dirty="0"/>
-              <a:t>Two-sample Kolmogorov-Smirnov test</a:t>
-            </a:r>
-            <a:br>
-              <a:rPr lang="en-GB" dirty="0"/>
-            </a:br>
-            <a:r>
-              <a:rPr lang="en-GB" dirty="0"/>
-              <a:t>Null hypothesis:</a:t>
-            </a:r>
-            <a:br>
-              <a:rPr lang="en-GB" dirty="0"/>
-            </a:br>
-            <a:r>
-              <a:rPr lang="en-GB" dirty="0"/>
-              <a:t>INDELs and SNPs </a:t>
-            </a:r>
-            <a:r>
-              <a:rPr lang="en-US" dirty="0"/>
-              <a:t>are drawn from the same continuous distribution</a:t>
+              <a:t>Kept variants inside and outside inversions, present in at least N – 3 individuals. When the sample size of a variant was higher than N – 3, N – 3 individuals/genotypes were </a:t>
+            </a:r>
+            <a:r>
+              <a:rPr lang="en-GB"/>
+              <a:t>randomly sampled.</a:t>
             </a:r>
             <a:endParaRPr lang="en-GB" dirty="0"/>
-          </a:p>
-          <a:p>
-            <a:pPr marL="742950" lvl="1" indent="-285750">
-              <a:buFont typeface="Arial" panose="020B0604020202020204" pitchFamily="34" charset="0"/>
-              <a:buChar char="•"/>
-            </a:pPr>
-            <a:r>
-              <a:rPr lang="en-GB" dirty="0"/>
-              <a:t>Using relative proportions, the null cannot be rejected</a:t>
-            </a:r>
-          </a:p>
-          <a:p>
-            <a:pPr marL="742950" lvl="1" indent="-285750">
-              <a:buFont typeface="Arial" panose="020B0604020202020204" pitchFamily="34" charset="0"/>
-              <a:buChar char="•"/>
-            </a:pPr>
-            <a:r>
-              <a:rPr lang="en-GB" dirty="0"/>
-              <a:t>Using square root counts, the null can be rejected</a:t>
-            </a:r>
           </a:p>
         </p:txBody>
       </p:sp>
     </p:spTree>
     <p:extLst>
       <p:ext uri="{BB962C8B-B14F-4D97-AF65-F5344CB8AC3E}">
-        <p14:creationId xmlns:p14="http://schemas.microsoft.com/office/powerpoint/2010/main" val="3180028549"/>
+        <p14:creationId xmlns:p14="http://schemas.microsoft.com/office/powerpoint/2010/main" val="2887222785"/>
       </p:ext>
     </p:extLst>
   </p:cSld>

--- a/short_genetic_variants/docs/short_indels_v02.pptx
+++ b/short_genetic_variants/docs/short_indels_v02.pptx
@@ -209,7 +209,7 @@
           <a:p>
             <a:fld id="{ADC703C6-BB32-1847-9BA4-6A93FF920BED}" type="datetimeFigureOut">
               <a:rPr lang="en-GB" smtClean="0"/>
-              <a:t>09/09/2020</a:t>
+              <a:t>10/09/2020</a:t>
             </a:fld>
             <a:endParaRPr lang="en-GB"/>
           </a:p>
@@ -710,7 +710,7 @@
           <a:p>
             <a:fld id="{5C316670-22DA-CE45-BF19-C0B19D676291}" type="datetimeFigureOut">
               <a:rPr lang="en-GB" smtClean="0"/>
-              <a:t>09/09/2020</a:t>
+              <a:t>10/09/2020</a:t>
             </a:fld>
             <a:endParaRPr lang="en-GB"/>
           </a:p>
@@ -910,7 +910,7 @@
           <a:p>
             <a:fld id="{5C316670-22DA-CE45-BF19-C0B19D676291}" type="datetimeFigureOut">
               <a:rPr lang="en-GB" smtClean="0"/>
-              <a:t>09/09/2020</a:t>
+              <a:t>10/09/2020</a:t>
             </a:fld>
             <a:endParaRPr lang="en-GB"/>
           </a:p>
@@ -1120,7 +1120,7 @@
           <a:p>
             <a:fld id="{5C316670-22DA-CE45-BF19-C0B19D676291}" type="datetimeFigureOut">
               <a:rPr lang="en-GB" smtClean="0"/>
-              <a:t>09/09/2020</a:t>
+              <a:t>10/09/2020</a:t>
             </a:fld>
             <a:endParaRPr lang="en-GB"/>
           </a:p>
@@ -1320,7 +1320,7 @@
           <a:p>
             <a:fld id="{5C316670-22DA-CE45-BF19-C0B19D676291}" type="datetimeFigureOut">
               <a:rPr lang="en-GB" smtClean="0"/>
-              <a:t>09/09/2020</a:t>
+              <a:t>10/09/2020</a:t>
             </a:fld>
             <a:endParaRPr lang="en-GB"/>
           </a:p>
@@ -1596,7 +1596,7 @@
           <a:p>
             <a:fld id="{5C316670-22DA-CE45-BF19-C0B19D676291}" type="datetimeFigureOut">
               <a:rPr lang="en-GB" smtClean="0"/>
-              <a:t>09/09/2020</a:t>
+              <a:t>10/09/2020</a:t>
             </a:fld>
             <a:endParaRPr lang="en-GB"/>
           </a:p>
@@ -1864,7 +1864,7 @@
           <a:p>
             <a:fld id="{5C316670-22DA-CE45-BF19-C0B19D676291}" type="datetimeFigureOut">
               <a:rPr lang="en-GB" smtClean="0"/>
-              <a:t>09/09/2020</a:t>
+              <a:t>10/09/2020</a:t>
             </a:fld>
             <a:endParaRPr lang="en-GB"/>
           </a:p>
@@ -2279,7 +2279,7 @@
           <a:p>
             <a:fld id="{5C316670-22DA-CE45-BF19-C0B19D676291}" type="datetimeFigureOut">
               <a:rPr lang="en-GB" smtClean="0"/>
-              <a:t>09/09/2020</a:t>
+              <a:t>10/09/2020</a:t>
             </a:fld>
             <a:endParaRPr lang="en-GB"/>
           </a:p>
@@ -2421,7 +2421,7 @@
           <a:p>
             <a:fld id="{5C316670-22DA-CE45-BF19-C0B19D676291}" type="datetimeFigureOut">
               <a:rPr lang="en-GB" smtClean="0"/>
-              <a:t>09/09/2020</a:t>
+              <a:t>10/09/2020</a:t>
             </a:fld>
             <a:endParaRPr lang="en-GB"/>
           </a:p>
@@ -2534,7 +2534,7 @@
           <a:p>
             <a:fld id="{5C316670-22DA-CE45-BF19-C0B19D676291}" type="datetimeFigureOut">
               <a:rPr lang="en-GB" smtClean="0"/>
-              <a:t>09/09/2020</a:t>
+              <a:t>10/09/2020</a:t>
             </a:fld>
             <a:endParaRPr lang="en-GB"/>
           </a:p>
@@ -2847,7 +2847,7 @@
           <a:p>
             <a:fld id="{5C316670-22DA-CE45-BF19-C0B19D676291}" type="datetimeFigureOut">
               <a:rPr lang="en-GB" smtClean="0"/>
-              <a:t>09/09/2020</a:t>
+              <a:t>10/09/2020</a:t>
             </a:fld>
             <a:endParaRPr lang="en-GB"/>
           </a:p>
@@ -3136,7 +3136,7 @@
           <a:p>
             <a:fld id="{5C316670-22DA-CE45-BF19-C0B19D676291}" type="datetimeFigureOut">
               <a:rPr lang="en-GB" smtClean="0"/>
-              <a:t>09/09/2020</a:t>
+              <a:t>10/09/2020</a:t>
             </a:fld>
             <a:endParaRPr lang="en-GB"/>
           </a:p>
@@ -3379,7 +3379,7 @@
           <a:p>
             <a:fld id="{5C316670-22DA-CE45-BF19-C0B19D676291}" type="datetimeFigureOut">
               <a:rPr lang="en-GB" smtClean="0"/>
-              <a:t>09/09/2020</a:t>
+              <a:t>10/09/2020</a:t>
             </a:fld>
             <a:endParaRPr lang="en-GB"/>
           </a:p>
@@ -8298,8 +8298,8 @@
         </p:nvSpPr>
         <p:spPr>
           <a:xfrm>
-            <a:off x="6926444" y="409596"/>
-            <a:ext cx="4460012" cy="4247317"/>
+            <a:off x="8798787" y="459584"/>
+            <a:ext cx="3393213" cy="3539430"/>
           </a:xfrm>
           <a:prstGeom prst="rect">
             <a:avLst/>
@@ -8317,13 +8317,13 @@
               <a:buChar char="•"/>
             </a:pPr>
             <a:r>
-              <a:rPr lang="en-GB" dirty="0"/>
+              <a:rPr lang="en-GB" sz="1400" dirty="0"/>
               <a:t>INDELs and SNPs after filtering but before cline analysis</a:t>
             </a:r>
             <a:br>
-              <a:rPr lang="en-GB" dirty="0"/>
+              <a:rPr lang="en-GB" sz="1400" dirty="0"/>
             </a:br>
-            <a:endParaRPr lang="en-GB" dirty="0"/>
+            <a:endParaRPr lang="en-GB" sz="1400" dirty="0"/>
           </a:p>
           <a:p>
             <a:pPr marL="285750" indent="-285750">
@@ -8331,7 +8331,7 @@
               <a:buChar char="•"/>
             </a:pPr>
             <a:r>
-              <a:rPr lang="en-GB" dirty="0">
+              <a:rPr lang="en-GB" sz="1400" dirty="0">
                 <a:solidFill>
                   <a:schemeClr val="bg2">
                     <a:lumMod val="90000"/>
@@ -8341,7 +8341,7 @@
               <a:t>Kept variants inside and outside inversions</a:t>
             </a:r>
             <a:br>
-              <a:rPr lang="en-GB" dirty="0">
+              <a:rPr lang="en-GB" sz="1400" dirty="0">
                 <a:solidFill>
                   <a:schemeClr val="bg2">
                     <a:lumMod val="90000"/>
@@ -8350,7 +8350,7 @@
               </a:rPr>
             </a:br>
             <a:r>
-              <a:rPr lang="en-GB" dirty="0">
+              <a:rPr lang="en-GB" sz="1400" dirty="0">
                 <a:solidFill>
                   <a:schemeClr val="bg2">
                     <a:lumMod val="90000"/>
@@ -8360,7 +8360,7 @@
               <a:t>Unique INDELs = 20005</a:t>
             </a:r>
             <a:br>
-              <a:rPr lang="en-GB" dirty="0">
+              <a:rPr lang="en-GB" sz="1400" dirty="0">
                 <a:solidFill>
                   <a:schemeClr val="bg2">
                     <a:lumMod val="90000"/>
@@ -8369,7 +8369,7 @@
               </a:rPr>
             </a:br>
             <a:r>
-              <a:rPr lang="en-GB" dirty="0">
+              <a:rPr lang="en-GB" sz="1400" dirty="0">
                 <a:solidFill>
                   <a:schemeClr val="bg2">
                     <a:lumMod val="90000"/>
@@ -8384,7 +8384,7 @@
               <a:buFont typeface="Arial" panose="020B0604020202020204" pitchFamily="34" charset="0"/>
               <a:buChar char="•"/>
             </a:pPr>
-            <a:endParaRPr lang="en-GB" dirty="0"/>
+            <a:endParaRPr lang="en-GB" sz="1400" dirty="0"/>
           </a:p>
           <a:p>
             <a:pPr marL="285750" indent="-285750">
@@ -8392,25 +8392,25 @@
               <a:buChar char="•"/>
             </a:pPr>
             <a:r>
-              <a:rPr lang="en-GB" dirty="0"/>
+              <a:rPr lang="en-GB" sz="1400" dirty="0"/>
               <a:t>With map position and </a:t>
             </a:r>
             <a:r>
-              <a:rPr lang="en-GB" u="sng" dirty="0"/>
+              <a:rPr lang="en-GB" sz="1400" u="sng" dirty="0"/>
               <a:t>inversions</a:t>
             </a:r>
             <a:br>
-              <a:rPr lang="en-GB" dirty="0"/>
+              <a:rPr lang="en-GB" sz="1400" dirty="0"/>
             </a:br>
             <a:r>
-              <a:rPr lang="en-GB" dirty="0"/>
+              <a:rPr lang="en-GB" sz="1400" dirty="0"/>
               <a:t>Unique INDELs = 7206</a:t>
             </a:r>
             <a:br>
-              <a:rPr lang="en-GB" dirty="0"/>
+              <a:rPr lang="en-GB" sz="1400" dirty="0"/>
             </a:br>
             <a:r>
-              <a:rPr lang="en-GB" dirty="0"/>
+              <a:rPr lang="en-GB" sz="1400" dirty="0"/>
               <a:t>Unique SNPs = 34287</a:t>
             </a:r>
           </a:p>
@@ -8419,7 +8419,7 @@
               <a:buFont typeface="Arial" panose="020B0604020202020204" pitchFamily="34" charset="0"/>
               <a:buChar char="•"/>
             </a:pPr>
-            <a:endParaRPr lang="en-GB" dirty="0"/>
+            <a:endParaRPr lang="en-GB" sz="1400" dirty="0"/>
           </a:p>
           <a:p>
             <a:pPr marL="285750" indent="-285750">
@@ -8427,7 +8427,7 @@
               <a:buChar char="•"/>
             </a:pPr>
             <a:r>
-              <a:rPr lang="en-GB" dirty="0">
+              <a:rPr lang="en-GB" sz="1400" dirty="0">
                 <a:solidFill>
                   <a:schemeClr val="bg2">
                     <a:lumMod val="90000"/>
@@ -8437,7 +8437,7 @@
               <a:t>Without map position</a:t>
             </a:r>
             <a:br>
-              <a:rPr lang="en-GB" dirty="0">
+              <a:rPr lang="en-GB" sz="1400" dirty="0">
                 <a:solidFill>
                   <a:schemeClr val="bg2">
                     <a:lumMod val="90000"/>
@@ -8446,7 +8446,7 @@
               </a:rPr>
             </a:br>
             <a:r>
-              <a:rPr lang="en-GB" dirty="0">
+              <a:rPr lang="en-GB" sz="1400" dirty="0">
                 <a:solidFill>
                   <a:schemeClr val="bg2">
                     <a:lumMod val="90000"/>
@@ -8456,7 +8456,7 @@
               <a:t>Unique INDELs = 12796</a:t>
             </a:r>
             <a:br>
-              <a:rPr lang="en-GB" dirty="0">
+              <a:rPr lang="en-GB" sz="1400" dirty="0">
                 <a:solidFill>
                   <a:schemeClr val="bg2">
                     <a:lumMod val="90000"/>
@@ -8465,7 +8465,7 @@
               </a:rPr>
             </a:br>
             <a:r>
-              <a:rPr lang="en-GB" dirty="0">
+              <a:rPr lang="en-GB" sz="1400" dirty="0">
                 <a:solidFill>
                   <a:schemeClr val="bg2">
                     <a:lumMod val="90000"/>
@@ -8480,7 +8480,7 @@
               <a:buFont typeface="Arial" panose="020B0604020202020204" pitchFamily="34" charset="0"/>
               <a:buChar char="•"/>
             </a:pPr>
-            <a:endParaRPr lang="en-GB" dirty="0"/>
+            <a:endParaRPr lang="en-GB" sz="1400" dirty="0"/>
           </a:p>
         </p:txBody>
       </p:sp>
@@ -8498,7 +8498,7 @@
         </p:nvSpPr>
         <p:spPr>
           <a:xfrm>
-            <a:off x="528115" y="409596"/>
+            <a:off x="310401" y="409596"/>
             <a:ext cx="4164153" cy="369332"/>
           </a:xfrm>
           <a:prstGeom prst="rect">
@@ -8537,14 +8537,14 @@
           <p:nvPr>
             <p:extLst>
               <p:ext uri="{D42A27DB-BD31-4B8C-83A1-F6EECF244321}">
-                <p14:modId xmlns:p14="http://schemas.microsoft.com/office/powerpoint/2010/main" val="2724688889"/>
+                <p14:modId xmlns:p14="http://schemas.microsoft.com/office/powerpoint/2010/main" val="1228259936"/>
               </p:ext>
             </p:extLst>
           </p:nvPr>
         </p:nvGraphicFramePr>
         <p:xfrm>
-          <a:off x="6926444" y="4673350"/>
-          <a:ext cx="4248000" cy="1872000"/>
+          <a:off x="8798787" y="4463144"/>
+          <a:ext cx="3234620" cy="2013423"/>
         </p:xfrm>
         <a:graphic>
           <a:graphicData uri="http://schemas.openxmlformats.org/drawingml/2006/table">
@@ -8553,28 +8553,28 @@
                 <a:tableStyleId>{F5AB1C69-6EDB-4FF4-983F-18BD219EF322}</a:tableStyleId>
               </a:tblPr>
               <a:tblGrid>
-                <a:gridCol w="1062000">
+                <a:gridCol w="808655">
                   <a:extLst>
                     <a:ext uri="{9D8B030D-6E8A-4147-A177-3AD203B41FA5}">
                       <a16:colId xmlns:a16="http://schemas.microsoft.com/office/drawing/2014/main" val="165484807"/>
                     </a:ext>
                   </a:extLst>
                 </a:gridCol>
-                <a:gridCol w="1062000">
+                <a:gridCol w="808655">
                   <a:extLst>
                     <a:ext uri="{9D8B030D-6E8A-4147-A177-3AD203B41FA5}">
                       <a16:colId xmlns:a16="http://schemas.microsoft.com/office/drawing/2014/main" val="2725821749"/>
                     </a:ext>
                   </a:extLst>
                 </a:gridCol>
-                <a:gridCol w="1062000">
+                <a:gridCol w="808655">
                   <a:extLst>
                     <a:ext uri="{9D8B030D-6E8A-4147-A177-3AD203B41FA5}">
                       <a16:colId xmlns:a16="http://schemas.microsoft.com/office/drawing/2014/main" val="1984912032"/>
                     </a:ext>
                   </a:extLst>
                 </a:gridCol>
-                <a:gridCol w="1062000">
+                <a:gridCol w="808655">
                   <a:extLst>
                     <a:ext uri="{9D8B030D-6E8A-4147-A177-3AD203B41FA5}">
                       <a16:colId xmlns:a16="http://schemas.microsoft.com/office/drawing/2014/main" val="520875440"/>
@@ -8582,7 +8582,7 @@
                   </a:extLst>
                 </a:gridCol>
               </a:tblGrid>
-              <a:tr h="468000">
+              <a:tr h="869997">
                 <a:tc>
                   <a:txBody>
                     <a:bodyPr/>
@@ -8707,7 +8707,7 @@
                   </a:ext>
                 </a:extLst>
               </a:tr>
-              <a:tr h="468000">
+              <a:tr h="381142">
                 <a:tc>
                   <a:txBody>
                     <a:bodyPr/>
@@ -8792,7 +8792,7 @@
                   </a:ext>
                 </a:extLst>
               </a:tr>
-              <a:tr h="468000">
+              <a:tr h="381142">
                 <a:tc>
                   <a:txBody>
                     <a:bodyPr/>
@@ -8877,7 +8877,7 @@
                   </a:ext>
                 </a:extLst>
               </a:tr>
-              <a:tr h="468000">
+              <a:tr h="381142">
                 <a:tc>
                   <a:txBody>
                     <a:bodyPr/>
@@ -9007,10 +9007,10 @@
       </p:graphicFrame>
       <p:pic>
         <p:nvPicPr>
-          <p:cNvPr id="3" name="Picture 2">
+          <p:cNvPr id="4" name="Picture 3">
             <a:extLst>
               <a:ext uri="{FF2B5EF4-FFF2-40B4-BE49-F238E27FC236}">
-                <a16:creationId xmlns:a16="http://schemas.microsoft.com/office/drawing/2014/main" id="{755D0BA1-36EC-2D4A-B0AB-F0ABDFEF2965}"/>
+                <a16:creationId xmlns:a16="http://schemas.microsoft.com/office/drawing/2014/main" id="{0B157A16-A7B4-AC43-A8BB-DECB7038343E}"/>
               </a:ext>
             </a:extLst>
           </p:cNvPr>
@@ -9027,8 +9027,8 @@
         </p:blipFill>
         <p:spPr>
           <a:xfrm>
-            <a:off x="0" y="778928"/>
-            <a:ext cx="6031468" cy="6031468"/>
+            <a:off x="-1" y="778928"/>
+            <a:ext cx="8684387" cy="6079071"/>
           </a:xfrm>
           <a:prstGeom prst="rect">
             <a:avLst/>
